--- a/jms.pptx
+++ b/jms.pptx
@@ -4,6 +4,9 @@
   <p:sldMasterIdLst>
     <p:sldMasterId id="2147483648" r:id="rId1"/>
   </p:sldMasterIdLst>
+  <p:sldIdLst>
+    <p:sldId id="256" r:id="rId2"/>
+  </p:sldIdLst>
   <p:sldSz cx="9144000" cy="6858000" type="screen4x3"/>
   <p:notesSz cx="6858000" cy="9144000"/>
   <p:defaultTextStyle>
@@ -286,7 +289,7 @@
             <a:fld id="{1D8BD707-D9CF-40AE-B4C6-C98DA3205C09}" type="datetimeFigureOut">
               <a:rPr lang="en-US" smtClean="0"/>
               <a:pPr/>
-              <a:t>9/18/2006</a:t>
+              <a:t>7/16/2014</a:t>
             </a:fld>
             <a:endParaRPr lang="en-US"/>
           </a:p>
@@ -453,7 +456,7 @@
             <a:fld id="{1D8BD707-D9CF-40AE-B4C6-C98DA3205C09}" type="datetimeFigureOut">
               <a:rPr lang="en-US" smtClean="0"/>
               <a:pPr/>
-              <a:t>9/18/2006</a:t>
+              <a:t>7/16/2014</a:t>
             </a:fld>
             <a:endParaRPr lang="en-US"/>
           </a:p>
@@ -630,7 +633,7 @@
             <a:fld id="{1D8BD707-D9CF-40AE-B4C6-C98DA3205C09}" type="datetimeFigureOut">
               <a:rPr lang="en-US" smtClean="0"/>
               <a:pPr/>
-              <a:t>9/18/2006</a:t>
+              <a:t>7/16/2014</a:t>
             </a:fld>
             <a:endParaRPr lang="en-US"/>
           </a:p>
@@ -797,7 +800,7 @@
             <a:fld id="{1D8BD707-D9CF-40AE-B4C6-C98DA3205C09}" type="datetimeFigureOut">
               <a:rPr lang="en-US" smtClean="0"/>
               <a:pPr/>
-              <a:t>9/18/2006</a:t>
+              <a:t>7/16/2014</a:t>
             </a:fld>
             <a:endParaRPr lang="en-US"/>
           </a:p>
@@ -1040,7 +1043,7 @@
             <a:fld id="{1D8BD707-D9CF-40AE-B4C6-C98DA3205C09}" type="datetimeFigureOut">
               <a:rPr lang="en-US" smtClean="0"/>
               <a:pPr/>
-              <a:t>9/18/2006</a:t>
+              <a:t>7/16/2014</a:t>
             </a:fld>
             <a:endParaRPr lang="en-US"/>
           </a:p>
@@ -1325,7 +1328,7 @@
             <a:fld id="{1D8BD707-D9CF-40AE-B4C6-C98DA3205C09}" type="datetimeFigureOut">
               <a:rPr lang="en-US" smtClean="0"/>
               <a:pPr/>
-              <a:t>9/18/2006</a:t>
+              <a:t>7/16/2014</a:t>
             </a:fld>
             <a:endParaRPr lang="en-US"/>
           </a:p>
@@ -1744,7 +1747,7 @@
             <a:fld id="{1D8BD707-D9CF-40AE-B4C6-C98DA3205C09}" type="datetimeFigureOut">
               <a:rPr lang="en-US" smtClean="0"/>
               <a:pPr/>
-              <a:t>9/18/2006</a:t>
+              <a:t>7/16/2014</a:t>
             </a:fld>
             <a:endParaRPr lang="en-US"/>
           </a:p>
@@ -1859,7 +1862,7 @@
             <a:fld id="{1D8BD707-D9CF-40AE-B4C6-C98DA3205C09}" type="datetimeFigureOut">
               <a:rPr lang="en-US" smtClean="0"/>
               <a:pPr/>
-              <a:t>9/18/2006</a:t>
+              <a:t>7/16/2014</a:t>
             </a:fld>
             <a:endParaRPr lang="en-US"/>
           </a:p>
@@ -1951,7 +1954,7 @@
             <a:fld id="{1D8BD707-D9CF-40AE-B4C6-C98DA3205C09}" type="datetimeFigureOut">
               <a:rPr lang="en-US" smtClean="0"/>
               <a:pPr/>
-              <a:t>9/18/2006</a:t>
+              <a:t>7/16/2014</a:t>
             </a:fld>
             <a:endParaRPr lang="en-US"/>
           </a:p>
@@ -2225,7 +2228,7 @@
             <a:fld id="{1D8BD707-D9CF-40AE-B4C6-C98DA3205C09}" type="datetimeFigureOut">
               <a:rPr lang="en-US" smtClean="0"/>
               <a:pPr/>
-              <a:t>9/18/2006</a:t>
+              <a:t>7/16/2014</a:t>
             </a:fld>
             <a:endParaRPr lang="en-US"/>
           </a:p>
@@ -2475,7 +2478,7 @@
             <a:fld id="{1D8BD707-D9CF-40AE-B4C6-C98DA3205C09}" type="datetimeFigureOut">
               <a:rPr lang="en-US" smtClean="0"/>
               <a:pPr/>
-              <a:t>9/18/2006</a:t>
+              <a:t>7/16/2014</a:t>
             </a:fld>
             <a:endParaRPr lang="en-US"/>
           </a:p>
@@ -2685,7 +2688,7 @@
             <a:fld id="{1D8BD707-D9CF-40AE-B4C6-C98DA3205C09}" type="datetimeFigureOut">
               <a:rPr lang="en-US" smtClean="0"/>
               <a:pPr/>
-              <a:t>9/18/2006</a:t>
+              <a:t>7/16/2014</a:t>
             </a:fld>
             <a:endParaRPr lang="en-US"/>
           </a:p>
@@ -3037,6 +3040,112 @@
     </p:otherStyle>
   </p:txStyles>
 </p:sldMaster>
+</file>
+
+<file path=ppt/slides/slide1.xml><?xml version="1.0" encoding="utf-8"?>
+<p:sld xmlns:a="http://schemas.openxmlformats.org/drawingml/2006/main" xmlns:r="http://schemas.openxmlformats.org/officeDocument/2006/relationships" xmlns:p="http://schemas.openxmlformats.org/presentationml/2006/main">
+  <p:cSld>
+    <p:spTree>
+      <p:nvGrpSpPr>
+        <p:cNvPr id="1" name=""/>
+        <p:cNvGrpSpPr/>
+        <p:nvPr/>
+      </p:nvGrpSpPr>
+      <p:grpSpPr>
+        <a:xfrm>
+          <a:off x="0" y="0"/>
+          <a:ext cx="0" cy="0"/>
+          <a:chOff x="0" y="0"/>
+          <a:chExt cx="0" cy="0"/>
+        </a:xfrm>
+      </p:grpSpPr>
+      <p:sp>
+        <p:nvSpPr>
+          <p:cNvPr id="2" name="Title 1"/>
+          <p:cNvSpPr>
+            <a:spLocks noGrp="1"/>
+          </p:cNvSpPr>
+          <p:nvPr>
+            <p:ph type="ctrTitle"/>
+          </p:nvPr>
+        </p:nvSpPr>
+        <p:spPr/>
+        <p:txBody>
+          <a:bodyPr/>
+          <a:lstStyle/>
+          <a:p>
+            <a:r>
+              <a:rPr lang="en-US" dirty="0" smtClean="0"/>
+              <a:t>JMS</a:t>
+            </a:r>
+            <a:endParaRPr lang="en-US" dirty="0"/>
+          </a:p>
+        </p:txBody>
+      </p:sp>
+      <p:sp>
+        <p:nvSpPr>
+          <p:cNvPr id="3" name="Subtitle 2"/>
+          <p:cNvSpPr>
+            <a:spLocks noGrp="1"/>
+          </p:cNvSpPr>
+          <p:nvPr>
+            <p:ph type="subTitle" idx="1"/>
+          </p:nvPr>
+        </p:nvSpPr>
+        <p:spPr/>
+        <p:txBody>
+          <a:bodyPr/>
+          <a:lstStyle/>
+          <a:p>
+            <a:r>
+              <a:rPr lang="en-US" dirty="0" err="1" smtClean="0"/>
+              <a:t>Rifatul</a:t>
+            </a:r>
+            <a:r>
+              <a:rPr lang="en-US" dirty="0" smtClean="0"/>
+              <a:t> Islam </a:t>
+            </a:r>
+            <a:r>
+              <a:rPr lang="en-US" dirty="0" err="1" smtClean="0"/>
+              <a:t>Shovon</a:t>
+            </a:r>
+            <a:endParaRPr lang="en-US" dirty="0" smtClean="0"/>
+          </a:p>
+          <a:p>
+            <a:r>
+              <a:rPr lang="en-US" dirty="0" smtClean="0"/>
+              <a:t>M </a:t>
+            </a:r>
+            <a:r>
+              <a:rPr lang="en-US" dirty="0" err="1" smtClean="0"/>
+              <a:t>Shakhawat</a:t>
+            </a:r>
+            <a:r>
+              <a:rPr lang="en-US" dirty="0" smtClean="0"/>
+              <a:t> </a:t>
+            </a:r>
+            <a:r>
+              <a:rPr lang="en-US" dirty="0" err="1" smtClean="0"/>
+              <a:t>Hossain</a:t>
+            </a:r>
+            <a:r>
+              <a:rPr lang="en-US" dirty="0" smtClean="0"/>
+              <a:t> </a:t>
+            </a:r>
+            <a:r>
+              <a:rPr lang="en-US" dirty="0" err="1" smtClean="0"/>
+              <a:t>safat</a:t>
+            </a:r>
+            <a:endParaRPr lang="en-US" dirty="0"/>
+          </a:p>
+        </p:txBody>
+      </p:sp>
+    </p:spTree>
+  </p:cSld>
+  <p:clrMapOvr>
+    <a:masterClrMapping/>
+  </p:clrMapOvr>
+</p:sld>
 </file>
 
 <file path=ppt/theme/theme1.xml><?xml version="1.0" encoding="utf-8"?>

--- a/jms.pptx
+++ b/jms.pptx
@@ -2,10 +2,11 @@
 <file path=ppt/presentation.xml><?xml version="1.0" encoding="utf-8"?>
 <p:presentation xmlns:a="http://schemas.openxmlformats.org/drawingml/2006/main" xmlns:r="http://schemas.openxmlformats.org/officeDocument/2006/relationships" xmlns:p="http://schemas.openxmlformats.org/presentationml/2006/main" saveSubsetFonts="1">
   <p:sldMasterIdLst>
-    <p:sldMasterId id="2147483648" r:id="rId1"/>
+    <p:sldMasterId id="2147483660" r:id="rId1"/>
   </p:sldMasterIdLst>
   <p:sldIdLst>
     <p:sldId id="256" r:id="rId2"/>
+    <p:sldId id="257" r:id="rId3"/>
   </p:sldIdLst>
   <p:sldSz cx="9144000" cy="6858000" type="screen4x3"/>
   <p:notesSz cx="6858000" cy="9144000"/>
@@ -110,6 +111,11 @@
 <file path=ppt/slideLayouts/slideLayout1.xml><?xml version="1.0" encoding="utf-8"?>
 <p:sldLayout xmlns:a="http://schemas.openxmlformats.org/drawingml/2006/main" xmlns:r="http://schemas.openxmlformats.org/officeDocument/2006/relationships" xmlns:p="http://schemas.openxmlformats.org/presentationml/2006/main" type="title" preserve="1">
   <p:cSld name="Title Slide">
+    <p:bg>
+      <p:bgRef idx="1002">
+        <a:schemeClr val="bg2"/>
+      </p:bgRef>
+    </p:bg>
     <p:spTree>
       <p:nvGrpSpPr>
         <p:cNvPr id="1" name=""/>
@@ -126,7 +132,7 @@
       </p:grpSpPr>
       <p:sp>
         <p:nvSpPr>
-          <p:cNvPr id="2" name="Title 1"/>
+          <p:cNvPr id="9" name="Title 8"/>
           <p:cNvSpPr>
             <a:spLocks noGrp="1"/>
           </p:cNvSpPr>
@@ -136,144 +142,131 @@
         </p:nvSpPr>
         <p:spPr>
           <a:xfrm>
-            <a:off x="685800" y="2130425"/>
-            <a:ext cx="7772400" cy="1470025"/>
+            <a:off x="533400" y="1371600"/>
+            <a:ext cx="7851648" cy="1828800"/>
+          </a:xfrm>
+          <a:ln>
+            <a:noFill/>
+          </a:ln>
+        </p:spPr>
+        <p:txBody>
+          <a:bodyPr vert="horz" tIns="0" rIns="18288" bIns="0" anchor="b">
+            <a:normAutofit/>
+            <a:scene3d>
+              <a:camera prst="orthographicFront"/>
+              <a:lightRig rig="freezing" dir="t">
+                <a:rot lat="0" lon="0" rev="5640000"/>
+              </a:lightRig>
+            </a:scene3d>
+            <a:sp3d prstMaterial="flat">
+              <a:bevelT w="38100" h="38100"/>
+              <a:contourClr>
+                <a:schemeClr val="tx2"/>
+              </a:contourClr>
+            </a:sp3d>
+          </a:bodyPr>
+          <a:lstStyle>
+            <a:lvl1pPr algn="r" rtl="0">
+              <a:spcBef>
+                <a:spcPct val="0"/>
+              </a:spcBef>
+              <a:buNone/>
+              <a:defRPr sz="5600" b="1">
+                <a:ln>
+                  <a:noFill/>
+                </a:ln>
+                <a:solidFill>
+                  <a:schemeClr val="accent3">
+                    <a:tint val="90000"/>
+                    <a:satMod val="120000"/>
+                  </a:schemeClr>
+                </a:solidFill>
+                <a:effectLst>
+                  <a:outerShdw blurRad="38100" dist="25400" dir="5400000" algn="tl" rotWithShape="0">
+                    <a:srgbClr val="000000">
+                      <a:alpha val="43000"/>
+                    </a:srgbClr>
+                  </a:outerShdw>
+                </a:effectLst>
+                <a:latin typeface="+mj-lt"/>
+                <a:ea typeface="+mj-ea"/>
+                <a:cs typeface="+mj-cs"/>
+              </a:defRPr>
+            </a:lvl1pPr>
+          </a:lstStyle>
+          <a:p>
+            <a:r>
+              <a:rPr kumimoji="0" lang="en-US" smtClean="0"/>
+              <a:t>Click to edit Master title style</a:t>
+            </a:r>
+            <a:endParaRPr kumimoji="0" lang="en-US"/>
+          </a:p>
+        </p:txBody>
+      </p:sp>
+      <p:sp>
+        <p:nvSpPr>
+          <p:cNvPr id="17" name="Subtitle 16"/>
+          <p:cNvSpPr>
+            <a:spLocks noGrp="1"/>
+          </p:cNvSpPr>
+          <p:nvPr>
+            <p:ph type="subTitle" idx="1"/>
+          </p:nvPr>
+        </p:nvSpPr>
+        <p:spPr>
+          <a:xfrm>
+            <a:off x="533400" y="3228536"/>
+            <a:ext cx="7854696" cy="1752600"/>
           </a:xfrm>
         </p:spPr>
         <p:txBody>
-          <a:bodyPr/>
-          <a:lstStyle/>
-          <a:p>
-            <a:r>
-              <a:rPr lang="en-US" smtClean="0"/>
-              <a:t>Click to edit Master title style</a:t>
-            </a:r>
-            <a:endParaRPr lang="en-US"/>
-          </a:p>
-        </p:txBody>
-      </p:sp>
-      <p:sp>
-        <p:nvSpPr>
-          <p:cNvPr id="3" name="Subtitle 2"/>
-          <p:cNvSpPr>
-            <a:spLocks noGrp="1"/>
-          </p:cNvSpPr>
-          <p:nvPr>
-            <p:ph type="subTitle" idx="1"/>
-          </p:nvPr>
-        </p:nvSpPr>
-        <p:spPr>
-          <a:xfrm>
-            <a:off x="1371600" y="3886200"/>
-            <a:ext cx="6400800" cy="1752600"/>
-          </a:xfrm>
-        </p:spPr>
-        <p:txBody>
-          <a:bodyPr/>
+          <a:bodyPr lIns="0" rIns="18288"/>
           <a:lstStyle>
-            <a:lvl1pPr marL="0" indent="0" algn="ctr">
+            <a:lvl1pPr marL="0" marR="45720" indent="0" algn="r">
               <a:buNone/>
               <a:defRPr>
                 <a:solidFill>
-                  <a:schemeClr val="tx1">
-                    <a:tint val="75000"/>
-                  </a:schemeClr>
+                  <a:schemeClr val="tx1"/>
                 </a:solidFill>
               </a:defRPr>
             </a:lvl1pPr>
             <a:lvl2pPr marL="457200" indent="0" algn="ctr">
               <a:buNone/>
-              <a:defRPr>
-                <a:solidFill>
-                  <a:schemeClr val="tx1">
-                    <a:tint val="75000"/>
-                  </a:schemeClr>
-                </a:solidFill>
-              </a:defRPr>
             </a:lvl2pPr>
             <a:lvl3pPr marL="914400" indent="0" algn="ctr">
               <a:buNone/>
-              <a:defRPr>
-                <a:solidFill>
-                  <a:schemeClr val="tx1">
-                    <a:tint val="75000"/>
-                  </a:schemeClr>
-                </a:solidFill>
-              </a:defRPr>
             </a:lvl3pPr>
             <a:lvl4pPr marL="1371600" indent="0" algn="ctr">
               <a:buNone/>
-              <a:defRPr>
-                <a:solidFill>
-                  <a:schemeClr val="tx1">
-                    <a:tint val="75000"/>
-                  </a:schemeClr>
-                </a:solidFill>
-              </a:defRPr>
             </a:lvl4pPr>
             <a:lvl5pPr marL="1828800" indent="0" algn="ctr">
               <a:buNone/>
-              <a:defRPr>
-                <a:solidFill>
-                  <a:schemeClr val="tx1">
-                    <a:tint val="75000"/>
-                  </a:schemeClr>
-                </a:solidFill>
-              </a:defRPr>
             </a:lvl5pPr>
             <a:lvl6pPr marL="2286000" indent="0" algn="ctr">
               <a:buNone/>
-              <a:defRPr>
-                <a:solidFill>
-                  <a:schemeClr val="tx1">
-                    <a:tint val="75000"/>
-                  </a:schemeClr>
-                </a:solidFill>
-              </a:defRPr>
             </a:lvl6pPr>
             <a:lvl7pPr marL="2743200" indent="0" algn="ctr">
               <a:buNone/>
-              <a:defRPr>
-                <a:solidFill>
-                  <a:schemeClr val="tx1">
-                    <a:tint val="75000"/>
-                  </a:schemeClr>
-                </a:solidFill>
-              </a:defRPr>
             </a:lvl7pPr>
             <a:lvl8pPr marL="3200400" indent="0" algn="ctr">
               <a:buNone/>
-              <a:defRPr>
-                <a:solidFill>
-                  <a:schemeClr val="tx1">
-                    <a:tint val="75000"/>
-                  </a:schemeClr>
-                </a:solidFill>
-              </a:defRPr>
             </a:lvl8pPr>
             <a:lvl9pPr marL="3657600" indent="0" algn="ctr">
               <a:buNone/>
-              <a:defRPr>
-                <a:solidFill>
-                  <a:schemeClr val="tx1">
-                    <a:tint val="75000"/>
-                  </a:schemeClr>
-                </a:solidFill>
-              </a:defRPr>
             </a:lvl9pPr>
           </a:lstStyle>
           <a:p>
             <a:r>
-              <a:rPr lang="en-US" smtClean="0"/>
+              <a:rPr kumimoji="0" lang="en-US" smtClean="0"/>
               <a:t>Click to edit Master subtitle style</a:t>
             </a:r>
-            <a:endParaRPr lang="en-US"/>
-          </a:p>
-        </p:txBody>
-      </p:sp>
-      <p:sp>
-        <p:nvSpPr>
-          <p:cNvPr id="4" name="Date Placeholder 3"/>
+            <a:endParaRPr kumimoji="0" lang="en-US"/>
+          </a:p>
+        </p:txBody>
+      </p:sp>
+      <p:sp>
+        <p:nvSpPr>
+          <p:cNvPr id="30" name="Date Placeholder 29"/>
           <p:cNvSpPr>
             <a:spLocks noGrp="1"/>
           </p:cNvSpPr>
@@ -297,7 +290,7 @@
       </p:sp>
       <p:sp>
         <p:nvSpPr>
-          <p:cNvPr id="5" name="Footer Placeholder 4"/>
+          <p:cNvPr id="19" name="Footer Placeholder 18"/>
           <p:cNvSpPr>
             <a:spLocks noGrp="1"/>
           </p:cNvSpPr>
@@ -316,7 +309,7 @@
       </p:sp>
       <p:sp>
         <p:nvSpPr>
-          <p:cNvPr id="6" name="Slide Number Placeholder 5"/>
+          <p:cNvPr id="27" name="Slide Number Placeholder 26"/>
           <p:cNvSpPr>
             <a:spLocks noGrp="1"/>
           </p:cNvSpPr>
@@ -341,7 +334,7 @@
     </p:spTree>
   </p:cSld>
   <p:clrMapOvr>
-    <a:masterClrMapping/>
+    <a:overrideClrMapping bg1="dk1" tx1="lt1" bg2="dk2" tx2="lt2" accent1="accent1" accent2="accent2" accent3="accent3" accent4="accent4" accent5="accent5" accent6="accent6" hlink="hlink" folHlink="folHlink"/>
   </p:clrMapOvr>
 </p:sldLayout>
 </file>
@@ -379,10 +372,10 @@
           <a:lstStyle/>
           <a:p>
             <a:r>
-              <a:rPr lang="en-US" smtClean="0"/>
+              <a:rPr kumimoji="0" lang="en-US" smtClean="0"/>
               <a:t>Click to edit Master title style</a:t>
             </a:r>
-            <a:endParaRPr lang="en-US"/>
+            <a:endParaRPr kumimoji="0" lang="en-US"/>
           </a:p>
         </p:txBody>
       </p:sp>
@@ -401,40 +394,40 @@
           <a:bodyPr vert="eaVert"/>
           <a:lstStyle/>
           <a:p>
-            <a:pPr lvl="0"/>
+            <a:pPr lvl="0" eaLnBrk="1" latinLnBrk="0" hangingPunct="1"/>
             <a:r>
               <a:rPr lang="en-US" smtClean="0"/>
               <a:t>Click to edit Master text styles</a:t>
             </a:r>
           </a:p>
           <a:p>
-            <a:pPr lvl="1"/>
+            <a:pPr lvl="1" eaLnBrk="1" latinLnBrk="0" hangingPunct="1"/>
             <a:r>
               <a:rPr lang="en-US" smtClean="0"/>
               <a:t>Second level</a:t>
             </a:r>
           </a:p>
           <a:p>
-            <a:pPr lvl="2"/>
+            <a:pPr lvl="2" eaLnBrk="1" latinLnBrk="0" hangingPunct="1"/>
             <a:r>
               <a:rPr lang="en-US" smtClean="0"/>
               <a:t>Third level</a:t>
             </a:r>
           </a:p>
           <a:p>
-            <a:pPr lvl="3"/>
+            <a:pPr lvl="3" eaLnBrk="1" latinLnBrk="0" hangingPunct="1"/>
             <a:r>
               <a:rPr lang="en-US" smtClean="0"/>
               <a:t>Fourth level</a:t>
             </a:r>
           </a:p>
           <a:p>
-            <a:pPr lvl="4"/>
+            <a:pPr lvl="4" eaLnBrk="1" latinLnBrk="0" hangingPunct="1"/>
             <a:r>
               <a:rPr lang="en-US" smtClean="0"/>
               <a:t>Fifth level</a:t>
             </a:r>
-            <a:endParaRPr lang="en-US"/>
+            <a:endParaRPr kumimoji="0" lang="en-US"/>
           </a:p>
         </p:txBody>
       </p:sp>
@@ -542,8 +535,8 @@
         </p:nvSpPr>
         <p:spPr>
           <a:xfrm>
-            <a:off x="6629400" y="274638"/>
-            <a:ext cx="2057400" cy="5851525"/>
+            <a:off x="6629400" y="914401"/>
+            <a:ext cx="2057400" cy="5211763"/>
           </a:xfrm>
         </p:spPr>
         <p:txBody>
@@ -551,10 +544,10 @@
           <a:lstStyle/>
           <a:p>
             <a:r>
-              <a:rPr lang="en-US" smtClean="0"/>
+              <a:rPr kumimoji="0" lang="en-US" smtClean="0"/>
               <a:t>Click to edit Master title style</a:t>
             </a:r>
-            <a:endParaRPr lang="en-US"/>
+            <a:endParaRPr kumimoji="0" lang="en-US"/>
           </a:p>
         </p:txBody>
       </p:sp>
@@ -570,48 +563,48 @@
         </p:nvSpPr>
         <p:spPr>
           <a:xfrm>
-            <a:off x="457200" y="274638"/>
-            <a:ext cx="6019800" cy="5851525"/>
+            <a:off x="457200" y="914401"/>
+            <a:ext cx="6019800" cy="5211763"/>
           </a:xfrm>
         </p:spPr>
         <p:txBody>
           <a:bodyPr vert="eaVert"/>
           <a:lstStyle/>
           <a:p>
-            <a:pPr lvl="0"/>
+            <a:pPr lvl="0" eaLnBrk="1" latinLnBrk="0" hangingPunct="1"/>
             <a:r>
               <a:rPr lang="en-US" smtClean="0"/>
               <a:t>Click to edit Master text styles</a:t>
             </a:r>
           </a:p>
           <a:p>
-            <a:pPr lvl="1"/>
+            <a:pPr lvl="1" eaLnBrk="1" latinLnBrk="0" hangingPunct="1"/>
             <a:r>
               <a:rPr lang="en-US" smtClean="0"/>
               <a:t>Second level</a:t>
             </a:r>
           </a:p>
           <a:p>
-            <a:pPr lvl="2"/>
+            <a:pPr lvl="2" eaLnBrk="1" latinLnBrk="0" hangingPunct="1"/>
             <a:r>
               <a:rPr lang="en-US" smtClean="0"/>
               <a:t>Third level</a:t>
             </a:r>
           </a:p>
           <a:p>
-            <a:pPr lvl="3"/>
+            <a:pPr lvl="3" eaLnBrk="1" latinLnBrk="0" hangingPunct="1"/>
             <a:r>
               <a:rPr lang="en-US" smtClean="0"/>
               <a:t>Fourth level</a:t>
             </a:r>
           </a:p>
           <a:p>
-            <a:pPr lvl="4"/>
+            <a:pPr lvl="4" eaLnBrk="1" latinLnBrk="0" hangingPunct="1"/>
             <a:r>
               <a:rPr lang="en-US" smtClean="0"/>
               <a:t>Fifth level</a:t>
             </a:r>
-            <a:endParaRPr lang="en-US"/>
+            <a:endParaRPr kumimoji="0" lang="en-US"/>
           </a:p>
         </p:txBody>
       </p:sp>
@@ -723,10 +716,10 @@
           <a:lstStyle/>
           <a:p>
             <a:r>
-              <a:rPr lang="en-US" smtClean="0"/>
+              <a:rPr kumimoji="0" lang="en-US" smtClean="0"/>
               <a:t>Click to edit Master title style</a:t>
             </a:r>
-            <a:endParaRPr lang="en-US"/>
+            <a:endParaRPr kumimoji="0" lang="en-US"/>
           </a:p>
         </p:txBody>
       </p:sp>
@@ -745,40 +738,40 @@
           <a:bodyPr/>
           <a:lstStyle/>
           <a:p>
-            <a:pPr lvl="0"/>
+            <a:pPr lvl="0" eaLnBrk="1" latinLnBrk="0" hangingPunct="1"/>
             <a:r>
               <a:rPr lang="en-US" smtClean="0"/>
               <a:t>Click to edit Master text styles</a:t>
             </a:r>
           </a:p>
           <a:p>
-            <a:pPr lvl="1"/>
+            <a:pPr lvl="1" eaLnBrk="1" latinLnBrk="0" hangingPunct="1"/>
             <a:r>
               <a:rPr lang="en-US" smtClean="0"/>
               <a:t>Second level</a:t>
             </a:r>
           </a:p>
           <a:p>
-            <a:pPr lvl="2"/>
+            <a:pPr lvl="2" eaLnBrk="1" latinLnBrk="0" hangingPunct="1"/>
             <a:r>
               <a:rPr lang="en-US" smtClean="0"/>
               <a:t>Third level</a:t>
             </a:r>
           </a:p>
           <a:p>
-            <a:pPr lvl="3"/>
+            <a:pPr lvl="3" eaLnBrk="1" latinLnBrk="0" hangingPunct="1"/>
             <a:r>
               <a:rPr lang="en-US" smtClean="0"/>
               <a:t>Fourth level</a:t>
             </a:r>
           </a:p>
           <a:p>
-            <a:pPr lvl="4"/>
+            <a:pPr lvl="4" eaLnBrk="1" latinLnBrk="0" hangingPunct="1"/>
             <a:r>
               <a:rPr lang="en-US" smtClean="0"/>
               <a:t>Fifth level</a:t>
             </a:r>
-            <a:endParaRPr lang="en-US"/>
+            <a:endParaRPr kumimoji="0" lang="en-US"/>
           </a:p>
         </p:txBody>
       </p:sp>
@@ -860,6 +853,11 @@
 <file path=ppt/slideLayouts/slideLayout3.xml><?xml version="1.0" encoding="utf-8"?>
 <p:sldLayout xmlns:a="http://schemas.openxmlformats.org/drawingml/2006/main" xmlns:r="http://schemas.openxmlformats.org/officeDocument/2006/relationships" xmlns:p="http://schemas.openxmlformats.org/presentationml/2006/main" type="secHead" preserve="1">
   <p:cSld name="Section Header">
+    <p:bg>
+      <p:bgRef idx="1002">
+        <a:schemeClr val="bg2"/>
+      </p:bgRef>
+    </p:bg>
     <p:spTree>
       <p:nvGrpSpPr>
         <p:cNvPr id="1" name=""/>
@@ -886,56 +884,92 @@
         </p:nvSpPr>
         <p:spPr>
           <a:xfrm>
-            <a:off x="722313" y="4406900"/>
-            <a:ext cx="7772400" cy="1362075"/>
+            <a:off x="530352" y="1316736"/>
+            <a:ext cx="7772400" cy="1362456"/>
+          </a:xfrm>
+          <a:ln>
+            <a:noFill/>
+          </a:ln>
+        </p:spPr>
+        <p:txBody>
+          <a:bodyPr vert="horz" tIns="0" bIns="0" anchor="b">
+            <a:noAutofit/>
+            <a:scene3d>
+              <a:camera prst="orthographicFront"/>
+              <a:lightRig rig="freezing" dir="t">
+                <a:rot lat="0" lon="0" rev="5640000"/>
+              </a:lightRig>
+            </a:scene3d>
+            <a:sp3d prstMaterial="flat">
+              <a:bevelT w="38100" h="38100"/>
+            </a:sp3d>
+          </a:bodyPr>
+          <a:lstStyle>
+            <a:lvl1pPr algn="l" rtl="0">
+              <a:spcBef>
+                <a:spcPct val="0"/>
+              </a:spcBef>
+              <a:buNone/>
+              <a:defRPr lang="en-US" sz="5600" b="1" cap="none" baseline="0" dirty="0">
+                <a:ln w="635">
+                  <a:noFill/>
+                </a:ln>
+                <a:solidFill>
+                  <a:schemeClr val="accent4">
+                    <a:tint val="90000"/>
+                    <a:satMod val="125000"/>
+                  </a:schemeClr>
+                </a:solidFill>
+                <a:effectLst>
+                  <a:outerShdw blurRad="38100" dist="25400" dir="5400000" algn="tl" rotWithShape="0">
+                    <a:srgbClr val="000000">
+                      <a:alpha val="43000"/>
+                    </a:srgbClr>
+                  </a:outerShdw>
+                </a:effectLst>
+                <a:latin typeface="+mj-lt"/>
+                <a:ea typeface="+mj-ea"/>
+                <a:cs typeface="+mj-cs"/>
+              </a:defRPr>
+            </a:lvl1pPr>
+          </a:lstStyle>
+          <a:p>
+            <a:r>
+              <a:rPr kumimoji="0" lang="en-US" smtClean="0"/>
+              <a:t>Click to edit Master title style</a:t>
+            </a:r>
+            <a:endParaRPr kumimoji="0" lang="en-US"/>
+          </a:p>
+        </p:txBody>
+      </p:sp>
+      <p:sp>
+        <p:nvSpPr>
+          <p:cNvPr id="3" name="Text Placeholder 2"/>
+          <p:cNvSpPr>
+            <a:spLocks noGrp="1"/>
+          </p:cNvSpPr>
+          <p:nvPr>
+            <p:ph type="body" idx="1"/>
+          </p:nvPr>
+        </p:nvSpPr>
+        <p:spPr>
+          <a:xfrm>
+            <a:off x="530352" y="2704664"/>
+            <a:ext cx="7772400" cy="1509712"/>
           </a:xfrm>
         </p:spPr>
         <p:txBody>
-          <a:bodyPr anchor="t"/>
-          <a:lstStyle>
-            <a:lvl1pPr algn="l">
-              <a:defRPr sz="4000" b="1" cap="all"/>
-            </a:lvl1pPr>
-          </a:lstStyle>
-          <a:p>
-            <a:r>
-              <a:rPr lang="en-US" smtClean="0"/>
-              <a:t>Click to edit Master title style</a:t>
-            </a:r>
-            <a:endParaRPr lang="en-US"/>
-          </a:p>
-        </p:txBody>
-      </p:sp>
-      <p:sp>
-        <p:nvSpPr>
-          <p:cNvPr id="3" name="Text Placeholder 2"/>
-          <p:cNvSpPr>
-            <a:spLocks noGrp="1"/>
-          </p:cNvSpPr>
-          <p:nvPr>
-            <p:ph type="body" idx="1"/>
-          </p:nvPr>
-        </p:nvSpPr>
-        <p:spPr>
-          <a:xfrm>
-            <a:off x="722313" y="2906713"/>
-            <a:ext cx="7772400" cy="1500187"/>
-          </a:xfrm>
-        </p:spPr>
-        <p:txBody>
-          <a:bodyPr anchor="b"/>
+          <a:bodyPr lIns="45720" rIns="45720" anchor="t"/>
           <a:lstStyle>
             <a:lvl1pPr marL="0" indent="0">
               <a:buNone/>
-              <a:defRPr sz="2000">
+              <a:defRPr sz="2200">
                 <a:solidFill>
-                  <a:schemeClr val="tx1">
-                    <a:tint val="75000"/>
-                  </a:schemeClr>
+                  <a:schemeClr val="tx1"/>
                 </a:solidFill>
               </a:defRPr>
             </a:lvl1pPr>
-            <a:lvl2pPr marL="457200" indent="0">
+            <a:lvl2pPr>
               <a:buNone/>
               <a:defRPr sz="1800">
                 <a:solidFill>
@@ -945,7 +979,7 @@
                 </a:solidFill>
               </a:defRPr>
             </a:lvl2pPr>
-            <a:lvl3pPr marL="914400" indent="0">
+            <a:lvl3pPr>
               <a:buNone/>
               <a:defRPr sz="1600">
                 <a:solidFill>
@@ -955,7 +989,7 @@
                 </a:solidFill>
               </a:defRPr>
             </a:lvl3pPr>
-            <a:lvl4pPr marL="1371600" indent="0">
+            <a:lvl4pPr>
               <a:buNone/>
               <a:defRPr sz="1400">
                 <a:solidFill>
@@ -965,7 +999,7 @@
                 </a:solidFill>
               </a:defRPr>
             </a:lvl4pPr>
-            <a:lvl5pPr marL="1828800" indent="0">
+            <a:lvl5pPr>
               <a:buNone/>
               <a:defRPr sz="1400">
                 <a:solidFill>
@@ -975,51 +1009,11 @@
                 </a:solidFill>
               </a:defRPr>
             </a:lvl5pPr>
-            <a:lvl6pPr marL="2286000" indent="0">
-              <a:buNone/>
-              <a:defRPr sz="1400">
-                <a:solidFill>
-                  <a:schemeClr val="tx1">
-                    <a:tint val="75000"/>
-                  </a:schemeClr>
-                </a:solidFill>
-              </a:defRPr>
-            </a:lvl6pPr>
-            <a:lvl7pPr marL="2743200" indent="0">
-              <a:buNone/>
-              <a:defRPr sz="1400">
-                <a:solidFill>
-                  <a:schemeClr val="tx1">
-                    <a:tint val="75000"/>
-                  </a:schemeClr>
-                </a:solidFill>
-              </a:defRPr>
-            </a:lvl7pPr>
-            <a:lvl8pPr marL="3200400" indent="0">
-              <a:buNone/>
-              <a:defRPr sz="1400">
-                <a:solidFill>
-                  <a:schemeClr val="tx1">
-                    <a:tint val="75000"/>
-                  </a:schemeClr>
-                </a:solidFill>
-              </a:defRPr>
-            </a:lvl8pPr>
-            <a:lvl9pPr marL="3657600" indent="0">
-              <a:buNone/>
-              <a:defRPr sz="1400">
-                <a:solidFill>
-                  <a:schemeClr val="tx1">
-                    <a:tint val="75000"/>
-                  </a:schemeClr>
-                </a:solidFill>
-              </a:defRPr>
-            </a:lvl9pPr>
           </a:lstStyle>
           <a:p>
-            <a:pPr lvl="0"/>
-            <a:r>
-              <a:rPr lang="en-US" smtClean="0"/>
+            <a:pPr lvl="0" eaLnBrk="1" latinLnBrk="0" hangingPunct="1"/>
+            <a:r>
+              <a:rPr kumimoji="0" lang="en-US" smtClean="0"/>
               <a:t>Click to edit Master text styles</a:t>
             </a:r>
           </a:p>
@@ -1095,7 +1089,7 @@
     </p:spTree>
   </p:cSld>
   <p:clrMapOvr>
-    <a:masterClrMapping/>
+    <a:overrideClrMapping bg1="dk1" tx1="lt1" bg2="dk2" tx2="lt2" accent1="accent1" accent2="accent2" accent3="accent3" accent4="accent4" accent5="accent5" accent6="accent6" hlink="hlink" folHlink="folHlink"/>
   </p:clrMapOvr>
 </p:sldLayout>
 </file>
@@ -1127,40 +1121,45 @@
             <p:ph type="title"/>
           </p:nvPr>
         </p:nvSpPr>
-        <p:spPr/>
-        <p:txBody>
-          <a:bodyPr/>
-          <a:lstStyle/>
-          <a:p>
-            <a:r>
-              <a:rPr lang="en-US" smtClean="0"/>
-              <a:t>Click to edit Master title style</a:t>
-            </a:r>
-            <a:endParaRPr lang="en-US"/>
-          </a:p>
-        </p:txBody>
-      </p:sp>
-      <p:sp>
-        <p:nvSpPr>
-          <p:cNvPr id="3" name="Content Placeholder 2"/>
-          <p:cNvSpPr>
-            <a:spLocks noGrp="1"/>
-          </p:cNvSpPr>
-          <p:nvPr>
-            <p:ph sz="half" idx="1"/>
-          </p:nvPr>
-        </p:nvSpPr>
         <p:spPr>
           <a:xfrm>
-            <a:off x="457200" y="1600200"/>
-            <a:ext cx="4038600" cy="4525963"/>
+            <a:off x="457200" y="704088"/>
+            <a:ext cx="8229600" cy="1143000"/>
+          </a:xfrm>
+        </p:spPr>
+        <p:txBody>
+          <a:bodyPr/>
+          <a:lstStyle/>
+          <a:p>
+            <a:r>
+              <a:rPr kumimoji="0" lang="en-US" smtClean="0"/>
+              <a:t>Click to edit Master title style</a:t>
+            </a:r>
+            <a:endParaRPr kumimoji="0" lang="en-US"/>
+          </a:p>
+        </p:txBody>
+      </p:sp>
+      <p:sp>
+        <p:nvSpPr>
+          <p:cNvPr id="3" name="Content Placeholder 2"/>
+          <p:cNvSpPr>
+            <a:spLocks noGrp="1"/>
+          </p:cNvSpPr>
+          <p:nvPr>
+            <p:ph sz="half" idx="1"/>
+          </p:nvPr>
+        </p:nvSpPr>
+        <p:spPr>
+          <a:xfrm>
+            <a:off x="457200" y="1920085"/>
+            <a:ext cx="4038600" cy="4434840"/>
           </a:xfrm>
         </p:spPr>
         <p:txBody>
           <a:bodyPr/>
           <a:lstStyle>
             <a:lvl1pPr>
-              <a:defRPr sz="2800"/>
+              <a:defRPr sz="2600"/>
             </a:lvl1pPr>
             <a:lvl2pPr>
               <a:defRPr sz="2400"/>
@@ -1174,54 +1173,42 @@
             <a:lvl5pPr>
               <a:defRPr sz="1800"/>
             </a:lvl5pPr>
-            <a:lvl6pPr>
-              <a:defRPr sz="1800"/>
-            </a:lvl6pPr>
-            <a:lvl7pPr>
-              <a:defRPr sz="1800"/>
-            </a:lvl7pPr>
-            <a:lvl8pPr>
-              <a:defRPr sz="1800"/>
-            </a:lvl8pPr>
-            <a:lvl9pPr>
-              <a:defRPr sz="1800"/>
-            </a:lvl9pPr>
           </a:lstStyle>
           <a:p>
-            <a:pPr lvl="0"/>
+            <a:pPr lvl="0" eaLnBrk="1" latinLnBrk="0" hangingPunct="1"/>
             <a:r>
               <a:rPr lang="en-US" smtClean="0"/>
               <a:t>Click to edit Master text styles</a:t>
             </a:r>
           </a:p>
           <a:p>
-            <a:pPr lvl="1"/>
+            <a:pPr lvl="1" eaLnBrk="1" latinLnBrk="0" hangingPunct="1"/>
             <a:r>
               <a:rPr lang="en-US" smtClean="0"/>
               <a:t>Second level</a:t>
             </a:r>
           </a:p>
           <a:p>
-            <a:pPr lvl="2"/>
+            <a:pPr lvl="2" eaLnBrk="1" latinLnBrk="0" hangingPunct="1"/>
             <a:r>
               <a:rPr lang="en-US" smtClean="0"/>
               <a:t>Third level</a:t>
             </a:r>
           </a:p>
           <a:p>
-            <a:pPr lvl="3"/>
+            <a:pPr lvl="3" eaLnBrk="1" latinLnBrk="0" hangingPunct="1"/>
             <a:r>
               <a:rPr lang="en-US" smtClean="0"/>
               <a:t>Fourth level</a:t>
             </a:r>
           </a:p>
           <a:p>
-            <a:pPr lvl="4"/>
+            <a:pPr lvl="4" eaLnBrk="1" latinLnBrk="0" hangingPunct="1"/>
             <a:r>
               <a:rPr lang="en-US" smtClean="0"/>
               <a:t>Fifth level</a:t>
             </a:r>
-            <a:endParaRPr lang="en-US"/>
+            <a:endParaRPr kumimoji="0" lang="en-US"/>
           </a:p>
         </p:txBody>
       </p:sp>
@@ -1237,15 +1224,15 @@
         </p:nvSpPr>
         <p:spPr>
           <a:xfrm>
-            <a:off x="4648200" y="1600200"/>
-            <a:ext cx="4038600" cy="4525963"/>
+            <a:off x="4648200" y="1920085"/>
+            <a:ext cx="4038600" cy="4434840"/>
           </a:xfrm>
         </p:spPr>
         <p:txBody>
           <a:bodyPr/>
           <a:lstStyle>
             <a:lvl1pPr>
-              <a:defRPr sz="2800"/>
+              <a:defRPr sz="2600"/>
             </a:lvl1pPr>
             <a:lvl2pPr>
               <a:defRPr sz="2400"/>
@@ -1259,54 +1246,42 @@
             <a:lvl5pPr>
               <a:defRPr sz="1800"/>
             </a:lvl5pPr>
-            <a:lvl6pPr>
-              <a:defRPr sz="1800"/>
-            </a:lvl6pPr>
-            <a:lvl7pPr>
-              <a:defRPr sz="1800"/>
-            </a:lvl7pPr>
-            <a:lvl8pPr>
-              <a:defRPr sz="1800"/>
-            </a:lvl8pPr>
-            <a:lvl9pPr>
-              <a:defRPr sz="1800"/>
-            </a:lvl9pPr>
           </a:lstStyle>
           <a:p>
-            <a:pPr lvl="0"/>
+            <a:pPr lvl="0" eaLnBrk="1" latinLnBrk="0" hangingPunct="1"/>
             <a:r>
               <a:rPr lang="en-US" smtClean="0"/>
               <a:t>Click to edit Master text styles</a:t>
             </a:r>
           </a:p>
           <a:p>
-            <a:pPr lvl="1"/>
+            <a:pPr lvl="1" eaLnBrk="1" latinLnBrk="0" hangingPunct="1"/>
             <a:r>
               <a:rPr lang="en-US" smtClean="0"/>
               <a:t>Second level</a:t>
             </a:r>
           </a:p>
           <a:p>
-            <a:pPr lvl="2"/>
+            <a:pPr lvl="2" eaLnBrk="1" latinLnBrk="0" hangingPunct="1"/>
             <a:r>
               <a:rPr lang="en-US" smtClean="0"/>
               <a:t>Third level</a:t>
             </a:r>
           </a:p>
           <a:p>
-            <a:pPr lvl="3"/>
+            <a:pPr lvl="3" eaLnBrk="1" latinLnBrk="0" hangingPunct="1"/>
             <a:r>
               <a:rPr lang="en-US" smtClean="0"/>
               <a:t>Fourth level</a:t>
             </a:r>
           </a:p>
           <a:p>
-            <a:pPr lvl="4"/>
+            <a:pPr lvl="4" eaLnBrk="1" latinLnBrk="0" hangingPunct="1"/>
             <a:r>
               <a:rPr lang="en-US" smtClean="0"/>
               <a:t>Fifth level</a:t>
             </a:r>
-            <a:endParaRPr lang="en-US"/>
+            <a:endParaRPr kumimoji="0" lang="en-US"/>
           </a:p>
         </p:txBody>
       </p:sp>
@@ -1412,9 +1387,14 @@
             <p:ph type="title"/>
           </p:nvPr>
         </p:nvSpPr>
-        <p:spPr/>
-        <p:txBody>
-          <a:bodyPr/>
+        <p:spPr>
+          <a:xfrm>
+            <a:off x="457200" y="704088"/>
+            <a:ext cx="8229600" cy="1143000"/>
+          </a:xfrm>
+        </p:spPr>
+        <p:txBody>
+          <a:bodyPr tIns="45720" anchor="b"/>
           <a:lstStyle>
             <a:lvl1pPr>
               <a:defRPr/>
@@ -1422,10 +1402,10 @@
           </a:lstStyle>
           <a:p>
             <a:r>
-              <a:rPr lang="en-US" smtClean="0"/>
+              <a:rPr kumimoji="0" lang="en-US" smtClean="0"/>
               <a:t>Click to edit Master title style</a:t>
             </a:r>
-            <a:endParaRPr lang="en-US"/>
+            <a:endParaRPr kumimoji="0" lang="en-US"/>
           </a:p>
         </p:txBody>
       </p:sp>
@@ -1441,54 +1421,99 @@
         </p:nvSpPr>
         <p:spPr>
           <a:xfrm>
-            <a:off x="457200" y="1535113"/>
-            <a:ext cx="4040188" cy="639762"/>
+            <a:off x="457200" y="1855248"/>
+            <a:ext cx="4040188" cy="659352"/>
           </a:xfrm>
         </p:spPr>
         <p:txBody>
-          <a:bodyPr anchor="b"/>
+          <a:bodyPr lIns="45720" tIns="0" rIns="45720" bIns="0" anchor="ctr">
+            <a:noAutofit/>
+          </a:bodyPr>
           <a:lstStyle>
             <a:lvl1pPr marL="0" indent="0">
               <a:buNone/>
-              <a:defRPr sz="2400" b="1"/>
+              <a:defRPr sz="2400" b="1" cap="none" baseline="0">
+                <a:solidFill>
+                  <a:schemeClr val="tx2"/>
+                </a:solidFill>
+                <a:effectLst/>
+              </a:defRPr>
             </a:lvl1pPr>
-            <a:lvl2pPr marL="457200" indent="0">
+            <a:lvl2pPr>
               <a:buNone/>
               <a:defRPr sz="2000" b="1"/>
             </a:lvl2pPr>
-            <a:lvl3pPr marL="914400" indent="0">
+            <a:lvl3pPr>
               <a:buNone/>
               <a:defRPr sz="1800" b="1"/>
             </a:lvl3pPr>
-            <a:lvl4pPr marL="1371600" indent="0">
+            <a:lvl4pPr>
               <a:buNone/>
               <a:defRPr sz="1600" b="1"/>
             </a:lvl4pPr>
-            <a:lvl5pPr marL="1828800" indent="0">
+            <a:lvl5pPr>
               <a:buNone/>
               <a:defRPr sz="1600" b="1"/>
             </a:lvl5pPr>
-            <a:lvl6pPr marL="2286000" indent="0">
+          </a:lstStyle>
+          <a:p>
+            <a:pPr lvl="0" eaLnBrk="1" latinLnBrk="0" hangingPunct="1"/>
+            <a:r>
+              <a:rPr kumimoji="0" lang="en-US" smtClean="0"/>
+              <a:t>Click to edit Master text styles</a:t>
+            </a:r>
+          </a:p>
+        </p:txBody>
+      </p:sp>
+      <p:sp>
+        <p:nvSpPr>
+          <p:cNvPr id="4" name="Text Placeholder 3"/>
+          <p:cNvSpPr>
+            <a:spLocks noGrp="1"/>
+          </p:cNvSpPr>
+          <p:nvPr>
+            <p:ph type="body" sz="half" idx="3"/>
+          </p:nvPr>
+        </p:nvSpPr>
+        <p:spPr>
+          <a:xfrm>
+            <a:off x="4645025" y="1859757"/>
+            <a:ext cx="4041775" cy="654843"/>
+          </a:xfrm>
+        </p:spPr>
+        <p:txBody>
+          <a:bodyPr lIns="45720" tIns="0" rIns="45720" bIns="0" anchor="ctr"/>
+          <a:lstStyle>
+            <a:lvl1pPr marL="0" indent="0">
+              <a:buNone/>
+              <a:defRPr sz="2400" b="1" cap="none" baseline="0">
+                <a:solidFill>
+                  <a:schemeClr val="tx2"/>
+                </a:solidFill>
+                <a:effectLst/>
+              </a:defRPr>
+            </a:lvl1pPr>
+            <a:lvl2pPr>
+              <a:buNone/>
+              <a:defRPr sz="2000" b="1"/>
+            </a:lvl2pPr>
+            <a:lvl3pPr>
+              <a:buNone/>
+              <a:defRPr sz="1800" b="1"/>
+            </a:lvl3pPr>
+            <a:lvl4pPr>
               <a:buNone/>
               <a:defRPr sz="1600" b="1"/>
-            </a:lvl6pPr>
-            <a:lvl7pPr marL="2743200" indent="0">
+            </a:lvl4pPr>
+            <a:lvl5pPr>
               <a:buNone/>
               <a:defRPr sz="1600" b="1"/>
-            </a:lvl7pPr>
-            <a:lvl8pPr marL="3200400" indent="0">
-              <a:buNone/>
-              <a:defRPr sz="1600" b="1"/>
-            </a:lvl8pPr>
-            <a:lvl9pPr marL="3657600" indent="0">
-              <a:buNone/>
-              <a:defRPr sz="1600" b="1"/>
-            </a:lvl9pPr>
+            </a:lvl5pPr>
           </a:lstStyle>
           <a:p>
-            <a:pPr lvl="0"/>
-            <a:r>
-              <a:rPr lang="en-US" smtClean="0"/>
+            <a:pPr lvl="0" eaLnBrk="1" latinLnBrk="0" hangingPunct="1"/>
+            <a:r>
+              <a:rPr kumimoji="0" lang="en-US" smtClean="0"/>
               <a:t>Click to edit Master text styles</a:t>
             </a:r>
           </a:p>
@@ -1496,25 +1521,25 @@
       </p:sp>
       <p:sp>
         <p:nvSpPr>
-          <p:cNvPr id="4" name="Content Placeholder 3"/>
-          <p:cNvSpPr>
-            <a:spLocks noGrp="1"/>
-          </p:cNvSpPr>
-          <p:nvPr>
-            <p:ph sz="half" idx="2"/>
+          <p:cNvPr id="5" name="Content Placeholder 4"/>
+          <p:cNvSpPr>
+            <a:spLocks noGrp="1"/>
+          </p:cNvSpPr>
+          <p:nvPr>
+            <p:ph sz="quarter" idx="2"/>
           </p:nvPr>
         </p:nvSpPr>
         <p:spPr>
           <a:xfrm>
-            <a:off x="457200" y="2174875"/>
-            <a:ext cx="4040188" cy="3951288"/>
+            <a:off x="457200" y="2514600"/>
+            <a:ext cx="4040188" cy="3845720"/>
           </a:xfrm>
         </p:spPr>
         <p:txBody>
-          <a:bodyPr/>
+          <a:bodyPr tIns="0"/>
           <a:lstStyle>
             <a:lvl1pPr>
-              <a:defRPr sz="2400"/>
+              <a:defRPr sz="2200"/>
             </a:lvl1pPr>
             <a:lvl2pPr>
               <a:defRPr sz="2000"/>
@@ -1528,143 +1553,66 @@
             <a:lvl5pPr>
               <a:defRPr sz="1600"/>
             </a:lvl5pPr>
-            <a:lvl6pPr>
-              <a:defRPr sz="1600"/>
-            </a:lvl6pPr>
-            <a:lvl7pPr>
-              <a:defRPr sz="1600"/>
-            </a:lvl7pPr>
-            <a:lvl8pPr>
-              <a:defRPr sz="1600"/>
-            </a:lvl8pPr>
-            <a:lvl9pPr>
-              <a:defRPr sz="1600"/>
-            </a:lvl9pPr>
           </a:lstStyle>
           <a:p>
-            <a:pPr lvl="0"/>
+            <a:pPr lvl="0" eaLnBrk="1" latinLnBrk="0" hangingPunct="1"/>
             <a:r>
               <a:rPr lang="en-US" smtClean="0"/>
               <a:t>Click to edit Master text styles</a:t>
             </a:r>
           </a:p>
           <a:p>
-            <a:pPr lvl="1"/>
+            <a:pPr lvl="1" eaLnBrk="1" latinLnBrk="0" hangingPunct="1"/>
             <a:r>
               <a:rPr lang="en-US" smtClean="0"/>
               <a:t>Second level</a:t>
             </a:r>
           </a:p>
           <a:p>
-            <a:pPr lvl="2"/>
+            <a:pPr lvl="2" eaLnBrk="1" latinLnBrk="0" hangingPunct="1"/>
             <a:r>
               <a:rPr lang="en-US" smtClean="0"/>
               <a:t>Third level</a:t>
             </a:r>
           </a:p>
           <a:p>
-            <a:pPr lvl="3"/>
+            <a:pPr lvl="3" eaLnBrk="1" latinLnBrk="0" hangingPunct="1"/>
             <a:r>
               <a:rPr lang="en-US" smtClean="0"/>
               <a:t>Fourth level</a:t>
             </a:r>
           </a:p>
           <a:p>
-            <a:pPr lvl="4"/>
+            <a:pPr lvl="4" eaLnBrk="1" latinLnBrk="0" hangingPunct="1"/>
             <a:r>
               <a:rPr lang="en-US" smtClean="0"/>
               <a:t>Fifth level</a:t>
             </a:r>
-            <a:endParaRPr lang="en-US"/>
-          </a:p>
-        </p:txBody>
-      </p:sp>
-      <p:sp>
-        <p:nvSpPr>
-          <p:cNvPr id="5" name="Text Placeholder 4"/>
-          <p:cNvSpPr>
-            <a:spLocks noGrp="1"/>
-          </p:cNvSpPr>
-          <p:nvPr>
-            <p:ph type="body" sz="quarter" idx="3"/>
+            <a:endParaRPr kumimoji="0" lang="en-US"/>
+          </a:p>
+        </p:txBody>
+      </p:sp>
+      <p:sp>
+        <p:nvSpPr>
+          <p:cNvPr id="6" name="Content Placeholder 5"/>
+          <p:cNvSpPr>
+            <a:spLocks noGrp="1"/>
+          </p:cNvSpPr>
+          <p:nvPr>
+            <p:ph sz="quarter" idx="4"/>
           </p:nvPr>
         </p:nvSpPr>
         <p:spPr>
           <a:xfrm>
-            <a:off x="4645025" y="1535113"/>
-            <a:ext cx="4041775" cy="639762"/>
+            <a:off x="4645025" y="2514600"/>
+            <a:ext cx="4041775" cy="3845720"/>
           </a:xfrm>
         </p:spPr>
         <p:txBody>
-          <a:bodyPr anchor="b"/>
-          <a:lstStyle>
-            <a:lvl1pPr marL="0" indent="0">
-              <a:buNone/>
-              <a:defRPr sz="2400" b="1"/>
-            </a:lvl1pPr>
-            <a:lvl2pPr marL="457200" indent="0">
-              <a:buNone/>
-              <a:defRPr sz="2000" b="1"/>
-            </a:lvl2pPr>
-            <a:lvl3pPr marL="914400" indent="0">
-              <a:buNone/>
-              <a:defRPr sz="1800" b="1"/>
-            </a:lvl3pPr>
-            <a:lvl4pPr marL="1371600" indent="0">
-              <a:buNone/>
-              <a:defRPr sz="1600" b="1"/>
-            </a:lvl4pPr>
-            <a:lvl5pPr marL="1828800" indent="0">
-              <a:buNone/>
-              <a:defRPr sz="1600" b="1"/>
-            </a:lvl5pPr>
-            <a:lvl6pPr marL="2286000" indent="0">
-              <a:buNone/>
-              <a:defRPr sz="1600" b="1"/>
-            </a:lvl6pPr>
-            <a:lvl7pPr marL="2743200" indent="0">
-              <a:buNone/>
-              <a:defRPr sz="1600" b="1"/>
-            </a:lvl7pPr>
-            <a:lvl8pPr marL="3200400" indent="0">
-              <a:buNone/>
-              <a:defRPr sz="1600" b="1"/>
-            </a:lvl8pPr>
-            <a:lvl9pPr marL="3657600" indent="0">
-              <a:buNone/>
-              <a:defRPr sz="1600" b="1"/>
-            </a:lvl9pPr>
-          </a:lstStyle>
-          <a:p>
-            <a:pPr lvl="0"/>
-            <a:r>
-              <a:rPr lang="en-US" smtClean="0"/>
-              <a:t>Click to edit Master text styles</a:t>
-            </a:r>
-          </a:p>
-        </p:txBody>
-      </p:sp>
-      <p:sp>
-        <p:nvSpPr>
-          <p:cNvPr id="6" name="Content Placeholder 5"/>
-          <p:cNvSpPr>
-            <a:spLocks noGrp="1"/>
-          </p:cNvSpPr>
-          <p:nvPr>
-            <p:ph sz="quarter" idx="4"/>
-          </p:nvPr>
-        </p:nvSpPr>
-        <p:spPr>
-          <a:xfrm>
-            <a:off x="4645025" y="2174875"/>
-            <a:ext cx="4041775" cy="3951288"/>
-          </a:xfrm>
-        </p:spPr>
-        <p:txBody>
-          <a:bodyPr/>
+          <a:bodyPr tIns="0"/>
           <a:lstStyle>
             <a:lvl1pPr>
-              <a:defRPr sz="2400"/>
+              <a:defRPr sz="2200"/>
             </a:lvl1pPr>
             <a:lvl2pPr>
               <a:defRPr sz="2000"/>
@@ -1678,54 +1626,42 @@
             <a:lvl5pPr>
               <a:defRPr sz="1600"/>
             </a:lvl5pPr>
-            <a:lvl6pPr>
-              <a:defRPr sz="1600"/>
-            </a:lvl6pPr>
-            <a:lvl7pPr>
-              <a:defRPr sz="1600"/>
-            </a:lvl7pPr>
-            <a:lvl8pPr>
-              <a:defRPr sz="1600"/>
-            </a:lvl8pPr>
-            <a:lvl9pPr>
-              <a:defRPr sz="1600"/>
-            </a:lvl9pPr>
           </a:lstStyle>
           <a:p>
-            <a:pPr lvl="0"/>
+            <a:pPr lvl="0" eaLnBrk="1" latinLnBrk="0" hangingPunct="1"/>
             <a:r>
               <a:rPr lang="en-US" smtClean="0"/>
               <a:t>Click to edit Master text styles</a:t>
             </a:r>
           </a:p>
           <a:p>
-            <a:pPr lvl="1"/>
+            <a:pPr lvl="1" eaLnBrk="1" latinLnBrk="0" hangingPunct="1"/>
             <a:r>
               <a:rPr lang="en-US" smtClean="0"/>
               <a:t>Second level</a:t>
             </a:r>
           </a:p>
           <a:p>
-            <a:pPr lvl="2"/>
+            <a:pPr lvl="2" eaLnBrk="1" latinLnBrk="0" hangingPunct="1"/>
             <a:r>
               <a:rPr lang="en-US" smtClean="0"/>
               <a:t>Third level</a:t>
             </a:r>
           </a:p>
           <a:p>
-            <a:pPr lvl="3"/>
+            <a:pPr lvl="3" eaLnBrk="1" latinLnBrk="0" hangingPunct="1"/>
             <a:r>
               <a:rPr lang="en-US" smtClean="0"/>
               <a:t>Fourth level</a:t>
             </a:r>
           </a:p>
           <a:p>
-            <a:pPr lvl="4"/>
+            <a:pPr lvl="4" eaLnBrk="1" latinLnBrk="0" hangingPunct="1"/>
             <a:r>
               <a:rPr lang="en-US" smtClean="0"/>
               <a:t>Fifth level</a:t>
             </a:r>
-            <a:endParaRPr lang="en-US"/>
+            <a:endParaRPr kumimoji="0" lang="en-US"/>
           </a:p>
         </p:txBody>
       </p:sp>
@@ -1831,16 +1767,53 @@
             <p:ph type="title"/>
           </p:nvPr>
         </p:nvSpPr>
-        <p:spPr/>
-        <p:txBody>
-          <a:bodyPr/>
-          <a:lstStyle/>
-          <a:p>
-            <a:r>
-              <a:rPr lang="en-US" smtClean="0"/>
+        <p:spPr>
+          <a:xfrm>
+            <a:off x="457200" y="704088"/>
+            <a:ext cx="8305800" cy="1143000"/>
+          </a:xfrm>
+        </p:spPr>
+        <p:txBody>
+          <a:bodyPr vert="horz" tIns="45720" bIns="0" anchor="b">
+            <a:normAutofit/>
+            <a:scene3d>
+              <a:camera prst="orthographicFront"/>
+              <a:lightRig rig="freezing" dir="t">
+                <a:rot lat="0" lon="0" rev="5640000"/>
+              </a:lightRig>
+            </a:scene3d>
+            <a:sp3d prstMaterial="flat">
+              <a:contourClr>
+                <a:schemeClr val="tx2"/>
+              </a:contourClr>
+            </a:sp3d>
+          </a:bodyPr>
+          <a:lstStyle>
+            <a:lvl1pPr algn="l" rtl="0">
+              <a:spcBef>
+                <a:spcPct val="0"/>
+              </a:spcBef>
+              <a:buNone/>
+              <a:defRPr sz="5000" b="0">
+                <a:ln>
+                  <a:noFill/>
+                </a:ln>
+                <a:solidFill>
+                  <a:schemeClr val="tx2"/>
+                </a:solidFill>
+                <a:effectLst/>
+                <a:latin typeface="+mj-lt"/>
+                <a:ea typeface="+mj-ea"/>
+                <a:cs typeface="+mj-cs"/>
+              </a:defRPr>
+            </a:lvl1pPr>
+          </a:lstStyle>
+          <a:p>
+            <a:r>
+              <a:rPr kumimoji="0" lang="en-US" smtClean="0"/>
               <a:t>Click to edit Master title style</a:t>
             </a:r>
-            <a:endParaRPr lang="en-US"/>
+            <a:endParaRPr kumimoji="0" lang="en-US"/>
           </a:p>
         </p:txBody>
       </p:sp>
@@ -2040,50 +2013,116 @@
         </p:nvSpPr>
         <p:spPr>
           <a:xfrm>
-            <a:off x="457200" y="273050"/>
-            <a:ext cx="3008313" cy="1162050"/>
+            <a:off x="685800" y="514352"/>
+            <a:ext cx="2743200" cy="1162050"/>
           </a:xfrm>
         </p:spPr>
         <p:txBody>
-          <a:bodyPr anchor="b"/>
+          <a:bodyPr lIns="0" anchor="b">
+            <a:noAutofit/>
+          </a:bodyPr>
           <a:lstStyle>
-            <a:lvl1pPr algn="l">
-              <a:defRPr sz="2000" b="1"/>
+            <a:lvl1pPr algn="l" rtl="0">
+              <a:spcBef>
+                <a:spcPct val="0"/>
+              </a:spcBef>
+              <a:buNone/>
+              <a:defRPr sz="2600" b="0">
+                <a:ln>
+                  <a:noFill/>
+                </a:ln>
+                <a:solidFill>
+                  <a:schemeClr val="tx2"/>
+                </a:solidFill>
+                <a:effectLst/>
+                <a:latin typeface="+mj-lt"/>
+                <a:ea typeface="+mj-ea"/>
+                <a:cs typeface="+mj-cs"/>
+              </a:defRPr>
             </a:lvl1pPr>
           </a:lstStyle>
           <a:p>
             <a:r>
-              <a:rPr lang="en-US" smtClean="0"/>
+              <a:rPr kumimoji="0" lang="en-US" smtClean="0"/>
               <a:t>Click to edit Master title style</a:t>
             </a:r>
-            <a:endParaRPr lang="en-US"/>
-          </a:p>
-        </p:txBody>
-      </p:sp>
-      <p:sp>
-        <p:nvSpPr>
-          <p:cNvPr id="3" name="Content Placeholder 2"/>
-          <p:cNvSpPr>
-            <a:spLocks noGrp="1"/>
-          </p:cNvSpPr>
-          <p:nvPr>
-            <p:ph idx="1"/>
+            <a:endParaRPr kumimoji="0" lang="en-US"/>
+          </a:p>
+        </p:txBody>
+      </p:sp>
+      <p:sp>
+        <p:nvSpPr>
+          <p:cNvPr id="3" name="Text Placeholder 2"/>
+          <p:cNvSpPr>
+            <a:spLocks noGrp="1"/>
+          </p:cNvSpPr>
+          <p:nvPr>
+            <p:ph type="body" idx="2"/>
           </p:nvPr>
         </p:nvSpPr>
         <p:spPr>
           <a:xfrm>
-            <a:off x="3575050" y="273050"/>
-            <a:ext cx="5111750" cy="5853113"/>
+            <a:off x="685800" y="1676400"/>
+            <a:ext cx="2743200" cy="4572000"/>
           </a:xfrm>
         </p:spPr>
         <p:txBody>
-          <a:bodyPr/>
+          <a:bodyPr lIns="18288" rIns="18288"/>
+          <a:lstStyle>
+            <a:lvl1pPr marL="0" indent="0" algn="l">
+              <a:buNone/>
+              <a:defRPr sz="1400"/>
+            </a:lvl1pPr>
+            <a:lvl2pPr indent="0" algn="l">
+              <a:buNone/>
+              <a:defRPr sz="1200"/>
+            </a:lvl2pPr>
+            <a:lvl3pPr indent="0" algn="l">
+              <a:buNone/>
+              <a:defRPr sz="1000"/>
+            </a:lvl3pPr>
+            <a:lvl4pPr indent="0" algn="l">
+              <a:buNone/>
+              <a:defRPr sz="900"/>
+            </a:lvl4pPr>
+            <a:lvl5pPr indent="0" algn="l">
+              <a:buNone/>
+              <a:defRPr sz="900"/>
+            </a:lvl5pPr>
+          </a:lstStyle>
+          <a:p>
+            <a:pPr lvl="0" eaLnBrk="1" latinLnBrk="0" hangingPunct="1"/>
+            <a:r>
+              <a:rPr kumimoji="0" lang="en-US" smtClean="0"/>
+              <a:t>Click to edit Master text styles</a:t>
+            </a:r>
+          </a:p>
+        </p:txBody>
+      </p:sp>
+      <p:sp>
+        <p:nvSpPr>
+          <p:cNvPr id="4" name="Content Placeholder 3"/>
+          <p:cNvSpPr>
+            <a:spLocks noGrp="1"/>
+          </p:cNvSpPr>
+          <p:nvPr>
+            <p:ph sz="half" idx="1"/>
+          </p:nvPr>
+        </p:nvSpPr>
+        <p:spPr>
+          <a:xfrm>
+            <a:off x="3575050" y="1676400"/>
+            <a:ext cx="5111750" cy="4572000"/>
+          </a:xfrm>
+        </p:spPr>
+        <p:txBody>
+          <a:bodyPr tIns="0"/>
           <a:lstStyle>
             <a:lvl1pPr>
-              <a:defRPr sz="3200"/>
+              <a:defRPr sz="2800"/>
             </a:lvl1pPr>
             <a:lvl2pPr>
-              <a:defRPr sz="2800"/>
+              <a:defRPr sz="2600"/>
             </a:lvl2pPr>
             <a:lvl3pPr>
               <a:defRPr sz="2400"/>
@@ -2092,121 +2131,44 @@
               <a:defRPr sz="2000"/>
             </a:lvl4pPr>
             <a:lvl5pPr>
-              <a:defRPr sz="2000"/>
+              <a:defRPr sz="1800"/>
             </a:lvl5pPr>
-            <a:lvl6pPr>
-              <a:defRPr sz="2000"/>
-            </a:lvl6pPr>
-            <a:lvl7pPr>
-              <a:defRPr sz="2000"/>
-            </a:lvl7pPr>
-            <a:lvl8pPr>
-              <a:defRPr sz="2000"/>
-            </a:lvl8pPr>
-            <a:lvl9pPr>
-              <a:defRPr sz="2000"/>
-            </a:lvl9pPr>
           </a:lstStyle>
           <a:p>
-            <a:pPr lvl="0"/>
+            <a:pPr lvl="0" eaLnBrk="1" latinLnBrk="0" hangingPunct="1"/>
             <a:r>
               <a:rPr lang="en-US" smtClean="0"/>
               <a:t>Click to edit Master text styles</a:t>
             </a:r>
           </a:p>
           <a:p>
-            <a:pPr lvl="1"/>
+            <a:pPr lvl="1" eaLnBrk="1" latinLnBrk="0" hangingPunct="1"/>
             <a:r>
               <a:rPr lang="en-US" smtClean="0"/>
               <a:t>Second level</a:t>
             </a:r>
           </a:p>
           <a:p>
-            <a:pPr lvl="2"/>
+            <a:pPr lvl="2" eaLnBrk="1" latinLnBrk="0" hangingPunct="1"/>
             <a:r>
               <a:rPr lang="en-US" smtClean="0"/>
               <a:t>Third level</a:t>
             </a:r>
           </a:p>
           <a:p>
-            <a:pPr lvl="3"/>
+            <a:pPr lvl="3" eaLnBrk="1" latinLnBrk="0" hangingPunct="1"/>
             <a:r>
               <a:rPr lang="en-US" smtClean="0"/>
               <a:t>Fourth level</a:t>
             </a:r>
           </a:p>
           <a:p>
-            <a:pPr lvl="4"/>
+            <a:pPr lvl="4" eaLnBrk="1" latinLnBrk="0" hangingPunct="1"/>
             <a:r>
               <a:rPr lang="en-US" smtClean="0"/>
               <a:t>Fifth level</a:t>
             </a:r>
-            <a:endParaRPr lang="en-US"/>
-          </a:p>
-        </p:txBody>
-      </p:sp>
-      <p:sp>
-        <p:nvSpPr>
-          <p:cNvPr id="4" name="Text Placeholder 3"/>
-          <p:cNvSpPr>
-            <a:spLocks noGrp="1"/>
-          </p:cNvSpPr>
-          <p:nvPr>
-            <p:ph type="body" sz="half" idx="2"/>
-          </p:nvPr>
-        </p:nvSpPr>
-        <p:spPr>
-          <a:xfrm>
-            <a:off x="457200" y="1435100"/>
-            <a:ext cx="3008313" cy="4691063"/>
-          </a:xfrm>
-        </p:spPr>
-        <p:txBody>
-          <a:bodyPr/>
-          <a:lstStyle>
-            <a:lvl1pPr marL="0" indent="0">
-              <a:buNone/>
-              <a:defRPr sz="1400"/>
-            </a:lvl1pPr>
-            <a:lvl2pPr marL="457200" indent="0">
-              <a:buNone/>
-              <a:defRPr sz="1200"/>
-            </a:lvl2pPr>
-            <a:lvl3pPr marL="914400" indent="0">
-              <a:buNone/>
-              <a:defRPr sz="1000"/>
-            </a:lvl3pPr>
-            <a:lvl4pPr marL="1371600" indent="0">
-              <a:buNone/>
-              <a:defRPr sz="900"/>
-            </a:lvl4pPr>
-            <a:lvl5pPr marL="1828800" indent="0">
-              <a:buNone/>
-              <a:defRPr sz="900"/>
-            </a:lvl5pPr>
-            <a:lvl6pPr marL="2286000" indent="0">
-              <a:buNone/>
-              <a:defRPr sz="900"/>
-            </a:lvl6pPr>
-            <a:lvl7pPr marL="2743200" indent="0">
-              <a:buNone/>
-              <a:defRPr sz="900"/>
-            </a:lvl7pPr>
-            <a:lvl8pPr marL="3200400" indent="0">
-              <a:buNone/>
-              <a:defRPr sz="900"/>
-            </a:lvl8pPr>
-            <a:lvl9pPr marL="3657600" indent="0">
-              <a:buNone/>
-              <a:defRPr sz="900"/>
-            </a:lvl9pPr>
-          </a:lstStyle>
-          <a:p>
-            <a:pPr lvl="0"/>
-            <a:r>
-              <a:rPr lang="en-US" smtClean="0"/>
-              <a:t>Click to edit Master text styles</a:t>
-            </a:r>
+            <a:endParaRPr kumimoji="0" lang="en-US"/>
           </a:p>
         </p:txBody>
       </p:sp>
@@ -2286,7 +2248,7 @@
 </file>
 
 <file path=ppt/slideLayouts/slideLayout9.xml><?xml version="1.0" encoding="utf-8"?>
-<p:sldLayout xmlns:a="http://schemas.openxmlformats.org/drawingml/2006/main" xmlns:r="http://schemas.openxmlformats.org/officeDocument/2006/relationships" xmlns:p="http://schemas.openxmlformats.org/presentationml/2006/main" type="picTx" preserve="1">
+<p:sldLayout xmlns:a="http://schemas.openxmlformats.org/drawingml/2006/main" xmlns:r="http://schemas.openxmlformats.org/officeDocument/2006/relationships" xmlns:p="http://schemas.openxmlformats.org/presentationml/2006/main" showMasterSp="0" type="picTx" preserve="1">
   <p:cSld name="Picture with Caption">
     <p:spTree>
       <p:nvGrpSpPr>
@@ -2304,6 +2266,118 @@
       </p:grpSpPr>
       <p:sp>
         <p:nvSpPr>
+          <p:cNvPr id="9" name="Snip and Round Single Corner Rectangle 8"/>
+          <p:cNvSpPr/>
+          <p:nvPr/>
+        </p:nvSpPr>
+        <p:spPr>
+          <a:xfrm rot="420000" flipV="1">
+            <a:off x="3165753" y="1108077"/>
+            <a:ext cx="5257800" cy="4114800"/>
+          </a:xfrm>
+          <a:prstGeom prst="snipRoundRect">
+            <a:avLst>
+              <a:gd name="adj1" fmla="val 0"/>
+              <a:gd name="adj2" fmla="val 3646"/>
+            </a:avLst>
+          </a:prstGeom>
+          <a:solidFill>
+            <a:srgbClr val="FFFFFF"/>
+          </a:solidFill>
+          <a:ln w="3175" cap="rnd" cmpd="sng" algn="ctr">
+            <a:solidFill>
+              <a:srgbClr val="C0C0C0"/>
+            </a:solidFill>
+            <a:prstDash val="solid"/>
+          </a:ln>
+          <a:effectLst>
+            <a:outerShdw blurRad="63500" dist="38500" dir="7500000" sx="98500" sy="100080" kx="100000" algn="tl" rotWithShape="0">
+              <a:srgbClr val="000000">
+                <a:alpha val="25000"/>
+              </a:srgbClr>
+            </a:outerShdw>
+          </a:effectLst>
+        </p:spPr>
+        <p:style>
+          <a:lnRef idx="2">
+            <a:schemeClr val="accent1"/>
+          </a:lnRef>
+          <a:fillRef idx="1">
+            <a:schemeClr val="accent1"/>
+          </a:fillRef>
+          <a:effectRef idx="0">
+            <a:schemeClr val="accent1"/>
+          </a:effectRef>
+          <a:fontRef idx="minor">
+            <a:schemeClr val="lt1"/>
+          </a:fontRef>
+        </p:style>
+        <p:txBody>
+          <a:bodyPr rtlCol="0" anchor="ctr"/>
+          <a:lstStyle/>
+          <a:p>
+            <a:pPr algn="ctr" eaLnBrk="1" latinLnBrk="0" hangingPunct="1"/>
+            <a:endParaRPr kumimoji="0" lang="en-US"/>
+          </a:p>
+        </p:txBody>
+      </p:sp>
+      <p:sp>
+        <p:nvSpPr>
+          <p:cNvPr id="12" name="Right Triangle 11"/>
+          <p:cNvSpPr/>
+          <p:nvPr/>
+        </p:nvSpPr>
+        <p:spPr>
+          <a:xfrm rot="420000" flipV="1">
+            <a:off x="8004134" y="5359769"/>
+            <a:ext cx="155448" cy="155448"/>
+          </a:xfrm>
+          <a:prstGeom prst="rtTriangle">
+            <a:avLst/>
+          </a:prstGeom>
+          <a:solidFill>
+            <a:srgbClr val="FFFFFF"/>
+          </a:solidFill>
+          <a:ln w="12700" cap="flat" cmpd="sng" algn="ctr">
+            <a:solidFill>
+              <a:srgbClr val="FFFFFF"/>
+            </a:solidFill>
+            <a:prstDash val="solid"/>
+            <a:bevel/>
+          </a:ln>
+          <a:effectLst>
+            <a:outerShdw blurRad="19685" dist="6350" dir="12900000" algn="tl" rotWithShape="0">
+              <a:srgbClr val="000000">
+                <a:alpha val="47000"/>
+              </a:srgbClr>
+            </a:outerShdw>
+          </a:effectLst>
+        </p:spPr>
+        <p:style>
+          <a:lnRef idx="2">
+            <a:schemeClr val="accent1"/>
+          </a:lnRef>
+          <a:fillRef idx="1">
+            <a:schemeClr val="accent1"/>
+          </a:fillRef>
+          <a:effectRef idx="0">
+            <a:schemeClr val="accent1"/>
+          </a:effectRef>
+          <a:fontRef idx="minor">
+            <a:schemeClr val="lt1"/>
+          </a:fontRef>
+        </p:style>
+        <p:txBody>
+          <a:bodyPr rtlCol="0" anchor="ctr"/>
+          <a:lstStyle/>
+          <a:p>
+            <a:pPr algn="ctr" eaLnBrk="1" latinLnBrk="0" hangingPunct="1"/>
+            <a:endParaRPr kumimoji="0" lang="en-US"/>
+          </a:p>
+        </p:txBody>
+      </p:sp>
+      <p:sp>
+        <p:nvSpPr>
           <p:cNvPr id="2" name="Title 1"/>
           <p:cNvSpPr>
             <a:spLocks noGrp="1"/>
@@ -2314,41 +2388,180 @@
         </p:nvSpPr>
         <p:spPr>
           <a:xfrm>
-            <a:off x="1792288" y="4800600"/>
-            <a:ext cx="5486400" cy="566738"/>
+            <a:off x="609600" y="1176996"/>
+            <a:ext cx="2212848" cy="1582621"/>
           </a:xfrm>
         </p:spPr>
         <p:txBody>
-          <a:bodyPr anchor="b"/>
+          <a:bodyPr vert="horz" lIns="45720" tIns="45720" rIns="45720" bIns="45720" anchor="b"/>
           <a:lstStyle>
             <a:lvl1pPr algn="l">
-              <a:defRPr sz="2000" b="1"/>
+              <a:buNone/>
+              <a:defRPr sz="2000" b="1">
+                <a:solidFill>
+                  <a:schemeClr val="tx2"/>
+                </a:solidFill>
+              </a:defRPr>
             </a:lvl1pPr>
           </a:lstStyle>
           <a:p>
             <a:r>
-              <a:rPr lang="en-US" smtClean="0"/>
+              <a:rPr kumimoji="0" lang="en-US" smtClean="0"/>
               <a:t>Click to edit Master title style</a:t>
             </a:r>
-            <a:endParaRPr lang="en-US"/>
-          </a:p>
-        </p:txBody>
-      </p:sp>
-      <p:sp>
-        <p:nvSpPr>
-          <p:cNvPr id="3" name="Picture Placeholder 2"/>
-          <p:cNvSpPr>
-            <a:spLocks noGrp="1"/>
-          </p:cNvSpPr>
-          <p:nvPr>
-            <p:ph type="pic" idx="1"/>
+            <a:endParaRPr kumimoji="0" lang="en-US"/>
+          </a:p>
+        </p:txBody>
+      </p:sp>
+      <p:sp>
+        <p:nvSpPr>
+          <p:cNvPr id="4" name="Text Placeholder 3"/>
+          <p:cNvSpPr>
+            <a:spLocks noGrp="1"/>
+          </p:cNvSpPr>
+          <p:nvPr>
+            <p:ph type="body" sz="half" idx="2"/>
           </p:nvPr>
         </p:nvSpPr>
         <p:spPr>
           <a:xfrm>
-            <a:off x="1792288" y="612775"/>
-            <a:ext cx="5486400" cy="4114800"/>
+            <a:off x="609600" y="2828785"/>
+            <a:ext cx="2209800" cy="2179320"/>
           </a:xfrm>
+        </p:spPr>
+        <p:txBody>
+          <a:bodyPr lIns="64008" rIns="45720" bIns="45720" anchor="t"/>
+          <a:lstStyle>
+            <a:lvl1pPr marL="0" indent="0" algn="l">
+              <a:spcBef>
+                <a:spcPts val="250"/>
+              </a:spcBef>
+              <a:buFontTx/>
+              <a:buNone/>
+              <a:defRPr sz="1300"/>
+            </a:lvl1pPr>
+            <a:lvl2pPr>
+              <a:defRPr sz="1200"/>
+            </a:lvl2pPr>
+            <a:lvl3pPr>
+              <a:defRPr sz="1000"/>
+            </a:lvl3pPr>
+            <a:lvl4pPr>
+              <a:defRPr sz="900"/>
+            </a:lvl4pPr>
+            <a:lvl5pPr>
+              <a:defRPr sz="900"/>
+            </a:lvl5pPr>
+          </a:lstStyle>
+          <a:p>
+            <a:pPr lvl="0" eaLnBrk="1" latinLnBrk="0" hangingPunct="1"/>
+            <a:r>
+              <a:rPr kumimoji="0" lang="en-US" smtClean="0"/>
+              <a:t>Click to edit Master text styles</a:t>
+            </a:r>
+          </a:p>
+        </p:txBody>
+      </p:sp>
+      <p:sp>
+        <p:nvSpPr>
+          <p:cNvPr id="5" name="Date Placeholder 4"/>
+          <p:cNvSpPr>
+            <a:spLocks noGrp="1"/>
+          </p:cNvSpPr>
+          <p:nvPr>
+            <p:ph type="dt" sz="half" idx="10"/>
+          </p:nvPr>
+        </p:nvSpPr>
+        <p:spPr/>
+        <p:txBody>
+          <a:bodyPr/>
+          <a:lstStyle/>
+          <a:p>
+            <a:fld id="{1D8BD707-D9CF-40AE-B4C6-C98DA3205C09}" type="datetimeFigureOut">
+              <a:rPr lang="en-US" smtClean="0"/>
+              <a:pPr/>
+              <a:t>7/16/2014</a:t>
+            </a:fld>
+            <a:endParaRPr lang="en-US"/>
+          </a:p>
+        </p:txBody>
+      </p:sp>
+      <p:sp>
+        <p:nvSpPr>
+          <p:cNvPr id="6" name="Footer Placeholder 5"/>
+          <p:cNvSpPr>
+            <a:spLocks noGrp="1"/>
+          </p:cNvSpPr>
+          <p:nvPr>
+            <p:ph type="ftr" sz="quarter" idx="11"/>
+          </p:nvPr>
+        </p:nvSpPr>
+        <p:spPr/>
+        <p:txBody>
+          <a:bodyPr/>
+          <a:lstStyle/>
+          <a:p>
+            <a:endParaRPr lang="en-US"/>
+          </a:p>
+        </p:txBody>
+      </p:sp>
+      <p:sp>
+        <p:nvSpPr>
+          <p:cNvPr id="7" name="Slide Number Placeholder 6"/>
+          <p:cNvSpPr>
+            <a:spLocks noGrp="1"/>
+          </p:cNvSpPr>
+          <p:nvPr>
+            <p:ph type="sldNum" sz="quarter" idx="12"/>
+          </p:nvPr>
+        </p:nvSpPr>
+        <p:spPr>
+          <a:xfrm>
+            <a:off x="8077200" y="6356350"/>
+            <a:ext cx="609600" cy="365125"/>
+          </a:xfrm>
+        </p:spPr>
+        <p:txBody>
+          <a:bodyPr/>
+          <a:lstStyle/>
+          <a:p>
+            <a:fld id="{B6F15528-21DE-4FAA-801E-634DDDAF4B2B}" type="slidenum">
+              <a:rPr lang="en-US" smtClean="0"/>
+              <a:pPr/>
+              <a:t>‹#›</a:t>
+            </a:fld>
+            <a:endParaRPr lang="en-US"/>
+          </a:p>
+        </p:txBody>
+      </p:sp>
+      <p:sp>
+        <p:nvSpPr>
+          <p:cNvPr id="3" name="Picture Placeholder 2"/>
+          <p:cNvSpPr>
+            <a:spLocks noGrp="1"/>
+          </p:cNvSpPr>
+          <p:nvPr>
+            <p:ph type="pic" idx="1"/>
+          </p:nvPr>
+        </p:nvSpPr>
+        <p:spPr>
+          <a:xfrm rot="420000">
+            <a:off x="3485793" y="1199517"/>
+            <a:ext cx="4617720" cy="3931920"/>
+          </a:xfrm>
+          <a:prstGeom prst="rect">
+            <a:avLst/>
+          </a:prstGeom>
+          <a:solidFill>
+            <a:schemeClr val="bg2"/>
+          </a:solidFill>
+          <a:ln w="3000" cap="rnd">
+            <a:solidFill>
+              <a:srgbClr val="C0C0C0"/>
+            </a:solidFill>
+            <a:round/>
+          </a:ln>
+          <a:effectLst/>
         </p:spPr>
         <p:txBody>
           <a:bodyPr/>
@@ -2357,173 +2570,269 @@
               <a:buNone/>
               <a:defRPr sz="3200"/>
             </a:lvl1pPr>
-            <a:lvl2pPr marL="457200" indent="0">
-              <a:buNone/>
-              <a:defRPr sz="2800"/>
-            </a:lvl2pPr>
-            <a:lvl3pPr marL="914400" indent="0">
-              <a:buNone/>
-              <a:defRPr sz="2400"/>
-            </a:lvl3pPr>
-            <a:lvl4pPr marL="1371600" indent="0">
-              <a:buNone/>
-              <a:defRPr sz="2000"/>
-            </a:lvl4pPr>
-            <a:lvl5pPr marL="1828800" indent="0">
-              <a:buNone/>
-              <a:defRPr sz="2000"/>
-            </a:lvl5pPr>
-            <a:lvl6pPr marL="2286000" indent="0">
-              <a:buNone/>
-              <a:defRPr sz="2000"/>
-            </a:lvl6pPr>
-            <a:lvl7pPr marL="2743200" indent="0">
-              <a:buNone/>
-              <a:defRPr sz="2000"/>
-            </a:lvl7pPr>
-            <a:lvl8pPr marL="3200400" indent="0">
-              <a:buNone/>
-              <a:defRPr sz="2000"/>
-            </a:lvl8pPr>
-            <a:lvl9pPr marL="3657600" indent="0">
-              <a:buNone/>
-              <a:defRPr sz="2000"/>
-            </a:lvl9pPr>
           </a:lstStyle>
           <a:p>
-            <a:endParaRPr lang="en-US"/>
-          </a:p>
-        </p:txBody>
-      </p:sp>
-      <p:sp>
-        <p:nvSpPr>
-          <p:cNvPr id="4" name="Text Placeholder 3"/>
-          <p:cNvSpPr>
-            <a:spLocks noGrp="1"/>
-          </p:cNvSpPr>
-          <p:nvPr>
-            <p:ph type="body" sz="half" idx="2"/>
-          </p:nvPr>
-        </p:nvSpPr>
-        <p:spPr>
-          <a:xfrm>
-            <a:off x="1792288" y="5367338"/>
-            <a:ext cx="5486400" cy="804862"/>
+            <a:r>
+              <a:rPr kumimoji="0" lang="en-US" smtClean="0"/>
+              <a:t>Click icon to add picture</a:t>
+            </a:r>
+            <a:endParaRPr kumimoji="0" lang="en-US" dirty="0"/>
+          </a:p>
+        </p:txBody>
+      </p:sp>
+      <p:sp>
+        <p:nvSpPr>
+          <p:cNvPr id="10" name="Freeform 9"/>
+          <p:cNvSpPr>
+            <a:spLocks/>
+          </p:cNvSpPr>
+          <p:nvPr/>
+        </p:nvSpPr>
+        <p:spPr bwMode="auto">
+          <a:xfrm flipV="1">
+            <a:off x="-9525" y="5816600"/>
+            <a:ext cx="9163050" cy="1041400"/>
           </a:xfrm>
+          <a:custGeom>
+            <a:avLst>
+              <a:gd name="A1" fmla="val 0"/>
+              <a:gd name="A2" fmla="val 0"/>
+              <a:gd name="A3" fmla="val 0"/>
+              <a:gd name="A4" fmla="val 0"/>
+              <a:gd name="A5" fmla="val 0"/>
+              <a:gd name="A6" fmla="val 0"/>
+              <a:gd name="A7" fmla="val 0"/>
+              <a:gd name="A8" fmla="val 0"/>
+            </a:avLst>
+            <a:gdLst/>
+            <a:ahLst/>
+            <a:cxnLst>
+              <a:cxn ang="0">
+                <a:pos x="6" y="2"/>
+              </a:cxn>
+              <a:cxn ang="0">
+                <a:pos x="2542" y="0"/>
+              </a:cxn>
+              <a:cxn ang="0">
+                <a:pos x="4374" y="367"/>
+              </a:cxn>
+              <a:cxn ang="0">
+                <a:pos x="5766" y="55"/>
+              </a:cxn>
+              <a:cxn ang="0">
+                <a:pos x="5772" y="213"/>
+              </a:cxn>
+              <a:cxn ang="0">
+                <a:pos x="4302" y="439"/>
+              </a:cxn>
+              <a:cxn ang="0">
+                <a:pos x="1488" y="201"/>
+              </a:cxn>
+              <a:cxn ang="0">
+                <a:pos x="0" y="656"/>
+              </a:cxn>
+              <a:cxn ang="0">
+                <a:pos x="6" y="2"/>
+              </a:cxn>
+            </a:cxnLst>
+            <a:rect l="0" t="0" r="0" b="0"/>
+            <a:pathLst>
+              <a:path w="5772" h="656">
+                <a:moveTo>
+                  <a:pt x="6" y="2"/>
+                </a:moveTo>
+                <a:lnTo>
+                  <a:pt x="2542" y="0"/>
+                </a:lnTo>
+                <a:cubicBezTo>
+                  <a:pt x="2746" y="101"/>
+                  <a:pt x="3828" y="367"/>
+                  <a:pt x="4374" y="367"/>
+                </a:cubicBezTo>
+                <a:cubicBezTo>
+                  <a:pt x="4920" y="367"/>
+                  <a:pt x="5526" y="152"/>
+                  <a:pt x="5766" y="55"/>
+                </a:cubicBezTo>
+                <a:lnTo>
+                  <a:pt x="5772" y="213"/>
+                </a:lnTo>
+                <a:cubicBezTo>
+                  <a:pt x="5670" y="257"/>
+                  <a:pt x="5016" y="441"/>
+                  <a:pt x="4302" y="439"/>
+                </a:cubicBezTo>
+                <a:cubicBezTo>
+                  <a:pt x="3588" y="437"/>
+                  <a:pt x="2205" y="165"/>
+                  <a:pt x="1488" y="201"/>
+                </a:cubicBezTo>
+                <a:cubicBezTo>
+                  <a:pt x="750" y="209"/>
+                  <a:pt x="270" y="482"/>
+                  <a:pt x="0" y="656"/>
+                </a:cubicBezTo>
+                <a:lnTo>
+                  <a:pt x="6" y="2"/>
+                </a:lnTo>
+                <a:close/>
+              </a:path>
+            </a:pathLst>
+          </a:custGeom>
+          <a:gradFill>
+            <a:gsLst>
+              <a:gs pos="0">
+                <a:schemeClr val="accent2">
+                  <a:shade val="50000"/>
+                  <a:alpha val="45000"/>
+                  <a:satMod val="120000"/>
+                </a:schemeClr>
+              </a:gs>
+              <a:gs pos="100000">
+                <a:schemeClr val="accent3">
+                  <a:shade val="80000"/>
+                  <a:alpha val="55000"/>
+                  <a:satMod val="155000"/>
+                </a:schemeClr>
+              </a:gs>
+            </a:gsLst>
+            <a:lin ang="5400000" scaled="1"/>
+          </a:gradFill>
+          <a:ln w="9525" cap="flat" cmpd="sng" algn="ctr">
+            <a:noFill/>
+            <a:prstDash val="solid"/>
+            <a:round/>
+            <a:headEnd type="none" w="med" len="med"/>
+            <a:tailEnd type="none" w="med" len="med"/>
+          </a:ln>
+          <a:effectLst/>
         </p:spPr>
         <p:txBody>
-          <a:bodyPr/>
-          <a:lstStyle>
-            <a:lvl1pPr marL="0" indent="0">
-              <a:buNone/>
-              <a:defRPr sz="1400"/>
-            </a:lvl1pPr>
-            <a:lvl2pPr marL="457200" indent="0">
-              <a:buNone/>
-              <a:defRPr sz="1200"/>
-            </a:lvl2pPr>
-            <a:lvl3pPr marL="914400" indent="0">
-              <a:buNone/>
-              <a:defRPr sz="1000"/>
-            </a:lvl3pPr>
-            <a:lvl4pPr marL="1371600" indent="0">
-              <a:buNone/>
-              <a:defRPr sz="900"/>
-            </a:lvl4pPr>
-            <a:lvl5pPr marL="1828800" indent="0">
-              <a:buNone/>
-              <a:defRPr sz="900"/>
-            </a:lvl5pPr>
-            <a:lvl6pPr marL="2286000" indent="0">
-              <a:buNone/>
-              <a:defRPr sz="900"/>
-            </a:lvl6pPr>
-            <a:lvl7pPr marL="2743200" indent="0">
-              <a:buNone/>
-              <a:defRPr sz="900"/>
-            </a:lvl7pPr>
-            <a:lvl8pPr marL="3200400" indent="0">
-              <a:buNone/>
-              <a:defRPr sz="900"/>
-            </a:lvl8pPr>
-            <a:lvl9pPr marL="3657600" indent="0">
-              <a:buNone/>
-              <a:defRPr sz="900"/>
-            </a:lvl9pPr>
-          </a:lstStyle>
-          <a:p>
-            <a:pPr lvl="0"/>
-            <a:r>
-              <a:rPr lang="en-US" smtClean="0"/>
-              <a:t>Click to edit Master text styles</a:t>
-            </a:r>
-          </a:p>
-        </p:txBody>
-      </p:sp>
-      <p:sp>
-        <p:nvSpPr>
-          <p:cNvPr id="5" name="Date Placeholder 4"/>
-          <p:cNvSpPr>
-            <a:spLocks noGrp="1"/>
-          </p:cNvSpPr>
-          <p:nvPr>
-            <p:ph type="dt" sz="half" idx="10"/>
-          </p:nvPr>
-        </p:nvSpPr>
-        <p:spPr/>
-        <p:txBody>
-          <a:bodyPr/>
-          <a:lstStyle/>
-          <a:p>
-            <a:fld id="{1D8BD707-D9CF-40AE-B4C6-C98DA3205C09}" type="datetimeFigureOut">
-              <a:rPr lang="en-US" smtClean="0"/>
-              <a:pPr/>
-              <a:t>7/16/2014</a:t>
-            </a:fld>
-            <a:endParaRPr lang="en-US"/>
-          </a:p>
-        </p:txBody>
-      </p:sp>
-      <p:sp>
-        <p:nvSpPr>
-          <p:cNvPr id="6" name="Footer Placeholder 5"/>
-          <p:cNvSpPr>
-            <a:spLocks noGrp="1"/>
-          </p:cNvSpPr>
-          <p:nvPr>
-            <p:ph type="ftr" sz="quarter" idx="11"/>
-          </p:nvPr>
-        </p:nvSpPr>
-        <p:spPr/>
-        <p:txBody>
-          <a:bodyPr/>
-          <a:lstStyle/>
-          <a:p>
-            <a:endParaRPr lang="en-US"/>
-          </a:p>
-        </p:txBody>
-      </p:sp>
-      <p:sp>
-        <p:nvSpPr>
-          <p:cNvPr id="7" name="Slide Number Placeholder 6"/>
-          <p:cNvSpPr>
-            <a:spLocks noGrp="1"/>
-          </p:cNvSpPr>
-          <p:nvPr>
-            <p:ph type="sldNum" sz="quarter" idx="12"/>
-          </p:nvPr>
-        </p:nvSpPr>
-        <p:spPr/>
-        <p:txBody>
-          <a:bodyPr/>
-          <a:lstStyle/>
-          <a:p>
-            <a:fld id="{B6F15528-21DE-4FAA-801E-634DDDAF4B2B}" type="slidenum">
-              <a:rPr lang="en-US" smtClean="0"/>
-              <a:pPr/>
-              <a:t>‹#›</a:t>
-            </a:fld>
-            <a:endParaRPr lang="en-US"/>
+          <a:bodyPr vert="horz" wrap="square" lIns="91440" tIns="45720" rIns="91440" bIns="45720" anchor="t" compatLnSpc="1"/>
+          <a:lstStyle/>
+          <a:p>
+            <a:pPr marL="0" algn="l" rtl="0" eaLnBrk="1" latinLnBrk="0" hangingPunct="1"/>
+            <a:endParaRPr kumimoji="0" lang="en-US">
+              <a:solidFill>
+                <a:schemeClr val="tx1"/>
+              </a:solidFill>
+              <a:latin typeface="+mn-lt"/>
+              <a:ea typeface="+mn-ea"/>
+              <a:cs typeface="+mn-cs"/>
+            </a:endParaRPr>
+          </a:p>
+        </p:txBody>
+      </p:sp>
+      <p:sp>
+        <p:nvSpPr>
+          <p:cNvPr id="11" name="Freeform 10"/>
+          <p:cNvSpPr>
+            <a:spLocks/>
+          </p:cNvSpPr>
+          <p:nvPr/>
+        </p:nvSpPr>
+        <p:spPr bwMode="auto">
+          <a:xfrm flipV="1">
+            <a:off x="4381500" y="6219825"/>
+            <a:ext cx="4762500" cy="638175"/>
+          </a:xfrm>
+          <a:custGeom>
+            <a:avLst>
+              <a:gd name="A1" fmla="val 0"/>
+              <a:gd name="A2" fmla="val 0"/>
+              <a:gd name="A3" fmla="val 0"/>
+              <a:gd name="A4" fmla="val 0"/>
+              <a:gd name="A5" fmla="val 0"/>
+              <a:gd name="A6" fmla="val 0"/>
+              <a:gd name="A7" fmla="val 0"/>
+              <a:gd name="A8" fmla="val 0"/>
+            </a:avLst>
+            <a:gdLst/>
+            <a:ahLst/>
+            <a:cxnLst>
+              <a:cxn ang="0">
+                <a:pos x="0" y="0"/>
+              </a:cxn>
+              <a:cxn ang="0">
+                <a:pos x="1668" y="564"/>
+              </a:cxn>
+              <a:cxn ang="0">
+                <a:pos x="3000" y="186"/>
+              </a:cxn>
+              <a:cxn ang="0">
+                <a:pos x="3000" y="6"/>
+              </a:cxn>
+              <a:cxn ang="0">
+                <a:pos x="0" y="0"/>
+              </a:cxn>
+            </a:cxnLst>
+            <a:rect l="0" t="0" r="0" b="0"/>
+            <a:pathLst>
+              <a:path w="3000" h="595">
+                <a:moveTo>
+                  <a:pt x="0" y="0"/>
+                </a:moveTo>
+                <a:cubicBezTo>
+                  <a:pt x="174" y="102"/>
+                  <a:pt x="1168" y="533"/>
+                  <a:pt x="1668" y="564"/>
+                </a:cubicBezTo>
+                <a:cubicBezTo>
+                  <a:pt x="2168" y="595"/>
+                  <a:pt x="2778" y="279"/>
+                  <a:pt x="3000" y="186"/>
+                </a:cubicBezTo>
+                <a:lnTo>
+                  <a:pt x="3000" y="6"/>
+                </a:lnTo>
+                <a:lnTo>
+                  <a:pt x="0" y="0"/>
+                </a:lnTo>
+                <a:close/>
+              </a:path>
+            </a:pathLst>
+          </a:custGeom>
+          <a:gradFill>
+            <a:gsLst>
+              <a:gs pos="0">
+                <a:schemeClr val="accent3">
+                  <a:shade val="50000"/>
+                  <a:alpha val="30000"/>
+                  <a:satMod val="130000"/>
+                </a:schemeClr>
+              </a:gs>
+              <a:gs pos="80000">
+                <a:schemeClr val="accent2">
+                  <a:shade val="75000"/>
+                  <a:alpha val="45000"/>
+                  <a:satMod val="140000"/>
+                </a:schemeClr>
+              </a:gs>
+            </a:gsLst>
+            <a:lin ang="5400000" scaled="1"/>
+          </a:gradFill>
+          <a:ln w="9525" cap="flat" cmpd="sng" algn="ctr">
+            <a:noFill/>
+            <a:prstDash val="solid"/>
+            <a:round/>
+            <a:headEnd type="none" w="med" len="med"/>
+            <a:tailEnd type="none" w="med" len="med"/>
+          </a:ln>
+          <a:effectLst/>
+        </p:spPr>
+        <p:txBody>
+          <a:bodyPr vert="horz" wrap="square" lIns="91440" tIns="45720" rIns="91440" bIns="45720" anchor="t" compatLnSpc="1"/>
+          <a:lstStyle/>
+          <a:p>
+            <a:pPr marL="0" algn="l" rtl="0" eaLnBrk="1" latinLnBrk="0" hangingPunct="1"/>
+            <a:endParaRPr kumimoji="0" lang="en-US">
+              <a:solidFill>
+                <a:schemeClr val="tx1"/>
+              </a:solidFill>
+              <a:latin typeface="+mn-lt"/>
+              <a:ea typeface="+mn-ea"/>
+              <a:cs typeface="+mn-cs"/>
+            </a:endParaRPr>
           </a:p>
         </p:txBody>
       </p:sp>
@@ -2539,7 +2848,7 @@
 <p:sldMaster xmlns:a="http://schemas.openxmlformats.org/drawingml/2006/main" xmlns:r="http://schemas.openxmlformats.org/officeDocument/2006/relationships" xmlns:p="http://schemas.openxmlformats.org/presentationml/2006/main">
   <p:cSld>
     <p:bg>
-      <p:bgRef idx="1001">
+      <p:bgRef idx="1003">
         <a:schemeClr val="bg1"/>
       </p:bgRef>
     </p:bg>
@@ -2559,7 +2868,263 @@
       </p:grpSpPr>
       <p:sp>
         <p:nvSpPr>
-          <p:cNvPr id="2" name="Title Placeholder 1"/>
+          <p:cNvPr id="7" name="Freeform 6"/>
+          <p:cNvSpPr>
+            <a:spLocks/>
+          </p:cNvSpPr>
+          <p:nvPr/>
+        </p:nvSpPr>
+        <p:spPr bwMode="auto">
+          <a:xfrm>
+            <a:off x="-9525" y="-7144"/>
+            <a:ext cx="9163050" cy="1041400"/>
+          </a:xfrm>
+          <a:custGeom>
+            <a:avLst>
+              <a:gd name="A1" fmla="val 0"/>
+              <a:gd name="A2" fmla="val 0"/>
+              <a:gd name="A3" fmla="val 0"/>
+              <a:gd name="A4" fmla="val 0"/>
+              <a:gd name="A5" fmla="val 0"/>
+              <a:gd name="A6" fmla="val 0"/>
+              <a:gd name="A7" fmla="val 0"/>
+              <a:gd name="A8" fmla="val 0"/>
+            </a:avLst>
+            <a:gdLst/>
+            <a:ahLst/>
+            <a:cxnLst>
+              <a:cxn ang="0">
+                <a:pos x="6" y="2"/>
+              </a:cxn>
+              <a:cxn ang="0">
+                <a:pos x="2542" y="0"/>
+              </a:cxn>
+              <a:cxn ang="0">
+                <a:pos x="4374" y="367"/>
+              </a:cxn>
+              <a:cxn ang="0">
+                <a:pos x="5766" y="55"/>
+              </a:cxn>
+              <a:cxn ang="0">
+                <a:pos x="5772" y="213"/>
+              </a:cxn>
+              <a:cxn ang="0">
+                <a:pos x="4302" y="439"/>
+              </a:cxn>
+              <a:cxn ang="0">
+                <a:pos x="1488" y="201"/>
+              </a:cxn>
+              <a:cxn ang="0">
+                <a:pos x="0" y="656"/>
+              </a:cxn>
+              <a:cxn ang="0">
+                <a:pos x="6" y="2"/>
+              </a:cxn>
+            </a:cxnLst>
+            <a:rect l="0" t="0" r="0" b="0"/>
+            <a:pathLst>
+              <a:path w="5772" h="656">
+                <a:moveTo>
+                  <a:pt x="6" y="2"/>
+                </a:moveTo>
+                <a:lnTo>
+                  <a:pt x="2542" y="0"/>
+                </a:lnTo>
+                <a:cubicBezTo>
+                  <a:pt x="2746" y="101"/>
+                  <a:pt x="3828" y="367"/>
+                  <a:pt x="4374" y="367"/>
+                </a:cubicBezTo>
+                <a:cubicBezTo>
+                  <a:pt x="4920" y="367"/>
+                  <a:pt x="5526" y="152"/>
+                  <a:pt x="5766" y="55"/>
+                </a:cubicBezTo>
+                <a:lnTo>
+                  <a:pt x="5772" y="213"/>
+                </a:lnTo>
+                <a:cubicBezTo>
+                  <a:pt x="5670" y="257"/>
+                  <a:pt x="5016" y="441"/>
+                  <a:pt x="4302" y="439"/>
+                </a:cubicBezTo>
+                <a:cubicBezTo>
+                  <a:pt x="3588" y="437"/>
+                  <a:pt x="2205" y="165"/>
+                  <a:pt x="1488" y="201"/>
+                </a:cubicBezTo>
+                <a:cubicBezTo>
+                  <a:pt x="750" y="209"/>
+                  <a:pt x="270" y="482"/>
+                  <a:pt x="0" y="656"/>
+                </a:cubicBezTo>
+                <a:lnTo>
+                  <a:pt x="6" y="2"/>
+                </a:lnTo>
+                <a:close/>
+              </a:path>
+            </a:pathLst>
+          </a:custGeom>
+          <a:gradFill>
+            <a:gsLst>
+              <a:gs pos="0">
+                <a:schemeClr val="accent2">
+                  <a:shade val="50000"/>
+                  <a:alpha val="45000"/>
+                  <a:satMod val="120000"/>
+                </a:schemeClr>
+              </a:gs>
+              <a:gs pos="100000">
+                <a:schemeClr val="accent3">
+                  <a:shade val="80000"/>
+                  <a:alpha val="55000"/>
+                  <a:satMod val="155000"/>
+                </a:schemeClr>
+              </a:gs>
+            </a:gsLst>
+            <a:lin ang="5400000" scaled="1"/>
+          </a:gradFill>
+          <a:ln w="9525" cap="flat" cmpd="sng" algn="ctr">
+            <a:noFill/>
+            <a:prstDash val="solid"/>
+            <a:round/>
+            <a:headEnd type="none" w="med" len="med"/>
+            <a:tailEnd type="none" w="med" len="med"/>
+          </a:ln>
+          <a:effectLst/>
+        </p:spPr>
+        <p:txBody>
+          <a:bodyPr vert="horz" wrap="square" lIns="91440" tIns="45720" rIns="91440" bIns="45720" anchor="t" compatLnSpc="1"/>
+          <a:lstStyle/>
+          <a:p>
+            <a:pPr marL="0" algn="l" rtl="0" eaLnBrk="1" latinLnBrk="0" hangingPunct="1"/>
+            <a:endParaRPr kumimoji="0" lang="en-US">
+              <a:solidFill>
+                <a:schemeClr val="tx1"/>
+              </a:solidFill>
+              <a:latin typeface="+mn-lt"/>
+              <a:ea typeface="+mn-ea"/>
+              <a:cs typeface="+mn-cs"/>
+            </a:endParaRPr>
+          </a:p>
+        </p:txBody>
+      </p:sp>
+      <p:sp>
+        <p:nvSpPr>
+          <p:cNvPr id="8" name="Freeform 7"/>
+          <p:cNvSpPr>
+            <a:spLocks/>
+          </p:cNvSpPr>
+          <p:nvPr/>
+        </p:nvSpPr>
+        <p:spPr bwMode="auto">
+          <a:xfrm>
+            <a:off x="4381500" y="-7144"/>
+            <a:ext cx="4762500" cy="638175"/>
+          </a:xfrm>
+          <a:custGeom>
+            <a:avLst>
+              <a:gd name="A1" fmla="val 0"/>
+              <a:gd name="A2" fmla="val 0"/>
+              <a:gd name="A3" fmla="val 0"/>
+              <a:gd name="A4" fmla="val 0"/>
+              <a:gd name="A5" fmla="val 0"/>
+              <a:gd name="A6" fmla="val 0"/>
+              <a:gd name="A7" fmla="val 0"/>
+              <a:gd name="A8" fmla="val 0"/>
+            </a:avLst>
+            <a:gdLst/>
+            <a:ahLst/>
+            <a:cxnLst>
+              <a:cxn ang="0">
+                <a:pos x="0" y="0"/>
+              </a:cxn>
+              <a:cxn ang="0">
+                <a:pos x="1668" y="564"/>
+              </a:cxn>
+              <a:cxn ang="0">
+                <a:pos x="3000" y="186"/>
+              </a:cxn>
+              <a:cxn ang="0">
+                <a:pos x="3000" y="6"/>
+              </a:cxn>
+              <a:cxn ang="0">
+                <a:pos x="0" y="0"/>
+              </a:cxn>
+            </a:cxnLst>
+            <a:rect l="0" t="0" r="0" b="0"/>
+            <a:pathLst>
+              <a:path w="3000" h="595">
+                <a:moveTo>
+                  <a:pt x="0" y="0"/>
+                </a:moveTo>
+                <a:cubicBezTo>
+                  <a:pt x="174" y="102"/>
+                  <a:pt x="1168" y="533"/>
+                  <a:pt x="1668" y="564"/>
+                </a:cubicBezTo>
+                <a:cubicBezTo>
+                  <a:pt x="2168" y="595"/>
+                  <a:pt x="2778" y="279"/>
+                  <a:pt x="3000" y="186"/>
+                </a:cubicBezTo>
+                <a:lnTo>
+                  <a:pt x="3000" y="6"/>
+                </a:lnTo>
+                <a:lnTo>
+                  <a:pt x="0" y="0"/>
+                </a:lnTo>
+                <a:close/>
+              </a:path>
+            </a:pathLst>
+          </a:custGeom>
+          <a:gradFill>
+            <a:gsLst>
+              <a:gs pos="0">
+                <a:schemeClr val="accent3">
+                  <a:shade val="50000"/>
+                  <a:alpha val="30000"/>
+                  <a:satMod val="130000"/>
+                </a:schemeClr>
+              </a:gs>
+              <a:gs pos="80000">
+                <a:schemeClr val="accent2">
+                  <a:shade val="75000"/>
+                  <a:alpha val="45000"/>
+                  <a:satMod val="140000"/>
+                </a:schemeClr>
+              </a:gs>
+            </a:gsLst>
+            <a:lin ang="5400000" scaled="1"/>
+          </a:gradFill>
+          <a:ln w="9525" cap="flat" cmpd="sng" algn="ctr">
+            <a:noFill/>
+            <a:prstDash val="solid"/>
+            <a:round/>
+            <a:headEnd type="none" w="med" len="med"/>
+            <a:tailEnd type="none" w="med" len="med"/>
+          </a:ln>
+          <a:effectLst/>
+        </p:spPr>
+        <p:txBody>
+          <a:bodyPr vert="horz" wrap="square" lIns="91440" tIns="45720" rIns="91440" bIns="45720" anchor="t" compatLnSpc="1"/>
+          <a:lstStyle/>
+          <a:p>
+            <a:pPr marL="0" algn="l" rtl="0" eaLnBrk="1" latinLnBrk="0" hangingPunct="1"/>
+            <a:endParaRPr kumimoji="0" lang="en-US">
+              <a:solidFill>
+                <a:schemeClr val="tx1"/>
+              </a:solidFill>
+              <a:latin typeface="+mn-lt"/>
+              <a:ea typeface="+mn-ea"/>
+              <a:cs typeface="+mn-cs"/>
+            </a:endParaRPr>
+          </a:p>
+        </p:txBody>
+      </p:sp>
+      <p:sp>
+        <p:nvSpPr>
+          <p:cNvPr id="9" name="Title Placeholder 8"/>
           <p:cNvSpPr>
             <a:spLocks noGrp="1"/>
           </p:cNvSpPr>
@@ -2569,7 +3134,7 @@
         </p:nvSpPr>
         <p:spPr>
           <a:xfrm>
-            <a:off x="457200" y="274638"/>
+            <a:off x="457200" y="704088"/>
             <a:ext cx="8229600" cy="1143000"/>
           </a:xfrm>
           <a:prstGeom prst="rect">
@@ -2577,22 +3142,22 @@
           </a:prstGeom>
         </p:spPr>
         <p:txBody>
-          <a:bodyPr vert="horz" lIns="91440" tIns="45720" rIns="91440" bIns="45720" rtlCol="0" anchor="ctr">
+          <a:bodyPr vert="horz" lIns="0" rIns="0" bIns="0" anchor="b">
             <a:normAutofit/>
           </a:bodyPr>
           <a:lstStyle/>
           <a:p>
             <a:r>
-              <a:rPr lang="en-US" smtClean="0"/>
+              <a:rPr kumimoji="0" lang="en-US" smtClean="0"/>
               <a:t>Click to edit Master title style</a:t>
             </a:r>
-            <a:endParaRPr lang="en-US"/>
-          </a:p>
-        </p:txBody>
-      </p:sp>
-      <p:sp>
-        <p:nvSpPr>
-          <p:cNvPr id="3" name="Text Placeholder 2"/>
+            <a:endParaRPr kumimoji="0" lang="en-US"/>
+          </a:p>
+        </p:txBody>
+      </p:sp>
+      <p:sp>
+        <p:nvSpPr>
+          <p:cNvPr id="30" name="Text Placeholder 29"/>
           <p:cNvSpPr>
             <a:spLocks noGrp="1"/>
           </p:cNvSpPr>
@@ -2602,59 +3167,59 @@
         </p:nvSpPr>
         <p:spPr>
           <a:xfrm>
-            <a:off x="457200" y="1600200"/>
-            <a:ext cx="8229600" cy="4525963"/>
+            <a:off x="457200" y="1935480"/>
+            <a:ext cx="8229600" cy="4389120"/>
           </a:xfrm>
           <a:prstGeom prst="rect">
             <a:avLst/>
           </a:prstGeom>
         </p:spPr>
         <p:txBody>
-          <a:bodyPr vert="horz" lIns="91440" tIns="45720" rIns="91440" bIns="45720" rtlCol="0">
+          <a:bodyPr vert="horz">
             <a:normAutofit/>
           </a:bodyPr>
           <a:lstStyle/>
           <a:p>
-            <a:pPr lvl="0"/>
-            <a:r>
-              <a:rPr lang="en-US" smtClean="0"/>
+            <a:pPr lvl="0" eaLnBrk="1" latinLnBrk="0" hangingPunct="1"/>
+            <a:r>
+              <a:rPr kumimoji="0" lang="en-US" smtClean="0"/>
               <a:t>Click to edit Master text styles</a:t>
             </a:r>
           </a:p>
           <a:p>
-            <a:pPr lvl="1"/>
-            <a:r>
-              <a:rPr lang="en-US" smtClean="0"/>
+            <a:pPr lvl="1" eaLnBrk="1" latinLnBrk="0" hangingPunct="1"/>
+            <a:r>
+              <a:rPr kumimoji="0" lang="en-US" smtClean="0"/>
               <a:t>Second level</a:t>
             </a:r>
           </a:p>
           <a:p>
-            <a:pPr lvl="2"/>
-            <a:r>
-              <a:rPr lang="en-US" smtClean="0"/>
+            <a:pPr lvl="2" eaLnBrk="1" latinLnBrk="0" hangingPunct="1"/>
+            <a:r>
+              <a:rPr kumimoji="0" lang="en-US" smtClean="0"/>
               <a:t>Third level</a:t>
             </a:r>
           </a:p>
           <a:p>
-            <a:pPr lvl="3"/>
-            <a:r>
-              <a:rPr lang="en-US" smtClean="0"/>
+            <a:pPr lvl="3" eaLnBrk="1" latinLnBrk="0" hangingPunct="1"/>
+            <a:r>
+              <a:rPr kumimoji="0" lang="en-US" smtClean="0"/>
               <a:t>Fourth level</a:t>
             </a:r>
           </a:p>
           <a:p>
-            <a:pPr lvl="4"/>
-            <a:r>
-              <a:rPr lang="en-US" smtClean="0"/>
+            <a:pPr lvl="4" eaLnBrk="1" latinLnBrk="0" hangingPunct="1"/>
+            <a:r>
+              <a:rPr kumimoji="0" lang="en-US" smtClean="0"/>
               <a:t>Fifth level</a:t>
             </a:r>
-            <a:endParaRPr lang="en-US"/>
-          </a:p>
-        </p:txBody>
-      </p:sp>
-      <p:sp>
-        <p:nvSpPr>
-          <p:cNvPr id="4" name="Date Placeholder 3"/>
+            <a:endParaRPr kumimoji="0" lang="en-US"/>
+          </a:p>
+        </p:txBody>
+      </p:sp>
+      <p:sp>
+        <p:nvSpPr>
+          <p:cNvPr id="10" name="Date Placeholder 9"/>
           <p:cNvSpPr>
             <a:spLocks noGrp="1"/>
           </p:cNvSpPr>
@@ -2672,13 +3237,13 @@
           </a:prstGeom>
         </p:spPr>
         <p:txBody>
-          <a:bodyPr vert="horz" lIns="91440" tIns="45720" rIns="91440" bIns="45720" rtlCol="0" anchor="ctr"/>
+          <a:bodyPr vert="horz" lIns="0" tIns="0" rIns="0" bIns="0" anchor="b"/>
           <a:lstStyle>
-            <a:lvl1pPr algn="l">
-              <a:defRPr sz="1200">
+            <a:lvl1pPr algn="l" eaLnBrk="1" latinLnBrk="0" hangingPunct="1">
+              <a:defRPr kumimoji="0" sz="1200">
                 <a:solidFill>
-                  <a:schemeClr val="tx1">
-                    <a:tint val="75000"/>
+                  <a:schemeClr val="tx2">
+                    <a:shade val="90000"/>
                   </a:schemeClr>
                 </a:solidFill>
               </a:defRPr>
@@ -2696,7 +3261,7 @@
       </p:sp>
       <p:sp>
         <p:nvSpPr>
-          <p:cNvPr id="5" name="Footer Placeholder 4"/>
+          <p:cNvPr id="22" name="Footer Placeholder 21"/>
           <p:cNvSpPr>
             <a:spLocks noGrp="1"/>
           </p:cNvSpPr>
@@ -2706,21 +3271,21 @@
         </p:nvSpPr>
         <p:spPr>
           <a:xfrm>
-            <a:off x="3124200" y="6356350"/>
-            <a:ext cx="2895600" cy="365125"/>
+            <a:off x="2667000" y="6356350"/>
+            <a:ext cx="3352800" cy="365125"/>
           </a:xfrm>
           <a:prstGeom prst="rect">
             <a:avLst/>
           </a:prstGeom>
         </p:spPr>
         <p:txBody>
-          <a:bodyPr vert="horz" lIns="91440" tIns="45720" rIns="91440" bIns="45720" rtlCol="0" anchor="ctr"/>
+          <a:bodyPr vert="horz" lIns="0" tIns="0" rIns="0" bIns="0" anchor="b"/>
           <a:lstStyle>
-            <a:lvl1pPr algn="ctr">
-              <a:defRPr sz="1200">
+            <a:lvl1pPr algn="l" eaLnBrk="1" latinLnBrk="0" hangingPunct="1">
+              <a:defRPr kumimoji="0" sz="1200">
                 <a:solidFill>
-                  <a:schemeClr val="tx1">
-                    <a:tint val="75000"/>
+                  <a:schemeClr val="tx2">
+                    <a:shade val="90000"/>
                   </a:schemeClr>
                 </a:solidFill>
               </a:defRPr>
@@ -2733,7 +3298,7 @@
       </p:sp>
       <p:sp>
         <p:nvSpPr>
-          <p:cNvPr id="6" name="Slide Number Placeholder 5"/>
+          <p:cNvPr id="18" name="Slide Number Placeholder 17"/>
           <p:cNvSpPr>
             <a:spLocks noGrp="1"/>
           </p:cNvSpPr>
@@ -2743,21 +3308,21 @@
         </p:nvSpPr>
         <p:spPr>
           <a:xfrm>
-            <a:off x="6553200" y="6356350"/>
-            <a:ext cx="2133600" cy="365125"/>
+            <a:off x="7924800" y="6356350"/>
+            <a:ext cx="762000" cy="365125"/>
           </a:xfrm>
           <a:prstGeom prst="rect">
             <a:avLst/>
           </a:prstGeom>
         </p:spPr>
         <p:txBody>
-          <a:bodyPr vert="horz" lIns="91440" tIns="45720" rIns="91440" bIns="45720" rtlCol="0" anchor="ctr"/>
+          <a:bodyPr vert="horz" lIns="0" tIns="0" rIns="0" bIns="0" anchor="b"/>
           <a:lstStyle>
-            <a:lvl1pPr algn="r">
-              <a:defRPr sz="1200">
+            <a:lvl1pPr algn="r" eaLnBrk="1" latinLnBrk="0" hangingPunct="1">
+              <a:defRPr kumimoji="0" sz="1200">
                 <a:solidFill>
-                  <a:schemeClr val="tx1">
-                    <a:tint val="75000"/>
+                  <a:schemeClr val="tx2">
+                    <a:shade val="90000"/>
                   </a:schemeClr>
                 </a:solidFill>
               </a:defRPr>
@@ -2773,33 +3338,251 @@
           </a:p>
         </p:txBody>
       </p:sp>
+      <p:grpSp>
+        <p:nvGrpSpPr>
+          <p:cNvPr id="2" name="Group 1"/>
+          <p:cNvGrpSpPr/>
+          <p:nvPr/>
+        </p:nvGrpSpPr>
+        <p:grpSpPr>
+          <a:xfrm>
+            <a:off x="-19017" y="202408"/>
+            <a:ext cx="9180548" cy="649224"/>
+            <a:chOff x="-19045" y="216550"/>
+            <a:chExt cx="9180548" cy="649224"/>
+          </a:xfrm>
+        </p:grpSpPr>
+        <p:sp>
+          <p:nvSpPr>
+            <p:cNvPr id="12" name="Freeform 11"/>
+            <p:cNvSpPr>
+              <a:spLocks/>
+            </p:cNvSpPr>
+            <p:nvPr/>
+          </p:nvSpPr>
+          <p:spPr bwMode="auto">
+            <a:xfrm rot="21435692">
+              <a:off x="-19045" y="216550"/>
+              <a:ext cx="9163050" cy="649224"/>
+            </a:xfrm>
+            <a:custGeom>
+              <a:avLst>
+                <a:gd name="A1" fmla="val 0"/>
+                <a:gd name="A2" fmla="val 0"/>
+                <a:gd name="A3" fmla="val 0"/>
+                <a:gd name="A4" fmla="val 0"/>
+                <a:gd name="A5" fmla="val 0"/>
+                <a:gd name="A6" fmla="val 0"/>
+                <a:gd name="A7" fmla="val 0"/>
+                <a:gd name="A8" fmla="val 0"/>
+              </a:avLst>
+              <a:gdLst/>
+              <a:ahLst/>
+              <a:cxnLst>
+                <a:cxn ang="0">
+                  <a:pos x="0" y="966"/>
+                </a:cxn>
+                <a:cxn ang="0">
+                  <a:pos x="1608" y="282"/>
+                </a:cxn>
+                <a:cxn ang="0">
+                  <a:pos x="4110" y="1008"/>
+                </a:cxn>
+                <a:cxn ang="0">
+                  <a:pos x="5772" y="0"/>
+                </a:cxn>
+              </a:cxnLst>
+              <a:rect l="0" t="0" r="0" b="0"/>
+              <a:pathLst>
+                <a:path w="5772" h="1055">
+                  <a:moveTo>
+                    <a:pt x="0" y="966"/>
+                  </a:moveTo>
+                  <a:cubicBezTo>
+                    <a:pt x="282" y="738"/>
+                    <a:pt x="923" y="275"/>
+                    <a:pt x="1608" y="282"/>
+                  </a:cubicBezTo>
+                  <a:cubicBezTo>
+                    <a:pt x="2293" y="289"/>
+                    <a:pt x="3416" y="1055"/>
+                    <a:pt x="4110" y="1008"/>
+                  </a:cubicBezTo>
+                  <a:cubicBezTo>
+                    <a:pt x="4804" y="961"/>
+                    <a:pt x="5426" y="210"/>
+                    <a:pt x="5772" y="0"/>
+                  </a:cubicBezTo>
+                </a:path>
+              </a:pathLst>
+            </a:custGeom>
+            <a:noFill/>
+            <a:ln w="10795" cap="flat" cmpd="sng" algn="ctr">
+              <a:gradFill>
+                <a:gsLst>
+                  <a:gs pos="74000">
+                    <a:schemeClr val="accent3">
+                      <a:shade val="75000"/>
+                    </a:schemeClr>
+                  </a:gs>
+                  <a:gs pos="86000">
+                    <a:schemeClr val="tx1">
+                      <a:alpha val="29000"/>
+                    </a:schemeClr>
+                  </a:gs>
+                  <a:gs pos="16000">
+                    <a:schemeClr val="accent2">
+                      <a:shade val="75000"/>
+                      <a:alpha val="56000"/>
+                    </a:schemeClr>
+                  </a:gs>
+                </a:gsLst>
+                <a:lin ang="5400000" scaled="1"/>
+              </a:gradFill>
+              <a:prstDash val="solid"/>
+              <a:round/>
+              <a:headEnd type="none" w="med" len="med"/>
+              <a:tailEnd type="none" w="med" len="med"/>
+            </a:ln>
+            <a:effectLst/>
+          </p:spPr>
+          <p:txBody>
+            <a:bodyPr vert="horz" wrap="square" lIns="91440" tIns="45720" rIns="91440" bIns="45720" anchor="t" compatLnSpc="1"/>
+            <a:lstStyle/>
+            <a:p>
+              <a:endParaRPr kumimoji="0" lang="en-US"/>
+            </a:p>
+          </p:txBody>
+        </p:sp>
+        <p:sp>
+          <p:nvSpPr>
+            <p:cNvPr id="13" name="Freeform 12"/>
+            <p:cNvSpPr>
+              <a:spLocks/>
+            </p:cNvSpPr>
+            <p:nvPr/>
+          </p:nvSpPr>
+          <p:spPr bwMode="auto">
+            <a:xfrm rot="21435692">
+              <a:off x="-14309" y="290003"/>
+              <a:ext cx="9175812" cy="530352"/>
+            </a:xfrm>
+            <a:custGeom>
+              <a:avLst>
+                <a:gd name="A1" fmla="val 0"/>
+                <a:gd name="A2" fmla="val 0"/>
+                <a:gd name="A3" fmla="val 0"/>
+                <a:gd name="A4" fmla="val 0"/>
+                <a:gd name="A5" fmla="val 0"/>
+                <a:gd name="A6" fmla="val 0"/>
+                <a:gd name="A7" fmla="val 0"/>
+                <a:gd name="A8" fmla="val 0"/>
+              </a:avLst>
+              <a:gdLst/>
+              <a:ahLst/>
+              <a:cxnLst>
+                <a:cxn ang="0">
+                  <a:pos x="0" y="732"/>
+                </a:cxn>
+                <a:cxn ang="0">
+                  <a:pos x="1638" y="228"/>
+                </a:cxn>
+                <a:cxn ang="0">
+                  <a:pos x="4122" y="816"/>
+                </a:cxn>
+                <a:cxn ang="0">
+                  <a:pos x="5766" y="0"/>
+                </a:cxn>
+              </a:cxnLst>
+              <a:rect l="0" t="0" r="0" b="0"/>
+              <a:pathLst>
+                <a:path w="5766" h="854">
+                  <a:moveTo>
+                    <a:pt x="0" y="732"/>
+                  </a:moveTo>
+                  <a:cubicBezTo>
+                    <a:pt x="273" y="647"/>
+                    <a:pt x="951" y="214"/>
+                    <a:pt x="1638" y="228"/>
+                  </a:cubicBezTo>
+                  <a:cubicBezTo>
+                    <a:pt x="2325" y="242"/>
+                    <a:pt x="3434" y="854"/>
+                    <a:pt x="4122" y="816"/>
+                  </a:cubicBezTo>
+                  <a:cubicBezTo>
+                    <a:pt x="4810" y="778"/>
+                    <a:pt x="5424" y="170"/>
+                    <a:pt x="5766" y="0"/>
+                  </a:cubicBezTo>
+                </a:path>
+              </a:pathLst>
+            </a:custGeom>
+            <a:noFill/>
+            <a:ln w="9525" cap="flat" cmpd="sng" algn="ctr">
+              <a:gradFill>
+                <a:gsLst>
+                  <a:gs pos="74000">
+                    <a:schemeClr val="accent4"/>
+                  </a:gs>
+                  <a:gs pos="44000">
+                    <a:schemeClr val="accent1"/>
+                  </a:gs>
+                  <a:gs pos="33000">
+                    <a:schemeClr val="accent2">
+                      <a:alpha val="56000"/>
+                    </a:schemeClr>
+                  </a:gs>
+                </a:gsLst>
+                <a:lin ang="5400000" scaled="1"/>
+              </a:gradFill>
+              <a:prstDash val="solid"/>
+              <a:round/>
+              <a:headEnd type="none" w="med" len="med"/>
+              <a:tailEnd type="none" w="med" len="med"/>
+            </a:ln>
+            <a:effectLst/>
+          </p:spPr>
+          <p:txBody>
+            <a:bodyPr vert="horz" wrap="square" lIns="91440" tIns="45720" rIns="91440" bIns="45720" anchor="t" compatLnSpc="1"/>
+            <a:lstStyle/>
+            <a:p>
+              <a:endParaRPr kumimoji="0" lang="en-US"/>
+            </a:p>
+          </p:txBody>
+        </p:sp>
+      </p:grpSp>
     </p:spTree>
   </p:cSld>
   <p:clrMap bg1="lt1" tx1="dk1" bg2="lt2" tx2="dk2" accent1="accent1" accent2="accent2" accent3="accent3" accent4="accent4" accent5="accent5" accent6="accent6" hlink="hlink" folHlink="folHlink"/>
   <p:sldLayoutIdLst>
-    <p:sldLayoutId id="2147483649" r:id="rId1"/>
-    <p:sldLayoutId id="2147483650" r:id="rId2"/>
-    <p:sldLayoutId id="2147483651" r:id="rId3"/>
-    <p:sldLayoutId id="2147483652" r:id="rId4"/>
-    <p:sldLayoutId id="2147483653" r:id="rId5"/>
-    <p:sldLayoutId id="2147483654" r:id="rId6"/>
-    <p:sldLayoutId id="2147483655" r:id="rId7"/>
-    <p:sldLayoutId id="2147483656" r:id="rId8"/>
-    <p:sldLayoutId id="2147483657" r:id="rId9"/>
-    <p:sldLayoutId id="2147483658" r:id="rId10"/>
-    <p:sldLayoutId id="2147483659" r:id="rId11"/>
+    <p:sldLayoutId id="2147483661" r:id="rId1"/>
+    <p:sldLayoutId id="2147483662" r:id="rId2"/>
+    <p:sldLayoutId id="2147483663" r:id="rId3"/>
+    <p:sldLayoutId id="2147483664" r:id="rId4"/>
+    <p:sldLayoutId id="2147483665" r:id="rId5"/>
+    <p:sldLayoutId id="2147483666" r:id="rId6"/>
+    <p:sldLayoutId id="2147483667" r:id="rId7"/>
+    <p:sldLayoutId id="2147483668" r:id="rId8"/>
+    <p:sldLayoutId id="2147483669" r:id="rId9"/>
+    <p:sldLayoutId id="2147483670" r:id="rId10"/>
+    <p:sldLayoutId id="2147483671" r:id="rId11"/>
   </p:sldLayoutIdLst>
   <p:txStyles>
     <p:titleStyle>
-      <a:lvl1pPr algn="ctr" defTabSz="914400" rtl="0" eaLnBrk="1" latinLnBrk="0" hangingPunct="1">
+      <a:lvl1pPr algn="l" rtl="0" eaLnBrk="1" latinLnBrk="0" hangingPunct="1">
         <a:spcBef>
           <a:spcPct val="0"/>
         </a:spcBef>
         <a:buNone/>
-        <a:defRPr sz="4400" kern="1200">
+        <a:defRPr kumimoji="0" sz="5000" b="0" kern="1200">
+          <a:ln>
+            <a:noFill/>
+          </a:ln>
           <a:solidFill>
-            <a:schemeClr val="tx1"/>
+            <a:schemeClr val="tx2"/>
           </a:solidFill>
+          <a:effectLst/>
           <a:latin typeface="+mj-lt"/>
           <a:ea typeface="+mj-ea"/>
           <a:cs typeface="+mj-cs"/>
@@ -2807,13 +3590,17 @@
       </a:lvl1pPr>
     </p:titleStyle>
     <p:bodyStyle>
-      <a:lvl1pPr marL="342900" indent="-342900" algn="l" defTabSz="914400" rtl="0" eaLnBrk="1" latinLnBrk="0" hangingPunct="1">
+      <a:lvl1pPr marL="274320" indent="-274320" algn="l" rtl="0" eaLnBrk="1" latinLnBrk="0" hangingPunct="1">
         <a:spcBef>
           <a:spcPct val="20000"/>
         </a:spcBef>
-        <a:buFont typeface="Arial" pitchFamily="34" charset="0"/>
-        <a:buChar char="•"/>
-        <a:defRPr sz="3200" kern="1200">
+        <a:buClr>
+          <a:schemeClr val="accent3"/>
+        </a:buClr>
+        <a:buSzPct val="95000"/>
+        <a:buFont typeface="Wingdings 2"/>
+        <a:buChar char=""/>
+        <a:defRPr kumimoji="0" sz="2600" kern="1200">
           <a:solidFill>
             <a:schemeClr val="tx1"/>
           </a:solidFill>
@@ -2822,13 +3609,17 @@
           <a:cs typeface="+mn-cs"/>
         </a:defRPr>
       </a:lvl1pPr>
-      <a:lvl2pPr marL="742950" indent="-285750" algn="l" defTabSz="914400" rtl="0" eaLnBrk="1" latinLnBrk="0" hangingPunct="1">
+      <a:lvl2pPr marL="640080" indent="-246888" algn="l" rtl="0" eaLnBrk="1" latinLnBrk="0" hangingPunct="1">
         <a:spcBef>
           <a:spcPct val="20000"/>
         </a:spcBef>
-        <a:buFont typeface="Arial" pitchFamily="34" charset="0"/>
-        <a:buChar char="–"/>
-        <a:defRPr sz="2800" kern="1200">
+        <a:buClr>
+          <a:schemeClr val="accent1"/>
+        </a:buClr>
+        <a:buSzPct val="85000"/>
+        <a:buFont typeface="Wingdings 2"/>
+        <a:buChar char=""/>
+        <a:defRPr kumimoji="0" sz="2400" kern="1200">
           <a:solidFill>
             <a:schemeClr val="tx1"/>
           </a:solidFill>
@@ -2837,13 +3628,17 @@
           <a:cs typeface="+mn-cs"/>
         </a:defRPr>
       </a:lvl2pPr>
-      <a:lvl3pPr marL="1143000" indent="-228600" algn="l" defTabSz="914400" rtl="0" eaLnBrk="1" latinLnBrk="0" hangingPunct="1">
+      <a:lvl3pPr marL="914400" indent="-246888" algn="l" rtl="0" eaLnBrk="1" latinLnBrk="0" hangingPunct="1">
         <a:spcBef>
           <a:spcPct val="20000"/>
         </a:spcBef>
-        <a:buFont typeface="Arial" pitchFamily="34" charset="0"/>
-        <a:buChar char="•"/>
-        <a:defRPr sz="2400" kern="1200">
+        <a:buClr>
+          <a:schemeClr val="accent2"/>
+        </a:buClr>
+        <a:buSzPct val="70000"/>
+        <a:buFont typeface="Wingdings 2"/>
+        <a:buChar char=""/>
+        <a:defRPr kumimoji="0" sz="2100" kern="1200">
           <a:solidFill>
             <a:schemeClr val="tx1"/>
           </a:solidFill>
@@ -2852,13 +3647,17 @@
           <a:cs typeface="+mn-cs"/>
         </a:defRPr>
       </a:lvl3pPr>
-      <a:lvl4pPr marL="1600200" indent="-228600" algn="l" defTabSz="914400" rtl="0" eaLnBrk="1" latinLnBrk="0" hangingPunct="1">
+      <a:lvl4pPr marL="1188720" indent="-210312" algn="l" rtl="0" eaLnBrk="1" latinLnBrk="0" hangingPunct="1">
         <a:spcBef>
           <a:spcPct val="20000"/>
         </a:spcBef>
-        <a:buFont typeface="Arial" pitchFamily="34" charset="0"/>
-        <a:buChar char="–"/>
-        <a:defRPr sz="2000" kern="1200">
+        <a:buClr>
+          <a:schemeClr val="accent3"/>
+        </a:buClr>
+        <a:buSzPct val="65000"/>
+        <a:buFont typeface="Wingdings 2"/>
+        <a:buChar char=""/>
+        <a:defRPr kumimoji="0" sz="2000" kern="1200">
           <a:solidFill>
             <a:schemeClr val="tx1"/>
           </a:solidFill>
@@ -2867,13 +3666,17 @@
           <a:cs typeface="+mn-cs"/>
         </a:defRPr>
       </a:lvl4pPr>
-      <a:lvl5pPr marL="2057400" indent="-228600" algn="l" defTabSz="914400" rtl="0" eaLnBrk="1" latinLnBrk="0" hangingPunct="1">
+      <a:lvl5pPr marL="1463040" indent="-210312" algn="l" rtl="0" eaLnBrk="1" latinLnBrk="0" hangingPunct="1">
         <a:spcBef>
           <a:spcPct val="20000"/>
         </a:spcBef>
-        <a:buFont typeface="Arial" pitchFamily="34" charset="0"/>
-        <a:buChar char="»"/>
-        <a:defRPr sz="2000" kern="1200">
+        <a:buClr>
+          <a:schemeClr val="accent4"/>
+        </a:buClr>
+        <a:buSzPct val="65000"/>
+        <a:buFont typeface="Wingdings 2"/>
+        <a:buChar char=""/>
+        <a:defRPr kumimoji="0" sz="2000" kern="1200">
           <a:solidFill>
             <a:schemeClr val="tx1"/>
           </a:solidFill>
@@ -2882,13 +3685,17 @@
           <a:cs typeface="+mn-cs"/>
         </a:defRPr>
       </a:lvl5pPr>
-      <a:lvl6pPr marL="2514600" indent="-228600" algn="l" defTabSz="914400" rtl="0" eaLnBrk="1" latinLnBrk="0" hangingPunct="1">
+      <a:lvl6pPr marL="1737360" indent="-210312" algn="l" rtl="0" eaLnBrk="1" latinLnBrk="0" hangingPunct="1">
         <a:spcBef>
           <a:spcPct val="20000"/>
         </a:spcBef>
-        <a:buFont typeface="Arial" pitchFamily="34" charset="0"/>
-        <a:buChar char="•"/>
-        <a:defRPr sz="2000" kern="1200">
+        <a:buClr>
+          <a:schemeClr val="accent5"/>
+        </a:buClr>
+        <a:buSzPct val="80000"/>
+        <a:buFont typeface="Wingdings 2"/>
+        <a:buChar char=""/>
+        <a:defRPr kumimoji="0" sz="1800" kern="1200">
           <a:solidFill>
             <a:schemeClr val="tx1"/>
           </a:solidFill>
@@ -2897,13 +3704,17 @@
           <a:cs typeface="+mn-cs"/>
         </a:defRPr>
       </a:lvl6pPr>
-      <a:lvl7pPr marL="2971800" indent="-228600" algn="l" defTabSz="914400" rtl="0" eaLnBrk="1" latinLnBrk="0" hangingPunct="1">
+      <a:lvl7pPr marL="1920240" indent="-182880" algn="l" rtl="0" eaLnBrk="1" latinLnBrk="0" hangingPunct="1">
         <a:spcBef>
           <a:spcPct val="20000"/>
         </a:spcBef>
-        <a:buFont typeface="Arial" pitchFamily="34" charset="0"/>
-        <a:buChar char="•"/>
-        <a:defRPr sz="2000" kern="1200">
+        <a:buClr>
+          <a:schemeClr val="accent6"/>
+        </a:buClr>
+        <a:buSzPct val="80000"/>
+        <a:buFont typeface="Wingdings 2"/>
+        <a:buChar char=""/>
+        <a:defRPr kumimoji="0" sz="1600" kern="1200" baseline="0">
           <a:solidFill>
             <a:schemeClr val="tx1"/>
           </a:solidFill>
@@ -2912,13 +3723,15 @@
           <a:cs typeface="+mn-cs"/>
         </a:defRPr>
       </a:lvl7pPr>
-      <a:lvl8pPr marL="3429000" indent="-228600" algn="l" defTabSz="914400" rtl="0" eaLnBrk="1" latinLnBrk="0" hangingPunct="1">
+      <a:lvl8pPr marL="2194560" indent="-182880" algn="l" rtl="0" eaLnBrk="1" latinLnBrk="0" hangingPunct="1">
         <a:spcBef>
           <a:spcPct val="20000"/>
         </a:spcBef>
-        <a:buFont typeface="Arial" pitchFamily="34" charset="0"/>
+        <a:buClr>
+          <a:schemeClr val="tx2"/>
+        </a:buClr>
         <a:buChar char="•"/>
-        <a:defRPr sz="2000" kern="1200">
+        <a:defRPr kumimoji="0" sz="1600" kern="1200">
           <a:solidFill>
             <a:schemeClr val="tx1"/>
           </a:solidFill>
@@ -2927,13 +3740,16 @@
           <a:cs typeface="+mn-cs"/>
         </a:defRPr>
       </a:lvl8pPr>
-      <a:lvl9pPr marL="3886200" indent="-228600" algn="l" defTabSz="914400" rtl="0" eaLnBrk="1" latinLnBrk="0" hangingPunct="1">
+      <a:lvl9pPr marL="2468880" indent="-182880" algn="l" rtl="0" eaLnBrk="1" latinLnBrk="0" hangingPunct="1">
         <a:spcBef>
           <a:spcPct val="20000"/>
         </a:spcBef>
-        <a:buFont typeface="Arial" pitchFamily="34" charset="0"/>
+        <a:buClr>
+          <a:schemeClr val="tx2"/>
+        </a:buClr>
+        <a:buFontTx/>
         <a:buChar char="•"/>
-        <a:defRPr sz="2000" kern="1200">
+        <a:defRPr kumimoji="0" sz="1400" kern="1200" baseline="0">
           <a:solidFill>
             <a:schemeClr val="tx1"/>
           </a:solidFill>
@@ -2944,11 +3760,8 @@
       </a:lvl9pPr>
     </p:bodyStyle>
     <p:otherStyle>
-      <a:defPPr>
-        <a:defRPr lang="en-US"/>
-      </a:defPPr>
-      <a:lvl1pPr marL="0" algn="l" defTabSz="914400" rtl="0" eaLnBrk="1" latinLnBrk="0" hangingPunct="1">
-        <a:defRPr sz="1800" kern="1200">
+      <a:lvl1pPr marL="0" algn="l" rtl="0" eaLnBrk="1" latinLnBrk="0" hangingPunct="1">
+        <a:defRPr kumimoji="0" kern="1200">
           <a:solidFill>
             <a:schemeClr val="tx1"/>
           </a:solidFill>
@@ -2957,8 +3770,8 @@
           <a:cs typeface="+mn-cs"/>
         </a:defRPr>
       </a:lvl1pPr>
-      <a:lvl2pPr marL="457200" algn="l" defTabSz="914400" rtl="0" eaLnBrk="1" latinLnBrk="0" hangingPunct="1">
-        <a:defRPr sz="1800" kern="1200">
+      <a:lvl2pPr marL="457200" algn="l" rtl="0" eaLnBrk="1" latinLnBrk="0" hangingPunct="1">
+        <a:defRPr kumimoji="0" kern="1200">
           <a:solidFill>
             <a:schemeClr val="tx1"/>
           </a:solidFill>
@@ -2967,8 +3780,8 @@
           <a:cs typeface="+mn-cs"/>
         </a:defRPr>
       </a:lvl2pPr>
-      <a:lvl3pPr marL="914400" algn="l" defTabSz="914400" rtl="0" eaLnBrk="1" latinLnBrk="0" hangingPunct="1">
-        <a:defRPr sz="1800" kern="1200">
+      <a:lvl3pPr marL="914400" algn="l" rtl="0" eaLnBrk="1" latinLnBrk="0" hangingPunct="1">
+        <a:defRPr kumimoji="0" kern="1200">
           <a:solidFill>
             <a:schemeClr val="tx1"/>
           </a:solidFill>
@@ -2977,8 +3790,8 @@
           <a:cs typeface="+mn-cs"/>
         </a:defRPr>
       </a:lvl3pPr>
-      <a:lvl4pPr marL="1371600" algn="l" defTabSz="914400" rtl="0" eaLnBrk="1" latinLnBrk="0" hangingPunct="1">
-        <a:defRPr sz="1800" kern="1200">
+      <a:lvl4pPr marL="1371600" algn="l" rtl="0" eaLnBrk="1" latinLnBrk="0" hangingPunct="1">
+        <a:defRPr kumimoji="0" kern="1200">
           <a:solidFill>
             <a:schemeClr val="tx1"/>
           </a:solidFill>
@@ -2987,8 +3800,8 @@
           <a:cs typeface="+mn-cs"/>
         </a:defRPr>
       </a:lvl4pPr>
-      <a:lvl5pPr marL="1828800" algn="l" defTabSz="914400" rtl="0" eaLnBrk="1" latinLnBrk="0" hangingPunct="1">
-        <a:defRPr sz="1800" kern="1200">
+      <a:lvl5pPr marL="1828800" algn="l" rtl="0" eaLnBrk="1" latinLnBrk="0" hangingPunct="1">
+        <a:defRPr kumimoji="0" kern="1200">
           <a:solidFill>
             <a:schemeClr val="tx1"/>
           </a:solidFill>
@@ -2997,8 +3810,8 @@
           <a:cs typeface="+mn-cs"/>
         </a:defRPr>
       </a:lvl5pPr>
-      <a:lvl6pPr marL="2286000" algn="l" defTabSz="914400" rtl="0" eaLnBrk="1" latinLnBrk="0" hangingPunct="1">
-        <a:defRPr sz="1800" kern="1200">
+      <a:lvl6pPr marL="2286000" algn="l" rtl="0" eaLnBrk="1" latinLnBrk="0" hangingPunct="1">
+        <a:defRPr kumimoji="0" kern="1200">
           <a:solidFill>
             <a:schemeClr val="tx1"/>
           </a:solidFill>
@@ -3007,8 +3820,8 @@
           <a:cs typeface="+mn-cs"/>
         </a:defRPr>
       </a:lvl6pPr>
-      <a:lvl7pPr marL="2743200" algn="l" defTabSz="914400" rtl="0" eaLnBrk="1" latinLnBrk="0" hangingPunct="1">
-        <a:defRPr sz="1800" kern="1200">
+      <a:lvl7pPr marL="2743200" algn="l" rtl="0" eaLnBrk="1" latinLnBrk="0" hangingPunct="1">
+        <a:defRPr kumimoji="0" kern="1200">
           <a:solidFill>
             <a:schemeClr val="tx1"/>
           </a:solidFill>
@@ -3017,8 +3830,8 @@
           <a:cs typeface="+mn-cs"/>
         </a:defRPr>
       </a:lvl7pPr>
-      <a:lvl8pPr marL="3200400" algn="l" defTabSz="914400" rtl="0" eaLnBrk="1" latinLnBrk="0" hangingPunct="1">
-        <a:defRPr sz="1800" kern="1200">
+      <a:lvl8pPr marL="3200400" algn="l" rtl="0" eaLnBrk="1" latinLnBrk="0" hangingPunct="1">
+        <a:defRPr kumimoji="0" kern="1200">
           <a:solidFill>
             <a:schemeClr val="tx1"/>
           </a:solidFill>
@@ -3027,8 +3840,8 @@
           <a:cs typeface="+mn-cs"/>
         </a:defRPr>
       </a:lvl8pPr>
-      <a:lvl9pPr marL="3657600" algn="l" defTabSz="914400" rtl="0" eaLnBrk="1" latinLnBrk="0" hangingPunct="1">
-        <a:defRPr sz="1800" kern="1200">
+      <a:lvl9pPr marL="3657600" algn="l" rtl="0" eaLnBrk="1" latinLnBrk="0" hangingPunct="1">
+        <a:defRPr kumimoji="0" kern="1200">
           <a:solidFill>
             <a:schemeClr val="tx1"/>
           </a:solidFill>
@@ -3076,7 +3889,7 @@
           <a:p>
             <a:r>
               <a:rPr lang="en-US" dirty="0" smtClean="0"/>
-              <a:t>JMS</a:t>
+              <a:t>Presentation on JMS</a:t>
             </a:r>
             <a:endParaRPr lang="en-US" dirty="0"/>
           </a:p>
@@ -3135,6 +3948,82 @@
             <a:r>
               <a:rPr lang="en-US" dirty="0" err="1" smtClean="0"/>
               <a:t>safat</a:t>
+            </a:r>
+            <a:endParaRPr lang="en-US" dirty="0"/>
+          </a:p>
+        </p:txBody>
+      </p:sp>
+    </p:spTree>
+  </p:cSld>
+  <p:clrMapOvr>
+    <a:masterClrMapping/>
+  </p:clrMapOvr>
+</p:sld>
+</file>
+
+<file path=ppt/slides/slide2.xml><?xml version="1.0" encoding="utf-8"?>
+<p:sld xmlns:a="http://schemas.openxmlformats.org/drawingml/2006/main" xmlns:r="http://schemas.openxmlformats.org/officeDocument/2006/relationships" xmlns:p="http://schemas.openxmlformats.org/presentationml/2006/main">
+  <p:cSld>
+    <p:spTree>
+      <p:nvGrpSpPr>
+        <p:cNvPr id="1" name=""/>
+        <p:cNvGrpSpPr/>
+        <p:nvPr/>
+      </p:nvGrpSpPr>
+      <p:grpSpPr>
+        <a:xfrm>
+          <a:off x="0" y="0"/>
+          <a:ext cx="0" cy="0"/>
+          <a:chOff x="0" y="0"/>
+          <a:chExt cx="0" cy="0"/>
+        </a:xfrm>
+      </p:grpSpPr>
+      <p:sp>
+        <p:nvSpPr>
+          <p:cNvPr id="2" name="Title 1"/>
+          <p:cNvSpPr>
+            <a:spLocks noGrp="1"/>
+          </p:cNvSpPr>
+          <p:nvPr>
+            <p:ph type="title"/>
+          </p:nvPr>
+        </p:nvSpPr>
+        <p:spPr/>
+        <p:txBody>
+          <a:bodyPr/>
+          <a:lstStyle/>
+          <a:p>
+            <a:r>
+              <a:rPr lang="en-US" dirty="0" smtClean="0"/>
+              <a:t>JMS </a:t>
+            </a:r>
+            <a:endParaRPr lang="en-US" dirty="0"/>
+          </a:p>
+        </p:txBody>
+      </p:sp>
+      <p:sp>
+        <p:nvSpPr>
+          <p:cNvPr id="3" name="Content Placeholder 2"/>
+          <p:cNvSpPr>
+            <a:spLocks noGrp="1"/>
+          </p:cNvSpPr>
+          <p:nvPr>
+            <p:ph idx="1"/>
+          </p:nvPr>
+        </p:nvSpPr>
+        <p:spPr>
+          <a:xfrm>
+            <a:off x="457200" y="1935480"/>
+            <a:ext cx="8229600" cy="731520"/>
+          </a:xfrm>
+        </p:spPr>
+        <p:txBody>
+          <a:bodyPr/>
+          <a:lstStyle/>
+          <a:p>
+            <a:r>
+              <a:rPr lang="en-US" dirty="0" smtClean="0"/>
+              <a:t>What is JMS ? </a:t>
             </a:r>
             <a:endParaRPr lang="en-US" dirty="0"/>
           </a:p>
@@ -3149,9 +4038,9 @@
 </file>
 
 <file path=ppt/theme/theme1.xml><?xml version="1.0" encoding="utf-8"?>
-<a:theme xmlns:a="http://schemas.openxmlformats.org/drawingml/2006/main" name="Office Theme">
+<a:theme xmlns:a="http://schemas.openxmlformats.org/drawingml/2006/main" name="Flow">
   <a:themeElements>
-    <a:clrScheme name="Office">
+    <a:clrScheme name="Flow">
       <a:dk1>
         <a:sysClr val="windowText" lastClr="000000"/>
       </a:dk1>
@@ -3159,80 +4048,46 @@
         <a:sysClr val="window" lastClr="FFFFFF"/>
       </a:lt1>
       <a:dk2>
-        <a:srgbClr val="1F497D"/>
+        <a:srgbClr val="04617B"/>
       </a:dk2>
       <a:lt2>
-        <a:srgbClr val="EEECE1"/>
+        <a:srgbClr val="DBF5F9"/>
       </a:lt2>
       <a:accent1>
-        <a:srgbClr val="4F81BD"/>
+        <a:srgbClr val="0F6FC6"/>
       </a:accent1>
       <a:accent2>
-        <a:srgbClr val="C0504D"/>
+        <a:srgbClr val="009DD9"/>
       </a:accent2>
       <a:accent3>
-        <a:srgbClr val="9BBB59"/>
+        <a:srgbClr val="0BD0D9"/>
       </a:accent3>
       <a:accent4>
-        <a:srgbClr val="8064A2"/>
+        <a:srgbClr val="10CF9B"/>
       </a:accent4>
       <a:accent5>
-        <a:srgbClr val="4BACC6"/>
+        <a:srgbClr val="7CCA62"/>
       </a:accent5>
       <a:accent6>
-        <a:srgbClr val="F79646"/>
+        <a:srgbClr val="A5C249"/>
       </a:accent6>
       <a:hlink>
-        <a:srgbClr val="0000FF"/>
+        <a:srgbClr val="E2D700"/>
       </a:hlink>
       <a:folHlink>
-        <a:srgbClr val="800080"/>
+        <a:srgbClr val="85DFD0"/>
       </a:folHlink>
     </a:clrScheme>
-    <a:fontScheme name="Office">
+    <a:fontScheme name="Flow">
       <a:majorFont>
         <a:latin typeface="Calibri"/>
         <a:ea typeface=""/>
         <a:cs typeface=""/>
         <a:font script="Jpan" typeface="ＭＳ Ｐゴシック"/>
-        <a:font script="Hang" typeface="맑은 고딕"/>
-        <a:font script="Hans" typeface="宋体"/>
-        <a:font script="Hant" typeface="新細明體"/>
-        <a:font script="Arab" typeface="Times New Roman"/>
-        <a:font script="Hebr" typeface="Times New Roman"/>
-        <a:font script="Thai" typeface="Angsana New"/>
-        <a:font script="Ethi" typeface="Nyala"/>
-        <a:font script="Beng" typeface="Vrinda"/>
-        <a:font script="Gujr" typeface="Shruti"/>
-        <a:font script="Khmr" typeface="MoolBoran"/>
-        <a:font script="Knda" typeface="Tunga"/>
-        <a:font script="Guru" typeface="Raavi"/>
-        <a:font script="Cans" typeface="Euphemia"/>
-        <a:font script="Cher" typeface="Plantagenet Cherokee"/>
-        <a:font script="Yiii" typeface="Microsoft Yi Baiti"/>
-        <a:font script="Tibt" typeface="Microsoft Himalaya"/>
-        <a:font script="Thaa" typeface="MV Boli"/>
-        <a:font script="Deva" typeface="Mangal"/>
-        <a:font script="Telu" typeface="Gautami"/>
-        <a:font script="Taml" typeface="Latha"/>
-        <a:font script="Syrc" typeface="Estrangelo Edessa"/>
-        <a:font script="Orya" typeface="Kalinga"/>
-        <a:font script="Mlym" typeface="Kartika"/>
-        <a:font script="Laoo" typeface="DokChampa"/>
-        <a:font script="Sinh" typeface="Iskoola Pota"/>
-        <a:font script="Mong" typeface="Mongolian Baiti"/>
-        <a:font script="Viet" typeface="Times New Roman"/>
-        <a:font script="Uigh" typeface="Microsoft Uighur"/>
-      </a:majorFont>
-      <a:minorFont>
-        <a:latin typeface="Calibri"/>
-        <a:ea typeface=""/>
-        <a:cs typeface=""/>
-        <a:font script="Jpan" typeface="ＭＳ Ｐゴシック"/>
-        <a:font script="Hang" typeface="맑은 고딕"/>
-        <a:font script="Hans" typeface="宋体"/>
-        <a:font script="Hant" typeface="新細明體"/>
-        <a:font script="Arab" typeface="Arial"/>
+        <a:font script="Hang" typeface="HY중고딕"/>
+        <a:font script="Hans" typeface="隶书"/>
+        <a:font script="Hant" typeface="微軟正黑體"/>
+        <a:font script="Arab" typeface="Traditional Arabic"/>
         <a:font script="Hebr" typeface="Arial"/>
         <a:font script="Thai" typeface="Cordia New"/>
         <a:font script="Ethi" typeface="Nyala"/>
@@ -3257,9 +4112,43 @@
         <a:font script="Mong" typeface="Mongolian Baiti"/>
         <a:font script="Viet" typeface="Arial"/>
         <a:font script="Uigh" typeface="Microsoft Uighur"/>
+      </a:majorFont>
+      <a:minorFont>
+        <a:latin typeface="Constantia"/>
+        <a:ea typeface=""/>
+        <a:cs typeface=""/>
+        <a:font script="Jpan" typeface="HGP明朝E"/>
+        <a:font script="Hang" typeface="HY신명조"/>
+        <a:font script="Hans" typeface="宋体"/>
+        <a:font script="Hant" typeface="新細明體"/>
+        <a:font script="Arab" typeface="Majalla UI"/>
+        <a:font script="Hebr" typeface="David"/>
+        <a:font script="Thai" typeface="Browallia New"/>
+        <a:font script="Ethi" typeface="Nyala"/>
+        <a:font script="Beng" typeface="Vrinda"/>
+        <a:font script="Gujr" typeface="Shruti"/>
+        <a:font script="Khmr" typeface="MoolBoran"/>
+        <a:font script="Knda" typeface="Tunga"/>
+        <a:font script="Guru" typeface="Raavi"/>
+        <a:font script="Cans" typeface="Euphemia"/>
+        <a:font script="Cher" typeface="Plantagenet Cherokee"/>
+        <a:font script="Yiii" typeface="Microsoft Yi Baiti"/>
+        <a:font script="Tibt" typeface="Microsoft Himalaya"/>
+        <a:font script="Thaa" typeface="MV Boli"/>
+        <a:font script="Deva" typeface="Mangal"/>
+        <a:font script="Telu" typeface="Gautami"/>
+        <a:font script="Taml" typeface="Latha"/>
+        <a:font script="Syrc" typeface="Estrangelo Edessa"/>
+        <a:font script="Orya" typeface="Kalinga"/>
+        <a:font script="Mlym" typeface="Kartika"/>
+        <a:font script="Laoo" typeface="DokChampa"/>
+        <a:font script="Sinh" typeface="Iskoola Pota"/>
+        <a:font script="Mong" typeface="Mongolian Baiti"/>
+        <a:font script="Viet" typeface="Times New Roman"/>
+        <a:font script="Uigh" typeface="Microsoft Uighur"/>
       </a:minorFont>
     </a:fontScheme>
-    <a:fmtScheme name="Office">
+    <a:fmtScheme name="Flow">
       <a:fillStyleLst>
         <a:solidFill>
           <a:schemeClr val="phClr"/>
@@ -3268,55 +4157,66 @@
           <a:gsLst>
             <a:gs pos="0">
               <a:schemeClr val="phClr">
-                <a:tint val="50000"/>
-                <a:satMod val="300000"/>
+                <a:tint val="70000"/>
+                <a:satMod val="130000"/>
               </a:schemeClr>
             </a:gs>
-            <a:gs pos="35000">
+            <a:gs pos="43000">
               <a:schemeClr val="phClr">
-                <a:tint val="37000"/>
-                <a:satMod val="300000"/>
+                <a:tint val="44000"/>
+                <a:satMod val="165000"/>
+              </a:schemeClr>
+            </a:gs>
+            <a:gs pos="93000">
+              <a:schemeClr val="phClr">
+                <a:tint val="15000"/>
+                <a:satMod val="165000"/>
               </a:schemeClr>
             </a:gs>
             <a:gs pos="100000">
               <a:schemeClr val="phClr">
-                <a:tint val="15000"/>
-                <a:satMod val="350000"/>
+                <a:tint val="5000"/>
+                <a:satMod val="250000"/>
               </a:schemeClr>
             </a:gs>
           </a:gsLst>
-          <a:lin ang="16200000" scaled="1"/>
+          <a:path path="circle">
+            <a:fillToRect l="50000" t="130000" r="50000" b="-30000"/>
+          </a:path>
         </a:gradFill>
         <a:gradFill rotWithShape="1">
           <a:gsLst>
             <a:gs pos="0">
               <a:schemeClr val="phClr">
-                <a:shade val="51000"/>
-                <a:satMod val="130000"/>
+                <a:tint val="98000"/>
+                <a:shade val="25000"/>
+                <a:satMod val="250000"/>
               </a:schemeClr>
             </a:gs>
-            <a:gs pos="80000">
+            <a:gs pos="68000">
               <a:schemeClr val="phClr">
-                <a:shade val="93000"/>
-                <a:satMod val="130000"/>
+                <a:tint val="86000"/>
+                <a:satMod val="115000"/>
               </a:schemeClr>
             </a:gs>
             <a:gs pos="100000">
               <a:schemeClr val="phClr">
-                <a:shade val="94000"/>
-                <a:satMod val="135000"/>
+                <a:tint val="50000"/>
+                <a:satMod val="150000"/>
               </a:schemeClr>
             </a:gs>
           </a:gsLst>
-          <a:lin ang="16200000" scaled="0"/>
+          <a:path path="circle">
+            <a:fillToRect l="50000" t="130000" r="50000" b="-30000"/>
+          </a:path>
         </a:gradFill>
       </a:fillStyleLst>
       <a:lnStyleLst>
         <a:ln w="9525" cap="flat" cmpd="sng" algn="ctr">
           <a:solidFill>
             <a:schemeClr val="phClr">
-              <a:shade val="95000"/>
-              <a:satMod val="105000"/>
+              <a:shade val="50000"/>
+              <a:satMod val="103000"/>
             </a:schemeClr>
           </a:solidFill>
           <a:prstDash val="solid"/>
@@ -3337,40 +4237,46 @@
       <a:effectStyleLst>
         <a:effectStyle>
           <a:effectLst>
-            <a:outerShdw blurRad="40000" dist="20000" dir="5400000" rotWithShape="0">
-              <a:srgbClr val="000000">
-                <a:alpha val="38000"/>
-              </a:srgbClr>
+            <a:outerShdw blurRad="57150" dist="38100" dir="5400000" algn="ctr" rotWithShape="0">
+              <a:schemeClr val="phClr">
+                <a:shade val="9000"/>
+                <a:satMod val="105000"/>
+                <a:alpha val="48000"/>
+              </a:schemeClr>
             </a:outerShdw>
           </a:effectLst>
         </a:effectStyle>
         <a:effectStyle>
           <a:effectLst>
-            <a:outerShdw blurRad="40000" dist="23000" dir="5400000" rotWithShape="0">
-              <a:srgbClr val="000000">
-                <a:alpha val="35000"/>
-              </a:srgbClr>
+            <a:outerShdw blurRad="57150" dist="38100" dir="5400000" algn="ctr" rotWithShape="0">
+              <a:schemeClr val="phClr">
+                <a:shade val="9000"/>
+                <a:satMod val="105000"/>
+                <a:alpha val="48000"/>
+              </a:schemeClr>
             </a:outerShdw>
           </a:effectLst>
         </a:effectStyle>
         <a:effectStyle>
           <a:effectLst>
-            <a:outerShdw blurRad="40000" dist="23000" dir="5400000" rotWithShape="0">
-              <a:srgbClr val="000000">
-                <a:alpha val="35000"/>
-              </a:srgbClr>
+            <a:outerShdw blurRad="57150" dist="38100" dir="5400000" algn="ctr" rotWithShape="0">
+              <a:schemeClr val="phClr">
+                <a:shade val="9000"/>
+                <a:satMod val="105000"/>
+                <a:alpha val="48000"/>
+              </a:schemeClr>
             </a:outerShdw>
           </a:effectLst>
           <a:scene3d>
-            <a:camera prst="orthographicFront">
+            <a:camera prst="orthographicFront" fov="0">
               <a:rot lat="0" lon="0" rev="0"/>
             </a:camera>
-            <a:lightRig rig="threePt" dir="t">
-              <a:rot lat="0" lon="0" rev="1200000"/>
+            <a:lightRig rig="glow" dir="tl">
+              <a:rot lat="0" lon="0" rev="900000"/>
             </a:lightRig>
           </a:scene3d>
-          <a:sp3d>
-            <a:bevelT w="63500" h="25400"/>
+          <a:sp3d prstMaterial="powder">
+            <a:bevelT w="25400" h="38100"/>
           </a:sp3d>
         </a:effectStyle>
       </a:effectStyleLst>
@@ -3382,47 +4288,42 @@
           <a:gsLst>
             <a:gs pos="0">
               <a:schemeClr val="phClr">
-                <a:tint val="40000"/>
-                <a:satMod val="350000"/>
+                <a:tint val="80000"/>
+                <a:satMod val="400000"/>
               </a:schemeClr>
             </a:gs>
-            <a:gs pos="40000">
+            <a:gs pos="25000">
               <a:schemeClr val="phClr">
-                <a:tint val="45000"/>
-                <a:shade val="99000"/>
-                <a:satMod val="350000"/>
+                <a:tint val="83000"/>
+                <a:satMod val="320000"/>
               </a:schemeClr>
             </a:gs>
             <a:gs pos="100000">
               <a:schemeClr val="phClr">
-                <a:shade val="20000"/>
-                <a:satMod val="255000"/>
+                <a:shade val="15000"/>
+                <a:satMod val="320000"/>
               </a:schemeClr>
             </a:gs>
           </a:gsLst>
           <a:path path="circle">
-            <a:fillToRect l="50000" t="-80000" r="50000" b="180000"/>
+            <a:fillToRect l="10000" t="110000" r="10000" b="100000"/>
           </a:path>
         </a:gradFill>
-        <a:gradFill rotWithShape="1">
-          <a:gsLst>
-            <a:gs pos="0">
+        <a:blipFill>
+          <a:blip xmlns:r="http://schemas.openxmlformats.org/officeDocument/2006/relationships" r:embed="rId1">
+            <a:duotone>
               <a:schemeClr val="phClr">
-                <a:tint val="80000"/>
-                <a:satMod val="300000"/>
+                <a:shade val="90000"/>
+                <a:satMod val="150000"/>
               </a:schemeClr>
-            </a:gs>
-            <a:gs pos="100000">
               <a:schemeClr val="phClr">
-                <a:shade val="30000"/>
-                <a:satMod val="200000"/>
+                <a:tint val="88000"/>
+                <a:satMod val="150000"/>
               </a:schemeClr>
-            </a:gs>
-          </a:gsLst>
-          <a:path path="circle">
-            <a:fillToRect l="50000" t="50000" r="50000" b="50000"/>
-          </a:path>
-        </a:gradFill>
+            </a:duotone>
+          </a:blip>
+          <a:tile tx="0" ty="0" sx="65000" sy="65000" flip="none" algn="tl"/>
+        </a:blipFill>
       </a:bgFillStyleLst>
     </a:fmtScheme>
   </a:themeElements>

--- a/jms.pptx
+++ b/jms.pptx
@@ -4014,7 +4014,7 @@
         <p:spPr>
           <a:xfrm>
             <a:off x="457200" y="1935480"/>
-            <a:ext cx="8229600" cy="731520"/>
+            <a:ext cx="8229600" cy="2712720"/>
           </a:xfrm>
         </p:spPr>
         <p:txBody>
@@ -4025,6 +4025,18 @@
               <a:rPr lang="en-US" dirty="0" smtClean="0"/>
               <a:t>What is JMS ? </a:t>
             </a:r>
+            <a:endParaRPr lang="en-US" dirty="0" smtClean="0"/>
+          </a:p>
+          <a:p>
+            <a:r>
+              <a:rPr lang="en-US" smtClean="0"/>
+              <a:t>JMS use cases</a:t>
+            </a:r>
+          </a:p>
+          <a:p>
+            <a:endParaRPr lang="en-US" dirty="0" smtClean="0"/>
+          </a:p>
+          <a:p>
             <a:endParaRPr lang="en-US" dirty="0"/>
           </a:p>
         </p:txBody>

--- a/jms.pptx
+++ b/jms.pptx
@@ -7,6 +7,10 @@
   <p:sldIdLst>
     <p:sldId id="256" r:id="rId2"/>
     <p:sldId id="257" r:id="rId3"/>
+    <p:sldId id="258" r:id="rId4"/>
+    <p:sldId id="259" r:id="rId5"/>
+    <p:sldId id="260" r:id="rId6"/>
+    <p:sldId id="261" r:id="rId7"/>
   </p:sldIdLst>
   <p:sldSz cx="9144000" cy="6858000" type="screen4x3"/>
   <p:notesSz cx="6858000" cy="9144000"/>
@@ -3995,7 +3999,7 @@
           <a:p>
             <a:r>
               <a:rPr lang="en-US" dirty="0" smtClean="0"/>
-              <a:t>JMS </a:t>
+              <a:t>Contents </a:t>
             </a:r>
             <a:endParaRPr lang="en-US" dirty="0"/>
           </a:p>
@@ -4014,10 +4018,114 @@
         <p:spPr>
           <a:xfrm>
             <a:off x="457200" y="1935480"/>
-            <a:ext cx="8229600" cy="2712720"/>
+            <a:ext cx="8229600" cy="3627120"/>
           </a:xfrm>
         </p:spPr>
         <p:txBody>
+          <a:bodyPr>
+            <a:normAutofit/>
+          </a:bodyPr>
+          <a:lstStyle/>
+          <a:p>
+            <a:r>
+              <a:rPr lang="en-US" b="1" dirty="0" smtClean="0"/>
+              <a:t>What is JMS </a:t>
+            </a:r>
+            <a:r>
+              <a:rPr lang="en-US" b="1" dirty="0" smtClean="0"/>
+              <a:t>?</a:t>
+            </a:r>
+          </a:p>
+          <a:p>
+            <a:r>
+              <a:rPr lang="en-US" b="1" dirty="0" smtClean="0"/>
+              <a:t> When to use JMS API</a:t>
+            </a:r>
+          </a:p>
+          <a:p>
+            <a:r>
+              <a:rPr lang="en-US" b="1" dirty="0" smtClean="0"/>
+              <a:t> JMS API </a:t>
+            </a:r>
+            <a:r>
+              <a:rPr lang="en-US" b="1" dirty="0" smtClean="0"/>
+              <a:t>Architecture</a:t>
+            </a:r>
+          </a:p>
+          <a:p>
+            <a:r>
+              <a:rPr lang="en-US" b="1" dirty="0" smtClean="0"/>
+              <a:t> The JMS API Programming </a:t>
+            </a:r>
+            <a:r>
+              <a:rPr lang="en-US" b="1" dirty="0" smtClean="0"/>
+              <a:t>Model</a:t>
+            </a:r>
+          </a:p>
+          <a:p>
+            <a:r>
+              <a:rPr lang="en-US" b="1" dirty="0" smtClean="0"/>
+              <a:t>Message Driven Bean and Lifecycle</a:t>
+            </a:r>
+          </a:p>
+          <a:p>
+            <a:r>
+              <a:rPr lang="en-US" b="1" dirty="0" smtClean="0"/>
+              <a:t>Code Examples and Explanation</a:t>
+            </a:r>
+            <a:endParaRPr lang="en-US" b="1" dirty="0" smtClean="0"/>
+          </a:p>
+          <a:p>
+            <a:pPr>
+              <a:buNone/>
+            </a:pPr>
+            <a:endParaRPr lang="en-US" b="1" dirty="0" smtClean="0"/>
+          </a:p>
+          <a:p>
+            <a:endParaRPr lang="en-US" b="1" dirty="0" smtClean="0"/>
+          </a:p>
+          <a:p>
+            <a:endParaRPr lang="en-US" b="1" dirty="0"/>
+          </a:p>
+        </p:txBody>
+      </p:sp>
+    </p:spTree>
+  </p:cSld>
+  <p:clrMapOvr>
+    <a:masterClrMapping/>
+  </p:clrMapOvr>
+</p:sld>
+</file>
+
+<file path=ppt/slides/slide3.xml><?xml version="1.0" encoding="utf-8"?>
+<p:sld xmlns:a="http://schemas.openxmlformats.org/drawingml/2006/main" xmlns:r="http://schemas.openxmlformats.org/officeDocument/2006/relationships" xmlns:p="http://schemas.openxmlformats.org/presentationml/2006/main">
+  <p:cSld>
+    <p:spTree>
+      <p:nvGrpSpPr>
+        <p:cNvPr id="1" name=""/>
+        <p:cNvGrpSpPr/>
+        <p:nvPr/>
+      </p:nvGrpSpPr>
+      <p:grpSpPr>
+        <a:xfrm>
+          <a:off x="0" y="0"/>
+          <a:ext cx="0" cy="0"/>
+          <a:chOff x="0" y="0"/>
+          <a:chExt cx="0" cy="0"/>
+        </a:xfrm>
+      </p:grpSpPr>
+      <p:sp>
+        <p:nvSpPr>
+          <p:cNvPr id="2" name="Title 1"/>
+          <p:cNvSpPr>
+            <a:spLocks noGrp="1"/>
+          </p:cNvSpPr>
+          <p:nvPr>
+            <p:ph type="title"/>
+          </p:nvPr>
+        </p:nvSpPr>
+        <p:spPr/>
+        <p:txBody>
           <a:bodyPr/>
           <a:lstStyle/>
           <a:p>
@@ -4025,19 +4133,522 @@
               <a:rPr lang="en-US" dirty="0" smtClean="0"/>
               <a:t>What is JMS ? </a:t>
             </a:r>
-            <a:endParaRPr lang="en-US" dirty="0" smtClean="0"/>
-          </a:p>
-          <a:p>
-            <a:r>
-              <a:rPr lang="en-US" smtClean="0"/>
-              <a:t>JMS use cases</a:t>
-            </a:r>
-          </a:p>
-          <a:p>
-            <a:endParaRPr lang="en-US" dirty="0" smtClean="0"/>
-          </a:p>
-          <a:p>
             <a:endParaRPr lang="en-US" dirty="0"/>
+          </a:p>
+        </p:txBody>
+      </p:sp>
+      <p:sp>
+        <p:nvSpPr>
+          <p:cNvPr id="3" name="Content Placeholder 2"/>
+          <p:cNvSpPr>
+            <a:spLocks noGrp="1"/>
+          </p:cNvSpPr>
+          <p:nvPr>
+            <p:ph idx="1"/>
+          </p:nvPr>
+        </p:nvSpPr>
+        <p:spPr>
+          <a:xfrm>
+            <a:off x="533400" y="2849880"/>
+            <a:ext cx="8229600" cy="1036320"/>
+          </a:xfrm>
+        </p:spPr>
+        <p:txBody>
+          <a:bodyPr>
+            <a:normAutofit/>
+          </a:bodyPr>
+          <a:lstStyle/>
+          <a:p>
+            <a:r>
+              <a:rPr lang="en-US" dirty="0" smtClean="0"/>
+              <a:t>A</a:t>
+            </a:r>
+            <a:r>
+              <a:rPr lang="en-US" dirty="0" smtClean="0"/>
+              <a:t> </a:t>
+            </a:r>
+            <a:r>
+              <a:rPr lang="en-US" dirty="0" smtClean="0"/>
+              <a:t>method of communication between software components or applications. </a:t>
+            </a:r>
+            <a:endParaRPr lang="en-US" dirty="0"/>
+          </a:p>
+        </p:txBody>
+      </p:sp>
+      <p:sp>
+        <p:nvSpPr>
+          <p:cNvPr id="4" name="Content Placeholder 2"/>
+          <p:cNvSpPr txBox="1">
+            <a:spLocks/>
+          </p:cNvSpPr>
+          <p:nvPr/>
+        </p:nvSpPr>
+        <p:spPr>
+          <a:xfrm>
+            <a:off x="533400" y="3810000"/>
+            <a:ext cx="8229600" cy="1036320"/>
+          </a:xfrm>
+          <a:prstGeom prst="rect">
+            <a:avLst/>
+          </a:prstGeom>
+        </p:spPr>
+        <p:txBody>
+          <a:bodyPr vert="horz">
+            <a:normAutofit/>
+          </a:bodyPr>
+          <a:lstStyle/>
+          <a:p>
+            <a:pPr marL="274320" lvl="0" indent="-274320">
+              <a:spcBef>
+                <a:spcPct val="20000"/>
+              </a:spcBef>
+              <a:buClr>
+                <a:schemeClr val="accent3"/>
+              </a:buClr>
+              <a:buSzPct val="95000"/>
+              <a:buFont typeface="Wingdings 2"/>
+              <a:buChar char=""/>
+            </a:pPr>
+            <a:r>
+              <a:rPr lang="en-US" sz="2800" dirty="0" smtClean="0"/>
+              <a:t> A</a:t>
+            </a:r>
+            <a:r>
+              <a:rPr lang="en-US" sz="2800" dirty="0" smtClean="0"/>
+              <a:t> </a:t>
+            </a:r>
+            <a:r>
+              <a:rPr lang="en-US" sz="2800" dirty="0" smtClean="0"/>
+              <a:t>peer-to-peer </a:t>
+            </a:r>
+            <a:r>
+              <a:rPr lang="en-US" sz="2800" dirty="0" smtClean="0"/>
+              <a:t>facility between clients</a:t>
+            </a:r>
+            <a:endParaRPr kumimoji="0" lang="en-US" sz="2600" i="0" u="none" strike="noStrike" kern="1200" cap="none" spc="0" normalizeH="0" baseline="0" noProof="0" dirty="0">
+              <a:ln>
+                <a:noFill/>
+              </a:ln>
+              <a:solidFill>
+                <a:schemeClr val="tx1"/>
+              </a:solidFill>
+              <a:effectLst/>
+              <a:uLnTx/>
+              <a:uFillTx/>
+              <a:latin typeface="+mn-lt"/>
+              <a:ea typeface="+mn-ea"/>
+              <a:cs typeface="+mn-cs"/>
+            </a:endParaRPr>
+          </a:p>
+        </p:txBody>
+      </p:sp>
+      <p:sp>
+        <p:nvSpPr>
+          <p:cNvPr id="5" name="Content Placeholder 2"/>
+          <p:cNvSpPr txBox="1">
+            <a:spLocks/>
+          </p:cNvSpPr>
+          <p:nvPr/>
+        </p:nvSpPr>
+        <p:spPr>
+          <a:xfrm>
+            <a:off x="533400" y="4495800"/>
+            <a:ext cx="8229600" cy="1036320"/>
+          </a:xfrm>
+          <a:prstGeom prst="rect">
+            <a:avLst/>
+          </a:prstGeom>
+        </p:spPr>
+        <p:txBody>
+          <a:bodyPr vert="horz">
+            <a:normAutofit/>
+          </a:bodyPr>
+          <a:lstStyle/>
+          <a:p>
+            <a:pPr marL="274320" lvl="0" indent="-274320">
+              <a:spcBef>
+                <a:spcPct val="20000"/>
+              </a:spcBef>
+              <a:buClr>
+                <a:schemeClr val="accent3"/>
+              </a:buClr>
+              <a:buSzPct val="95000"/>
+              <a:buFont typeface="Wingdings 2"/>
+              <a:buChar char=""/>
+            </a:pPr>
+            <a:r>
+              <a:rPr lang="en-US" sz="2800" dirty="0" smtClean="0"/>
+              <a:t> Distributed </a:t>
+            </a:r>
+            <a:r>
+              <a:rPr lang="en-US" sz="2800" dirty="0" smtClean="0"/>
+              <a:t>communication that is loosely </a:t>
+            </a:r>
+            <a:r>
+              <a:rPr lang="en-US" sz="2800" dirty="0" smtClean="0"/>
+              <a:t>coupled communication</a:t>
+            </a:r>
+            <a:endParaRPr kumimoji="0" lang="en-US" sz="2600" i="0" u="none" strike="noStrike" kern="1200" cap="none" spc="0" normalizeH="0" baseline="0" noProof="0" dirty="0">
+              <a:ln>
+                <a:noFill/>
+              </a:ln>
+              <a:solidFill>
+                <a:schemeClr val="tx1"/>
+              </a:solidFill>
+              <a:effectLst/>
+              <a:uLnTx/>
+              <a:uFillTx/>
+              <a:latin typeface="+mn-lt"/>
+              <a:ea typeface="+mn-ea"/>
+              <a:cs typeface="+mn-cs"/>
+            </a:endParaRPr>
+          </a:p>
+        </p:txBody>
+      </p:sp>
+      <p:sp>
+        <p:nvSpPr>
+          <p:cNvPr id="6" name="Content Placeholder 2"/>
+          <p:cNvSpPr txBox="1">
+            <a:spLocks/>
+          </p:cNvSpPr>
+          <p:nvPr/>
+        </p:nvSpPr>
+        <p:spPr>
+          <a:xfrm>
+            <a:off x="533400" y="2057400"/>
+            <a:ext cx="8229600" cy="1036320"/>
+          </a:xfrm>
+          <a:prstGeom prst="rect">
+            <a:avLst/>
+          </a:prstGeom>
+        </p:spPr>
+        <p:txBody>
+          <a:bodyPr vert="horz">
+            <a:normAutofit fontScale="85000" lnSpcReduction="10000"/>
+          </a:bodyPr>
+          <a:lstStyle/>
+          <a:p>
+            <a:pPr marL="274320" lvl="0" indent="-274320">
+              <a:spcBef>
+                <a:spcPct val="20000"/>
+              </a:spcBef>
+              <a:buClr>
+                <a:schemeClr val="accent3"/>
+              </a:buClr>
+              <a:buSzPct val="95000"/>
+              <a:buFont typeface="Wingdings 2"/>
+              <a:buChar char=""/>
+            </a:pPr>
+            <a:r>
+              <a:rPr lang="en-US" sz="2800" dirty="0" smtClean="0"/>
+              <a:t>The Java Message Service is a Java API that allows applications to create, send, receive, and read messages.</a:t>
+            </a:r>
+            <a:endParaRPr kumimoji="0" lang="en-US" sz="2600" i="0" u="none" strike="noStrike" kern="1200" cap="none" spc="0" normalizeH="0" baseline="0" noProof="0" dirty="0">
+              <a:ln>
+                <a:noFill/>
+              </a:ln>
+              <a:solidFill>
+                <a:schemeClr val="tx1"/>
+              </a:solidFill>
+              <a:effectLst/>
+              <a:uLnTx/>
+              <a:uFillTx/>
+              <a:latin typeface="+mn-lt"/>
+              <a:ea typeface="+mn-ea"/>
+              <a:cs typeface="+mn-cs"/>
+            </a:endParaRPr>
+          </a:p>
+        </p:txBody>
+      </p:sp>
+      <p:sp>
+        <p:nvSpPr>
+          <p:cNvPr id="7" name="Content Placeholder 2"/>
+          <p:cNvSpPr txBox="1">
+            <a:spLocks/>
+          </p:cNvSpPr>
+          <p:nvPr/>
+        </p:nvSpPr>
+        <p:spPr>
+          <a:xfrm>
+            <a:off x="533400" y="5516880"/>
+            <a:ext cx="8229600" cy="1036320"/>
+          </a:xfrm>
+          <a:prstGeom prst="rect">
+            <a:avLst/>
+          </a:prstGeom>
+        </p:spPr>
+        <p:txBody>
+          <a:bodyPr vert="horz">
+            <a:normAutofit/>
+          </a:bodyPr>
+          <a:lstStyle/>
+          <a:p>
+            <a:pPr marL="274320" lvl="0" indent="-274320">
+              <a:spcBef>
+                <a:spcPct val="20000"/>
+              </a:spcBef>
+              <a:buClr>
+                <a:schemeClr val="accent3"/>
+              </a:buClr>
+              <a:buSzPct val="95000"/>
+              <a:buFont typeface="Wingdings 2"/>
+              <a:buChar char=""/>
+            </a:pPr>
+            <a:r>
+              <a:rPr kumimoji="0" lang="en-US" sz="2600" i="0" u="none" strike="noStrike" kern="1200" cap="none" spc="0" normalizeH="0" baseline="0" noProof="0" dirty="0" smtClean="0">
+                <a:ln>
+                  <a:noFill/>
+                </a:ln>
+                <a:solidFill>
+                  <a:schemeClr val="tx1"/>
+                </a:solidFill>
+                <a:effectLst/>
+                <a:uLnTx/>
+                <a:uFillTx/>
+                <a:latin typeface="+mn-lt"/>
+                <a:ea typeface="+mn-ea"/>
+                <a:cs typeface="+mn-cs"/>
+              </a:rPr>
+              <a:t>Asynchronous</a:t>
+            </a:r>
+            <a:r>
+              <a:rPr kumimoji="0" lang="en-US" sz="2600" i="0" u="none" strike="noStrike" kern="1200" cap="none" spc="0" normalizeH="0" noProof="0" dirty="0" smtClean="0">
+                <a:ln>
+                  <a:noFill/>
+                </a:ln>
+                <a:solidFill>
+                  <a:schemeClr val="tx1"/>
+                </a:solidFill>
+                <a:effectLst/>
+                <a:uLnTx/>
+                <a:uFillTx/>
+                <a:latin typeface="+mn-lt"/>
+                <a:ea typeface="+mn-ea"/>
+                <a:cs typeface="+mn-cs"/>
+              </a:rPr>
+              <a:t> and Reliable Communication</a:t>
+            </a:r>
+            <a:endParaRPr kumimoji="0" lang="en-US" sz="2600" i="0" u="none" strike="noStrike" kern="1200" cap="none" spc="0" normalizeH="0" baseline="0" noProof="0" dirty="0">
+              <a:ln>
+                <a:noFill/>
+              </a:ln>
+              <a:solidFill>
+                <a:schemeClr val="tx1"/>
+              </a:solidFill>
+              <a:effectLst/>
+              <a:uLnTx/>
+              <a:uFillTx/>
+              <a:latin typeface="+mn-lt"/>
+              <a:ea typeface="+mn-ea"/>
+              <a:cs typeface="+mn-cs"/>
+            </a:endParaRPr>
+          </a:p>
+        </p:txBody>
+      </p:sp>
+    </p:spTree>
+  </p:cSld>
+  <p:clrMapOvr>
+    <a:masterClrMapping/>
+  </p:clrMapOvr>
+</p:sld>
+</file>
+
+<file path=ppt/slides/slide4.xml><?xml version="1.0" encoding="utf-8"?>
+<p:sld xmlns:a="http://schemas.openxmlformats.org/drawingml/2006/main" xmlns:r="http://schemas.openxmlformats.org/officeDocument/2006/relationships" xmlns:p="http://schemas.openxmlformats.org/presentationml/2006/main">
+  <p:cSld>
+    <p:spTree>
+      <p:nvGrpSpPr>
+        <p:cNvPr id="1" name=""/>
+        <p:cNvGrpSpPr/>
+        <p:nvPr/>
+      </p:nvGrpSpPr>
+      <p:grpSpPr>
+        <a:xfrm>
+          <a:off x="0" y="0"/>
+          <a:ext cx="0" cy="0"/>
+          <a:chOff x="0" y="0"/>
+          <a:chExt cx="0" cy="0"/>
+        </a:xfrm>
+      </p:grpSpPr>
+      <p:sp>
+        <p:nvSpPr>
+          <p:cNvPr id="2" name="Title 1"/>
+          <p:cNvSpPr>
+            <a:spLocks noGrp="1"/>
+          </p:cNvSpPr>
+          <p:nvPr>
+            <p:ph type="title"/>
+          </p:nvPr>
+        </p:nvSpPr>
+        <p:spPr/>
+        <p:txBody>
+          <a:bodyPr/>
+          <a:lstStyle/>
+          <a:p>
+            <a:r>
+              <a:rPr lang="en-US" dirty="0" smtClean="0"/>
+              <a:t>When To use JMS API</a:t>
+            </a:r>
+            <a:endParaRPr lang="en-US" dirty="0"/>
+          </a:p>
+        </p:txBody>
+      </p:sp>
+      <p:sp>
+        <p:nvSpPr>
+          <p:cNvPr id="3" name="Content Placeholder 2"/>
+          <p:cNvSpPr>
+            <a:spLocks noGrp="1"/>
+          </p:cNvSpPr>
+          <p:nvPr>
+            <p:ph idx="1"/>
+          </p:nvPr>
+        </p:nvSpPr>
+        <p:spPr/>
+        <p:txBody>
+          <a:bodyPr/>
+          <a:lstStyle/>
+          <a:p>
+            <a:endParaRPr lang="en-US" dirty="0"/>
+          </a:p>
+        </p:txBody>
+      </p:sp>
+    </p:spTree>
+  </p:cSld>
+  <p:clrMapOvr>
+    <a:masterClrMapping/>
+  </p:clrMapOvr>
+</p:sld>
+</file>
+
+<file path=ppt/slides/slide5.xml><?xml version="1.0" encoding="utf-8"?>
+<p:sld xmlns:a="http://schemas.openxmlformats.org/drawingml/2006/main" xmlns:r="http://schemas.openxmlformats.org/officeDocument/2006/relationships" xmlns:p="http://schemas.openxmlformats.org/presentationml/2006/main">
+  <p:cSld>
+    <p:spTree>
+      <p:nvGrpSpPr>
+        <p:cNvPr id="1" name=""/>
+        <p:cNvGrpSpPr/>
+        <p:nvPr/>
+      </p:nvGrpSpPr>
+      <p:grpSpPr>
+        <a:xfrm>
+          <a:off x="0" y="0"/>
+          <a:ext cx="0" cy="0"/>
+          <a:chOff x="0" y="0"/>
+          <a:chExt cx="0" cy="0"/>
+        </a:xfrm>
+      </p:grpSpPr>
+      <p:sp>
+        <p:nvSpPr>
+          <p:cNvPr id="2" name="Title 1"/>
+          <p:cNvSpPr>
+            <a:spLocks noGrp="1"/>
+          </p:cNvSpPr>
+          <p:nvPr>
+            <p:ph type="title"/>
+          </p:nvPr>
+        </p:nvSpPr>
+        <p:spPr/>
+        <p:txBody>
+          <a:bodyPr>
+            <a:normAutofit/>
+          </a:bodyPr>
+          <a:lstStyle/>
+          <a:p>
+            <a:r>
+              <a:rPr lang="en-US" b="1" dirty="0" smtClean="0"/>
+              <a:t>JMS API </a:t>
+            </a:r>
+            <a:r>
+              <a:rPr lang="en-US" b="1" dirty="0" smtClean="0"/>
+              <a:t>Architecture</a:t>
+            </a:r>
+            <a:endParaRPr lang="en-US" dirty="0"/>
+          </a:p>
+        </p:txBody>
+      </p:sp>
+      <p:sp>
+        <p:nvSpPr>
+          <p:cNvPr id="3" name="Content Placeholder 2"/>
+          <p:cNvSpPr>
+            <a:spLocks noGrp="1"/>
+          </p:cNvSpPr>
+          <p:nvPr>
+            <p:ph idx="1"/>
+          </p:nvPr>
+        </p:nvSpPr>
+        <p:spPr/>
+        <p:txBody>
+          <a:bodyPr/>
+          <a:lstStyle/>
+          <a:p>
+            <a:endParaRPr lang="en-US" dirty="0"/>
+          </a:p>
+        </p:txBody>
+      </p:sp>
+    </p:spTree>
+  </p:cSld>
+  <p:clrMapOvr>
+    <a:masterClrMapping/>
+  </p:clrMapOvr>
+</p:sld>
+</file>
+
+<file path=ppt/slides/slide6.xml><?xml version="1.0" encoding="utf-8"?>
+<p:sld xmlns:a="http://schemas.openxmlformats.org/drawingml/2006/main" xmlns:r="http://schemas.openxmlformats.org/officeDocument/2006/relationships" xmlns:p="http://schemas.openxmlformats.org/presentationml/2006/main">
+  <p:cSld>
+    <p:spTree>
+      <p:nvGrpSpPr>
+        <p:cNvPr id="1" name=""/>
+        <p:cNvGrpSpPr/>
+        <p:nvPr/>
+      </p:nvGrpSpPr>
+      <p:grpSpPr>
+        <a:xfrm>
+          <a:off x="0" y="0"/>
+          <a:ext cx="0" cy="0"/>
+          <a:chOff x="0" y="0"/>
+          <a:chExt cx="0" cy="0"/>
+        </a:xfrm>
+      </p:grpSpPr>
+      <p:sp>
+        <p:nvSpPr>
+          <p:cNvPr id="2" name="Title 1"/>
+          <p:cNvSpPr>
+            <a:spLocks noGrp="1"/>
+          </p:cNvSpPr>
+          <p:nvPr>
+            <p:ph type="title"/>
+          </p:nvPr>
+        </p:nvSpPr>
+        <p:spPr/>
+        <p:txBody>
+          <a:bodyPr/>
+          <a:lstStyle/>
+          <a:p>
+            <a:r>
+              <a:rPr lang="en-US" b="1" dirty="0" smtClean="0"/>
+              <a:t>JMS API Architecture</a:t>
+            </a:r>
+            <a:endParaRPr lang="en-US" dirty="0"/>
+          </a:p>
+        </p:txBody>
+      </p:sp>
+      <p:sp>
+        <p:nvSpPr>
+          <p:cNvPr id="3" name="Content Placeholder 2"/>
+          <p:cNvSpPr>
+            <a:spLocks noGrp="1"/>
+          </p:cNvSpPr>
+          <p:nvPr>
+            <p:ph idx="1"/>
+          </p:nvPr>
+        </p:nvSpPr>
+        <p:spPr/>
+        <p:txBody>
+          <a:bodyPr/>
+          <a:lstStyle/>
+          <a:p>
+            <a:endParaRPr lang="en-US"/>
           </a:p>
         </p:txBody>
       </p:sp>

--- a/jms.pptx
+++ b/jms.pptx
@@ -10,7 +10,8 @@
     <p:sldId id="258" r:id="rId4"/>
     <p:sldId id="259" r:id="rId5"/>
     <p:sldId id="260" r:id="rId6"/>
-    <p:sldId id="261" r:id="rId7"/>
+    <p:sldId id="262" r:id="rId7"/>
+    <p:sldId id="261" r:id="rId8"/>
   </p:sldIdLst>
   <p:sldSz cx="9144000" cy="6858000" type="screen4x3"/>
   <p:notesSz cx="6858000" cy="9144000"/>
@@ -4029,11 +4030,7 @@
           <a:p>
             <a:r>
               <a:rPr lang="en-US" b="1" dirty="0" smtClean="0"/>
-              <a:t>What is JMS </a:t>
-            </a:r>
-            <a:r>
-              <a:rPr lang="en-US" b="1" dirty="0" smtClean="0"/>
-              <a:t>?</a:t>
+              <a:t>What is JMS ?</a:t>
             </a:r>
           </a:p>
           <a:p>
@@ -4045,21 +4042,13 @@
           <a:p>
             <a:r>
               <a:rPr lang="en-US" b="1" dirty="0" smtClean="0"/>
-              <a:t> JMS API </a:t>
-            </a:r>
+              <a:t> JMS API Architecture</a:t>
+            </a:r>
+          </a:p>
+          <a:p>
             <a:r>
               <a:rPr lang="en-US" b="1" dirty="0" smtClean="0"/>
-              <a:t>Architecture</a:t>
-            </a:r>
-          </a:p>
-          <a:p>
-            <a:r>
-              <a:rPr lang="en-US" b="1" dirty="0" smtClean="0"/>
-              <a:t> The JMS API Programming </a:t>
-            </a:r>
-            <a:r>
-              <a:rPr lang="en-US" b="1" dirty="0" smtClean="0"/>
-              <a:t>Model</a:t>
+              <a:t> The JMS API Programming Model</a:t>
             </a:r>
           </a:p>
           <a:p>
@@ -4073,7 +4062,6 @@
               <a:rPr lang="en-US" b="1" dirty="0" smtClean="0"/>
               <a:t>Code Examples and Explanation</a:t>
             </a:r>
-            <a:endParaRPr lang="en-US" b="1" dirty="0" smtClean="0"/>
           </a:p>
           <a:p>
             <a:pPr>
@@ -4161,15 +4149,7 @@
           <a:p>
             <a:r>
               <a:rPr lang="en-US" dirty="0" smtClean="0"/>
-              <a:t>A</a:t>
-            </a:r>
-            <a:r>
-              <a:rPr lang="en-US" dirty="0" smtClean="0"/>
-              <a:t> </a:t>
-            </a:r>
-            <a:r>
-              <a:rPr lang="en-US" dirty="0" smtClean="0"/>
-              <a:t>method of communication between software components or applications. </a:t>
+              <a:t>A method of communication between software components or applications. </a:t>
             </a:r>
             <a:endParaRPr lang="en-US" dirty="0"/>
           </a:p>
@@ -4211,19 +4191,7 @@
             </a:pPr>
             <a:r>
               <a:rPr lang="en-US" sz="2800" dirty="0" smtClean="0"/>
-              <a:t> A</a:t>
-            </a:r>
-            <a:r>
-              <a:rPr lang="en-US" sz="2800" dirty="0" smtClean="0"/>
-              <a:t> </a:t>
-            </a:r>
-            <a:r>
-              <a:rPr lang="en-US" sz="2800" dirty="0" smtClean="0"/>
-              <a:t>peer-to-peer </a:t>
-            </a:r>
-            <a:r>
-              <a:rPr lang="en-US" sz="2800" dirty="0" smtClean="0"/>
-              <a:t>facility between clients</a:t>
+              <a:t> A peer-to-peer facility between clients</a:t>
             </a:r>
             <a:endParaRPr kumimoji="0" lang="en-US" sz="2600" i="0" u="none" strike="noStrike" kern="1200" cap="none" spc="0" normalizeH="0" baseline="0" noProof="0" dirty="0">
               <a:ln>
@@ -4278,15 +4246,7 @@
             </a:pPr>
             <a:r>
               <a:rPr lang="en-US" sz="2800" dirty="0" smtClean="0"/>
-              <a:t> Distributed </a:t>
-            </a:r>
-            <a:r>
-              <a:rPr lang="en-US" sz="2800" dirty="0" smtClean="0"/>
-              <a:t>communication that is loosely </a:t>
-            </a:r>
-            <a:r>
-              <a:rPr lang="en-US" sz="2800" dirty="0" smtClean="0"/>
-              <a:t>coupled communication</a:t>
+              <a:t> Distributed communication that is loosely coupled communication</a:t>
             </a:r>
             <a:endParaRPr kumimoji="0" lang="en-US" sz="2600" i="0" u="none" strike="noStrike" kern="1200" cap="none" spc="0" normalizeH="0" baseline="0" noProof="0" dirty="0">
               <a:ln>
@@ -4555,12 +4515,8 @@
           <a:lstStyle/>
           <a:p>
             <a:r>
-              <a:rPr lang="en-US" b="1" dirty="0" smtClean="0"/>
-              <a:t>JMS API </a:t>
-            </a:r>
-            <a:r>
-              <a:rPr lang="en-US" b="1" dirty="0" smtClean="0"/>
-              <a:t>Architecture</a:t>
+              <a:rPr lang="en-US" dirty="0" smtClean="0"/>
+              <a:t>JMS elements</a:t>
             </a:r>
             <a:endParaRPr lang="en-US" dirty="0"/>
           </a:p>
@@ -4581,7 +4537,201 @@
           <a:bodyPr/>
           <a:lstStyle/>
           <a:p>
-            <a:endParaRPr lang="en-US" dirty="0"/>
+            <a:endParaRPr lang="en-US" dirty="0" smtClean="0"/>
+          </a:p>
+          <a:p>
+            <a:endParaRPr lang="en-US" dirty="0" smtClean="0"/>
+          </a:p>
+          <a:p>
+            <a:r>
+              <a:rPr lang="en-US" dirty="0" smtClean="0"/>
+              <a:t>JMS client</a:t>
+            </a:r>
+          </a:p>
+          <a:p>
+            <a:r>
+              <a:rPr lang="en-US" dirty="0" smtClean="0"/>
+              <a:t>JMS producer/publisher</a:t>
+            </a:r>
+          </a:p>
+          <a:p>
+            <a:r>
+              <a:rPr lang="en-US" dirty="0" smtClean="0"/>
+              <a:t>JMS </a:t>
+            </a:r>
+            <a:r>
+              <a:rPr lang="en-US" dirty="0" smtClean="0"/>
+              <a:t>consumer/subscriber</a:t>
+            </a:r>
+          </a:p>
+          <a:p>
+            <a:r>
+              <a:rPr lang="en-US" dirty="0" smtClean="0"/>
+              <a:t>JMS </a:t>
+            </a:r>
+            <a:r>
+              <a:rPr lang="en-US" dirty="0" smtClean="0"/>
+              <a:t>message</a:t>
+            </a:r>
+          </a:p>
+          <a:p>
+            <a:r>
+              <a:rPr lang="en-US" dirty="0" smtClean="0"/>
+              <a:t>JMS </a:t>
+            </a:r>
+            <a:r>
+              <a:rPr lang="en-US" dirty="0" smtClean="0"/>
+              <a:t>queue</a:t>
+            </a:r>
+          </a:p>
+          <a:p>
+            <a:r>
+              <a:rPr lang="en-US" dirty="0" smtClean="0"/>
+              <a:t>JMS topic</a:t>
+            </a:r>
+          </a:p>
+        </p:txBody>
+      </p:sp>
+      <p:sp>
+        <p:nvSpPr>
+          <p:cNvPr id="4" name="Rectangle 3"/>
+          <p:cNvSpPr/>
+          <p:nvPr/>
+        </p:nvSpPr>
+        <p:spPr>
+          <a:xfrm>
+            <a:off x="533400" y="1981200"/>
+            <a:ext cx="8153400" cy="762000"/>
+          </a:xfrm>
+          <a:prstGeom prst="rect">
+            <a:avLst/>
+          </a:prstGeom>
+        </p:spPr>
+        <p:style>
+          <a:lnRef idx="2">
+            <a:schemeClr val="accent1"/>
+          </a:lnRef>
+          <a:fillRef idx="1">
+            <a:schemeClr val="lt1"/>
+          </a:fillRef>
+          <a:effectRef idx="0">
+            <a:schemeClr val="accent1"/>
+          </a:effectRef>
+          <a:fontRef idx="minor">
+            <a:schemeClr val="dk1"/>
+          </a:fontRef>
+        </p:style>
+        <p:txBody>
+          <a:bodyPr rtlCol="0" anchor="ctr"/>
+          <a:lstStyle/>
+          <a:p>
+            <a:pPr algn="ctr"/>
+            <a:endParaRPr lang="en-US" sz="3200" dirty="0" smtClean="0"/>
+          </a:p>
+          <a:p>
+            <a:pPr algn="ctr"/>
+            <a:r>
+              <a:rPr lang="en-US" sz="3200" dirty="0" smtClean="0"/>
+              <a:t>JMS </a:t>
+            </a:r>
+            <a:r>
+              <a:rPr lang="en-US" sz="3200" dirty="0" smtClean="0"/>
+              <a:t>provider</a:t>
+            </a:r>
+          </a:p>
+          <a:p>
+            <a:pPr algn="ctr"/>
+            <a:endParaRPr lang="en-US" sz="3200" dirty="0"/>
+          </a:p>
+        </p:txBody>
+      </p:sp>
+      <p:sp>
+        <p:nvSpPr>
+          <p:cNvPr id="2050" name="AutoShape 2" descr="data:image/jpeg;base64,/9j/4AAQSkZJRgABAQAAAQABAAD/2wCEAAkGBhQQEBUQEBQSEBQQEhIQEBUQFhUQGRQVFRIVFRQXFBIXHSYeFxojGRcXIC8gIycpLDgsFR4xNTAqNSYrLCkBCQoKDgwOGg8PGiokHyQuLiksKi0sKSwsLCwsKSwsLywsLCkpKSwpLCwsLSksLCksKSksLCwsLCwsKTQpLCkpLP/AABEIARUAtgMBIgACEQEDEQH/xAAcAAEAAgIDAQAAAAAAAAAAAAAABgcFCAIDBAH/xABNEAABAwIDBAUGCQkGBQUAAAABAAIDBBEFEiEGBxMxIkFRYXEUUoGRobEIIzI1QnKCkrMVM1Nic3SDorIlk8HC0dMXJFSj8RZDRJTS/8QAGgEBAAMBAQEAAAAAAAAAAAAAAAIDBAEFBv/EAC0RAAICAQMCBAUEAwAAAAAAAAABAgMREiExBEEFE1FhIjJxobFCkdHwJHKB/9oADAMBAAIRAxEAPwC8UREAREQBERAEREAREQBERAEREAREQBERAEREAREQBERAEREAREQBERAERQzb3ePHhuWCJhqqyawgp2XJ10DpLahvYOZ6usgCUYnisVNGZaiRkMbebpHBo8Lnme5V9W77Y5HmLC6WpxFw0zNaYo/vEF3rAWJotgZq6QVmOSmok5x0zHWihB+jZvPwGmmpcpxS0rImCOJjY2N0DWAMA8ANFTK1LgtjW3yRJ20W0M/yIKGjaeXEcZHemznf0hdYftGNfKcPd3Fh/wBoKbXS6r82RZ5SIc3bTHafWooKarYOZpHlrvu5nH+ULK4Hvqopn8GqEuHTaDJVtytueyTkPtBqzl14MYwKCsZw6mJkzerMNW97XjVp8CpK71Iur0JlHIHAOaQ4OAIINwQeRBHMLkqXGHV2AEzYe59bRAl01JKbujF7l0RHvA8Q7mrN2T2up8TpxUUzrjk9rtHRutq17eo9/I9SvTT4KWmuTNoiLpwIiIAiIgCIiAIiIAiIgC6KysZDG+WVwYyNrnvc7k1rRck+hd6qbfntIWtiw5htxv8AmKn9kx1o2eDngn+GoyelZZ1LLwQnbTedVVchlilnpos2Wjhgc6Jx818pbq5x55eQuBrzU32F2QdTXrKxxmrqnpTPkOYxgj5DT220JHgNBrBN2OCirr3VMgvHRWyA8jM6+U+ixPiGq5syzOUsb9zSorOx25lFcb3n0NK/hulMsgNiynbxSD2F1w2/de6x+11fPWVceC0LjG+ZvErJR/7MPWNOVx4XzNH0lYWymw9JhsYZTRNDrWfK4B0jz1lz+foFh3KcK8rLIzsw8IheC70KGqkETZHwyE2ayobwiT1AOuW37r3Ulra9kMbpZntjYwXc55ygek+5ezbPYenxSB0UzGh+U8GYAZ43dRDuZF+beRVPbFYXPjVYyhxEkwYSHCoaCbzStkdGwPd18rX52Y7rddddK7EVb6kim3y0AcQ3yiRo5vZF0fW5wPsUkwHaqmrm5qWVslvlN1a5v1mOsR48lNqSgjijEUTGRsaLNYxoa0DsDRoq83gbsxY4jhTfJqynvJlhAa2do1c0xjTMRfx5G97jrqXY4rX3JFmVXbwNnZaAyYjhr5adstm10dO4x3aXX4jcvIX525XuOZUz2S2kbX0jKltml12ytH0JG/KHhyI7iFlpmB7Sx4DmuBa4HUEEWIPdZUJuLLmlJEE3Y7zXslZS1krpoKghtPNKcz4pD8lkjzq5jjoCdQe46XWFqbjOD+RVc9C65YDnhJ5mN2rde0Aj0grYXdftOa/DmPkOaaEmnqD2vYBZ32mFrvElaK5P5X/UU2RXKJciIrSoIiIAiIgCIiAIiIAtd997TFirpHPaRLTxFguCWZA4FhHMa9L7atDe1tXLQ0bWUulRWTNpoHeYXfKcO/kB3uv1KB4xu5paXDKmWQGpqhA+R08rnE8TmXNF9Nb87ntVc8YwycM5yjI7pqARYZG7rnfJM7vu7I3+Vo9qmOZR3YR39mUtv0Dfeb+1Z3Ms0uWaY8GA3QMEuI4tVO1eKhtO09jGmTQdxyN9StGqqWxMdI82bG1z3HnYNBJ08Aqe2fxluD41O2oIjpcVyyRynRrJm3uHnqF3OF/1mnle1xhwcLizg4XFtQQfeFsjwZJckR2C3mwYw6ZsLJYnQZTaXL0mOJDXAtJsbjUe9Q/c3i0cmLYsGEHjTunjI+kxs8oJHd02n0rv2w2hpcObJhuCRReW1pLHimAtFcEFz3DQOAJs3k25Jt1xt+zUuCilxCiHFfSMLK5jb/HRuJMhA7BcjuAYforjkk8BRb3LJwjerTVOKSYWxkrXxulY2RwGV74b8QAcxbK6xPO3gpqolsdU4bWudiNCyHjTC07gA2VpNrtkb9E35kc7XuVl9pNpoMPp3VFS8Ma0HKPpSOtoxjfpOP8A50UjhV2xsQgxLFaVmkbKoSsA5Nzl1wB4ED7IU0zKF7u6eR7ajEJxlkxGczhvmx3cWc+rpG3cGqX5ljs+ZmqHylX756MNmpaoaXD4HnuBDm/1OUu+D7TO4FVNmBZLNG1jQbm8cZDnEdQOYD7BWG3rsa9lG1wDg6tY0g9YIs4aLhtHsyMNviWEudSy0/TkjDnOjljB6TS0nlbW17adRsVbBpYbITTeUXsixuzmMispIapoyieJklueUuGrb9djcehZJXlAREQBERAEREAREQEH3t7KS11E11LrUUcramBvW8tvmaO+1iO9oHWq/wD/AF9T1dLLDM8U0r4pIpY5rsyvLS02J5jN6e0K+FhcY2Loqx2eppoJn+e5gzHsu8WJ9JUZRUiUZNFX7q8R4uGRtvcwufC7us7M3+VwUvzKFuoBg2NSUoAjpcRaJaW2jWyDQsHZrmFv1mdqkmJ4tFTRmWd4jaCBc3NyeQa0auPcAs1kcSNEH8JzxbCoqqIw1DBIw62PMHqLSNWnvCio3YRtBjjq66OI3vE2UZbHqGlreIK7zvKpuqOrcO0Q6e1wPsXNm8ikPyvKGfXgf/luoqTXDOuKfKMps/stTUIIp2AOI6b3HO9w73HkO4WCzGZQ+u2qw+pADqkxObfI9plpntvzs4tGncbjuXibWUg/O4tLMzzOOxlx2OMTQ4+ghdw3uxlLYyOJ7uqWWTjwmWkluSX0ruHc9fRtYeiy40e7enEomqZJ657fk+VPzgfZ6/AkjuXaNvaFgDWS3DQA0RRSuAA5AWZZdLt5NN1Mqn/VhP8AmITVJdxpj6EuumZRSn3i0rnAP40F9M08RY30uBIHibBSN84a0vJAaAXFx5BoFyb9llAkQXeNiTPLaCGRzWNjeamQuNgACA2578jl1YztG7Ef7Nw4GolqOg9zQckbCRnLndluZ5W77BZzd1stFjNRVYnWwtlgc4U1GyUG2VlrvA8A0eJf2K2cJwGnpG5KaGKBp5iJjWX73EauPitcYLbJmc+cHHZ3Bm0dJDStOYQRMivyzFo1dbqubn0rIoisKwiIgCIiAIiIAiIgCIvPV18cIBlkjiDjlaZHNYCewFx1PcgI7vF2JbilIYgck8R4tLJyySDqJGoa7kfQepUZje0Mkxp6era6KqpJJoqhjha7uGA2QdWtj67jQhXhi+9bDKa4kq4nuH0Yc05v2fFggekhVBvJ26w/E3xy00FQ2pjewCdzWxtczNYteASXc9DzHhooWQ1xZOuWmSPNs3hUdXUPimkkZkYx8TI3CPiC5DyXc9DbQdqzj9k6DNw+NNFJ5r53Md4hsnMd4uFD3E3a9jjG+M5o3t0LT3d3aOSklPtnFMzg4nC1w/SBnFjPeWWLoz4X8QvPplFxSNtsZJ5PZJu6BF4qqb+IyOcesBq6W7uZr61TQP1afX2vXmk2dwmXpRVDYb6/FVAFvsvJsusbHYfzNfKR2Gpi/wBFfoj6fYq1y/rModgoYxeeqn053fHAP6bj1rlTbGUUwJikqHjlnbM8tv3OPRd6LrwR02D0vSzRzvHIOcat1+5guPWF4sc2ulqm8KJppoCLOvpJI3zdNI29w1UZaYo6tUmYid7W8ZrXmWKN8jI3utd7GjmbaHW4uOdlIKB02KMpsHpCbCGH8oT8xEwNF2X6yOVusi3LMopiZDYHAaCzW9EcgXAaDwVk7B708Hw6AU8cVVTXN5ZJY2yGR1vlPcw3PgBYdQUulhqUppbZOdRJrEfYt7BsIjpII6aBuWOFgYwdw6yesk3JPaSvao1he8nDqn81WQEnk17uC77sgafYs/S1bJWCSJ7ZGO+S5jg9p1to4aFbDIdyIiAIiIAiIgCIiAIi+IDHbRY/FQ00lVObMibc25uPJrWjrcTYDxWrG2u0tRichq6lxALssEQN2xRm9gB26C55nn2ATbfNtZ5dXCgjPxFEby25Pn5H7o6PjnVfYz+bH1m+4r1ul6HXRO+fZbfyVylvg+x07W8mj3+9Kh3Rv5pa71OBK5XS6+nlRCVTrSwmsFKbTyZNslxcag6hfcyw7WFvyHFndzH3SuwVUg8x3ravgr/AeqrfwrUvY9aHWQa3Mi5jTzDT4gFceAzzWfdC9WzOCVWIvkZSxMcYQ10hdIGAZj0RcjU6HTuUg/4V4n+hh/8AsM/0XmPprovDX3LfPrZGG2HIAeGi5Zl5cUbPTTyU0sbWSQuyvBfmGouCCBqCLG/evIZ5D9Jrfqi/tK1U+E9Vesxjt6kX1Vce56cUf8Xl63OaB6HAn2BdR1XS2PW5Jce12p9HYud19r4R4e+iqcZvLe55nUXebLKOqalYQeiOR5adXcpDu128lwmRryXSUkzrVEXPLrbiRjqcPbax6iMDIdD4H3L5hjQYQ06g5gfWpdV0Vd9qglh6W/8AuUVxk0jb6kq2SxtljcHska17HNNw5rhcEHsIXcqZ3D7XkZ8Jndcxh0tIT1svd8Y8L5gO93YrmXyc4OEnGXKNAREUQEREAREQBR3b/acYdh81VcZ2tyQg9cr+izTrseke5pUiVEb/ALH+NVwYe03bA3yicDz36MB7wzX+IrK63ZNQXc43grajaQ27iS55L3k6kk66ntXRi5+L+0PcV6cy8eKH4v7Q/wAV9r1EFV0koR4SMyeZHddLrhdLrQnscOd0uuF11zSWFxpy1PV3qNliri5PhBLJON1W2kWH1E0NQ4RsquG5sh5NezMAHnqBDjr3BW3V7bU0UfFfUQtba9w9rr+AaSSe4Ly7H7u6WipTE5kdU+cA1EkrGvEnWA1rr2YOoek93rpd3mGxP4jKOnDgbjMHPAPcx5LR6l8LdNTslJLl5NSWEUHtNtAK+vnq2jK2QsZGDzyMYGNLh1EgXWOzK398Gw0DoJMTiLaeaFoMoA6M4uGgOA5PuQA7r6+0U412i+l8KvjKry0t0U2LfJ2Zl9uuu6XXsZKzlIdD4H3L5hbvih4n3ri86HwPuXzDnfFj0+9Zs/5Mf9X+Ud/Se6DEn0s8VZD+cppGyDquAdWnuIuD3Era/B8UZVU8VREbsmjbIzwcL2PeOR7wtSnaix69FdHwfdoeJSy0Dz0qSTPHf9FJc2Hg8O++F4njVGmxWrvz9S2t7YLZREXgloREQBERAfHOAFzoBzWo+N4z5bW1NYeU8ziy/UwGzB90N9S2T3l4r5LhNXKDY8F0bT+tLaNvtctWaYWaB3e9ev4RXqv1Psiux7HpzLxYnJoG9pv6v/K9GZeeekc9sko+TDwmHxkLrf0uXteJ3aKGvXYrgtzuul1wul1sT2IHO64yi4I7Qvl0uuSSknF9zpsRu7x3ynDKeQm7mRiGT60XQ18QAfSpJx1S+5nHuHLNROOkv/MQ/WaLSAeLbH7Ctjjr4e2Drm4vsaU8kK33YtloY6cHWpnbcfqRjMf5snqVN3Ut3r4z5RiPCBu2kjEf8R/Sf7Mo+yofdfReE16anP1f4KbHvg53S64XS69jJWcnnQ+B9y4Ye/oW7CUcdD4FdFFobHrAcFhtt0dVX7pr8E0vhZkMylG6nG/JMZgJNmVQNLJ9v5H84Z7VEsy4uqDGWysNnRPbI09haQR7bKXiMPM6eXtv+wg8M3LC+rzYbWtnhjmZ8maNkrfB7Q4ewr0r400BERAEREBV3wha4swtkYNuPVRNI7WtY95/mDVQeZXT8JB3xFGOrjyH1Mbb3lUjmX0Hg+ym/oVWHbmUgp8Pts/UVP6bE6eIeEUEjvfL7FGXSWVtUmyNRWbJ08VJEZJX1bqlzbtYS0PmZmBeQDpl61Hxa1PTFMVoqi6XTEYJKaV8E7DHJGcr2m12m1+rxXnFSF6Eeuof6iGlnoul10icdq+8YdoV66ip8SX7nMM9dFiD6eWOoi0fC8Pb325g9xGnpV2y7awigNe03Zku1pOvE5CM9+bQ92qojijtCcbo5M5yZs+TN0c1rZsvK9tLryet6aN01OEl77/csi8bHdJO6RzpJDd8jnSPPa5xuVxuuvijtC+cYdq9OudVUFFSWF7kHlnbdLrpNQO1cTVDvR9ZTHmSGlnocdD4FZXFcODKLDqgacaOqid3mKqebn0SAfZXiwHBqivlMFJEZpMheWgtbZoIBJLiABcjr61O9u9l5qHAMPjqWZJIaqoDwCH5RKXPF3NuOTQvH6zq6521yg+CyMXh5K9zLjKbtI7lwD7oXL3ZyU4P6FS5Npd0tbxsGpHE3LYjEf4b3MHsAUvVf7ij/YsPdJUAf3zlYC+INIREQBERAQbevsFJi9NFHA+OOSGbiDi3ylpaWuF2gkHkeXUqa2C3aNxGn8plqHxt4jo8kbAScoab5ybDnyy9S2eVHbBHySevw86eTVj3sH6j9AfUxvrXJWThF6XgnBJvc5f8KcMdFJDHI4yi7eKZQ90bx2xtIHcQR6lnNg9t56apjwfFA0vLctFUR2yytaOi11uuwtfQ30IubmjKiljpq6Vs7TJHFO9r2Nfw3lmY2LH2OtrHrWw+xe7DDYXQ4hTCWYujbLA+ofnyh7bhwaABmseu9vFRin3eRJr0KJ3s/PVZ+2H4bVEVLt7Pz1Wfth+G1RFTIBERAEREAREQH26+IiAtL4O3zrJ+5y/iwqU7U7UTY9LJQURbDQRPyVVS+xdKWm9owerTS3PQkgGyi3wdfnWT9zl/FhU42+3Z4VRwT4jIyeMDpcKnlyNfI91mtaCDlBcerQC+mllxnUYer3W4Y/LEx74pMumSZrnPyjVxY69z1m1goZtFuzdT1VLTQT8Q10hhZxW5Mhu0DMWk3HS6h1LG7B0gfikLgAAwvns0l2UNDi1pd1m+UHx9CsuFnlm0VDCNW0UclVJ3GxLf5hF95RhOcJYUmWNJxzgsjd7su7DcOipHubI9mdz3MvlzPeXEC+pAva/cpGvgX1TKgiIgCIiAKmN5tL+TsYhxEaQV0fk1QepsjQA1x7OiGH7Dlc6xu0Gz8NdTupqlgkjfzHIgjk5rupw7VxrKwdTw8mr+1LInV9U17XvdIxhi4QzESljDy7Dc3Wxu7mKZmFUrKpnDlZC1jmkZS1rbiPM3qdky3Havmxm72lwpr/Jg9z5SM8kpD3kD5LQQAABc8gpKiWEG8mpe9n56rP2w/DaoipdvZ+eqz9sPw2qIrpwIiIAu3yc5OJ9EODPSQT7gupSRtD/Yrp7c8RbFfwpnO/zICNoiIAiIgLS+Dr87Sfucv4sKs3fpTzyYUWQMdI3jRuqcjc7mxNu7M1vc4NuR1d11WXwdfnaT9zl/FhWyKA1a2MngjrJ5I7xRR0wtxNCAMmcu77hWduQwt0rqrFpRY1b+DT35iKM6nwJDR/DKk21e6qixKdtRO2RsgAa8wu4fEaDcCQW1t2ix9QtKqGhZBGyGFojjjaGMa3QNaBYAKKjh5JOW2DvREUiIREQBERAEREAREQGpW9n56rP2w/DaoipdvZ+eqz9sPw2qIoAiIgCsZ9BbZIP87FeJ6OCYve1VyrrqsPtsSwnqkbN96tLfc5AUoiIgCIiAtL4OvztJ+5y/iwrZFa3fB1+dpP3OX8WFbIoAiIgCIiAIiIAiIgCIiAIiIDUrez89Vn7YfhtURUu3s/PVZ+2H4bVEUAREQBbG4vh1tjgzsoqeX/uRyrXJbY7TYfk2emgt+bw7J/dwD/8AKA1PK+L6V8QBERAWl8HX52k/c5fxYVsitbvg6/O0n7nL+LCtkUAREQBERAEREAREQBERAERY3HtoIKGE1FVI2KNul3cyeprGjVzu4IDVzez89Vn7YfhtURUs2qzYpiFRV07HNinkzMMtmaBobrqezquumPYl1ulK0H9Vpd7SQoucVyySg2RlFJpdiXD5MrT9Zpb7RdYevwaWHV7dPOb0h6xyRTi+GHFrk6cPpuJLHH+kexn3nAf4rcbaiHNQVLPOpZ2/9py1N2HpuJidGzzqqD2StP8AgtwayHPG9nnsc37zSP8AFSImkSL6QsjQ4BNMLtblafpP6I9HWfQuNpcnUm+DGopPHsSbdKVoPc0u9pIXGbYpwHQkY76wLfddR8yPqS8uXoS34OvztJ+5y/iwrZFau7tMaGCYh5RWMk4UkL4C+IB4aXPjcHHXUdHlz15FbLYVi0VVE2enkbNG8Xa5huD2juI6wdVJPJDGD2IiLoCIiAIiIAiIgCIiA6K2rbDG+WQ5WRsdI9x6mtBLj6gtZ8d2hkxiqNXUX4LCW0kJ+SxgPMjkXHrPWe4AK7N8U7mYJVll7lkbDbXovmY13oykrXijxSMMa0OAs0DW41tr7VVa2lsWVpN7meEycdYkYkzz2/eC+/lBnnN+8FkwzVlGV46+OluLHUHQg63WL/KLPPb94LicVjH02+u6YYyjtwnh0GI01aQeDHOx0gGuTXmO4c7dy2fxfGI6amkqpD8XDGZSRY3AFxl7SdAPELU7EsVjfG5ma5I0sDz5hWztnUzO2Qp+i67o6Ns1wRaNp6JPddseveO1bK22tzLYlnYqnBMKa48eRvyiTGw6gC/M9vcpDx1gocaisAHWAAAuCOQsu4YpGfpt9dlmnqb3L4aUtjL8dOOsV+UWee37w/1T8oM85v3h/qoYZPKMo6UEWOoOhB1v4hd2yG1T8Fq2yNJNHO8NqotSGX0EjB2jn3gEdlsIcSZ57fWCvHiWJxuic3MCSNAL8+Y9qsrckyE0mjbyN4cAQQQQCCNbg8iFyUc3dvecKozKCHeSwg30Ng0Bt/sgKRrYZAiIgCIiAIiIAiIgOMkQcC1wDg4EODhcEHmCDzCwVXsFh8pvJRUrj28JgPrACz6ICHy7osKdzoox9V0jf6XBdP8AwXwj/o2/3tR/uKbIgIYzc7hI5UbPS+Y+969cO7DDGcqGnP1mZ/6rqUIgMXSbLUkX5qlpo7cskUYPrssk5gIsQCCLEHlbwXJEBiKvZGil/OUlM+/PNDGfbZYybdbhb+dFTj6rSz+khSpEBC3bm8JP/wANnokmHueuI3L4T/0bf72o/wBxTZEBEIt0mFN5UUR+sZH/ANTisnR7EUEJvHR0rD2iJl/WQs4iAIiIAiIgCIiAIiIAiIgCIiAIiIAiIgCIiAIiIAiIgCIiAIiIAiIgCIiA/9k="/>
+          <p:cNvSpPr>
+            <a:spLocks noChangeAspect="1" noChangeArrowheads="1"/>
+          </p:cNvSpPr>
+          <p:nvPr/>
+        </p:nvSpPr>
+        <p:spPr bwMode="auto">
+          <a:xfrm>
+            <a:off x="155575" y="-144463"/>
+            <a:ext cx="304800" cy="304801"/>
+          </a:xfrm>
+          <a:prstGeom prst="rect">
+            <a:avLst/>
+          </a:prstGeom>
+          <a:noFill/>
+        </p:spPr>
+        <p:txBody>
+          <a:bodyPr vert="horz" wrap="square" lIns="91440" tIns="45720" rIns="91440" bIns="45720" numCol="1" anchor="t" anchorCtr="0" compatLnSpc="1">
+            <a:prstTxWarp prst="textNoShape">
+              <a:avLst/>
+            </a:prstTxWarp>
+          </a:bodyPr>
+          <a:lstStyle/>
+          <a:p>
+            <a:endParaRPr lang="en-US"/>
+          </a:p>
+        </p:txBody>
+      </p:sp>
+      <p:sp>
+        <p:nvSpPr>
+          <p:cNvPr id="2052" name="AutoShape 4" descr="data:image/jpeg;base64,/9j/4AAQSkZJRgABAQAAAQABAAD/2wCEAAkGBhQQEBUQEBQSEBQQEhIQEBUQFhUQGRQVFRIVFRQXFBIXHSYeFxojGRcXIC8gIycpLDgsFR4xNTAqNSYrLCkBCQoKDgwOGg8PGiokHyQuLiksKi0sKSwsLCwsKSwsLywsLCkpKSwpLCwsLSksLCksKSksLCwsLCwsKTQpLCkpLP/AABEIARUAtgMBIgACEQEDEQH/xAAcAAEAAgIDAQAAAAAAAAAAAAAABgcFCAIDBAH/xABNEAABAwIDBAUGCQkGBQUAAAABAAIDBBEFEiEGBxMxIkFRYXEUUoGRobEIIzI1QnKCkrMVM1Nic3SDorIlk8HC0dMXJFSj8RZDRJTS/8QAGgEBAAMBAQEAAAAAAAAAAAAAAAIDBAEFBv/EAC0RAAICAQMCBAUEAwAAAAAAAAABAgMREiExBEEFE1FhIjJxobFCkdHwJHKB/9oADAMBAAIRAxEAPwC8UREAREQBERAEREAREQBERAEREAREQBERAEREAREQBERAEREAREQBERAERQzb3ePHhuWCJhqqyawgp2XJ10DpLahvYOZ6usgCUYnisVNGZaiRkMbebpHBo8Lnme5V9W77Y5HmLC6WpxFw0zNaYo/vEF3rAWJotgZq6QVmOSmok5x0zHWihB+jZvPwGmmpcpxS0rImCOJjY2N0DWAMA8ANFTK1LgtjW3yRJ20W0M/yIKGjaeXEcZHemznf0hdYftGNfKcPd3Fh/wBoKbXS6r82RZ5SIc3bTHafWooKarYOZpHlrvu5nH+ULK4Hvqopn8GqEuHTaDJVtytueyTkPtBqzl14MYwKCsZw6mJkzerMNW97XjVp8CpK71Iur0JlHIHAOaQ4OAIINwQeRBHMLkqXGHV2AEzYe59bRAl01JKbujF7l0RHvA8Q7mrN2T2up8TpxUUzrjk9rtHRutq17eo9/I9SvTT4KWmuTNoiLpwIiIAiIgCIiAIiIAiIgC6KysZDG+WVwYyNrnvc7k1rRck+hd6qbfntIWtiw5htxv8AmKn9kx1o2eDngn+GoyelZZ1LLwQnbTedVVchlilnpos2Wjhgc6Jx818pbq5x55eQuBrzU32F2QdTXrKxxmrqnpTPkOYxgj5DT220JHgNBrBN2OCirr3VMgvHRWyA8jM6+U+ixPiGq5syzOUsb9zSorOx25lFcb3n0NK/hulMsgNiynbxSD2F1w2/de6x+11fPWVceC0LjG+ZvErJR/7MPWNOVx4XzNH0lYWymw9JhsYZTRNDrWfK4B0jz1lz+foFh3KcK8rLIzsw8IheC70KGqkETZHwyE2ayobwiT1AOuW37r3Ulra9kMbpZntjYwXc55ygek+5ezbPYenxSB0UzGh+U8GYAZ43dRDuZF+beRVPbFYXPjVYyhxEkwYSHCoaCbzStkdGwPd18rX52Y7rddddK7EVb6kim3y0AcQ3yiRo5vZF0fW5wPsUkwHaqmrm5qWVslvlN1a5v1mOsR48lNqSgjijEUTGRsaLNYxoa0DsDRoq83gbsxY4jhTfJqynvJlhAa2do1c0xjTMRfx5G97jrqXY4rX3JFmVXbwNnZaAyYjhr5adstm10dO4x3aXX4jcvIX525XuOZUz2S2kbX0jKltml12ytH0JG/KHhyI7iFlpmB7Sx4DmuBa4HUEEWIPdZUJuLLmlJEE3Y7zXslZS1krpoKghtPNKcz4pD8lkjzq5jjoCdQe46XWFqbjOD+RVc9C65YDnhJ5mN2rde0Aj0grYXdftOa/DmPkOaaEmnqD2vYBZ32mFrvElaK5P5X/UU2RXKJciIrSoIiIAiIgCIiAIiIAtd997TFirpHPaRLTxFguCWZA4FhHMa9L7atDe1tXLQ0bWUulRWTNpoHeYXfKcO/kB3uv1KB4xu5paXDKmWQGpqhA+R08rnE8TmXNF9Nb87ntVc8YwycM5yjI7pqARYZG7rnfJM7vu7I3+Vo9qmOZR3YR39mUtv0Dfeb+1Z3Ms0uWaY8GA3QMEuI4tVO1eKhtO09jGmTQdxyN9StGqqWxMdI82bG1z3HnYNBJ08Aqe2fxluD41O2oIjpcVyyRynRrJm3uHnqF3OF/1mnle1xhwcLizg4XFtQQfeFsjwZJckR2C3mwYw6ZsLJYnQZTaXL0mOJDXAtJsbjUe9Q/c3i0cmLYsGEHjTunjI+kxs8oJHd02n0rv2w2hpcObJhuCRReW1pLHimAtFcEFz3DQOAJs3k25Jt1xt+zUuCilxCiHFfSMLK5jb/HRuJMhA7BcjuAYforjkk8BRb3LJwjerTVOKSYWxkrXxulY2RwGV74b8QAcxbK6xPO3gpqolsdU4bWudiNCyHjTC07gA2VpNrtkb9E35kc7XuVl9pNpoMPp3VFS8Ma0HKPpSOtoxjfpOP8A50UjhV2xsQgxLFaVmkbKoSsA5Nzl1wB4ED7IU0zKF7u6eR7ajEJxlkxGczhvmx3cWc+rpG3cGqX5ljs+ZmqHylX756MNmpaoaXD4HnuBDm/1OUu+D7TO4FVNmBZLNG1jQbm8cZDnEdQOYD7BWG3rsa9lG1wDg6tY0g9YIs4aLhtHsyMNviWEudSy0/TkjDnOjljB6TS0nlbW17adRsVbBpYbITTeUXsixuzmMispIapoyieJklueUuGrb9djcehZJXlAREQBERAEREAREQEH3t7KS11E11LrUUcramBvW8tvmaO+1iO9oHWq/wD/AF9T1dLLDM8U0r4pIpY5rsyvLS02J5jN6e0K+FhcY2Loqx2eppoJn+e5gzHsu8WJ9JUZRUiUZNFX7q8R4uGRtvcwufC7us7M3+VwUvzKFuoBg2NSUoAjpcRaJaW2jWyDQsHZrmFv1mdqkmJ4tFTRmWd4jaCBc3NyeQa0auPcAs1kcSNEH8JzxbCoqqIw1DBIw62PMHqLSNWnvCio3YRtBjjq66OI3vE2UZbHqGlreIK7zvKpuqOrcO0Q6e1wPsXNm8ikPyvKGfXgf/luoqTXDOuKfKMps/stTUIIp2AOI6b3HO9w73HkO4WCzGZQ+u2qw+pADqkxObfI9plpntvzs4tGncbjuXibWUg/O4tLMzzOOxlx2OMTQ4+ghdw3uxlLYyOJ7uqWWTjwmWkluSX0ruHc9fRtYeiy40e7enEomqZJ657fk+VPzgfZ6/AkjuXaNvaFgDWS3DQA0RRSuAA5AWZZdLt5NN1Mqn/VhP8AmITVJdxpj6EuumZRSn3i0rnAP40F9M08RY30uBIHibBSN84a0vJAaAXFx5BoFyb9llAkQXeNiTPLaCGRzWNjeamQuNgACA2578jl1YztG7Ef7Nw4GolqOg9zQckbCRnLndluZ5W77BZzd1stFjNRVYnWwtlgc4U1GyUG2VlrvA8A0eJf2K2cJwGnpG5KaGKBp5iJjWX73EauPitcYLbJmc+cHHZ3Bm0dJDStOYQRMivyzFo1dbqubn0rIoisKwiIgCIiAIiIAiIgCIvPV18cIBlkjiDjlaZHNYCewFx1PcgI7vF2JbilIYgck8R4tLJyySDqJGoa7kfQepUZje0Mkxp6era6KqpJJoqhjha7uGA2QdWtj67jQhXhi+9bDKa4kq4nuH0Yc05v2fFggekhVBvJ26w/E3xy00FQ2pjewCdzWxtczNYteASXc9DzHhooWQ1xZOuWmSPNs3hUdXUPimkkZkYx8TI3CPiC5DyXc9DbQdqzj9k6DNw+NNFJ5r53Md4hsnMd4uFD3E3a9jjG+M5o3t0LT3d3aOSklPtnFMzg4nC1w/SBnFjPeWWLoz4X8QvPplFxSNtsZJ5PZJu6BF4qqb+IyOcesBq6W7uZr61TQP1afX2vXmk2dwmXpRVDYb6/FVAFvsvJsusbHYfzNfKR2Gpi/wBFfoj6fYq1y/rModgoYxeeqn053fHAP6bj1rlTbGUUwJikqHjlnbM8tv3OPRd6LrwR02D0vSzRzvHIOcat1+5guPWF4sc2ulqm8KJppoCLOvpJI3zdNI29w1UZaYo6tUmYid7W8ZrXmWKN8jI3utd7GjmbaHW4uOdlIKB02KMpsHpCbCGH8oT8xEwNF2X6yOVusi3LMopiZDYHAaCzW9EcgXAaDwVk7B708Hw6AU8cVVTXN5ZJY2yGR1vlPcw3PgBYdQUulhqUppbZOdRJrEfYt7BsIjpII6aBuWOFgYwdw6yesk3JPaSvao1he8nDqn81WQEnk17uC77sgafYs/S1bJWCSJ7ZGO+S5jg9p1to4aFbDIdyIiAIiIAiIgCIiAIi+IDHbRY/FQ00lVObMibc25uPJrWjrcTYDxWrG2u0tRichq6lxALssEQN2xRm9gB26C55nn2ATbfNtZ5dXCgjPxFEby25Pn5H7o6PjnVfYz+bH1m+4r1ul6HXRO+fZbfyVylvg+x07W8mj3+9Kh3Rv5pa71OBK5XS6+nlRCVTrSwmsFKbTyZNslxcag6hfcyw7WFvyHFndzH3SuwVUg8x3ravgr/AeqrfwrUvY9aHWQa3Mi5jTzDT4gFceAzzWfdC9WzOCVWIvkZSxMcYQ10hdIGAZj0RcjU6HTuUg/4V4n+hh/8AsM/0XmPprovDX3LfPrZGG2HIAeGi5Zl5cUbPTTyU0sbWSQuyvBfmGouCCBqCLG/evIZ5D9Jrfqi/tK1U+E9Vesxjt6kX1Vce56cUf8Xl63OaB6HAn2BdR1XS2PW5Jce12p9HYud19r4R4e+iqcZvLe55nUXebLKOqalYQeiOR5adXcpDu128lwmRryXSUkzrVEXPLrbiRjqcPbax6iMDIdD4H3L5hjQYQ06g5gfWpdV0Vd9qglh6W/8AuUVxk0jb6kq2SxtljcHska17HNNw5rhcEHsIXcqZ3D7XkZ8Jndcxh0tIT1svd8Y8L5gO93YrmXyc4OEnGXKNAREUQEREAREQBR3b/acYdh81VcZ2tyQg9cr+izTrseke5pUiVEb/ALH+NVwYe03bA3yicDz36MB7wzX+IrK63ZNQXc43grajaQ27iS55L3k6kk66ntXRi5+L+0PcV6cy8eKH4v7Q/wAV9r1EFV0koR4SMyeZHddLrhdLrQnscOd0uuF11zSWFxpy1PV3qNliri5PhBLJON1W2kWH1E0NQ4RsquG5sh5NezMAHnqBDjr3BW3V7bU0UfFfUQtba9w9rr+AaSSe4Ly7H7u6WipTE5kdU+cA1EkrGvEnWA1rr2YOoek93rpd3mGxP4jKOnDgbjMHPAPcx5LR6l8LdNTslJLl5NSWEUHtNtAK+vnq2jK2QsZGDzyMYGNLh1EgXWOzK398Gw0DoJMTiLaeaFoMoA6M4uGgOA5PuQA7r6+0U412i+l8KvjKry0t0U2LfJ2Zl9uuu6XXsZKzlIdD4H3L5hbvih4n3ri86HwPuXzDnfFj0+9Zs/5Mf9X+Ud/Se6DEn0s8VZD+cppGyDquAdWnuIuD3Era/B8UZVU8VREbsmjbIzwcL2PeOR7wtSnaix69FdHwfdoeJSy0Dz0qSTPHf9FJc2Hg8O++F4njVGmxWrvz9S2t7YLZREXgloREQBERAfHOAFzoBzWo+N4z5bW1NYeU8ziy/UwGzB90N9S2T3l4r5LhNXKDY8F0bT+tLaNvtctWaYWaB3e9ev4RXqv1Psiux7HpzLxYnJoG9pv6v/K9GZeeekc9sko+TDwmHxkLrf0uXteJ3aKGvXYrgtzuul1wul1sT2IHO64yi4I7Qvl0uuSSknF9zpsRu7x3ynDKeQm7mRiGT60XQ18QAfSpJx1S+5nHuHLNROOkv/MQ/WaLSAeLbH7Ctjjr4e2Drm4vsaU8kK33YtloY6cHWpnbcfqRjMf5snqVN3Ut3r4z5RiPCBu2kjEf8R/Sf7Mo+yofdfReE16anP1f4KbHvg53S64XS69jJWcnnQ+B9y4Ye/oW7CUcdD4FdFFobHrAcFhtt0dVX7pr8E0vhZkMylG6nG/JMZgJNmVQNLJ9v5H84Z7VEsy4uqDGWysNnRPbI09haQR7bKXiMPM6eXtv+wg8M3LC+rzYbWtnhjmZ8maNkrfB7Q4ewr0r400BERAEREBV3wha4swtkYNuPVRNI7WtY95/mDVQeZXT8JB3xFGOrjyH1Mbb3lUjmX0Hg+ym/oVWHbmUgp8Pts/UVP6bE6eIeEUEjvfL7FGXSWVtUmyNRWbJ08VJEZJX1bqlzbtYS0PmZmBeQDpl61Hxa1PTFMVoqi6XTEYJKaV8E7DHJGcr2m12m1+rxXnFSF6Eeuof6iGlnoul10icdq+8YdoV66ip8SX7nMM9dFiD6eWOoi0fC8Pb325g9xGnpV2y7awigNe03Zku1pOvE5CM9+bQ92qojijtCcbo5M5yZs+TN0c1rZsvK9tLryet6aN01OEl77/csi8bHdJO6RzpJDd8jnSPPa5xuVxuuvijtC+cYdq9OudVUFFSWF7kHlnbdLrpNQO1cTVDvR9ZTHmSGlnocdD4FZXFcODKLDqgacaOqid3mKqebn0SAfZXiwHBqivlMFJEZpMheWgtbZoIBJLiABcjr61O9u9l5qHAMPjqWZJIaqoDwCH5RKXPF3NuOTQvH6zq6521yg+CyMXh5K9zLjKbtI7lwD7oXL3ZyU4P6FS5Npd0tbxsGpHE3LYjEf4b3MHsAUvVf7ij/YsPdJUAf3zlYC+INIREQBERAQbevsFJi9NFHA+OOSGbiDi3ylpaWuF2gkHkeXUqa2C3aNxGn8plqHxt4jo8kbAScoab5ybDnyy9S2eVHbBHySevw86eTVj3sH6j9AfUxvrXJWThF6XgnBJvc5f8KcMdFJDHI4yi7eKZQ90bx2xtIHcQR6lnNg9t56apjwfFA0vLctFUR2yytaOi11uuwtfQ30IubmjKiljpq6Vs7TJHFO9r2Nfw3lmY2LH2OtrHrWw+xe7DDYXQ4hTCWYujbLA+ofnyh7bhwaABmseu9vFRin3eRJr0KJ3s/PVZ+2H4bVEVLt7Pz1Wfth+G1RFTIBERAEREAREQH26+IiAtL4O3zrJ+5y/iwqU7U7UTY9LJQURbDQRPyVVS+xdKWm9owerTS3PQkgGyi3wdfnWT9zl/FhU42+3Z4VRwT4jIyeMDpcKnlyNfI91mtaCDlBcerQC+mllxnUYer3W4Y/LEx74pMumSZrnPyjVxY69z1m1goZtFuzdT1VLTQT8Q10hhZxW5Mhu0DMWk3HS6h1LG7B0gfikLgAAwvns0l2UNDi1pd1m+UHx9CsuFnlm0VDCNW0UclVJ3GxLf5hF95RhOcJYUmWNJxzgsjd7su7DcOipHubI9mdz3MvlzPeXEC+pAva/cpGvgX1TKgiIgCIiAKmN5tL+TsYhxEaQV0fk1QepsjQA1x7OiGH7Dlc6xu0Gz8NdTupqlgkjfzHIgjk5rupw7VxrKwdTw8mr+1LInV9U17XvdIxhi4QzESljDy7Dc3Wxu7mKZmFUrKpnDlZC1jmkZS1rbiPM3qdky3Havmxm72lwpr/Jg9z5SM8kpD3kD5LQQAABc8gpKiWEG8mpe9n56rP2w/DaoipdvZ+eqz9sPw2qIrpwIiIAu3yc5OJ9EODPSQT7gupSRtD/Yrp7c8RbFfwpnO/zICNoiIAiIgLS+Dr87Sfucv4sKs3fpTzyYUWQMdI3jRuqcjc7mxNu7M1vc4NuR1d11WXwdfnaT9zl/FhWyKA1a2MngjrJ5I7xRR0wtxNCAMmcu77hWduQwt0rqrFpRY1b+DT35iKM6nwJDR/DKk21e6qixKdtRO2RsgAa8wu4fEaDcCQW1t2ix9QtKqGhZBGyGFojjjaGMa3QNaBYAKKjh5JOW2DvREUiIREQBERAEREAREQGpW9n56rP2w/DaoipdvZ+eqz9sPw2qIoAiIgCsZ9BbZIP87FeJ6OCYve1VyrrqsPtsSwnqkbN96tLfc5AUoiIgCIiAtL4OvztJ+5y/iwrZFa3fB1+dpP3OX8WFbIoAiIgCIiAIiIAiIgCIiAIiIDUrez89Vn7YfhtURUu3s/PVZ+2H4bVEUAREQBbG4vh1tjgzsoqeX/uRyrXJbY7TYfk2emgt+bw7J/dwD/8AKA1PK+L6V8QBERAWl8HX52k/c5fxYVsitbvg6/O0n7nL+LCtkUAREQBERAEREAREQBERAERY3HtoIKGE1FVI2KNul3cyeprGjVzu4IDVzez89Vn7YfhtURUs2qzYpiFRV07HNinkzMMtmaBobrqezquumPYl1ulK0H9Vpd7SQoucVyySg2RlFJpdiXD5MrT9Zpb7RdYevwaWHV7dPOb0h6xyRTi+GHFrk6cPpuJLHH+kexn3nAf4rcbaiHNQVLPOpZ2/9py1N2HpuJidGzzqqD2StP8AgtwayHPG9nnsc37zSP8AFSImkSL6QsjQ4BNMLtblafpP6I9HWfQuNpcnUm+DGopPHsSbdKVoPc0u9pIXGbYpwHQkY76wLfddR8yPqS8uXoS34OvztJ+5y/iwrZFau7tMaGCYh5RWMk4UkL4C+IB4aXPjcHHXUdHlz15FbLYVi0VVE2enkbNG8Xa5huD2juI6wdVJPJDGD2IiLoCIiAIiIAiIgCIiA6K2rbDG+WQ5WRsdI9x6mtBLj6gtZ8d2hkxiqNXUX4LCW0kJ+SxgPMjkXHrPWe4AK7N8U7mYJVll7lkbDbXovmY13oykrXijxSMMa0OAs0DW41tr7VVa2lsWVpN7meEycdYkYkzz2/eC+/lBnnN+8FkwzVlGV46+OluLHUHQg63WL/KLPPb94LicVjH02+u6YYyjtwnh0GI01aQeDHOx0gGuTXmO4c7dy2fxfGI6amkqpD8XDGZSRY3AFxl7SdAPELU7EsVjfG5ma5I0sDz5hWztnUzO2Qp+i67o6Ns1wRaNp6JPddseveO1bK22tzLYlnYqnBMKa48eRvyiTGw6gC/M9vcpDx1gocaisAHWAAAuCOQsu4YpGfpt9dlmnqb3L4aUtjL8dOOsV+UWee37w/1T8oM85v3h/qoYZPKMo6UEWOoOhB1v4hd2yG1T8Fq2yNJNHO8NqotSGX0EjB2jn3gEdlsIcSZ57fWCvHiWJxuic3MCSNAL8+Y9qsrckyE0mjbyN4cAQQQQCCNbg8iFyUc3dvecKozKCHeSwg30Ng0Bt/sgKRrYZAiIgCIiAIiIAiIgOMkQcC1wDg4EODhcEHmCDzCwVXsFh8pvJRUrj28JgPrACz6ICHy7osKdzoox9V0jf6XBdP8AwXwj/o2/3tR/uKbIgIYzc7hI5UbPS+Y+969cO7DDGcqGnP1mZ/6rqUIgMXSbLUkX5qlpo7cskUYPrssk5gIsQCCLEHlbwXJEBiKvZGil/OUlM+/PNDGfbZYybdbhb+dFTj6rSz+khSpEBC3bm8JP/wANnokmHueuI3L4T/0bf72o/wBxTZEBEIt0mFN5UUR+sZH/ANTisnR7EUEJvHR0rD2iJl/WQs4iAIiIAiIgCIiAIiIAiIgCIiAIiIAiIgCIiAIiIAiIgCIiAIiIAiIgCIiA/9k="/>
+          <p:cNvSpPr>
+            <a:spLocks noChangeAspect="1" noChangeArrowheads="1"/>
+          </p:cNvSpPr>
+          <p:nvPr/>
+        </p:nvSpPr>
+        <p:spPr bwMode="auto">
+          <a:xfrm>
+            <a:off x="155575" y="-144463"/>
+            <a:ext cx="304800" cy="304801"/>
+          </a:xfrm>
+          <a:prstGeom prst="rect">
+            <a:avLst/>
+          </a:prstGeom>
+          <a:noFill/>
+        </p:spPr>
+        <p:txBody>
+          <a:bodyPr vert="horz" wrap="square" lIns="91440" tIns="45720" rIns="91440" bIns="45720" numCol="1" anchor="t" anchorCtr="0" compatLnSpc="1">
+            <a:prstTxWarp prst="textNoShape">
+              <a:avLst/>
+            </a:prstTxWarp>
+          </a:bodyPr>
+          <a:lstStyle/>
+          <a:p>
+            <a:endParaRPr lang="en-US"/>
+          </a:p>
+        </p:txBody>
+      </p:sp>
+      <p:sp>
+        <p:nvSpPr>
+          <p:cNvPr id="2054" name="AutoShape 6" descr="data:image/jpeg;base64,/9j/4AAQSkZJRgABAQAAAQABAAD/2wCEAAkGBhQQEBUQEBQSEBQQEhIQEBUQFhUQGRQVFRIVFRQXFBIXHSYeFxojGRcXIC8gIycpLDgsFR4xNTAqNSYrLCkBCQoKDgwOGg8PGiokHyQuLiksKi0sKSwsLCwsKSwsLywsLCkpKSwpLCwsLSksLCksKSksLCwsLCwsKTQpLCkpLP/AABEIARUAtgMBIgACEQEDEQH/xAAcAAEAAgIDAQAAAAAAAAAAAAAABgcFCAIDBAH/xABNEAABAwIDBAUGCQkGBQUAAAABAAIDBBEFEiEGBxMxIkFRYXEUUoGRobEIIzI1QnKCkrMVM1Nic3SDorIlk8HC0dMXJFSj8RZDRJTS/8QAGgEBAAMBAQEAAAAAAAAAAAAAAAIDBAEFBv/EAC0RAAICAQMCBAUEAwAAAAAAAAABAgMREiExBEEFE1FhIjJxobFCkdHwJHKB/9oADAMBAAIRAxEAPwC8UREAREQBERAEREAREQBERAEREAREQBERAEREAREQBERAEREAREQBERAERQzb3ePHhuWCJhqqyawgp2XJ10DpLahvYOZ6usgCUYnisVNGZaiRkMbebpHBo8Lnme5V9W77Y5HmLC6WpxFw0zNaYo/vEF3rAWJotgZq6QVmOSmok5x0zHWihB+jZvPwGmmpcpxS0rImCOJjY2N0DWAMA8ANFTK1LgtjW3yRJ20W0M/yIKGjaeXEcZHemznf0hdYftGNfKcPd3Fh/wBoKbXS6r82RZ5SIc3bTHafWooKarYOZpHlrvu5nH+ULK4Hvqopn8GqEuHTaDJVtytueyTkPtBqzl14MYwKCsZw6mJkzerMNW97XjVp8CpK71Iur0JlHIHAOaQ4OAIINwQeRBHMLkqXGHV2AEzYe59bRAl01JKbujF7l0RHvA8Q7mrN2T2up8TpxUUzrjk9rtHRutq17eo9/I9SvTT4KWmuTNoiLpwIiIAiIgCIiAIiIAiIgC6KysZDG+WVwYyNrnvc7k1rRck+hd6qbfntIWtiw5htxv8AmKn9kx1o2eDngn+GoyelZZ1LLwQnbTedVVchlilnpos2Wjhgc6Jx818pbq5x55eQuBrzU32F2QdTXrKxxmrqnpTPkOYxgj5DT220JHgNBrBN2OCirr3VMgvHRWyA8jM6+U+ixPiGq5syzOUsb9zSorOx25lFcb3n0NK/hulMsgNiynbxSD2F1w2/de6x+11fPWVceC0LjG+ZvErJR/7MPWNOVx4XzNH0lYWymw9JhsYZTRNDrWfK4B0jz1lz+foFh3KcK8rLIzsw8IheC70KGqkETZHwyE2ayobwiT1AOuW37r3Ulra9kMbpZntjYwXc55ygek+5ezbPYenxSB0UzGh+U8GYAZ43dRDuZF+beRVPbFYXPjVYyhxEkwYSHCoaCbzStkdGwPd18rX52Y7rddddK7EVb6kim3y0AcQ3yiRo5vZF0fW5wPsUkwHaqmrm5qWVslvlN1a5v1mOsR48lNqSgjijEUTGRsaLNYxoa0DsDRoq83gbsxY4jhTfJqynvJlhAa2do1c0xjTMRfx5G97jrqXY4rX3JFmVXbwNnZaAyYjhr5adstm10dO4x3aXX4jcvIX525XuOZUz2S2kbX0jKltml12ytH0JG/KHhyI7iFlpmB7Sx4DmuBa4HUEEWIPdZUJuLLmlJEE3Y7zXslZS1krpoKghtPNKcz4pD8lkjzq5jjoCdQe46XWFqbjOD+RVc9C65YDnhJ5mN2rde0Aj0grYXdftOa/DmPkOaaEmnqD2vYBZ32mFrvElaK5P5X/UU2RXKJciIrSoIiIAiIgCIiAIiIAtd997TFirpHPaRLTxFguCWZA4FhHMa9L7atDe1tXLQ0bWUulRWTNpoHeYXfKcO/kB3uv1KB4xu5paXDKmWQGpqhA+R08rnE8TmXNF9Nb87ntVc8YwycM5yjI7pqARYZG7rnfJM7vu7I3+Vo9qmOZR3YR39mUtv0Dfeb+1Z3Ms0uWaY8GA3QMEuI4tVO1eKhtO09jGmTQdxyN9StGqqWxMdI82bG1z3HnYNBJ08Aqe2fxluD41O2oIjpcVyyRynRrJm3uHnqF3OF/1mnle1xhwcLizg4XFtQQfeFsjwZJckR2C3mwYw6ZsLJYnQZTaXL0mOJDXAtJsbjUe9Q/c3i0cmLYsGEHjTunjI+kxs8oJHd02n0rv2w2hpcObJhuCRReW1pLHimAtFcEFz3DQOAJs3k25Jt1xt+zUuCilxCiHFfSMLK5jb/HRuJMhA7BcjuAYforjkk8BRb3LJwjerTVOKSYWxkrXxulY2RwGV74b8QAcxbK6xPO3gpqolsdU4bWudiNCyHjTC07gA2VpNrtkb9E35kc7XuVl9pNpoMPp3VFS8Ma0HKPpSOtoxjfpOP8A50UjhV2xsQgxLFaVmkbKoSsA5Nzl1wB4ED7IU0zKF7u6eR7ajEJxlkxGczhvmx3cWc+rpG3cGqX5ljs+ZmqHylX756MNmpaoaXD4HnuBDm/1OUu+D7TO4FVNmBZLNG1jQbm8cZDnEdQOYD7BWG3rsa9lG1wDg6tY0g9YIs4aLhtHsyMNviWEudSy0/TkjDnOjljB6TS0nlbW17adRsVbBpYbITTeUXsixuzmMispIapoyieJklueUuGrb9djcehZJXlAREQBERAEREAREQEH3t7KS11E11LrUUcramBvW8tvmaO+1iO9oHWq/wD/AF9T1dLLDM8U0r4pIpY5rsyvLS02J5jN6e0K+FhcY2Loqx2eppoJn+e5gzHsu8WJ9JUZRUiUZNFX7q8R4uGRtvcwufC7us7M3+VwUvzKFuoBg2NSUoAjpcRaJaW2jWyDQsHZrmFv1mdqkmJ4tFTRmWd4jaCBc3NyeQa0auPcAs1kcSNEH8JzxbCoqqIw1DBIw62PMHqLSNWnvCio3YRtBjjq66OI3vE2UZbHqGlreIK7zvKpuqOrcO0Q6e1wPsXNm8ikPyvKGfXgf/luoqTXDOuKfKMps/stTUIIp2AOI6b3HO9w73HkO4WCzGZQ+u2qw+pADqkxObfI9plpntvzs4tGncbjuXibWUg/O4tLMzzOOxlx2OMTQ4+ghdw3uxlLYyOJ7uqWWTjwmWkluSX0ruHc9fRtYeiy40e7enEomqZJ657fk+VPzgfZ6/AkjuXaNvaFgDWS3DQA0RRSuAA5AWZZdLt5NN1Mqn/VhP8AmITVJdxpj6EuumZRSn3i0rnAP40F9M08RY30uBIHibBSN84a0vJAaAXFx5BoFyb9llAkQXeNiTPLaCGRzWNjeamQuNgACA2578jl1YztG7Ef7Nw4GolqOg9zQckbCRnLndluZ5W77BZzd1stFjNRVYnWwtlgc4U1GyUG2VlrvA8A0eJf2K2cJwGnpG5KaGKBp5iJjWX73EauPitcYLbJmc+cHHZ3Bm0dJDStOYQRMivyzFo1dbqubn0rIoisKwiIgCIiAIiIAiIgCIvPV18cIBlkjiDjlaZHNYCewFx1PcgI7vF2JbilIYgck8R4tLJyySDqJGoa7kfQepUZje0Mkxp6era6KqpJJoqhjha7uGA2QdWtj67jQhXhi+9bDKa4kq4nuH0Yc05v2fFggekhVBvJ26w/E3xy00FQ2pjewCdzWxtczNYteASXc9DzHhooWQ1xZOuWmSPNs3hUdXUPimkkZkYx8TI3CPiC5DyXc9DbQdqzj9k6DNw+NNFJ5r53Md4hsnMd4uFD3E3a9jjG+M5o3t0LT3d3aOSklPtnFMzg4nC1w/SBnFjPeWWLoz4X8QvPplFxSNtsZJ5PZJu6BF4qqb+IyOcesBq6W7uZr61TQP1afX2vXmk2dwmXpRVDYb6/FVAFvsvJsusbHYfzNfKR2Gpi/wBFfoj6fYq1y/rModgoYxeeqn053fHAP6bj1rlTbGUUwJikqHjlnbM8tv3OPRd6LrwR02D0vSzRzvHIOcat1+5guPWF4sc2ulqm8KJppoCLOvpJI3zdNI29w1UZaYo6tUmYid7W8ZrXmWKN8jI3utd7GjmbaHW4uOdlIKB02KMpsHpCbCGH8oT8xEwNF2X6yOVusi3LMopiZDYHAaCzW9EcgXAaDwVk7B708Hw6AU8cVVTXN5ZJY2yGR1vlPcw3PgBYdQUulhqUppbZOdRJrEfYt7BsIjpII6aBuWOFgYwdw6yesk3JPaSvao1he8nDqn81WQEnk17uC77sgafYs/S1bJWCSJ7ZGO+S5jg9p1to4aFbDIdyIiAIiIAiIgCIiAIi+IDHbRY/FQ00lVObMibc25uPJrWjrcTYDxWrG2u0tRichq6lxALssEQN2xRm9gB26C55nn2ATbfNtZ5dXCgjPxFEby25Pn5H7o6PjnVfYz+bH1m+4r1ul6HXRO+fZbfyVylvg+x07W8mj3+9Kh3Rv5pa71OBK5XS6+nlRCVTrSwmsFKbTyZNslxcag6hfcyw7WFvyHFndzH3SuwVUg8x3ravgr/AeqrfwrUvY9aHWQa3Mi5jTzDT4gFceAzzWfdC9WzOCVWIvkZSxMcYQ10hdIGAZj0RcjU6HTuUg/4V4n+hh/8AsM/0XmPprovDX3LfPrZGG2HIAeGi5Zl5cUbPTTyU0sbWSQuyvBfmGouCCBqCLG/evIZ5D9Jrfqi/tK1U+E9Vesxjt6kX1Vce56cUf8Xl63OaB6HAn2BdR1XS2PW5Jce12p9HYud19r4R4e+iqcZvLe55nUXebLKOqalYQeiOR5adXcpDu128lwmRryXSUkzrVEXPLrbiRjqcPbax6iMDIdD4H3L5hjQYQ06g5gfWpdV0Vd9qglh6W/8AuUVxk0jb6kq2SxtljcHska17HNNw5rhcEHsIXcqZ3D7XkZ8Jndcxh0tIT1svd8Y8L5gO93YrmXyc4OEnGXKNAREUQEREAREQBR3b/acYdh81VcZ2tyQg9cr+izTrseke5pUiVEb/ALH+NVwYe03bA3yicDz36MB7wzX+IrK63ZNQXc43grajaQ27iS55L3k6kk66ntXRi5+L+0PcV6cy8eKH4v7Q/wAV9r1EFV0koR4SMyeZHddLrhdLrQnscOd0uuF11zSWFxpy1PV3qNliri5PhBLJON1W2kWH1E0NQ4RsquG5sh5NezMAHnqBDjr3BW3V7bU0UfFfUQtba9w9rr+AaSSe4Ly7H7u6WipTE5kdU+cA1EkrGvEnWA1rr2YOoek93rpd3mGxP4jKOnDgbjMHPAPcx5LR6l8LdNTslJLl5NSWEUHtNtAK+vnq2jK2QsZGDzyMYGNLh1EgXWOzK398Gw0DoJMTiLaeaFoMoA6M4uGgOA5PuQA7r6+0U412i+l8KvjKry0t0U2LfJ2Zl9uuu6XXsZKzlIdD4H3L5hbvih4n3ri86HwPuXzDnfFj0+9Zs/5Mf9X+Ud/Se6DEn0s8VZD+cppGyDquAdWnuIuD3Era/B8UZVU8VREbsmjbIzwcL2PeOR7wtSnaix69FdHwfdoeJSy0Dz0qSTPHf9FJc2Hg8O++F4njVGmxWrvz9S2t7YLZREXgloREQBERAfHOAFzoBzWo+N4z5bW1NYeU8ziy/UwGzB90N9S2T3l4r5LhNXKDY8F0bT+tLaNvtctWaYWaB3e9ev4RXqv1Psiux7HpzLxYnJoG9pv6v/K9GZeeekc9sko+TDwmHxkLrf0uXteJ3aKGvXYrgtzuul1wul1sT2IHO64yi4I7Qvl0uuSSknF9zpsRu7x3ynDKeQm7mRiGT60XQ18QAfSpJx1S+5nHuHLNROOkv/MQ/WaLSAeLbH7Ctjjr4e2Drm4vsaU8kK33YtloY6cHWpnbcfqRjMf5snqVN3Ut3r4z5RiPCBu2kjEf8R/Sf7Mo+yofdfReE16anP1f4KbHvg53S64XS69jJWcnnQ+B9y4Ye/oW7CUcdD4FdFFobHrAcFhtt0dVX7pr8E0vhZkMylG6nG/JMZgJNmVQNLJ9v5H84Z7VEsy4uqDGWysNnRPbI09haQR7bKXiMPM6eXtv+wg8M3LC+rzYbWtnhjmZ8maNkrfB7Q4ewr0r400BERAEREBV3wha4swtkYNuPVRNI7WtY95/mDVQeZXT8JB3xFGOrjyH1Mbb3lUjmX0Hg+ym/oVWHbmUgp8Pts/UVP6bE6eIeEUEjvfL7FGXSWVtUmyNRWbJ08VJEZJX1bqlzbtYS0PmZmBeQDpl61Hxa1PTFMVoqi6XTEYJKaV8E7DHJGcr2m12m1+rxXnFSF6Eeuof6iGlnoul10icdq+8YdoV66ip8SX7nMM9dFiD6eWOoi0fC8Pb325g9xGnpV2y7awigNe03Zku1pOvE5CM9+bQ92qojijtCcbo5M5yZs+TN0c1rZsvK9tLryet6aN01OEl77/csi8bHdJO6RzpJDd8jnSPPa5xuVxuuvijtC+cYdq9OudVUFFSWF7kHlnbdLrpNQO1cTVDvR9ZTHmSGlnocdD4FZXFcODKLDqgacaOqid3mKqebn0SAfZXiwHBqivlMFJEZpMheWgtbZoIBJLiABcjr61O9u9l5qHAMPjqWZJIaqoDwCH5RKXPF3NuOTQvH6zq6521yg+CyMXh5K9zLjKbtI7lwD7oXL3ZyU4P6FS5Npd0tbxsGpHE3LYjEf4b3MHsAUvVf7ij/YsPdJUAf3zlYC+INIREQBERAQbevsFJi9NFHA+OOSGbiDi3ylpaWuF2gkHkeXUqa2C3aNxGn8plqHxt4jo8kbAScoab5ybDnyy9S2eVHbBHySevw86eTVj3sH6j9AfUxvrXJWThF6XgnBJvc5f8KcMdFJDHI4yi7eKZQ90bx2xtIHcQR6lnNg9t56apjwfFA0vLctFUR2yytaOi11uuwtfQ30IubmjKiljpq6Vs7TJHFO9r2Nfw3lmY2LH2OtrHrWw+xe7DDYXQ4hTCWYujbLA+ofnyh7bhwaABmseu9vFRin3eRJr0KJ3s/PVZ+2H4bVEVLt7Pz1Wfth+G1RFTIBERAEREAREQH26+IiAtL4O3zrJ+5y/iwqU7U7UTY9LJQURbDQRPyVVS+xdKWm9owerTS3PQkgGyi3wdfnWT9zl/FhU42+3Z4VRwT4jIyeMDpcKnlyNfI91mtaCDlBcerQC+mllxnUYer3W4Y/LEx74pMumSZrnPyjVxY69z1m1goZtFuzdT1VLTQT8Q10hhZxW5Mhu0DMWk3HS6h1LG7B0gfikLgAAwvns0l2UNDi1pd1m+UHx9CsuFnlm0VDCNW0UclVJ3GxLf5hF95RhOcJYUmWNJxzgsjd7su7DcOipHubI9mdz3MvlzPeXEC+pAva/cpGvgX1TKgiIgCIiAKmN5tL+TsYhxEaQV0fk1QepsjQA1x7OiGH7Dlc6xu0Gz8NdTupqlgkjfzHIgjk5rupw7VxrKwdTw8mr+1LInV9U17XvdIxhi4QzESljDy7Dc3Wxu7mKZmFUrKpnDlZC1jmkZS1rbiPM3qdky3Havmxm72lwpr/Jg9z5SM8kpD3kD5LQQAABc8gpKiWEG8mpe9n56rP2w/DaoipdvZ+eqz9sPw2qIrpwIiIAu3yc5OJ9EODPSQT7gupSRtD/Yrp7c8RbFfwpnO/zICNoiIAiIgLS+Dr87Sfucv4sKs3fpTzyYUWQMdI3jRuqcjc7mxNu7M1vc4NuR1d11WXwdfnaT9zl/FhWyKA1a2MngjrJ5I7xRR0wtxNCAMmcu77hWduQwt0rqrFpRY1b+DT35iKM6nwJDR/DKk21e6qixKdtRO2RsgAa8wu4fEaDcCQW1t2ix9QtKqGhZBGyGFojjjaGMa3QNaBYAKKjh5JOW2DvREUiIREQBERAEREAREQGpW9n56rP2w/DaoipdvZ+eqz9sPw2qIoAiIgCsZ9BbZIP87FeJ6OCYve1VyrrqsPtsSwnqkbN96tLfc5AUoiIgCIiAtL4OvztJ+5y/iwrZFa3fB1+dpP3OX8WFbIoAiIgCIiAIiIAiIgCIiAIiIDUrez89Vn7YfhtURUu3s/PVZ+2H4bVEUAREQBbG4vh1tjgzsoqeX/uRyrXJbY7TYfk2emgt+bw7J/dwD/8AKA1PK+L6V8QBERAWl8HX52k/c5fxYVsitbvg6/O0n7nL+LCtkUAREQBERAEREAREQBERAERY3HtoIKGE1FVI2KNul3cyeprGjVzu4IDVzez89Vn7YfhtURUs2qzYpiFRV07HNinkzMMtmaBobrqezquumPYl1ulK0H9Vpd7SQoucVyySg2RlFJpdiXD5MrT9Zpb7RdYevwaWHV7dPOb0h6xyRTi+GHFrk6cPpuJLHH+kexn3nAf4rcbaiHNQVLPOpZ2/9py1N2HpuJidGzzqqD2StP8AgtwayHPG9nnsc37zSP8AFSImkSL6QsjQ4BNMLtblafpP6I9HWfQuNpcnUm+DGopPHsSbdKVoPc0u9pIXGbYpwHQkY76wLfddR8yPqS8uXoS34OvztJ+5y/iwrZFau7tMaGCYh5RWMk4UkL4C+IB4aXPjcHHXUdHlz15FbLYVi0VVE2enkbNG8Xa5huD2juI6wdVJPJDGD2IiLoCIiAIiIAiIgCIiA6K2rbDG+WQ5WRsdI9x6mtBLj6gtZ8d2hkxiqNXUX4LCW0kJ+SxgPMjkXHrPWe4AK7N8U7mYJVll7lkbDbXovmY13oykrXijxSMMa0OAs0DW41tr7VVa2lsWVpN7meEycdYkYkzz2/eC+/lBnnN+8FkwzVlGV46+OluLHUHQg63WL/KLPPb94LicVjH02+u6YYyjtwnh0GI01aQeDHOx0gGuTXmO4c7dy2fxfGI6amkqpD8XDGZSRY3AFxl7SdAPELU7EsVjfG5ma5I0sDz5hWztnUzO2Qp+i67o6Ns1wRaNp6JPddseveO1bK22tzLYlnYqnBMKa48eRvyiTGw6gC/M9vcpDx1gocaisAHWAAAuCOQsu4YpGfpt9dlmnqb3L4aUtjL8dOOsV+UWee37w/1T8oM85v3h/qoYZPKMo6UEWOoOhB1v4hd2yG1T8Fq2yNJNHO8NqotSGX0EjB2jn3gEdlsIcSZ57fWCvHiWJxuic3MCSNAL8+Y9qsrckyE0mjbyN4cAQQQQCCNbg8iFyUc3dvecKozKCHeSwg30Ng0Bt/sgKRrYZAiIgCIiAIiIAiIgOMkQcC1wDg4EODhcEHmCDzCwVXsFh8pvJRUrj28JgPrACz6ICHy7osKdzoox9V0jf6XBdP8AwXwj/o2/3tR/uKbIgIYzc7hI5UbPS+Y+969cO7DDGcqGnP1mZ/6rqUIgMXSbLUkX5qlpo7cskUYPrssk5gIsQCCLEHlbwXJEBiKvZGil/OUlM+/PNDGfbZYybdbhb+dFTj6rSz+khSpEBC3bm8JP/wANnokmHueuI3L4T/0bf72o/wBxTZEBEIt0mFN5UUR+sZH/ANTisnR7EUEJvHR0rD2iJl/WQs4iAIiIAiIgCIiAIiIAiIgCIiAIiIAiIgCIiAIiIAiIgCIiAIiIAiIgCIiA/9k="/>
+          <p:cNvSpPr>
+            <a:spLocks noChangeAspect="1" noChangeArrowheads="1"/>
+          </p:cNvSpPr>
+          <p:nvPr/>
+        </p:nvSpPr>
+        <p:spPr bwMode="auto">
+          <a:xfrm>
+            <a:off x="155575" y="-144463"/>
+            <a:ext cx="304800" cy="304801"/>
+          </a:xfrm>
+          <a:prstGeom prst="rect">
+            <a:avLst/>
+          </a:prstGeom>
+          <a:noFill/>
+        </p:spPr>
+        <p:txBody>
+          <a:bodyPr vert="horz" wrap="square" lIns="91440" tIns="45720" rIns="91440" bIns="45720" numCol="1" anchor="t" anchorCtr="0" compatLnSpc="1">
+            <a:prstTxWarp prst="textNoShape">
+              <a:avLst/>
+            </a:prstTxWarp>
+          </a:bodyPr>
+          <a:lstStyle/>
+          <a:p>
+            <a:endParaRPr lang="en-US"/>
           </a:p>
         </p:txBody>
       </p:sp>
@@ -4594,6 +4744,674 @@
 </file>
 
 <file path=ppt/slides/slide6.xml><?xml version="1.0" encoding="utf-8"?>
+<p:sld xmlns:a="http://schemas.openxmlformats.org/drawingml/2006/main" xmlns:r="http://schemas.openxmlformats.org/officeDocument/2006/relationships" xmlns:p="http://schemas.openxmlformats.org/presentationml/2006/main">
+  <p:cSld>
+    <p:spTree>
+      <p:nvGrpSpPr>
+        <p:cNvPr id="1" name=""/>
+        <p:cNvGrpSpPr/>
+        <p:nvPr/>
+      </p:nvGrpSpPr>
+      <p:grpSpPr>
+        <a:xfrm>
+          <a:off x="0" y="0"/>
+          <a:ext cx="0" cy="0"/>
+          <a:chOff x="0" y="0"/>
+          <a:chExt cx="0" cy="0"/>
+        </a:xfrm>
+      </p:grpSpPr>
+      <p:sp>
+        <p:nvSpPr>
+          <p:cNvPr id="2" name="Title 1"/>
+          <p:cNvSpPr>
+            <a:spLocks noGrp="1"/>
+          </p:cNvSpPr>
+          <p:nvPr>
+            <p:ph type="title"/>
+          </p:nvPr>
+        </p:nvSpPr>
+        <p:spPr>
+          <a:xfrm>
+            <a:off x="457200" y="533400"/>
+            <a:ext cx="8229600" cy="1143000"/>
+          </a:xfrm>
+          <a:ln>
+            <a:solidFill>
+              <a:schemeClr val="bg1">
+                <a:lumMod val="95000"/>
+              </a:schemeClr>
+            </a:solidFill>
+          </a:ln>
+        </p:spPr>
+        <p:txBody>
+          <a:bodyPr>
+            <a:normAutofit/>
+          </a:bodyPr>
+          <a:lstStyle/>
+          <a:p>
+            <a:r>
+              <a:rPr lang="en-US" sz="3600" dirty="0" smtClean="0">
+                <a:solidFill>
+                  <a:schemeClr val="accent1"/>
+                </a:solidFill>
+              </a:rPr>
+              <a:t>JMS elements</a:t>
+            </a:r>
+            <a:endParaRPr lang="en-US" sz="3600" dirty="0">
+              <a:solidFill>
+                <a:schemeClr val="accent1"/>
+              </a:solidFill>
+            </a:endParaRPr>
+          </a:p>
+        </p:txBody>
+      </p:sp>
+      <p:sp>
+        <p:nvSpPr>
+          <p:cNvPr id="3" name="Content Placeholder 2"/>
+          <p:cNvSpPr>
+            <a:spLocks noGrp="1"/>
+          </p:cNvSpPr>
+          <p:nvPr>
+            <p:ph idx="1"/>
+          </p:nvPr>
+        </p:nvSpPr>
+        <p:spPr>
+          <a:xfrm>
+            <a:off x="457200" y="1905000"/>
+            <a:ext cx="8153400" cy="4419600"/>
+          </a:xfrm>
+        </p:spPr>
+        <p:txBody>
+          <a:bodyPr>
+            <a:normAutofit/>
+          </a:bodyPr>
+          <a:lstStyle/>
+          <a:p>
+            <a:endParaRPr lang="en-US" sz="2400" dirty="0" smtClean="0"/>
+          </a:p>
+          <a:p>
+            <a:endParaRPr lang="en-US" sz="2400" dirty="0" smtClean="0"/>
+          </a:p>
+          <a:p>
+            <a:endParaRPr lang="en-US" sz="2400" dirty="0" smtClean="0"/>
+          </a:p>
+          <a:p>
+            <a:endParaRPr lang="en-US" sz="2400" dirty="0" smtClean="0"/>
+          </a:p>
+          <a:p>
+            <a:endParaRPr lang="en-US" sz="2400" dirty="0" smtClean="0"/>
+          </a:p>
+          <a:p>
+            <a:endParaRPr lang="en-US" sz="2400" dirty="0" smtClean="0"/>
+          </a:p>
+          <a:p>
+            <a:pPr>
+              <a:buNone/>
+            </a:pPr>
+            <a:endParaRPr lang="en-US" sz="2400" dirty="0" smtClean="0"/>
+          </a:p>
+          <a:p>
+            <a:pPr>
+              <a:buNone/>
+            </a:pPr>
+            <a:endParaRPr lang="en-US" sz="2400" dirty="0" smtClean="0"/>
+          </a:p>
+        </p:txBody>
+      </p:sp>
+      <p:sp>
+        <p:nvSpPr>
+          <p:cNvPr id="4" name="Rectangle 3"/>
+          <p:cNvSpPr/>
+          <p:nvPr/>
+        </p:nvSpPr>
+        <p:spPr>
+          <a:xfrm>
+            <a:off x="457200" y="1828800"/>
+            <a:ext cx="8153400" cy="381000"/>
+          </a:xfrm>
+          <a:prstGeom prst="rect">
+            <a:avLst/>
+          </a:prstGeom>
+          <a:ln>
+            <a:solidFill>
+              <a:schemeClr val="bg1">
+                <a:lumMod val="95000"/>
+              </a:schemeClr>
+            </a:solidFill>
+          </a:ln>
+        </p:spPr>
+        <p:style>
+          <a:lnRef idx="2">
+            <a:schemeClr val="accent1"/>
+          </a:lnRef>
+          <a:fillRef idx="1">
+            <a:schemeClr val="lt1"/>
+          </a:fillRef>
+          <a:effectRef idx="0">
+            <a:schemeClr val="accent1"/>
+          </a:effectRef>
+          <a:fontRef idx="minor">
+            <a:schemeClr val="dk1"/>
+          </a:fontRef>
+        </p:style>
+        <p:txBody>
+          <a:bodyPr rtlCol="0" anchor="ctr"/>
+          <a:lstStyle/>
+          <a:p>
+            <a:pPr>
+              <a:buFont typeface="Arial" pitchFamily="34" charset="0"/>
+              <a:buChar char="•"/>
+            </a:pPr>
+            <a:endParaRPr lang="en-US" sz="2400" dirty="0" smtClean="0"/>
+          </a:p>
+          <a:p>
+            <a:pPr>
+              <a:buFont typeface="Arial" pitchFamily="34" charset="0"/>
+              <a:buChar char="•"/>
+            </a:pPr>
+            <a:r>
+              <a:rPr lang="en-US" sz="2400" dirty="0" smtClean="0"/>
+              <a:t>JMS </a:t>
+            </a:r>
+            <a:r>
+              <a:rPr lang="en-US" sz="2400" dirty="0" smtClean="0"/>
+              <a:t>provider</a:t>
+            </a:r>
+          </a:p>
+          <a:p>
+            <a:pPr>
+              <a:buFont typeface="Arial" pitchFamily="34" charset="0"/>
+              <a:buChar char="•"/>
+            </a:pPr>
+            <a:endParaRPr lang="en-US" sz="2400" dirty="0"/>
+          </a:p>
+        </p:txBody>
+      </p:sp>
+      <p:sp>
+        <p:nvSpPr>
+          <p:cNvPr id="2050" name="AutoShape 2" descr="data:image/jpeg;base64,/9j/4AAQSkZJRgABAQAAAQABAAD/2wCEAAkGBhQQEBUQEBQSEBQQEhIQEBUQFhUQGRQVFRIVFRQXFBIXHSYeFxojGRcXIC8gIycpLDgsFR4xNTAqNSYrLCkBCQoKDgwOGg8PGiokHyQuLiksKi0sKSwsLCwsKSwsLywsLCkpKSwpLCwsLSksLCksKSksLCwsLCwsKTQpLCkpLP/AABEIARUAtgMBIgACEQEDEQH/xAAcAAEAAgIDAQAAAAAAAAAAAAAABgcFCAIDBAH/xABNEAABAwIDBAUGCQkGBQUAAAABAAIDBBEFEiEGBxMxIkFRYXEUUoGRobEIIzI1QnKCkrMVM1Nic3SDorIlk8HC0dMXJFSj8RZDRJTS/8QAGgEBAAMBAQEAAAAAAAAAAAAAAAIDBAEFBv/EAC0RAAICAQMCBAUEAwAAAAAAAAABAgMREiExBEEFE1FhIjJxobFCkdHwJHKB/9oADAMBAAIRAxEAPwC8UREAREQBERAEREAREQBERAEREAREQBERAEREAREQBERAEREAREQBERAERQzb3ePHhuWCJhqqyawgp2XJ10DpLahvYOZ6usgCUYnisVNGZaiRkMbebpHBo8Lnme5V9W77Y5HmLC6WpxFw0zNaYo/vEF3rAWJotgZq6QVmOSmok5x0zHWihB+jZvPwGmmpcpxS0rImCOJjY2N0DWAMA8ANFTK1LgtjW3yRJ20W0M/yIKGjaeXEcZHemznf0hdYftGNfKcPd3Fh/wBoKbXS6r82RZ5SIc3bTHafWooKarYOZpHlrvu5nH+ULK4Hvqopn8GqEuHTaDJVtytueyTkPtBqzl14MYwKCsZw6mJkzerMNW97XjVp8CpK71Iur0JlHIHAOaQ4OAIINwQeRBHMLkqXGHV2AEzYe59bRAl01JKbujF7l0RHvA8Q7mrN2T2up8TpxUUzrjk9rtHRutq17eo9/I9SvTT4KWmuTNoiLpwIiIAiIgCIiAIiIAiIgC6KysZDG+WVwYyNrnvc7k1rRck+hd6qbfntIWtiw5htxv8AmKn9kx1o2eDngn+GoyelZZ1LLwQnbTedVVchlilnpos2Wjhgc6Jx818pbq5x55eQuBrzU32F2QdTXrKxxmrqnpTPkOYxgj5DT220JHgNBrBN2OCirr3VMgvHRWyA8jM6+U+ixPiGq5syzOUsb9zSorOx25lFcb3n0NK/hulMsgNiynbxSD2F1w2/de6x+11fPWVceC0LjG+ZvErJR/7MPWNOVx4XzNH0lYWymw9JhsYZTRNDrWfK4B0jz1lz+foFh3KcK8rLIzsw8IheC70KGqkETZHwyE2ayobwiT1AOuW37r3Ulra9kMbpZntjYwXc55ygek+5ezbPYenxSB0UzGh+U8GYAZ43dRDuZF+beRVPbFYXPjVYyhxEkwYSHCoaCbzStkdGwPd18rX52Y7rddddK7EVb6kim3y0AcQ3yiRo5vZF0fW5wPsUkwHaqmrm5qWVslvlN1a5v1mOsR48lNqSgjijEUTGRsaLNYxoa0DsDRoq83gbsxY4jhTfJqynvJlhAa2do1c0xjTMRfx5G97jrqXY4rX3JFmVXbwNnZaAyYjhr5adstm10dO4x3aXX4jcvIX525XuOZUz2S2kbX0jKltml12ytH0JG/KHhyI7iFlpmB7Sx4DmuBa4HUEEWIPdZUJuLLmlJEE3Y7zXslZS1krpoKghtPNKcz4pD8lkjzq5jjoCdQe46XWFqbjOD+RVc9C65YDnhJ5mN2rde0Aj0grYXdftOa/DmPkOaaEmnqD2vYBZ32mFrvElaK5P5X/UU2RXKJciIrSoIiIAiIgCIiAIiIAtd997TFirpHPaRLTxFguCWZA4FhHMa9L7atDe1tXLQ0bWUulRWTNpoHeYXfKcO/kB3uv1KB4xu5paXDKmWQGpqhA+R08rnE8TmXNF9Nb87ntVc8YwycM5yjI7pqARYZG7rnfJM7vu7I3+Vo9qmOZR3YR39mUtv0Dfeb+1Z3Ms0uWaY8GA3QMEuI4tVO1eKhtO09jGmTQdxyN9StGqqWxMdI82bG1z3HnYNBJ08Aqe2fxluD41O2oIjpcVyyRynRrJm3uHnqF3OF/1mnle1xhwcLizg4XFtQQfeFsjwZJckR2C3mwYw6ZsLJYnQZTaXL0mOJDXAtJsbjUe9Q/c3i0cmLYsGEHjTunjI+kxs8oJHd02n0rv2w2hpcObJhuCRReW1pLHimAtFcEFz3DQOAJs3k25Jt1xt+zUuCilxCiHFfSMLK5jb/HRuJMhA7BcjuAYforjkk8BRb3LJwjerTVOKSYWxkrXxulY2RwGV74b8QAcxbK6xPO3gpqolsdU4bWudiNCyHjTC07gA2VpNrtkb9E35kc7XuVl9pNpoMPp3VFS8Ma0HKPpSOtoxjfpOP8A50UjhV2xsQgxLFaVmkbKoSsA5Nzl1wB4ED7IU0zKF7u6eR7ajEJxlkxGczhvmx3cWc+rpG3cGqX5ljs+ZmqHylX756MNmpaoaXD4HnuBDm/1OUu+D7TO4FVNmBZLNG1jQbm8cZDnEdQOYD7BWG3rsa9lG1wDg6tY0g9YIs4aLhtHsyMNviWEudSy0/TkjDnOjljB6TS0nlbW17adRsVbBpYbITTeUXsixuzmMispIapoyieJklueUuGrb9djcehZJXlAREQBERAEREAREQEH3t7KS11E11LrUUcramBvW8tvmaO+1iO9oHWq/wD/AF9T1dLLDM8U0r4pIpY5rsyvLS02J5jN6e0K+FhcY2Loqx2eppoJn+e5gzHsu8WJ9JUZRUiUZNFX7q8R4uGRtvcwufC7us7M3+VwUvzKFuoBg2NSUoAjpcRaJaW2jWyDQsHZrmFv1mdqkmJ4tFTRmWd4jaCBc3NyeQa0auPcAs1kcSNEH8JzxbCoqqIw1DBIw62PMHqLSNWnvCio3YRtBjjq66OI3vE2UZbHqGlreIK7zvKpuqOrcO0Q6e1wPsXNm8ikPyvKGfXgf/luoqTXDOuKfKMps/stTUIIp2AOI6b3HO9w73HkO4WCzGZQ+u2qw+pADqkxObfI9plpntvzs4tGncbjuXibWUg/O4tLMzzOOxlx2OMTQ4+ghdw3uxlLYyOJ7uqWWTjwmWkluSX0ruHc9fRtYeiy40e7enEomqZJ657fk+VPzgfZ6/AkjuXaNvaFgDWS3DQA0RRSuAA5AWZZdLt5NN1Mqn/VhP8AmITVJdxpj6EuumZRSn3i0rnAP40F9M08RY30uBIHibBSN84a0vJAaAXFx5BoFyb9llAkQXeNiTPLaCGRzWNjeamQuNgACA2578jl1YztG7Ef7Nw4GolqOg9zQckbCRnLndluZ5W77BZzd1stFjNRVYnWwtlgc4U1GyUG2VlrvA8A0eJf2K2cJwGnpG5KaGKBp5iJjWX73EauPitcYLbJmc+cHHZ3Bm0dJDStOYQRMivyzFo1dbqubn0rIoisKwiIgCIiAIiIAiIgCIvPV18cIBlkjiDjlaZHNYCewFx1PcgI7vF2JbilIYgck8R4tLJyySDqJGoa7kfQepUZje0Mkxp6era6KqpJJoqhjha7uGA2QdWtj67jQhXhi+9bDKa4kq4nuH0Yc05v2fFggekhVBvJ26w/E3xy00FQ2pjewCdzWxtczNYteASXc9DzHhooWQ1xZOuWmSPNs3hUdXUPimkkZkYx8TI3CPiC5DyXc9DbQdqzj9k6DNw+NNFJ5r53Md4hsnMd4uFD3E3a9jjG+M5o3t0LT3d3aOSklPtnFMzg4nC1w/SBnFjPeWWLoz4X8QvPplFxSNtsZJ5PZJu6BF4qqb+IyOcesBq6W7uZr61TQP1afX2vXmk2dwmXpRVDYb6/FVAFvsvJsusbHYfzNfKR2Gpi/wBFfoj6fYq1y/rModgoYxeeqn053fHAP6bj1rlTbGUUwJikqHjlnbM8tv3OPRd6LrwR02D0vSzRzvHIOcat1+5guPWF4sc2ulqm8KJppoCLOvpJI3zdNI29w1UZaYo6tUmYid7W8ZrXmWKN8jI3utd7GjmbaHW4uOdlIKB02KMpsHpCbCGH8oT8xEwNF2X6yOVusi3LMopiZDYHAaCzW9EcgXAaDwVk7B708Hw6AU8cVVTXN5ZJY2yGR1vlPcw3PgBYdQUulhqUppbZOdRJrEfYt7BsIjpII6aBuWOFgYwdw6yesk3JPaSvao1he8nDqn81WQEnk17uC77sgafYs/S1bJWCSJ7ZGO+S5jg9p1to4aFbDIdyIiAIiIAiIgCIiAIi+IDHbRY/FQ00lVObMibc25uPJrWjrcTYDxWrG2u0tRichq6lxALssEQN2xRm9gB26C55nn2ATbfNtZ5dXCgjPxFEby25Pn5H7o6PjnVfYz+bH1m+4r1ul6HXRO+fZbfyVylvg+x07W8mj3+9Kh3Rv5pa71OBK5XS6+nlRCVTrSwmsFKbTyZNslxcag6hfcyw7WFvyHFndzH3SuwVUg8x3ravgr/AeqrfwrUvY9aHWQa3Mi5jTzDT4gFceAzzWfdC9WzOCVWIvkZSxMcYQ10hdIGAZj0RcjU6HTuUg/4V4n+hh/8AsM/0XmPprovDX3LfPrZGG2HIAeGi5Zl5cUbPTTyU0sbWSQuyvBfmGouCCBqCLG/evIZ5D9Jrfqi/tK1U+E9Vesxjt6kX1Vce56cUf8Xl63OaB6HAn2BdR1XS2PW5Jce12p9HYud19r4R4e+iqcZvLe55nUXebLKOqalYQeiOR5adXcpDu128lwmRryXSUkzrVEXPLrbiRjqcPbax6iMDIdD4H3L5hjQYQ06g5gfWpdV0Vd9qglh6W/8AuUVxk0jb6kq2SxtljcHska17HNNw5rhcEHsIXcqZ3D7XkZ8Jndcxh0tIT1svd8Y8L5gO93YrmXyc4OEnGXKNAREUQEREAREQBR3b/acYdh81VcZ2tyQg9cr+izTrseke5pUiVEb/ALH+NVwYe03bA3yicDz36MB7wzX+IrK63ZNQXc43grajaQ27iS55L3k6kk66ntXRi5+L+0PcV6cy8eKH4v7Q/wAV9r1EFV0koR4SMyeZHddLrhdLrQnscOd0uuF11zSWFxpy1PV3qNliri5PhBLJON1W2kWH1E0NQ4RsquG5sh5NezMAHnqBDjr3BW3V7bU0UfFfUQtba9w9rr+AaSSe4Ly7H7u6WipTE5kdU+cA1EkrGvEnWA1rr2YOoek93rpd3mGxP4jKOnDgbjMHPAPcx5LR6l8LdNTslJLl5NSWEUHtNtAK+vnq2jK2QsZGDzyMYGNLh1EgXWOzK398Gw0DoJMTiLaeaFoMoA6M4uGgOA5PuQA7r6+0U412i+l8KvjKry0t0U2LfJ2Zl9uuu6XXsZKzlIdD4H3L5hbvih4n3ri86HwPuXzDnfFj0+9Zs/5Mf9X+Ud/Se6DEn0s8VZD+cppGyDquAdWnuIuD3Era/B8UZVU8VREbsmjbIzwcL2PeOR7wtSnaix69FdHwfdoeJSy0Dz0qSTPHf9FJc2Hg8O++F4njVGmxWrvz9S2t7YLZREXgloREQBERAfHOAFzoBzWo+N4z5bW1NYeU8ziy/UwGzB90N9S2T3l4r5LhNXKDY8F0bT+tLaNvtctWaYWaB3e9ev4RXqv1Psiux7HpzLxYnJoG9pv6v/K9GZeeekc9sko+TDwmHxkLrf0uXteJ3aKGvXYrgtzuul1wul1sT2IHO64yi4I7Qvl0uuSSknF9zpsRu7x3ynDKeQm7mRiGT60XQ18QAfSpJx1S+5nHuHLNROOkv/MQ/WaLSAeLbH7Ctjjr4e2Drm4vsaU8kK33YtloY6cHWpnbcfqRjMf5snqVN3Ut3r4z5RiPCBu2kjEf8R/Sf7Mo+yofdfReE16anP1f4KbHvg53S64XS69jJWcnnQ+B9y4Ye/oW7CUcdD4FdFFobHrAcFhtt0dVX7pr8E0vhZkMylG6nG/JMZgJNmVQNLJ9v5H84Z7VEsy4uqDGWysNnRPbI09haQR7bKXiMPM6eXtv+wg8M3LC+rzYbWtnhjmZ8maNkrfB7Q4ewr0r400BERAEREBV3wha4swtkYNuPVRNI7WtY95/mDVQeZXT8JB3xFGOrjyH1Mbb3lUjmX0Hg+ym/oVWHbmUgp8Pts/UVP6bE6eIeEUEjvfL7FGXSWVtUmyNRWbJ08VJEZJX1bqlzbtYS0PmZmBeQDpl61Hxa1PTFMVoqi6XTEYJKaV8E7DHJGcr2m12m1+rxXnFSF6Eeuof6iGlnoul10icdq+8YdoV66ip8SX7nMM9dFiD6eWOoi0fC8Pb325g9xGnpV2y7awigNe03Zku1pOvE5CM9+bQ92qojijtCcbo5M5yZs+TN0c1rZsvK9tLryet6aN01OEl77/csi8bHdJO6RzpJDd8jnSPPa5xuVxuuvijtC+cYdq9OudVUFFSWF7kHlnbdLrpNQO1cTVDvR9ZTHmSGlnocdD4FZXFcODKLDqgacaOqid3mKqebn0SAfZXiwHBqivlMFJEZpMheWgtbZoIBJLiABcjr61O9u9l5qHAMPjqWZJIaqoDwCH5RKXPF3NuOTQvH6zq6521yg+CyMXh5K9zLjKbtI7lwD7oXL3ZyU4P6FS5Npd0tbxsGpHE3LYjEf4b3MHsAUvVf7ij/YsPdJUAf3zlYC+INIREQBERAQbevsFJi9NFHA+OOSGbiDi3ylpaWuF2gkHkeXUqa2C3aNxGn8plqHxt4jo8kbAScoab5ybDnyy9S2eVHbBHySevw86eTVj3sH6j9AfUxvrXJWThF6XgnBJvc5f8KcMdFJDHI4yi7eKZQ90bx2xtIHcQR6lnNg9t56apjwfFA0vLctFUR2yytaOi11uuwtfQ30IubmjKiljpq6Vs7TJHFO9r2Nfw3lmY2LH2OtrHrWw+xe7DDYXQ4hTCWYujbLA+ofnyh7bhwaABmseu9vFRin3eRJr0KJ3s/PVZ+2H4bVEVLt7Pz1Wfth+G1RFTIBERAEREAREQH26+IiAtL4O3zrJ+5y/iwqU7U7UTY9LJQURbDQRPyVVS+xdKWm9owerTS3PQkgGyi3wdfnWT9zl/FhU42+3Z4VRwT4jIyeMDpcKnlyNfI91mtaCDlBcerQC+mllxnUYer3W4Y/LEx74pMumSZrnPyjVxY69z1m1goZtFuzdT1VLTQT8Q10hhZxW5Mhu0DMWk3HS6h1LG7B0gfikLgAAwvns0l2UNDi1pd1m+UHx9CsuFnlm0VDCNW0UclVJ3GxLf5hF95RhOcJYUmWNJxzgsjd7su7DcOipHubI9mdz3MvlzPeXEC+pAva/cpGvgX1TKgiIgCIiAKmN5tL+TsYhxEaQV0fk1QepsjQA1x7OiGH7Dlc6xu0Gz8NdTupqlgkjfzHIgjk5rupw7VxrKwdTw8mr+1LInV9U17XvdIxhi4QzESljDy7Dc3Wxu7mKZmFUrKpnDlZC1jmkZS1rbiPM3qdky3Havmxm72lwpr/Jg9z5SM8kpD3kD5LQQAABc8gpKiWEG8mpe9n56rP2w/DaoipdvZ+eqz9sPw2qIrpwIiIAu3yc5OJ9EODPSQT7gupSRtD/Yrp7c8RbFfwpnO/zICNoiIAiIgLS+Dr87Sfucv4sKs3fpTzyYUWQMdI3jRuqcjc7mxNu7M1vc4NuR1d11WXwdfnaT9zl/FhWyKA1a2MngjrJ5I7xRR0wtxNCAMmcu77hWduQwt0rqrFpRY1b+DT35iKM6nwJDR/DKk21e6qixKdtRO2RsgAa8wu4fEaDcCQW1t2ix9QtKqGhZBGyGFojjjaGMa3QNaBYAKKjh5JOW2DvREUiIREQBERAEREAREQGpW9n56rP2w/DaoipdvZ+eqz9sPw2qIoAiIgCsZ9BbZIP87FeJ6OCYve1VyrrqsPtsSwnqkbN96tLfc5AUoiIgCIiAtL4OvztJ+5y/iwrZFa3fB1+dpP3OX8WFbIoAiIgCIiAIiIAiIgCIiAIiIDUrez89Vn7YfhtURUu3s/PVZ+2H4bVEUAREQBbG4vh1tjgzsoqeX/uRyrXJbY7TYfk2emgt+bw7J/dwD/8AKA1PK+L6V8QBERAWl8HX52k/c5fxYVsitbvg6/O0n7nL+LCtkUAREQBERAEREAREQBERAERY3HtoIKGE1FVI2KNul3cyeprGjVzu4IDVzez89Vn7YfhtURUs2qzYpiFRV07HNinkzMMtmaBobrqezquumPYl1ulK0H9Vpd7SQoucVyySg2RlFJpdiXD5MrT9Zpb7RdYevwaWHV7dPOb0h6xyRTi+GHFrk6cPpuJLHH+kexn3nAf4rcbaiHNQVLPOpZ2/9py1N2HpuJidGzzqqD2StP8AgtwayHPG9nnsc37zSP8AFSImkSL6QsjQ4BNMLtblafpP6I9HWfQuNpcnUm+DGopPHsSbdKVoPc0u9pIXGbYpwHQkY76wLfddR8yPqS8uXoS34OvztJ+5y/iwrZFau7tMaGCYh5RWMk4UkL4C+IB4aXPjcHHXUdHlz15FbLYVi0VVE2enkbNG8Xa5huD2juI6wdVJPJDGD2IiLoCIiAIiIAiIgCIiA6K2rbDG+WQ5WRsdI9x6mtBLj6gtZ8d2hkxiqNXUX4LCW0kJ+SxgPMjkXHrPWe4AK7N8U7mYJVll7lkbDbXovmY13oykrXijxSMMa0OAs0DW41tr7VVa2lsWVpN7meEycdYkYkzz2/eC+/lBnnN+8FkwzVlGV46+OluLHUHQg63WL/KLPPb94LicVjH02+u6YYyjtwnh0GI01aQeDHOx0gGuTXmO4c7dy2fxfGI6amkqpD8XDGZSRY3AFxl7SdAPELU7EsVjfG5ma5I0sDz5hWztnUzO2Qp+i67o6Ns1wRaNp6JPddseveO1bK22tzLYlnYqnBMKa48eRvyiTGw6gC/M9vcpDx1gocaisAHWAAAuCOQsu4YpGfpt9dlmnqb3L4aUtjL8dOOsV+UWee37w/1T8oM85v3h/qoYZPKMo6UEWOoOhB1v4hd2yG1T8Fq2yNJNHO8NqotSGX0EjB2jn3gEdlsIcSZ57fWCvHiWJxuic3MCSNAL8+Y9qsrckyE0mjbyN4cAQQQQCCNbg8iFyUc3dvecKozKCHeSwg30Ng0Bt/sgKRrYZAiIgCIiAIiIAiIgOMkQcC1wDg4EODhcEHmCDzCwVXsFh8pvJRUrj28JgPrACz6ICHy7osKdzoox9V0jf6XBdP8AwXwj/o2/3tR/uKbIgIYzc7hI5UbPS+Y+969cO7DDGcqGnP1mZ/6rqUIgMXSbLUkX5qlpo7cskUYPrssk5gIsQCCLEHlbwXJEBiKvZGil/OUlM+/PNDGfbZYybdbhb+dFTj6rSz+khSpEBC3bm8JP/wANnokmHueuI3L4T/0bf72o/wBxTZEBEIt0mFN5UUR+sZH/ANTisnR7EUEJvHR0rD2iJl/WQs4iAIiIAiIgCIiAIiIAiIgCIiAIiIAiIgCIiAIiIAiIgCIiAIiIAiIgCIiA/9k="/>
+          <p:cNvSpPr>
+            <a:spLocks noChangeAspect="1" noChangeArrowheads="1"/>
+          </p:cNvSpPr>
+          <p:nvPr/>
+        </p:nvSpPr>
+        <p:spPr bwMode="auto">
+          <a:xfrm>
+            <a:off x="155575" y="-144463"/>
+            <a:ext cx="304800" cy="304801"/>
+          </a:xfrm>
+          <a:prstGeom prst="rect">
+            <a:avLst/>
+          </a:prstGeom>
+          <a:noFill/>
+        </p:spPr>
+        <p:txBody>
+          <a:bodyPr vert="horz" wrap="square" lIns="91440" tIns="45720" rIns="91440" bIns="45720" numCol="1" anchor="t" anchorCtr="0" compatLnSpc="1">
+            <a:prstTxWarp prst="textNoShape">
+              <a:avLst/>
+            </a:prstTxWarp>
+          </a:bodyPr>
+          <a:lstStyle/>
+          <a:p>
+            <a:endParaRPr lang="en-US" sz="2400"/>
+          </a:p>
+        </p:txBody>
+      </p:sp>
+      <p:sp>
+        <p:nvSpPr>
+          <p:cNvPr id="2052" name="AutoShape 4" descr="data:image/jpeg;base64,/9j/4AAQSkZJRgABAQAAAQABAAD/2wCEAAkGBhQQEBUQEBQSEBQQEhIQEBUQFhUQGRQVFRIVFRQXFBIXHSYeFxojGRcXIC8gIycpLDgsFR4xNTAqNSYrLCkBCQoKDgwOGg8PGiokHyQuLiksKi0sKSwsLCwsKSwsLywsLCkpKSwpLCwsLSksLCksKSksLCwsLCwsKTQpLCkpLP/AABEIARUAtgMBIgACEQEDEQH/xAAcAAEAAgIDAQAAAAAAAAAAAAAABgcFCAIDBAH/xABNEAABAwIDBAUGCQkGBQUAAAABAAIDBBEFEiEGBxMxIkFRYXEUUoGRobEIIzI1QnKCkrMVM1Nic3SDorIlk8HC0dMXJFSj8RZDRJTS/8QAGgEBAAMBAQEAAAAAAAAAAAAAAAIDBAEFBv/EAC0RAAICAQMCBAUEAwAAAAAAAAABAgMREiExBEEFE1FhIjJxobFCkdHwJHKB/9oADAMBAAIRAxEAPwC8UREAREQBERAEREAREQBERAEREAREQBERAEREAREQBERAEREAREQBERAERQzb3ePHhuWCJhqqyawgp2XJ10DpLahvYOZ6usgCUYnisVNGZaiRkMbebpHBo8Lnme5V9W77Y5HmLC6WpxFw0zNaYo/vEF3rAWJotgZq6QVmOSmok5x0zHWihB+jZvPwGmmpcpxS0rImCOJjY2N0DWAMA8ANFTK1LgtjW3yRJ20W0M/yIKGjaeXEcZHemznf0hdYftGNfKcPd3Fh/wBoKbXS6r82RZ5SIc3bTHafWooKarYOZpHlrvu5nH+ULK4Hvqopn8GqEuHTaDJVtytueyTkPtBqzl14MYwKCsZw6mJkzerMNW97XjVp8CpK71Iur0JlHIHAOaQ4OAIINwQeRBHMLkqXGHV2AEzYe59bRAl01JKbujF7l0RHvA8Q7mrN2T2up8TpxUUzrjk9rtHRutq17eo9/I9SvTT4KWmuTNoiLpwIiIAiIgCIiAIiIAiIgC6KysZDG+WVwYyNrnvc7k1rRck+hd6qbfntIWtiw5htxv8AmKn9kx1o2eDngn+GoyelZZ1LLwQnbTedVVchlilnpos2Wjhgc6Jx818pbq5x55eQuBrzU32F2QdTXrKxxmrqnpTPkOYxgj5DT220JHgNBrBN2OCirr3VMgvHRWyA8jM6+U+ixPiGq5syzOUsb9zSorOx25lFcb3n0NK/hulMsgNiynbxSD2F1w2/de6x+11fPWVceC0LjG+ZvErJR/7MPWNOVx4XzNH0lYWymw9JhsYZTRNDrWfK4B0jz1lz+foFh3KcK8rLIzsw8IheC70KGqkETZHwyE2ayobwiT1AOuW37r3Ulra9kMbpZntjYwXc55ygek+5ezbPYenxSB0UzGh+U8GYAZ43dRDuZF+beRVPbFYXPjVYyhxEkwYSHCoaCbzStkdGwPd18rX52Y7rddddK7EVb6kim3y0AcQ3yiRo5vZF0fW5wPsUkwHaqmrm5qWVslvlN1a5v1mOsR48lNqSgjijEUTGRsaLNYxoa0DsDRoq83gbsxY4jhTfJqynvJlhAa2do1c0xjTMRfx5G97jrqXY4rX3JFmVXbwNnZaAyYjhr5adstm10dO4x3aXX4jcvIX525XuOZUz2S2kbX0jKltml12ytH0JG/KHhyI7iFlpmB7Sx4DmuBa4HUEEWIPdZUJuLLmlJEE3Y7zXslZS1krpoKghtPNKcz4pD8lkjzq5jjoCdQe46XWFqbjOD+RVc9C65YDnhJ5mN2rde0Aj0grYXdftOa/DmPkOaaEmnqD2vYBZ32mFrvElaK5P5X/UU2RXKJciIrSoIiIAiIgCIiAIiIAtd997TFirpHPaRLTxFguCWZA4FhHMa9L7atDe1tXLQ0bWUulRWTNpoHeYXfKcO/kB3uv1KB4xu5paXDKmWQGpqhA+R08rnE8TmXNF9Nb87ntVc8YwycM5yjI7pqARYZG7rnfJM7vu7I3+Vo9qmOZR3YR39mUtv0Dfeb+1Z3Ms0uWaY8GA3QMEuI4tVO1eKhtO09jGmTQdxyN9StGqqWxMdI82bG1z3HnYNBJ08Aqe2fxluD41O2oIjpcVyyRynRrJm3uHnqF3OF/1mnle1xhwcLizg4XFtQQfeFsjwZJckR2C3mwYw6ZsLJYnQZTaXL0mOJDXAtJsbjUe9Q/c3i0cmLYsGEHjTunjI+kxs8oJHd02n0rv2w2hpcObJhuCRReW1pLHimAtFcEFz3DQOAJs3k25Jt1xt+zUuCilxCiHFfSMLK5jb/HRuJMhA7BcjuAYforjkk8BRb3LJwjerTVOKSYWxkrXxulY2RwGV74b8QAcxbK6xPO3gpqolsdU4bWudiNCyHjTC07gA2VpNrtkb9E35kc7XuVl9pNpoMPp3VFS8Ma0HKPpSOtoxjfpOP8A50UjhV2xsQgxLFaVmkbKoSsA5Nzl1wB4ED7IU0zKF7u6eR7ajEJxlkxGczhvmx3cWc+rpG3cGqX5ljs+ZmqHylX756MNmpaoaXD4HnuBDm/1OUu+D7TO4FVNmBZLNG1jQbm8cZDnEdQOYD7BWG3rsa9lG1wDg6tY0g9YIs4aLhtHsyMNviWEudSy0/TkjDnOjljB6TS0nlbW17adRsVbBpYbITTeUXsixuzmMispIapoyieJklueUuGrb9djcehZJXlAREQBERAEREAREQEH3t7KS11E11LrUUcramBvW8tvmaO+1iO9oHWq/wD/AF9T1dLLDM8U0r4pIpY5rsyvLS02J5jN6e0K+FhcY2Loqx2eppoJn+e5gzHsu8WJ9JUZRUiUZNFX7q8R4uGRtvcwufC7us7M3+VwUvzKFuoBg2NSUoAjpcRaJaW2jWyDQsHZrmFv1mdqkmJ4tFTRmWd4jaCBc3NyeQa0auPcAs1kcSNEH8JzxbCoqqIw1DBIw62PMHqLSNWnvCio3YRtBjjq66OI3vE2UZbHqGlreIK7zvKpuqOrcO0Q6e1wPsXNm8ikPyvKGfXgf/luoqTXDOuKfKMps/stTUIIp2AOI6b3HO9w73HkO4WCzGZQ+u2qw+pADqkxObfI9plpntvzs4tGncbjuXibWUg/O4tLMzzOOxlx2OMTQ4+ghdw3uxlLYyOJ7uqWWTjwmWkluSX0ruHc9fRtYeiy40e7enEomqZJ657fk+VPzgfZ6/AkjuXaNvaFgDWS3DQA0RRSuAA5AWZZdLt5NN1Mqn/VhP8AmITVJdxpj6EuumZRSn3i0rnAP40F9M08RY30uBIHibBSN84a0vJAaAXFx5BoFyb9llAkQXeNiTPLaCGRzWNjeamQuNgACA2578jl1YztG7Ef7Nw4GolqOg9zQckbCRnLndluZ5W77BZzd1stFjNRVYnWwtlgc4U1GyUG2VlrvA8A0eJf2K2cJwGnpG5KaGKBp5iJjWX73EauPitcYLbJmc+cHHZ3Bm0dJDStOYQRMivyzFo1dbqubn0rIoisKwiIgCIiAIiIAiIgCIvPV18cIBlkjiDjlaZHNYCewFx1PcgI7vF2JbilIYgck8R4tLJyySDqJGoa7kfQepUZje0Mkxp6era6KqpJJoqhjha7uGA2QdWtj67jQhXhi+9bDKa4kq4nuH0Yc05v2fFggekhVBvJ26w/E3xy00FQ2pjewCdzWxtczNYteASXc9DzHhooWQ1xZOuWmSPNs3hUdXUPimkkZkYx8TI3CPiC5DyXc9DbQdqzj9k6DNw+NNFJ5r53Md4hsnMd4uFD3E3a9jjG+M5o3t0LT3d3aOSklPtnFMzg4nC1w/SBnFjPeWWLoz4X8QvPplFxSNtsZJ5PZJu6BF4qqb+IyOcesBq6W7uZr61TQP1afX2vXmk2dwmXpRVDYb6/FVAFvsvJsusbHYfzNfKR2Gpi/wBFfoj6fYq1y/rModgoYxeeqn053fHAP6bj1rlTbGUUwJikqHjlnbM8tv3OPRd6LrwR02D0vSzRzvHIOcat1+5guPWF4sc2ulqm8KJppoCLOvpJI3zdNI29w1UZaYo6tUmYid7W8ZrXmWKN8jI3utd7GjmbaHW4uOdlIKB02KMpsHpCbCGH8oT8xEwNF2X6yOVusi3LMopiZDYHAaCzW9EcgXAaDwVk7B708Hw6AU8cVVTXN5ZJY2yGR1vlPcw3PgBYdQUulhqUppbZOdRJrEfYt7BsIjpII6aBuWOFgYwdw6yesk3JPaSvao1he8nDqn81WQEnk17uC77sgafYs/S1bJWCSJ7ZGO+S5jg9p1to4aFbDIdyIiAIiIAiIgCIiAIi+IDHbRY/FQ00lVObMibc25uPJrWjrcTYDxWrG2u0tRichq6lxALssEQN2xRm9gB26C55nn2ATbfNtZ5dXCgjPxFEby25Pn5H7o6PjnVfYz+bH1m+4r1ul6HXRO+fZbfyVylvg+x07W8mj3+9Kh3Rv5pa71OBK5XS6+nlRCVTrSwmsFKbTyZNslxcag6hfcyw7WFvyHFndzH3SuwVUg8x3ravgr/AeqrfwrUvY9aHWQa3Mi5jTzDT4gFceAzzWfdC9WzOCVWIvkZSxMcYQ10hdIGAZj0RcjU6HTuUg/4V4n+hh/8AsM/0XmPprovDX3LfPrZGG2HIAeGi5Zl5cUbPTTyU0sbWSQuyvBfmGouCCBqCLG/evIZ5D9Jrfqi/tK1U+E9Vesxjt6kX1Vce56cUf8Xl63OaB6HAn2BdR1XS2PW5Jce12p9HYud19r4R4e+iqcZvLe55nUXebLKOqalYQeiOR5adXcpDu128lwmRryXSUkzrVEXPLrbiRjqcPbax6iMDIdD4H3L5hjQYQ06g5gfWpdV0Vd9qglh6W/8AuUVxk0jb6kq2SxtljcHska17HNNw5rhcEHsIXcqZ3D7XkZ8Jndcxh0tIT1svd8Y8L5gO93YrmXyc4OEnGXKNAREUQEREAREQBR3b/acYdh81VcZ2tyQg9cr+izTrseke5pUiVEb/ALH+NVwYe03bA3yicDz36MB7wzX+IrK63ZNQXc43grajaQ27iS55L3k6kk66ntXRi5+L+0PcV6cy8eKH4v7Q/wAV9r1EFV0koR4SMyeZHddLrhdLrQnscOd0uuF11zSWFxpy1PV3qNliri5PhBLJON1W2kWH1E0NQ4RsquG5sh5NezMAHnqBDjr3BW3V7bU0UfFfUQtba9w9rr+AaSSe4Ly7H7u6WipTE5kdU+cA1EkrGvEnWA1rr2YOoek93rpd3mGxP4jKOnDgbjMHPAPcx5LR6l8LdNTslJLl5NSWEUHtNtAK+vnq2jK2QsZGDzyMYGNLh1EgXWOzK398Gw0DoJMTiLaeaFoMoA6M4uGgOA5PuQA7r6+0U412i+l8KvjKry0t0U2LfJ2Zl9uuu6XXsZKzlIdD4H3L5hbvih4n3ri86HwPuXzDnfFj0+9Zs/5Mf9X+Ud/Se6DEn0s8VZD+cppGyDquAdWnuIuD3Era/B8UZVU8VREbsmjbIzwcL2PeOR7wtSnaix69FdHwfdoeJSy0Dz0qSTPHf9FJc2Hg8O++F4njVGmxWrvz9S2t7YLZREXgloREQBERAfHOAFzoBzWo+N4z5bW1NYeU8ziy/UwGzB90N9S2T3l4r5LhNXKDY8F0bT+tLaNvtctWaYWaB3e9ev4RXqv1Psiux7HpzLxYnJoG9pv6v/K9GZeeekc9sko+TDwmHxkLrf0uXteJ3aKGvXYrgtzuul1wul1sT2IHO64yi4I7Qvl0uuSSknF9zpsRu7x3ynDKeQm7mRiGT60XQ18QAfSpJx1S+5nHuHLNROOkv/MQ/WaLSAeLbH7Ctjjr4e2Drm4vsaU8kK33YtloY6cHWpnbcfqRjMf5snqVN3Ut3r4z5RiPCBu2kjEf8R/Sf7Mo+yofdfReE16anP1f4KbHvg53S64XS69jJWcnnQ+B9y4Ye/oW7CUcdD4FdFFobHrAcFhtt0dVX7pr8E0vhZkMylG6nG/JMZgJNmVQNLJ9v5H84Z7VEsy4uqDGWysNnRPbI09haQR7bKXiMPM6eXtv+wg8M3LC+rzYbWtnhjmZ8maNkrfB7Q4ewr0r400BERAEREBV3wha4swtkYNuPVRNI7WtY95/mDVQeZXT8JB3xFGOrjyH1Mbb3lUjmX0Hg+ym/oVWHbmUgp8Pts/UVP6bE6eIeEUEjvfL7FGXSWVtUmyNRWbJ08VJEZJX1bqlzbtYS0PmZmBeQDpl61Hxa1PTFMVoqi6XTEYJKaV8E7DHJGcr2m12m1+rxXnFSF6Eeuof6iGlnoul10icdq+8YdoV66ip8SX7nMM9dFiD6eWOoi0fC8Pb325g9xGnpV2y7awigNe03Zku1pOvE5CM9+bQ92qojijtCcbo5M5yZs+TN0c1rZsvK9tLryet6aN01OEl77/csi8bHdJO6RzpJDd8jnSPPa5xuVxuuvijtC+cYdq9OudVUFFSWF7kHlnbdLrpNQO1cTVDvR9ZTHmSGlnocdD4FZXFcODKLDqgacaOqid3mKqebn0SAfZXiwHBqivlMFJEZpMheWgtbZoIBJLiABcjr61O9u9l5qHAMPjqWZJIaqoDwCH5RKXPF3NuOTQvH6zq6521yg+CyMXh5K9zLjKbtI7lwD7oXL3ZyU4P6FS5Npd0tbxsGpHE3LYjEf4b3MHsAUvVf7ij/YsPdJUAf3zlYC+INIREQBERAQbevsFJi9NFHA+OOSGbiDi3ylpaWuF2gkHkeXUqa2C3aNxGn8plqHxt4jo8kbAScoab5ybDnyy9S2eVHbBHySevw86eTVj3sH6j9AfUxvrXJWThF6XgnBJvc5f8KcMdFJDHI4yi7eKZQ90bx2xtIHcQR6lnNg9t56apjwfFA0vLctFUR2yytaOi11uuwtfQ30IubmjKiljpq6Vs7TJHFO9r2Nfw3lmY2LH2OtrHrWw+xe7DDYXQ4hTCWYujbLA+ofnyh7bhwaABmseu9vFRin3eRJr0KJ3s/PVZ+2H4bVEVLt7Pz1Wfth+G1RFTIBERAEREAREQH26+IiAtL4O3zrJ+5y/iwqU7U7UTY9LJQURbDQRPyVVS+xdKWm9owerTS3PQkgGyi3wdfnWT9zl/FhU42+3Z4VRwT4jIyeMDpcKnlyNfI91mtaCDlBcerQC+mllxnUYer3W4Y/LEx74pMumSZrnPyjVxY69z1m1goZtFuzdT1VLTQT8Q10hhZxW5Mhu0DMWk3HS6h1LG7B0gfikLgAAwvns0l2UNDi1pd1m+UHx9CsuFnlm0VDCNW0UclVJ3GxLf5hF95RhOcJYUmWNJxzgsjd7su7DcOipHubI9mdz3MvlzPeXEC+pAva/cpGvgX1TKgiIgCIiAKmN5tL+TsYhxEaQV0fk1QepsjQA1x7OiGH7Dlc6xu0Gz8NdTupqlgkjfzHIgjk5rupw7VxrKwdTw8mr+1LInV9U17XvdIxhi4QzESljDy7Dc3Wxu7mKZmFUrKpnDlZC1jmkZS1rbiPM3qdky3Havmxm72lwpr/Jg9z5SM8kpD3kD5LQQAABc8gpKiWEG8mpe9n56rP2w/DaoipdvZ+eqz9sPw2qIrpwIiIAu3yc5OJ9EODPSQT7gupSRtD/Yrp7c8RbFfwpnO/zICNoiIAiIgLS+Dr87Sfucv4sKs3fpTzyYUWQMdI3jRuqcjc7mxNu7M1vc4NuR1d11WXwdfnaT9zl/FhWyKA1a2MngjrJ5I7xRR0wtxNCAMmcu77hWduQwt0rqrFpRY1b+DT35iKM6nwJDR/DKk21e6qixKdtRO2RsgAa8wu4fEaDcCQW1t2ix9QtKqGhZBGyGFojjjaGMa3QNaBYAKKjh5JOW2DvREUiIREQBERAEREAREQGpW9n56rP2w/DaoipdvZ+eqz9sPw2qIoAiIgCsZ9BbZIP87FeJ6OCYve1VyrrqsPtsSwnqkbN96tLfc5AUoiIgCIiAtL4OvztJ+5y/iwrZFa3fB1+dpP3OX8WFbIoAiIgCIiAIiIAiIgCIiAIiIDUrez89Vn7YfhtURUu3s/PVZ+2H4bVEUAREQBbG4vh1tjgzsoqeX/uRyrXJbY7TYfk2emgt+bw7J/dwD/8AKA1PK+L6V8QBERAWl8HX52k/c5fxYVsitbvg6/O0n7nL+LCtkUAREQBERAEREAREQBERAERY3HtoIKGE1FVI2KNul3cyeprGjVzu4IDVzez89Vn7YfhtURUs2qzYpiFRV07HNinkzMMtmaBobrqezquumPYl1ulK0H9Vpd7SQoucVyySg2RlFJpdiXD5MrT9Zpb7RdYevwaWHV7dPOb0h6xyRTi+GHFrk6cPpuJLHH+kexn3nAf4rcbaiHNQVLPOpZ2/9py1N2HpuJidGzzqqD2StP8AgtwayHPG9nnsc37zSP8AFSImkSL6QsjQ4BNMLtblafpP6I9HWfQuNpcnUm+DGopPHsSbdKVoPc0u9pIXGbYpwHQkY76wLfddR8yPqS8uXoS34OvztJ+5y/iwrZFau7tMaGCYh5RWMk4UkL4C+IB4aXPjcHHXUdHlz15FbLYVi0VVE2enkbNG8Xa5huD2juI6wdVJPJDGD2IiLoCIiAIiIAiIgCIiA6K2rbDG+WQ5WRsdI9x6mtBLj6gtZ8d2hkxiqNXUX4LCW0kJ+SxgPMjkXHrPWe4AK7N8U7mYJVll7lkbDbXovmY13oykrXijxSMMa0OAs0DW41tr7VVa2lsWVpN7meEycdYkYkzz2/eC+/lBnnN+8FkwzVlGV46+OluLHUHQg63WL/KLPPb94LicVjH02+u6YYyjtwnh0GI01aQeDHOx0gGuTXmO4c7dy2fxfGI6amkqpD8XDGZSRY3AFxl7SdAPELU7EsVjfG5ma5I0sDz5hWztnUzO2Qp+i67o6Ns1wRaNp6JPddseveO1bK22tzLYlnYqnBMKa48eRvyiTGw6gC/M9vcpDx1gocaisAHWAAAuCOQsu4YpGfpt9dlmnqb3L4aUtjL8dOOsV+UWee37w/1T8oM85v3h/qoYZPKMo6UEWOoOhB1v4hd2yG1T8Fq2yNJNHO8NqotSGX0EjB2jn3gEdlsIcSZ57fWCvHiWJxuic3MCSNAL8+Y9qsrckyE0mjbyN4cAQQQQCCNbg8iFyUc3dvecKozKCHeSwg30Ng0Bt/sgKRrYZAiIgCIiAIiIAiIgOMkQcC1wDg4EODhcEHmCDzCwVXsFh8pvJRUrj28JgPrACz6ICHy7osKdzoox9V0jf6XBdP8AwXwj/o2/3tR/uKbIgIYzc7hI5UbPS+Y+969cO7DDGcqGnP1mZ/6rqUIgMXSbLUkX5qlpo7cskUYPrssk5gIsQCCLEHlbwXJEBiKvZGil/OUlM+/PNDGfbZYybdbhb+dFTj6rSz+khSpEBC3bm8JP/wANnokmHueuI3L4T/0bf72o/wBxTZEBEIt0mFN5UUR+sZH/ANTisnR7EUEJvHR0rD2iJl/WQs4iAIiIAiIgCIiAIiIAiIgCIiAIiIAiIgCIiAIiIAiIgCIiAIiIAiIgCIiA/9k="/>
+          <p:cNvSpPr>
+            <a:spLocks noChangeAspect="1" noChangeArrowheads="1"/>
+          </p:cNvSpPr>
+          <p:nvPr/>
+        </p:nvSpPr>
+        <p:spPr bwMode="auto">
+          <a:xfrm>
+            <a:off x="155575" y="-144463"/>
+            <a:ext cx="304800" cy="304801"/>
+          </a:xfrm>
+          <a:prstGeom prst="rect">
+            <a:avLst/>
+          </a:prstGeom>
+          <a:noFill/>
+        </p:spPr>
+        <p:txBody>
+          <a:bodyPr vert="horz" wrap="square" lIns="91440" tIns="45720" rIns="91440" bIns="45720" numCol="1" anchor="t" anchorCtr="0" compatLnSpc="1">
+            <a:prstTxWarp prst="textNoShape">
+              <a:avLst/>
+            </a:prstTxWarp>
+          </a:bodyPr>
+          <a:lstStyle/>
+          <a:p>
+            <a:endParaRPr lang="en-US" sz="2400"/>
+          </a:p>
+        </p:txBody>
+      </p:sp>
+      <p:sp>
+        <p:nvSpPr>
+          <p:cNvPr id="2054" name="AutoShape 6" descr="data:image/jpeg;base64,/9j/4AAQSkZJRgABAQAAAQABAAD/2wCEAAkGBhQQEBUQEBQSEBQQEhIQEBUQFhUQGRQVFRIVFRQXFBIXHSYeFxojGRcXIC8gIycpLDgsFR4xNTAqNSYrLCkBCQoKDgwOGg8PGiokHyQuLiksKi0sKSwsLCwsKSwsLywsLCkpKSwpLCwsLSksLCksKSksLCwsLCwsKTQpLCkpLP/AABEIARUAtgMBIgACEQEDEQH/xAAcAAEAAgIDAQAAAAAAAAAAAAAABgcFCAIDBAH/xABNEAABAwIDBAUGCQkGBQUAAAABAAIDBBEFEiEGBxMxIkFRYXEUUoGRobEIIzI1QnKCkrMVM1Nic3SDorIlk8HC0dMXJFSj8RZDRJTS/8QAGgEBAAMBAQEAAAAAAAAAAAAAAAIDBAEFBv/EAC0RAAICAQMCBAUEAwAAAAAAAAABAgMREiExBEEFE1FhIjJxobFCkdHwJHKB/9oADAMBAAIRAxEAPwC8UREAREQBERAEREAREQBERAEREAREQBERAEREAREQBERAEREAREQBERAERQzb3ePHhuWCJhqqyawgp2XJ10DpLahvYOZ6usgCUYnisVNGZaiRkMbebpHBo8Lnme5V9W77Y5HmLC6WpxFw0zNaYo/vEF3rAWJotgZq6QVmOSmok5x0zHWihB+jZvPwGmmpcpxS0rImCOJjY2N0DWAMA8ANFTK1LgtjW3yRJ20W0M/yIKGjaeXEcZHemznf0hdYftGNfKcPd3Fh/wBoKbXS6r82RZ5SIc3bTHafWooKarYOZpHlrvu5nH+ULK4Hvqopn8GqEuHTaDJVtytueyTkPtBqzl14MYwKCsZw6mJkzerMNW97XjVp8CpK71Iur0JlHIHAOaQ4OAIINwQeRBHMLkqXGHV2AEzYe59bRAl01JKbujF7l0RHvA8Q7mrN2T2up8TpxUUzrjk9rtHRutq17eo9/I9SvTT4KWmuTNoiLpwIiIAiIgCIiAIiIAiIgC6KysZDG+WVwYyNrnvc7k1rRck+hd6qbfntIWtiw5htxv8AmKn9kx1o2eDngn+GoyelZZ1LLwQnbTedVVchlilnpos2Wjhgc6Jx818pbq5x55eQuBrzU32F2QdTXrKxxmrqnpTPkOYxgj5DT220JHgNBrBN2OCirr3VMgvHRWyA8jM6+U+ixPiGq5syzOUsb9zSorOx25lFcb3n0NK/hulMsgNiynbxSD2F1w2/de6x+11fPWVceC0LjG+ZvErJR/7MPWNOVx4XzNH0lYWymw9JhsYZTRNDrWfK4B0jz1lz+foFh3KcK8rLIzsw8IheC70KGqkETZHwyE2ayobwiT1AOuW37r3Ulra9kMbpZntjYwXc55ygek+5ezbPYenxSB0UzGh+U8GYAZ43dRDuZF+beRVPbFYXPjVYyhxEkwYSHCoaCbzStkdGwPd18rX52Y7rddddK7EVb6kim3y0AcQ3yiRo5vZF0fW5wPsUkwHaqmrm5qWVslvlN1a5v1mOsR48lNqSgjijEUTGRsaLNYxoa0DsDRoq83gbsxY4jhTfJqynvJlhAa2do1c0xjTMRfx5G97jrqXY4rX3JFmVXbwNnZaAyYjhr5adstm10dO4x3aXX4jcvIX525XuOZUz2S2kbX0jKltml12ytH0JG/KHhyI7iFlpmB7Sx4DmuBa4HUEEWIPdZUJuLLmlJEE3Y7zXslZS1krpoKghtPNKcz4pD8lkjzq5jjoCdQe46XWFqbjOD+RVc9C65YDnhJ5mN2rde0Aj0grYXdftOa/DmPkOaaEmnqD2vYBZ32mFrvElaK5P5X/UU2RXKJciIrSoIiIAiIgCIiAIiIAtd997TFirpHPaRLTxFguCWZA4FhHMa9L7atDe1tXLQ0bWUulRWTNpoHeYXfKcO/kB3uv1KB4xu5paXDKmWQGpqhA+R08rnE8TmXNF9Nb87ntVc8YwycM5yjI7pqARYZG7rnfJM7vu7I3+Vo9qmOZR3YR39mUtv0Dfeb+1Z3Ms0uWaY8GA3QMEuI4tVO1eKhtO09jGmTQdxyN9StGqqWxMdI82bG1z3HnYNBJ08Aqe2fxluD41O2oIjpcVyyRynRrJm3uHnqF3OF/1mnle1xhwcLizg4XFtQQfeFsjwZJckR2C3mwYw6ZsLJYnQZTaXL0mOJDXAtJsbjUe9Q/c3i0cmLYsGEHjTunjI+kxs8oJHd02n0rv2w2hpcObJhuCRReW1pLHimAtFcEFz3DQOAJs3k25Jt1xt+zUuCilxCiHFfSMLK5jb/HRuJMhA7BcjuAYforjkk8BRb3LJwjerTVOKSYWxkrXxulY2RwGV74b8QAcxbK6xPO3gpqolsdU4bWudiNCyHjTC07gA2VpNrtkb9E35kc7XuVl9pNpoMPp3VFS8Ma0HKPpSOtoxjfpOP8A50UjhV2xsQgxLFaVmkbKoSsA5Nzl1wB4ED7IU0zKF7u6eR7ajEJxlkxGczhvmx3cWc+rpG3cGqX5ljs+ZmqHylX756MNmpaoaXD4HnuBDm/1OUu+D7TO4FVNmBZLNG1jQbm8cZDnEdQOYD7BWG3rsa9lG1wDg6tY0g9YIs4aLhtHsyMNviWEudSy0/TkjDnOjljB6TS0nlbW17adRsVbBpYbITTeUXsixuzmMispIapoyieJklueUuGrb9djcehZJXlAREQBERAEREAREQEH3t7KS11E11LrUUcramBvW8tvmaO+1iO9oHWq/wD/AF9T1dLLDM8U0r4pIpY5rsyvLS02J5jN6e0K+FhcY2Loqx2eppoJn+e5gzHsu8WJ9JUZRUiUZNFX7q8R4uGRtvcwufC7us7M3+VwUvzKFuoBg2NSUoAjpcRaJaW2jWyDQsHZrmFv1mdqkmJ4tFTRmWd4jaCBc3NyeQa0auPcAs1kcSNEH8JzxbCoqqIw1DBIw62PMHqLSNWnvCio3YRtBjjq66OI3vE2UZbHqGlreIK7zvKpuqOrcO0Q6e1wPsXNm8ikPyvKGfXgf/luoqTXDOuKfKMps/stTUIIp2AOI6b3HO9w73HkO4WCzGZQ+u2qw+pADqkxObfI9plpntvzs4tGncbjuXibWUg/O4tLMzzOOxlx2OMTQ4+ghdw3uxlLYyOJ7uqWWTjwmWkluSX0ruHc9fRtYeiy40e7enEomqZJ657fk+VPzgfZ6/AkjuXaNvaFgDWS3DQA0RRSuAA5AWZZdLt5NN1Mqn/VhP8AmITVJdxpj6EuumZRSn3i0rnAP40F9M08RY30uBIHibBSN84a0vJAaAXFx5BoFyb9llAkQXeNiTPLaCGRzWNjeamQuNgACA2578jl1YztG7Ef7Nw4GolqOg9zQckbCRnLndluZ5W77BZzd1stFjNRVYnWwtlgc4U1GyUG2VlrvA8A0eJf2K2cJwGnpG5KaGKBp5iJjWX73EauPitcYLbJmc+cHHZ3Bm0dJDStOYQRMivyzFo1dbqubn0rIoisKwiIgCIiAIiIAiIgCIvPV18cIBlkjiDjlaZHNYCewFx1PcgI7vF2JbilIYgck8R4tLJyySDqJGoa7kfQepUZje0Mkxp6era6KqpJJoqhjha7uGA2QdWtj67jQhXhi+9bDKa4kq4nuH0Yc05v2fFggekhVBvJ26w/E3xy00FQ2pjewCdzWxtczNYteASXc9DzHhooWQ1xZOuWmSPNs3hUdXUPimkkZkYx8TI3CPiC5DyXc9DbQdqzj9k6DNw+NNFJ5r53Md4hsnMd4uFD3E3a9jjG+M5o3t0LT3d3aOSklPtnFMzg4nC1w/SBnFjPeWWLoz4X8QvPplFxSNtsZJ5PZJu6BF4qqb+IyOcesBq6W7uZr61TQP1afX2vXmk2dwmXpRVDYb6/FVAFvsvJsusbHYfzNfKR2Gpi/wBFfoj6fYq1y/rModgoYxeeqn053fHAP6bj1rlTbGUUwJikqHjlnbM8tv3OPRd6LrwR02D0vSzRzvHIOcat1+5guPWF4sc2ulqm8KJppoCLOvpJI3zdNI29w1UZaYo6tUmYid7W8ZrXmWKN8jI3utd7GjmbaHW4uOdlIKB02KMpsHpCbCGH8oT8xEwNF2X6yOVusi3LMopiZDYHAaCzW9EcgXAaDwVk7B708Hw6AU8cVVTXN5ZJY2yGR1vlPcw3PgBYdQUulhqUppbZOdRJrEfYt7BsIjpII6aBuWOFgYwdw6yesk3JPaSvao1he8nDqn81WQEnk17uC77sgafYs/S1bJWCSJ7ZGO+S5jg9p1to4aFbDIdyIiAIiIAiIgCIiAIi+IDHbRY/FQ00lVObMibc25uPJrWjrcTYDxWrG2u0tRichq6lxALssEQN2xRm9gB26C55nn2ATbfNtZ5dXCgjPxFEby25Pn5H7o6PjnVfYz+bH1m+4r1ul6HXRO+fZbfyVylvg+x07W8mj3+9Kh3Rv5pa71OBK5XS6+nlRCVTrSwmsFKbTyZNslxcag6hfcyw7WFvyHFndzH3SuwVUg8x3ravgr/AeqrfwrUvY9aHWQa3Mi5jTzDT4gFceAzzWfdC9WzOCVWIvkZSxMcYQ10hdIGAZj0RcjU6HTuUg/4V4n+hh/8AsM/0XmPprovDX3LfPrZGG2HIAeGi5Zl5cUbPTTyU0sbWSQuyvBfmGouCCBqCLG/evIZ5D9Jrfqi/tK1U+E9Vesxjt6kX1Vce56cUf8Xl63OaB6HAn2BdR1XS2PW5Jce12p9HYud19r4R4e+iqcZvLe55nUXebLKOqalYQeiOR5adXcpDu128lwmRryXSUkzrVEXPLrbiRjqcPbax6iMDIdD4H3L5hjQYQ06g5gfWpdV0Vd9qglh6W/8AuUVxk0jb6kq2SxtljcHska17HNNw5rhcEHsIXcqZ3D7XkZ8Jndcxh0tIT1svd8Y8L5gO93YrmXyc4OEnGXKNAREUQEREAREQBR3b/acYdh81VcZ2tyQg9cr+izTrseke5pUiVEb/ALH+NVwYe03bA3yicDz36MB7wzX+IrK63ZNQXc43grajaQ27iS55L3k6kk66ntXRi5+L+0PcV6cy8eKH4v7Q/wAV9r1EFV0koR4SMyeZHddLrhdLrQnscOd0uuF11zSWFxpy1PV3qNliri5PhBLJON1W2kWH1E0NQ4RsquG5sh5NezMAHnqBDjr3BW3V7bU0UfFfUQtba9w9rr+AaSSe4Ly7H7u6WipTE5kdU+cA1EkrGvEnWA1rr2YOoek93rpd3mGxP4jKOnDgbjMHPAPcx5LR6l8LdNTslJLl5NSWEUHtNtAK+vnq2jK2QsZGDzyMYGNLh1EgXWOzK398Gw0DoJMTiLaeaFoMoA6M4uGgOA5PuQA7r6+0U412i+l8KvjKry0t0U2LfJ2Zl9uuu6XXsZKzlIdD4H3L5hbvih4n3ri86HwPuXzDnfFj0+9Zs/5Mf9X+Ud/Se6DEn0s8VZD+cppGyDquAdWnuIuD3Era/B8UZVU8VREbsmjbIzwcL2PeOR7wtSnaix69FdHwfdoeJSy0Dz0qSTPHf9FJc2Hg8O++F4njVGmxWrvz9S2t7YLZREXgloREQBERAfHOAFzoBzWo+N4z5bW1NYeU8ziy/UwGzB90N9S2T3l4r5LhNXKDY8F0bT+tLaNvtctWaYWaB3e9ev4RXqv1Psiux7HpzLxYnJoG9pv6v/K9GZeeekc9sko+TDwmHxkLrf0uXteJ3aKGvXYrgtzuul1wul1sT2IHO64yi4I7Qvl0uuSSknF9zpsRu7x3ynDKeQm7mRiGT60XQ18QAfSpJx1S+5nHuHLNROOkv/MQ/WaLSAeLbH7Ctjjr4e2Drm4vsaU8kK33YtloY6cHWpnbcfqRjMf5snqVN3Ut3r4z5RiPCBu2kjEf8R/Sf7Mo+yofdfReE16anP1f4KbHvg53S64XS69jJWcnnQ+B9y4Ye/oW7CUcdD4FdFFobHrAcFhtt0dVX7pr8E0vhZkMylG6nG/JMZgJNmVQNLJ9v5H84Z7VEsy4uqDGWysNnRPbI09haQR7bKXiMPM6eXtv+wg8M3LC+rzYbWtnhjmZ8maNkrfB7Q4ewr0r400BERAEREBV3wha4swtkYNuPVRNI7WtY95/mDVQeZXT8JB3xFGOrjyH1Mbb3lUjmX0Hg+ym/oVWHbmUgp8Pts/UVP6bE6eIeEUEjvfL7FGXSWVtUmyNRWbJ08VJEZJX1bqlzbtYS0PmZmBeQDpl61Hxa1PTFMVoqi6XTEYJKaV8E7DHJGcr2m12m1+rxXnFSF6Eeuof6iGlnoul10icdq+8YdoV66ip8SX7nMM9dFiD6eWOoi0fC8Pb325g9xGnpV2y7awigNe03Zku1pOvE5CM9+bQ92qojijtCcbo5M5yZs+TN0c1rZsvK9tLryet6aN01OEl77/csi8bHdJO6RzpJDd8jnSPPa5xuVxuuvijtC+cYdq9OudVUFFSWF7kHlnbdLrpNQO1cTVDvR9ZTHmSGlnocdD4FZXFcODKLDqgacaOqid3mKqebn0SAfZXiwHBqivlMFJEZpMheWgtbZoIBJLiABcjr61O9u9l5qHAMPjqWZJIaqoDwCH5RKXPF3NuOTQvH6zq6521yg+CyMXh5K9zLjKbtI7lwD7oXL3ZyU4P6FS5Npd0tbxsGpHE3LYjEf4b3MHsAUvVf7ij/YsPdJUAf3zlYC+INIREQBERAQbevsFJi9NFHA+OOSGbiDi3ylpaWuF2gkHkeXUqa2C3aNxGn8plqHxt4jo8kbAScoab5ybDnyy9S2eVHbBHySevw86eTVj3sH6j9AfUxvrXJWThF6XgnBJvc5f8KcMdFJDHI4yi7eKZQ90bx2xtIHcQR6lnNg9t56apjwfFA0vLctFUR2yytaOi11uuwtfQ30IubmjKiljpq6Vs7TJHFO9r2Nfw3lmY2LH2OtrHrWw+xe7DDYXQ4hTCWYujbLA+ofnyh7bhwaABmseu9vFRin3eRJr0KJ3s/PVZ+2H4bVEVLt7Pz1Wfth+G1RFTIBERAEREAREQH26+IiAtL4O3zrJ+5y/iwqU7U7UTY9LJQURbDQRPyVVS+xdKWm9owerTS3PQkgGyi3wdfnWT9zl/FhU42+3Z4VRwT4jIyeMDpcKnlyNfI91mtaCDlBcerQC+mllxnUYer3W4Y/LEx74pMumSZrnPyjVxY69z1m1goZtFuzdT1VLTQT8Q10hhZxW5Mhu0DMWk3HS6h1LG7B0gfikLgAAwvns0l2UNDi1pd1m+UHx9CsuFnlm0VDCNW0UclVJ3GxLf5hF95RhOcJYUmWNJxzgsjd7su7DcOipHubI9mdz3MvlzPeXEC+pAva/cpGvgX1TKgiIgCIiAKmN5tL+TsYhxEaQV0fk1QepsjQA1x7OiGH7Dlc6xu0Gz8NdTupqlgkjfzHIgjk5rupw7VxrKwdTw8mr+1LInV9U17XvdIxhi4QzESljDy7Dc3Wxu7mKZmFUrKpnDlZC1jmkZS1rbiPM3qdky3Havmxm72lwpr/Jg9z5SM8kpD3kD5LQQAABc8gpKiWEG8mpe9n56rP2w/DaoipdvZ+eqz9sPw2qIrpwIiIAu3yc5OJ9EODPSQT7gupSRtD/Yrp7c8RbFfwpnO/zICNoiIAiIgLS+Dr87Sfucv4sKs3fpTzyYUWQMdI3jRuqcjc7mxNu7M1vc4NuR1d11WXwdfnaT9zl/FhWyKA1a2MngjrJ5I7xRR0wtxNCAMmcu77hWduQwt0rqrFpRY1b+DT35iKM6nwJDR/DKk21e6qixKdtRO2RsgAa8wu4fEaDcCQW1t2ix9QtKqGhZBGyGFojjjaGMa3QNaBYAKKjh5JOW2DvREUiIREQBERAEREAREQGpW9n56rP2w/DaoipdvZ+eqz9sPw2qIoAiIgCsZ9BbZIP87FeJ6OCYve1VyrrqsPtsSwnqkbN96tLfc5AUoiIgCIiAtL4OvztJ+5y/iwrZFa3fB1+dpP3OX8WFbIoAiIgCIiAIiIAiIgCIiAIiIDUrez89Vn7YfhtURUu3s/PVZ+2H4bVEUAREQBbG4vh1tjgzsoqeX/uRyrXJbY7TYfk2emgt+bw7J/dwD/8AKA1PK+L6V8QBERAWl8HX52k/c5fxYVsitbvg6/O0n7nL+LCtkUAREQBERAEREAREQBERAERY3HtoIKGE1FVI2KNul3cyeprGjVzu4IDVzez89Vn7YfhtURUs2qzYpiFRV07HNinkzMMtmaBobrqezquumPYl1ulK0H9Vpd7SQoucVyySg2RlFJpdiXD5MrT9Zpb7RdYevwaWHV7dPOb0h6xyRTi+GHFrk6cPpuJLHH+kexn3nAf4rcbaiHNQVLPOpZ2/9py1N2HpuJidGzzqqD2StP8AgtwayHPG9nnsc37zSP8AFSImkSL6QsjQ4BNMLtblafpP6I9HWfQuNpcnUm+DGopPHsSbdKVoPc0u9pIXGbYpwHQkY76wLfddR8yPqS8uXoS34OvztJ+5y/iwrZFau7tMaGCYh5RWMk4UkL4C+IB4aXPjcHHXUdHlz15FbLYVi0VVE2enkbNG8Xa5huD2juI6wdVJPJDGD2IiLoCIiAIiIAiIgCIiA6K2rbDG+WQ5WRsdI9x6mtBLj6gtZ8d2hkxiqNXUX4LCW0kJ+SxgPMjkXHrPWe4AK7N8U7mYJVll7lkbDbXovmY13oykrXijxSMMa0OAs0DW41tr7VVa2lsWVpN7meEycdYkYkzz2/eC+/lBnnN+8FkwzVlGV46+OluLHUHQg63WL/KLPPb94LicVjH02+u6YYyjtwnh0GI01aQeDHOx0gGuTXmO4c7dy2fxfGI6amkqpD8XDGZSRY3AFxl7SdAPELU7EsVjfG5ma5I0sDz5hWztnUzO2Qp+i67o6Ns1wRaNp6JPddseveO1bK22tzLYlnYqnBMKa48eRvyiTGw6gC/M9vcpDx1gocaisAHWAAAuCOQsu4YpGfpt9dlmnqb3L4aUtjL8dOOsV+UWee37w/1T8oM85v3h/qoYZPKMo6UEWOoOhB1v4hd2yG1T8Fq2yNJNHO8NqotSGX0EjB2jn3gEdlsIcSZ57fWCvHiWJxuic3MCSNAL8+Y9qsrckyE0mjbyN4cAQQQQCCNbg8iFyUc3dvecKozKCHeSwg30Ng0Bt/sgKRrYZAiIgCIiAIiIAiIgOMkQcC1wDg4EODhcEHmCDzCwVXsFh8pvJRUrj28JgPrACz6ICHy7osKdzoox9V0jf6XBdP8AwXwj/o2/3tR/uKbIgIYzc7hI5UbPS+Y+969cO7DDGcqGnP1mZ/6rqUIgMXSbLUkX5qlpo7cskUYPrssk5gIsQCCLEHlbwXJEBiKvZGil/OUlM+/PNDGfbZYybdbhb+dFTj6rSz+khSpEBC3bm8JP/wANnokmHueuI3L4T/0bf72o/wBxTZEBEIt0mFN5UUR+sZH/ANTisnR7EUEJvHR0rD2iJl/WQs4iAIiIAiIgCIiAIiIAiIgCIiAIiIAiIgCIiAIiIAiIgCIiAIiIAiIgCIiA/9k="/>
+          <p:cNvSpPr>
+            <a:spLocks noChangeAspect="1" noChangeArrowheads="1"/>
+          </p:cNvSpPr>
+          <p:nvPr/>
+        </p:nvSpPr>
+        <p:spPr bwMode="auto">
+          <a:xfrm>
+            <a:off x="155575" y="-144463"/>
+            <a:ext cx="304800" cy="304801"/>
+          </a:xfrm>
+          <a:prstGeom prst="rect">
+            <a:avLst/>
+          </a:prstGeom>
+          <a:noFill/>
+        </p:spPr>
+        <p:txBody>
+          <a:bodyPr vert="horz" wrap="square" lIns="91440" tIns="45720" rIns="91440" bIns="45720" numCol="1" anchor="t" anchorCtr="0" compatLnSpc="1">
+            <a:prstTxWarp prst="textNoShape">
+              <a:avLst/>
+            </a:prstTxWarp>
+          </a:bodyPr>
+          <a:lstStyle/>
+          <a:p>
+            <a:endParaRPr lang="en-US" sz="2400"/>
+          </a:p>
+        </p:txBody>
+      </p:sp>
+      <p:sp>
+        <p:nvSpPr>
+          <p:cNvPr id="8" name="Rectangle 7"/>
+          <p:cNvSpPr/>
+          <p:nvPr/>
+        </p:nvSpPr>
+        <p:spPr>
+          <a:xfrm>
+            <a:off x="457200" y="2514600"/>
+            <a:ext cx="8153400" cy="381000"/>
+          </a:xfrm>
+          <a:prstGeom prst="rect">
+            <a:avLst/>
+          </a:prstGeom>
+          <a:ln>
+            <a:solidFill>
+              <a:schemeClr val="bg1">
+                <a:lumMod val="95000"/>
+              </a:schemeClr>
+            </a:solidFill>
+          </a:ln>
+        </p:spPr>
+        <p:style>
+          <a:lnRef idx="2">
+            <a:schemeClr val="accent1"/>
+          </a:lnRef>
+          <a:fillRef idx="1">
+            <a:schemeClr val="lt1"/>
+          </a:fillRef>
+          <a:effectRef idx="0">
+            <a:schemeClr val="accent1"/>
+          </a:effectRef>
+          <a:fontRef idx="minor">
+            <a:schemeClr val="dk1"/>
+          </a:fontRef>
+        </p:style>
+        <p:txBody>
+          <a:bodyPr rtlCol="0" anchor="ctr"/>
+          <a:lstStyle/>
+          <a:p>
+            <a:pPr>
+              <a:buFont typeface="Arial" pitchFamily="34" charset="0"/>
+              <a:buChar char="•"/>
+            </a:pPr>
+            <a:r>
+              <a:rPr lang="en-US" sz="2400" dirty="0" smtClean="0"/>
+              <a:t>JMS client  </a:t>
+            </a:r>
+            <a:endParaRPr lang="en-US" sz="2400" dirty="0"/>
+          </a:p>
+        </p:txBody>
+      </p:sp>
+      <p:sp>
+        <p:nvSpPr>
+          <p:cNvPr id="11" name="Rectangle 10"/>
+          <p:cNvSpPr/>
+          <p:nvPr/>
+        </p:nvSpPr>
+        <p:spPr>
+          <a:xfrm>
+            <a:off x="3352800" y="4800600"/>
+            <a:ext cx="3657600" cy="381000"/>
+          </a:xfrm>
+          <a:prstGeom prst="rect">
+            <a:avLst/>
+          </a:prstGeom>
+          <a:ln>
+            <a:solidFill>
+              <a:schemeClr val="bg1">
+                <a:lumMod val="95000"/>
+              </a:schemeClr>
+            </a:solidFill>
+          </a:ln>
+        </p:spPr>
+        <p:style>
+          <a:lnRef idx="2">
+            <a:schemeClr val="accent1"/>
+          </a:lnRef>
+          <a:fillRef idx="1">
+            <a:schemeClr val="lt1"/>
+          </a:fillRef>
+          <a:effectRef idx="0">
+            <a:schemeClr val="accent1"/>
+          </a:effectRef>
+          <a:fontRef idx="minor">
+            <a:schemeClr val="dk1"/>
+          </a:fontRef>
+        </p:style>
+        <p:txBody>
+          <a:bodyPr rtlCol="0" anchor="ctr"/>
+          <a:lstStyle/>
+          <a:p>
+            <a:pPr>
+              <a:buFont typeface="Arial" pitchFamily="34" charset="0"/>
+              <a:buChar char="•"/>
+            </a:pPr>
+            <a:r>
+              <a:rPr lang="en-US" sz="2400" dirty="0" smtClean="0"/>
+              <a:t>q</a:t>
+            </a:r>
+            <a:r>
+              <a:rPr lang="en-US" sz="2400" dirty="0" smtClean="0"/>
+              <a:t>ueue</a:t>
+            </a:r>
+            <a:endParaRPr lang="en-US" sz="2400" dirty="0"/>
+          </a:p>
+        </p:txBody>
+      </p:sp>
+      <p:sp>
+        <p:nvSpPr>
+          <p:cNvPr id="12" name="Rectangle 11"/>
+          <p:cNvSpPr/>
+          <p:nvPr/>
+        </p:nvSpPr>
+        <p:spPr>
+          <a:xfrm>
+            <a:off x="3424882" y="5181600"/>
+            <a:ext cx="4195118" cy="381000"/>
+          </a:xfrm>
+          <a:prstGeom prst="rect">
+            <a:avLst/>
+          </a:prstGeom>
+          <a:ln>
+            <a:solidFill>
+              <a:schemeClr val="bg1">
+                <a:lumMod val="95000"/>
+              </a:schemeClr>
+            </a:solidFill>
+          </a:ln>
+        </p:spPr>
+        <p:style>
+          <a:lnRef idx="2">
+            <a:schemeClr val="accent1"/>
+          </a:lnRef>
+          <a:fillRef idx="1">
+            <a:schemeClr val="lt1"/>
+          </a:fillRef>
+          <a:effectRef idx="0">
+            <a:schemeClr val="accent1"/>
+          </a:effectRef>
+          <a:fontRef idx="minor">
+            <a:schemeClr val="dk1"/>
+          </a:fontRef>
+        </p:style>
+        <p:txBody>
+          <a:bodyPr rtlCol="0" anchor="ctr"/>
+          <a:lstStyle/>
+          <a:p>
+            <a:pPr>
+              <a:buFont typeface="Arial" pitchFamily="34" charset="0"/>
+              <a:buChar char="•"/>
+            </a:pPr>
+            <a:r>
+              <a:rPr lang="en-US" sz="2400" dirty="0" smtClean="0"/>
+              <a:t>t</a:t>
+            </a:r>
+            <a:r>
+              <a:rPr lang="en-US" sz="2400" dirty="0" smtClean="0"/>
+              <a:t>opic</a:t>
+            </a:r>
+            <a:endParaRPr lang="en-US" sz="2400" dirty="0"/>
+          </a:p>
+        </p:txBody>
+      </p:sp>
+      <p:sp>
+        <p:nvSpPr>
+          <p:cNvPr id="13" name="Rectangle 12"/>
+          <p:cNvSpPr/>
+          <p:nvPr/>
+        </p:nvSpPr>
+        <p:spPr>
+          <a:xfrm>
+            <a:off x="3581400" y="2819400"/>
+            <a:ext cx="3352800" cy="381000"/>
+          </a:xfrm>
+          <a:prstGeom prst="rect">
+            <a:avLst/>
+          </a:prstGeom>
+          <a:ln>
+            <a:solidFill>
+              <a:schemeClr val="bg1">
+                <a:lumMod val="95000"/>
+              </a:schemeClr>
+            </a:solidFill>
+          </a:ln>
+        </p:spPr>
+        <p:style>
+          <a:lnRef idx="2">
+            <a:schemeClr val="accent1"/>
+          </a:lnRef>
+          <a:fillRef idx="1">
+            <a:schemeClr val="lt1"/>
+          </a:fillRef>
+          <a:effectRef idx="0">
+            <a:schemeClr val="accent1"/>
+          </a:effectRef>
+          <a:fontRef idx="minor">
+            <a:schemeClr val="dk1"/>
+          </a:fontRef>
+        </p:style>
+        <p:txBody>
+          <a:bodyPr rtlCol="0" anchor="ctr"/>
+          <a:lstStyle/>
+          <a:p>
+            <a:pPr>
+              <a:buFont typeface="Arial" pitchFamily="34" charset="0"/>
+              <a:buChar char="•"/>
+            </a:pPr>
+            <a:r>
+              <a:rPr lang="en-US" sz="2400" dirty="0" smtClean="0"/>
+              <a:t> producer  </a:t>
+            </a:r>
+            <a:endParaRPr lang="en-US" sz="2400" dirty="0"/>
+          </a:p>
+        </p:txBody>
+      </p:sp>
+      <p:sp>
+        <p:nvSpPr>
+          <p:cNvPr id="14" name="Rectangle 13"/>
+          <p:cNvSpPr/>
+          <p:nvPr/>
+        </p:nvSpPr>
+        <p:spPr>
+          <a:xfrm>
+            <a:off x="3581400" y="3200400"/>
+            <a:ext cx="3886200" cy="381000"/>
+          </a:xfrm>
+          <a:prstGeom prst="rect">
+            <a:avLst/>
+          </a:prstGeom>
+          <a:ln>
+            <a:solidFill>
+              <a:schemeClr val="bg1">
+                <a:lumMod val="95000"/>
+              </a:schemeClr>
+            </a:solidFill>
+          </a:ln>
+        </p:spPr>
+        <p:style>
+          <a:lnRef idx="2">
+            <a:schemeClr val="accent1"/>
+          </a:lnRef>
+          <a:fillRef idx="1">
+            <a:schemeClr val="lt1"/>
+          </a:fillRef>
+          <a:effectRef idx="0">
+            <a:schemeClr val="accent1"/>
+          </a:effectRef>
+          <a:fontRef idx="minor">
+            <a:schemeClr val="dk1"/>
+          </a:fontRef>
+        </p:style>
+        <p:txBody>
+          <a:bodyPr rtlCol="0" anchor="ctr"/>
+          <a:lstStyle/>
+          <a:p>
+            <a:pPr>
+              <a:buFont typeface="Arial" pitchFamily="34" charset="0"/>
+              <a:buChar char="•"/>
+            </a:pPr>
+            <a:r>
+              <a:rPr lang="en-US" sz="2400" dirty="0" smtClean="0"/>
+              <a:t> receiver  </a:t>
+            </a:r>
+            <a:endParaRPr lang="en-US" sz="2400" dirty="0"/>
+          </a:p>
+        </p:txBody>
+      </p:sp>
+      <p:sp>
+        <p:nvSpPr>
+          <p:cNvPr id="15" name="Rectangle 14"/>
+          <p:cNvSpPr/>
+          <p:nvPr/>
+        </p:nvSpPr>
+        <p:spPr>
+          <a:xfrm>
+            <a:off x="906162" y="4419600"/>
+            <a:ext cx="7712676" cy="381000"/>
+          </a:xfrm>
+          <a:prstGeom prst="rect">
+            <a:avLst/>
+          </a:prstGeom>
+          <a:ln>
+            <a:solidFill>
+              <a:schemeClr val="bg1">
+                <a:lumMod val="95000"/>
+              </a:schemeClr>
+            </a:solidFill>
+          </a:ln>
+        </p:spPr>
+        <p:style>
+          <a:lnRef idx="2">
+            <a:schemeClr val="accent1"/>
+          </a:lnRef>
+          <a:fillRef idx="1">
+            <a:schemeClr val="lt1"/>
+          </a:fillRef>
+          <a:effectRef idx="0">
+            <a:schemeClr val="accent1"/>
+          </a:effectRef>
+          <a:fontRef idx="minor">
+            <a:schemeClr val="dk1"/>
+          </a:fontRef>
+        </p:style>
+        <p:txBody>
+          <a:bodyPr rtlCol="0" anchor="ctr"/>
+          <a:lstStyle/>
+          <a:p>
+            <a:pPr>
+              <a:buFont typeface="Arial" pitchFamily="34" charset="0"/>
+              <a:buChar char="•"/>
+            </a:pPr>
+            <a:r>
+              <a:rPr lang="en-US" sz="2400" dirty="0" smtClean="0"/>
+              <a:t>JMS domain</a:t>
+            </a:r>
+            <a:endParaRPr lang="en-US" sz="2400" dirty="0"/>
+          </a:p>
+        </p:txBody>
+      </p:sp>
+      <p:sp>
+        <p:nvSpPr>
+          <p:cNvPr id="16" name="Rectangle 15"/>
+          <p:cNvSpPr/>
+          <p:nvPr/>
+        </p:nvSpPr>
+        <p:spPr>
+          <a:xfrm>
+            <a:off x="609600" y="5867400"/>
+            <a:ext cx="8153400" cy="381000"/>
+          </a:xfrm>
+          <a:prstGeom prst="rect">
+            <a:avLst/>
+          </a:prstGeom>
+          <a:ln>
+            <a:solidFill>
+              <a:schemeClr val="bg1">
+                <a:lumMod val="95000"/>
+              </a:schemeClr>
+            </a:solidFill>
+          </a:ln>
+        </p:spPr>
+        <p:style>
+          <a:lnRef idx="2">
+            <a:schemeClr val="accent1"/>
+          </a:lnRef>
+          <a:fillRef idx="1">
+            <a:schemeClr val="lt1"/>
+          </a:fillRef>
+          <a:effectRef idx="0">
+            <a:schemeClr val="accent1"/>
+          </a:effectRef>
+          <a:fontRef idx="minor">
+            <a:schemeClr val="dk1"/>
+          </a:fontRef>
+        </p:style>
+        <p:txBody>
+          <a:bodyPr rtlCol="0" anchor="ctr"/>
+          <a:lstStyle/>
+          <a:p>
+            <a:pPr>
+              <a:buFont typeface="Arial" pitchFamily="34" charset="0"/>
+              <a:buChar char="•"/>
+            </a:pPr>
+            <a:endParaRPr lang="en-US" sz="2400" dirty="0" smtClean="0"/>
+          </a:p>
+          <a:p>
+            <a:pPr>
+              <a:buFont typeface="Arial" pitchFamily="34" charset="0"/>
+              <a:buChar char="•"/>
+            </a:pPr>
+            <a:r>
+              <a:rPr lang="en-US" sz="2400" dirty="0" smtClean="0"/>
+              <a:t>Message</a:t>
+            </a:r>
+            <a:endParaRPr lang="en-US" sz="2400" dirty="0" smtClean="0"/>
+          </a:p>
+          <a:p>
+            <a:pPr>
+              <a:buFont typeface="Arial" pitchFamily="34" charset="0"/>
+              <a:buChar char="•"/>
+            </a:pPr>
+            <a:endParaRPr lang="en-US" sz="2400" dirty="0"/>
+          </a:p>
+        </p:txBody>
+      </p:sp>
+    </p:spTree>
+  </p:cSld>
+  <p:clrMapOvr>
+    <a:masterClrMapping/>
+  </p:clrMapOvr>
+</p:sld>
+</file>
+
+<file path=ppt/slides/slide7.xml><?xml version="1.0" encoding="utf-8"?>
 <p:sld xmlns:a="http://schemas.openxmlformats.org/drawingml/2006/main" xmlns:r="http://schemas.openxmlformats.org/officeDocument/2006/relationships" xmlns:p="http://schemas.openxmlformats.org/presentationml/2006/main">
   <p:cSld>
     <p:spTree>

--- a/jms.pptx
+++ b/jms.pptx
@@ -4029,11 +4029,7 @@
           <a:p>
             <a:r>
               <a:rPr lang="en-US" b="1" dirty="0" smtClean="0"/>
-              <a:t>What is JMS </a:t>
-            </a:r>
-            <a:r>
-              <a:rPr lang="en-US" b="1" dirty="0" smtClean="0"/>
-              <a:t>?</a:t>
+              <a:t>What is JMS ?</a:t>
             </a:r>
           </a:p>
           <a:p>
@@ -4045,21 +4041,13 @@
           <a:p>
             <a:r>
               <a:rPr lang="en-US" b="1" dirty="0" smtClean="0"/>
-              <a:t> JMS API </a:t>
-            </a:r>
+              <a:t> JMS API Architecture</a:t>
+            </a:r>
+          </a:p>
+          <a:p>
             <a:r>
               <a:rPr lang="en-US" b="1" dirty="0" smtClean="0"/>
-              <a:t>Architecture</a:t>
-            </a:r>
-          </a:p>
-          <a:p>
-            <a:r>
-              <a:rPr lang="en-US" b="1" dirty="0" smtClean="0"/>
-              <a:t> The JMS API Programming </a:t>
-            </a:r>
-            <a:r>
-              <a:rPr lang="en-US" b="1" dirty="0" smtClean="0"/>
-              <a:t>Model</a:t>
+              <a:t> The JMS API Programming Model</a:t>
             </a:r>
           </a:p>
           <a:p>
@@ -4073,7 +4061,6 @@
               <a:rPr lang="en-US" b="1" dirty="0" smtClean="0"/>
               <a:t>Code Examples and Explanation</a:t>
             </a:r>
-            <a:endParaRPr lang="en-US" b="1" dirty="0" smtClean="0"/>
           </a:p>
           <a:p>
             <a:pPr>
@@ -4094,6 +4081,13 @@
   <p:clrMapOvr>
     <a:masterClrMapping/>
   </p:clrMapOvr>
+  <p:timing>
+    <p:tnLst>
+      <p:par>
+        <p:cTn id="1" dur="indefinite" restart="never" nodeType="tmRoot"/>
+      </p:par>
+    </p:tnLst>
+  </p:timing>
 </p:sld>
 </file>
 
@@ -4161,15 +4155,7 @@
           <a:p>
             <a:r>
               <a:rPr lang="en-US" dirty="0" smtClean="0"/>
-              <a:t>A</a:t>
-            </a:r>
-            <a:r>
-              <a:rPr lang="en-US" dirty="0" smtClean="0"/>
-              <a:t> </a:t>
-            </a:r>
-            <a:r>
-              <a:rPr lang="en-US" dirty="0" smtClean="0"/>
-              <a:t>method of communication between software components or applications. </a:t>
+              <a:t>A method of communication between software components or applications. </a:t>
             </a:r>
             <a:endParaRPr lang="en-US" dirty="0"/>
           </a:p>
@@ -4211,19 +4197,7 @@
             </a:pPr>
             <a:r>
               <a:rPr lang="en-US" sz="2800" dirty="0" smtClean="0"/>
-              <a:t> A</a:t>
-            </a:r>
-            <a:r>
-              <a:rPr lang="en-US" sz="2800" dirty="0" smtClean="0"/>
-              <a:t> </a:t>
-            </a:r>
-            <a:r>
-              <a:rPr lang="en-US" sz="2800" dirty="0" smtClean="0"/>
-              <a:t>peer-to-peer </a:t>
-            </a:r>
-            <a:r>
-              <a:rPr lang="en-US" sz="2800" dirty="0" smtClean="0"/>
-              <a:t>facility between clients</a:t>
+              <a:t> A peer-to-peer facility between clients</a:t>
             </a:r>
             <a:endParaRPr kumimoji="0" lang="en-US" sz="2600" i="0" u="none" strike="noStrike" kern="1200" cap="none" spc="0" normalizeH="0" baseline="0" noProof="0" dirty="0">
               <a:ln>
@@ -4278,15 +4252,7 @@
             </a:pPr>
             <a:r>
               <a:rPr lang="en-US" sz="2800" dirty="0" smtClean="0"/>
-              <a:t> Distributed </a:t>
-            </a:r>
-            <a:r>
-              <a:rPr lang="en-US" sz="2800" dirty="0" smtClean="0"/>
-              <a:t>communication that is loosely </a:t>
-            </a:r>
-            <a:r>
-              <a:rPr lang="en-US" sz="2800" dirty="0" smtClean="0"/>
-              <a:t>coupled communication</a:t>
+              <a:t> Distributed communication that is loosely coupled communication</a:t>
             </a:r>
             <a:endParaRPr kumimoji="0" lang="en-US" sz="2600" i="0" u="none" strike="noStrike" kern="1200" cap="none" spc="0" normalizeH="0" baseline="0" noProof="0" dirty="0">
               <a:ln>
@@ -4556,11 +4522,7 @@
           <a:p>
             <a:r>
               <a:rPr lang="en-US" b="1" dirty="0" smtClean="0"/>
-              <a:t>JMS API </a:t>
-            </a:r>
-            <a:r>
-              <a:rPr lang="en-US" b="1" dirty="0" smtClean="0"/>
-              <a:t>Architecture</a:t>
+              <a:t>JMS API Architecture</a:t>
             </a:r>
             <a:endParaRPr lang="en-US" dirty="0"/>
           </a:p>
@@ -4635,20 +4597,514 @@
       </p:sp>
       <p:sp>
         <p:nvSpPr>
-          <p:cNvPr id="3" name="Content Placeholder 2"/>
-          <p:cNvSpPr>
-            <a:spLocks noGrp="1"/>
-          </p:cNvSpPr>
-          <p:nvPr>
-            <p:ph idx="1"/>
-          </p:nvPr>
-        </p:nvSpPr>
-        <p:spPr/>
-        <p:txBody>
-          <a:bodyPr/>
-          <a:lstStyle/>
-          <a:p>
+          <p:cNvPr id="4" name="Rectangle 3"/>
+          <p:cNvSpPr/>
+          <p:nvPr/>
+        </p:nvSpPr>
+        <p:spPr>
+          <a:xfrm>
+            <a:off x="5410200" y="2286000"/>
+            <a:ext cx="2667000" cy="1524000"/>
+          </a:xfrm>
+          <a:prstGeom prst="rect">
+            <a:avLst/>
+          </a:prstGeom>
+          <a:solidFill>
+            <a:schemeClr val="bg2"/>
+          </a:solidFill>
+        </p:spPr>
+        <p:style>
+          <a:lnRef idx="2">
+            <a:schemeClr val="accent1">
+              <a:shade val="50000"/>
+            </a:schemeClr>
+          </a:lnRef>
+          <a:fillRef idx="1">
+            <a:schemeClr val="accent1"/>
+          </a:fillRef>
+          <a:effectRef idx="0">
+            <a:schemeClr val="accent1"/>
+          </a:effectRef>
+          <a:fontRef idx="minor">
+            <a:schemeClr val="lt1"/>
+          </a:fontRef>
+        </p:style>
+        <p:txBody>
+          <a:bodyPr rtlCol="0" anchor="ctr"/>
+          <a:lstStyle/>
+          <a:p>
+            <a:pPr algn="ctr"/>
+            <a:r>
+              <a:rPr lang="en-US" dirty="0" smtClean="0">
+                <a:solidFill>
+                  <a:schemeClr val="tx1"/>
+                </a:solidFill>
+              </a:rPr>
+              <a:t>JNDI Namespace </a:t>
+            </a:r>
+          </a:p>
+          <a:p>
+            <a:pPr algn="ctr"/>
+            <a:endParaRPr lang="en-US" dirty="0">
+              <a:solidFill>
+                <a:schemeClr val="tx1"/>
+              </a:solidFill>
+            </a:endParaRPr>
+          </a:p>
+        </p:txBody>
+      </p:sp>
+      <p:sp>
+        <p:nvSpPr>
+          <p:cNvPr id="5" name="Rectangle 4"/>
+          <p:cNvSpPr/>
+          <p:nvPr/>
+        </p:nvSpPr>
+        <p:spPr>
+          <a:xfrm>
+            <a:off x="990600" y="2286000"/>
+            <a:ext cx="1905000" cy="1066800"/>
+          </a:xfrm>
+          <a:prstGeom prst="rect">
+            <a:avLst/>
+          </a:prstGeom>
+          <a:solidFill>
+            <a:srgbClr val="FFC000"/>
+          </a:solidFill>
+        </p:spPr>
+        <p:style>
+          <a:lnRef idx="2">
+            <a:schemeClr val="accent1">
+              <a:shade val="50000"/>
+            </a:schemeClr>
+          </a:lnRef>
+          <a:fillRef idx="1">
+            <a:schemeClr val="accent1"/>
+          </a:fillRef>
+          <a:effectRef idx="0">
+            <a:schemeClr val="accent1"/>
+          </a:effectRef>
+          <a:fontRef idx="minor">
+            <a:schemeClr val="lt1"/>
+          </a:fontRef>
+        </p:style>
+        <p:txBody>
+          <a:bodyPr rtlCol="0" anchor="ctr"/>
+          <a:lstStyle/>
+          <a:p>
+            <a:pPr algn="ctr"/>
+            <a:r>
+              <a:rPr lang="en-US" sz="2000" dirty="0" smtClean="0">
+                <a:solidFill>
+                  <a:schemeClr val="tx1"/>
+                </a:solidFill>
+              </a:rPr>
+              <a:t>Administrative Tools</a:t>
+            </a:r>
+            <a:endParaRPr lang="en-US" sz="2000" dirty="0">
+              <a:solidFill>
+                <a:schemeClr val="tx1"/>
+              </a:solidFill>
+            </a:endParaRPr>
+          </a:p>
+        </p:txBody>
+      </p:sp>
+      <p:sp>
+        <p:nvSpPr>
+          <p:cNvPr id="6" name="Rectangle 5"/>
+          <p:cNvSpPr/>
+          <p:nvPr/>
+        </p:nvSpPr>
+        <p:spPr>
+          <a:xfrm>
+            <a:off x="990600" y="4343400"/>
+            <a:ext cx="1905000" cy="1066800"/>
+          </a:xfrm>
+          <a:prstGeom prst="rect">
+            <a:avLst/>
+          </a:prstGeom>
+          <a:solidFill>
+            <a:srgbClr val="00B050"/>
+          </a:solidFill>
+        </p:spPr>
+        <p:style>
+          <a:lnRef idx="2">
+            <a:schemeClr val="accent1">
+              <a:shade val="50000"/>
+            </a:schemeClr>
+          </a:lnRef>
+          <a:fillRef idx="1">
+            <a:schemeClr val="accent1"/>
+          </a:fillRef>
+          <a:effectRef idx="0">
+            <a:schemeClr val="accent1"/>
+          </a:effectRef>
+          <a:fontRef idx="minor">
+            <a:schemeClr val="lt1"/>
+          </a:fontRef>
+        </p:style>
+        <p:txBody>
+          <a:bodyPr rtlCol="0" anchor="ctr"/>
+          <a:lstStyle/>
+          <a:p>
+            <a:pPr algn="ctr"/>
+            <a:r>
+              <a:rPr lang="en-US" dirty="0" smtClean="0">
+                <a:solidFill>
+                  <a:schemeClr val="tx1"/>
+                </a:solidFill>
+              </a:rPr>
+              <a:t>JMS Client</a:t>
+            </a:r>
+            <a:endParaRPr lang="en-US" dirty="0">
+              <a:solidFill>
+                <a:schemeClr val="tx1"/>
+              </a:solidFill>
+            </a:endParaRPr>
+          </a:p>
+        </p:txBody>
+      </p:sp>
+      <p:sp>
+        <p:nvSpPr>
+          <p:cNvPr id="7" name="Flowchart: Alternate Process 6"/>
+          <p:cNvSpPr/>
+          <p:nvPr/>
+        </p:nvSpPr>
+        <p:spPr>
+          <a:xfrm>
+            <a:off x="5486400" y="4572000"/>
+            <a:ext cx="2514600" cy="990600"/>
+          </a:xfrm>
+          <a:prstGeom prst="flowChartAlternateProcess">
+            <a:avLst/>
+          </a:prstGeom>
+        </p:spPr>
+        <p:style>
+          <a:lnRef idx="2">
+            <a:schemeClr val="accent1">
+              <a:shade val="50000"/>
+            </a:schemeClr>
+          </a:lnRef>
+          <a:fillRef idx="1">
+            <a:schemeClr val="accent1"/>
+          </a:fillRef>
+          <a:effectRef idx="0">
+            <a:schemeClr val="accent1"/>
+          </a:effectRef>
+          <a:fontRef idx="minor">
+            <a:schemeClr val="lt1"/>
+          </a:fontRef>
+        </p:style>
+        <p:txBody>
+          <a:bodyPr rtlCol="0" anchor="ctr"/>
+          <a:lstStyle/>
+          <a:p>
+            <a:pPr algn="ctr"/>
+            <a:r>
+              <a:rPr lang="en-US" dirty="0" smtClean="0"/>
+              <a:t>JMS Provider</a:t>
+            </a:r>
+            <a:endParaRPr lang="en-US" dirty="0"/>
+          </a:p>
+        </p:txBody>
+      </p:sp>
+      <p:sp>
+        <p:nvSpPr>
+          <p:cNvPr id="8" name="Right Arrow 7"/>
+          <p:cNvSpPr/>
+          <p:nvPr/>
+        </p:nvSpPr>
+        <p:spPr>
+          <a:xfrm flipV="1">
+            <a:off x="2895600" y="2666998"/>
+            <a:ext cx="2438400" cy="152401"/>
+          </a:xfrm>
+          <a:prstGeom prst="rightArrow">
+            <a:avLst/>
+          </a:prstGeom>
+        </p:spPr>
+        <p:style>
+          <a:lnRef idx="2">
+            <a:schemeClr val="accent1">
+              <a:shade val="50000"/>
+            </a:schemeClr>
+          </a:lnRef>
+          <a:fillRef idx="1">
+            <a:schemeClr val="accent1"/>
+          </a:fillRef>
+          <a:effectRef idx="0">
+            <a:schemeClr val="accent1"/>
+          </a:effectRef>
+          <a:fontRef idx="minor">
+            <a:schemeClr val="lt1"/>
+          </a:fontRef>
+        </p:style>
+        <p:txBody>
+          <a:bodyPr rtlCol="0" anchor="ctr"/>
+          <a:lstStyle/>
+          <a:p>
+            <a:pPr algn="ctr"/>
             <a:endParaRPr lang="en-US"/>
+          </a:p>
+        </p:txBody>
+      </p:sp>
+      <p:sp>
+        <p:nvSpPr>
+          <p:cNvPr id="9" name="Right Arrow 8"/>
+          <p:cNvSpPr/>
+          <p:nvPr/>
+        </p:nvSpPr>
+        <p:spPr>
+          <a:xfrm rot="8549132" flipV="1">
+            <a:off x="2617333" y="3756805"/>
+            <a:ext cx="3122629" cy="103741"/>
+          </a:xfrm>
+          <a:prstGeom prst="rightArrow">
+            <a:avLst>
+              <a:gd name="adj1" fmla="val 50000"/>
+              <a:gd name="adj2" fmla="val 43651"/>
+            </a:avLst>
+          </a:prstGeom>
+        </p:spPr>
+        <p:style>
+          <a:lnRef idx="2">
+            <a:schemeClr val="accent1">
+              <a:shade val="50000"/>
+            </a:schemeClr>
+          </a:lnRef>
+          <a:fillRef idx="1">
+            <a:schemeClr val="accent1"/>
+          </a:fillRef>
+          <a:effectRef idx="0">
+            <a:schemeClr val="accent1"/>
+          </a:effectRef>
+          <a:fontRef idx="minor">
+            <a:schemeClr val="lt1"/>
+          </a:fontRef>
+        </p:style>
+        <p:txBody>
+          <a:bodyPr rtlCol="0" anchor="ctr"/>
+          <a:lstStyle/>
+          <a:p>
+            <a:pPr algn="ctr"/>
+            <a:endParaRPr lang="en-US"/>
+          </a:p>
+        </p:txBody>
+      </p:sp>
+      <p:sp>
+        <p:nvSpPr>
+          <p:cNvPr id="10" name="Oval 9"/>
+          <p:cNvSpPr/>
+          <p:nvPr/>
+        </p:nvSpPr>
+        <p:spPr>
+          <a:xfrm>
+            <a:off x="5715000" y="3124200"/>
+            <a:ext cx="685800" cy="457200"/>
+          </a:xfrm>
+          <a:prstGeom prst="ellipse">
+            <a:avLst/>
+          </a:prstGeom>
+        </p:spPr>
+        <p:style>
+          <a:lnRef idx="2">
+            <a:schemeClr val="accent1">
+              <a:shade val="50000"/>
+            </a:schemeClr>
+          </a:lnRef>
+          <a:fillRef idx="1">
+            <a:schemeClr val="accent1"/>
+          </a:fillRef>
+          <a:effectRef idx="0">
+            <a:schemeClr val="accent1"/>
+          </a:effectRef>
+          <a:fontRef idx="minor">
+            <a:schemeClr val="lt1"/>
+          </a:fontRef>
+        </p:style>
+        <p:txBody>
+          <a:bodyPr rtlCol="0" anchor="ctr"/>
+          <a:lstStyle/>
+          <a:p>
+            <a:pPr algn="ctr"/>
+            <a:r>
+              <a:rPr lang="en-US" dirty="0" smtClean="0"/>
+              <a:t>CF</a:t>
+            </a:r>
+            <a:endParaRPr lang="en-US" dirty="0"/>
+          </a:p>
+        </p:txBody>
+      </p:sp>
+      <p:sp>
+        <p:nvSpPr>
+          <p:cNvPr id="11" name="Oval 10"/>
+          <p:cNvSpPr/>
+          <p:nvPr/>
+        </p:nvSpPr>
+        <p:spPr>
+          <a:xfrm>
+            <a:off x="6629400" y="3124200"/>
+            <a:ext cx="685800" cy="457200"/>
+          </a:xfrm>
+          <a:prstGeom prst="ellipse">
+            <a:avLst/>
+          </a:prstGeom>
+        </p:spPr>
+        <p:style>
+          <a:lnRef idx="2">
+            <a:schemeClr val="accent1">
+              <a:shade val="50000"/>
+            </a:schemeClr>
+          </a:lnRef>
+          <a:fillRef idx="1">
+            <a:schemeClr val="accent1"/>
+          </a:fillRef>
+          <a:effectRef idx="0">
+            <a:schemeClr val="accent1"/>
+          </a:effectRef>
+          <a:fontRef idx="minor">
+            <a:schemeClr val="lt1"/>
+          </a:fontRef>
+        </p:style>
+        <p:txBody>
+          <a:bodyPr rtlCol="0" anchor="ctr"/>
+          <a:lstStyle/>
+          <a:p>
+            <a:pPr algn="ctr"/>
+            <a:r>
+              <a:rPr lang="en-US" dirty="0" smtClean="0"/>
+              <a:t>D</a:t>
+            </a:r>
+            <a:endParaRPr lang="en-US" dirty="0"/>
+          </a:p>
+        </p:txBody>
+      </p:sp>
+      <p:sp>
+        <p:nvSpPr>
+          <p:cNvPr id="13" name="Right Arrow 12"/>
+          <p:cNvSpPr/>
+          <p:nvPr/>
+        </p:nvSpPr>
+        <p:spPr>
+          <a:xfrm flipV="1">
+            <a:off x="2895600" y="4952998"/>
+            <a:ext cx="2590800" cy="76202"/>
+          </a:xfrm>
+          <a:prstGeom prst="rightArrow">
+            <a:avLst/>
+          </a:prstGeom>
+        </p:spPr>
+        <p:style>
+          <a:lnRef idx="2">
+            <a:schemeClr val="accent1">
+              <a:shade val="50000"/>
+            </a:schemeClr>
+          </a:lnRef>
+          <a:fillRef idx="1">
+            <a:schemeClr val="accent1"/>
+          </a:fillRef>
+          <a:effectRef idx="0">
+            <a:schemeClr val="accent1"/>
+          </a:effectRef>
+          <a:fontRef idx="minor">
+            <a:schemeClr val="lt1"/>
+          </a:fontRef>
+        </p:style>
+        <p:txBody>
+          <a:bodyPr rtlCol="0" anchor="ctr"/>
+          <a:lstStyle/>
+          <a:p>
+            <a:pPr algn="ctr"/>
+            <a:endParaRPr lang="en-US"/>
+          </a:p>
+        </p:txBody>
+      </p:sp>
+      <p:sp>
+        <p:nvSpPr>
+          <p:cNvPr id="14" name="TextBox 13"/>
+          <p:cNvSpPr txBox="1"/>
+          <p:nvPr/>
+        </p:nvSpPr>
+        <p:spPr>
+          <a:xfrm>
+            <a:off x="3733800" y="2286000"/>
+            <a:ext cx="838200" cy="381000"/>
+          </a:xfrm>
+          <a:prstGeom prst="rect">
+            <a:avLst/>
+          </a:prstGeom>
+          <a:noFill/>
+        </p:spPr>
+        <p:txBody>
+          <a:bodyPr wrap="square" rtlCol="0">
+            <a:spAutoFit/>
+          </a:bodyPr>
+          <a:lstStyle/>
+          <a:p>
+            <a:r>
+              <a:rPr lang="en-US" dirty="0" smtClean="0"/>
+              <a:t>Bind</a:t>
+            </a:r>
+            <a:endParaRPr lang="en-US" dirty="0"/>
+          </a:p>
+        </p:txBody>
+      </p:sp>
+      <p:sp>
+        <p:nvSpPr>
+          <p:cNvPr id="15" name="TextBox 14"/>
+          <p:cNvSpPr txBox="1"/>
+          <p:nvPr/>
+        </p:nvSpPr>
+        <p:spPr>
+          <a:xfrm rot="19410680">
+            <a:off x="2936380" y="3488770"/>
+            <a:ext cx="1874759" cy="369332"/>
+          </a:xfrm>
+          <a:prstGeom prst="rect">
+            <a:avLst/>
+          </a:prstGeom>
+          <a:noFill/>
+        </p:spPr>
+        <p:txBody>
+          <a:bodyPr wrap="square" rtlCol="0">
+            <a:spAutoFit/>
+          </a:bodyPr>
+          <a:lstStyle/>
+          <a:p>
+            <a:r>
+              <a:rPr lang="en-US" dirty="0" smtClean="0"/>
+              <a:t>Inject Resources</a:t>
+            </a:r>
+            <a:endParaRPr lang="en-US" dirty="0"/>
+          </a:p>
+        </p:txBody>
+      </p:sp>
+      <p:sp>
+        <p:nvSpPr>
+          <p:cNvPr id="16" name="TextBox 15"/>
+          <p:cNvSpPr txBox="1"/>
+          <p:nvPr/>
+        </p:nvSpPr>
+        <p:spPr>
+          <a:xfrm>
+            <a:off x="3124200" y="5029200"/>
+            <a:ext cx="2209800" cy="369332"/>
+          </a:xfrm>
+          <a:prstGeom prst="rect">
+            <a:avLst/>
+          </a:prstGeom>
+          <a:noFill/>
+        </p:spPr>
+        <p:txBody>
+          <a:bodyPr wrap="square" rtlCol="0">
+            <a:spAutoFit/>
+          </a:bodyPr>
+          <a:lstStyle/>
+          <a:p>
+            <a:r>
+              <a:rPr lang="en-US" dirty="0" smtClean="0"/>
+              <a:t>Logical Connection</a:t>
+            </a:r>
+            <a:endParaRPr lang="en-US" dirty="0"/>
           </a:p>
         </p:txBody>
       </p:sp>
@@ -4657,6 +5113,560 @@
   <p:clrMapOvr>
     <a:masterClrMapping/>
   </p:clrMapOvr>
+  <p:timing>
+    <p:tnLst>
+      <p:par>
+        <p:cTn id="1" dur="indefinite" restart="never" nodeType="tmRoot">
+          <p:childTnLst>
+            <p:seq concurrent="1" nextAc="seek">
+              <p:cTn id="2" dur="indefinite" nodeType="mainSeq">
+                <p:childTnLst>
+                  <p:par>
+                    <p:cTn id="3" fill="hold">
+                      <p:stCondLst>
+                        <p:cond delay="indefinite"/>
+                      </p:stCondLst>
+                      <p:childTnLst>
+                        <p:par>
+                          <p:cTn id="4" fill="hold">
+                            <p:stCondLst>
+                              <p:cond delay="0"/>
+                            </p:stCondLst>
+                            <p:childTnLst>
+                              <p:par>
+                                <p:cTn id="5" presetID="4" presetClass="entr" presetSubtype="16" fill="hold" grpId="0" nodeType="clickEffect">
+                                  <p:stCondLst>
+                                    <p:cond delay="0"/>
+                                  </p:stCondLst>
+                                  <p:childTnLst>
+                                    <p:set>
+                                      <p:cBhvr>
+                                        <p:cTn id="6" dur="1" fill="hold">
+                                          <p:stCondLst>
+                                            <p:cond delay="0"/>
+                                          </p:stCondLst>
+                                        </p:cTn>
+                                        <p:tgtEl>
+                                          <p:spTgt spid="5"/>
+                                        </p:tgtEl>
+                                        <p:attrNameLst>
+                                          <p:attrName>style.visibility</p:attrName>
+                                        </p:attrNameLst>
+                                      </p:cBhvr>
+                                      <p:to>
+                                        <p:strVal val="visible"/>
+                                      </p:to>
+                                    </p:set>
+                                    <p:animEffect transition="in" filter="box(in)">
+                                      <p:cBhvr>
+                                        <p:cTn id="7" dur="500"/>
+                                        <p:tgtEl>
+                                          <p:spTgt spid="5"/>
+                                        </p:tgtEl>
+                                      </p:cBhvr>
+                                    </p:animEffect>
+                                  </p:childTnLst>
+                                </p:cTn>
+                              </p:par>
+                            </p:childTnLst>
+                          </p:cTn>
+                        </p:par>
+                      </p:childTnLst>
+                    </p:cTn>
+                  </p:par>
+                  <p:par>
+                    <p:cTn id="8" fill="hold">
+                      <p:stCondLst>
+                        <p:cond delay="indefinite"/>
+                      </p:stCondLst>
+                      <p:childTnLst>
+                        <p:par>
+                          <p:cTn id="9" fill="hold">
+                            <p:stCondLst>
+                              <p:cond delay="0"/>
+                            </p:stCondLst>
+                            <p:childTnLst>
+                              <p:par>
+                                <p:cTn id="10" presetID="3" presetClass="entr" presetSubtype="10" fill="hold" grpId="0" nodeType="clickEffect">
+                                  <p:stCondLst>
+                                    <p:cond delay="0"/>
+                                  </p:stCondLst>
+                                  <p:childTnLst>
+                                    <p:set>
+                                      <p:cBhvr>
+                                        <p:cTn id="11" dur="1" fill="hold">
+                                          <p:stCondLst>
+                                            <p:cond delay="0"/>
+                                          </p:stCondLst>
+                                        </p:cTn>
+                                        <p:tgtEl>
+                                          <p:spTgt spid="8"/>
+                                        </p:tgtEl>
+                                        <p:attrNameLst>
+                                          <p:attrName>style.visibility</p:attrName>
+                                        </p:attrNameLst>
+                                      </p:cBhvr>
+                                      <p:to>
+                                        <p:strVal val="visible"/>
+                                      </p:to>
+                                    </p:set>
+                                    <p:animEffect transition="in" filter="blinds(horizontal)">
+                                      <p:cBhvr>
+                                        <p:cTn id="12" dur="500"/>
+                                        <p:tgtEl>
+                                          <p:spTgt spid="8"/>
+                                        </p:tgtEl>
+                                      </p:cBhvr>
+                                    </p:animEffect>
+                                  </p:childTnLst>
+                                </p:cTn>
+                              </p:par>
+                              <p:par>
+                                <p:cTn id="13" presetID="3" presetClass="entr" presetSubtype="10" fill="hold" grpId="0" nodeType="withEffect">
+                                  <p:stCondLst>
+                                    <p:cond delay="0"/>
+                                  </p:stCondLst>
+                                  <p:childTnLst>
+                                    <p:set>
+                                      <p:cBhvr>
+                                        <p:cTn id="14" dur="1" fill="hold">
+                                          <p:stCondLst>
+                                            <p:cond delay="0"/>
+                                          </p:stCondLst>
+                                        </p:cTn>
+                                        <p:tgtEl>
+                                          <p:spTgt spid="14"/>
+                                        </p:tgtEl>
+                                        <p:attrNameLst>
+                                          <p:attrName>style.visibility</p:attrName>
+                                        </p:attrNameLst>
+                                      </p:cBhvr>
+                                      <p:to>
+                                        <p:strVal val="visible"/>
+                                      </p:to>
+                                    </p:set>
+                                    <p:animEffect transition="in" filter="blinds(horizontal)">
+                                      <p:cBhvr>
+                                        <p:cTn id="15" dur="500"/>
+                                        <p:tgtEl>
+                                          <p:spTgt spid="14"/>
+                                        </p:tgtEl>
+                                      </p:cBhvr>
+                                    </p:animEffect>
+                                  </p:childTnLst>
+                                </p:cTn>
+                              </p:par>
+                              <p:par>
+                                <p:cTn id="16" presetID="3" presetClass="entr" presetSubtype="10" fill="hold" grpId="0" nodeType="withEffect">
+                                  <p:stCondLst>
+                                    <p:cond delay="0"/>
+                                  </p:stCondLst>
+                                  <p:childTnLst>
+                                    <p:set>
+                                      <p:cBhvr>
+                                        <p:cTn id="17" dur="1" fill="hold">
+                                          <p:stCondLst>
+                                            <p:cond delay="0"/>
+                                          </p:stCondLst>
+                                        </p:cTn>
+                                        <p:tgtEl>
+                                          <p:spTgt spid="4"/>
+                                        </p:tgtEl>
+                                        <p:attrNameLst>
+                                          <p:attrName>style.visibility</p:attrName>
+                                        </p:attrNameLst>
+                                      </p:cBhvr>
+                                      <p:to>
+                                        <p:strVal val="visible"/>
+                                      </p:to>
+                                    </p:set>
+                                    <p:animEffect transition="in" filter="blinds(horizontal)">
+                                      <p:cBhvr>
+                                        <p:cTn id="18" dur="500"/>
+                                        <p:tgtEl>
+                                          <p:spTgt spid="4"/>
+                                        </p:tgtEl>
+                                      </p:cBhvr>
+                                    </p:animEffect>
+                                  </p:childTnLst>
+                                </p:cTn>
+                              </p:par>
+                            </p:childTnLst>
+                          </p:cTn>
+                        </p:par>
+                      </p:childTnLst>
+                    </p:cTn>
+                  </p:par>
+                  <p:par>
+                    <p:cTn id="19" fill="hold">
+                      <p:stCondLst>
+                        <p:cond delay="indefinite"/>
+                      </p:stCondLst>
+                      <p:childTnLst>
+                        <p:par>
+                          <p:cTn id="20" fill="hold">
+                            <p:stCondLst>
+                              <p:cond delay="0"/>
+                            </p:stCondLst>
+                            <p:childTnLst>
+                              <p:par>
+                                <p:cTn id="21" presetID="3" presetClass="entr" presetSubtype="10" fill="hold" grpId="0" nodeType="clickEffect">
+                                  <p:stCondLst>
+                                    <p:cond delay="0"/>
+                                  </p:stCondLst>
+                                  <p:childTnLst>
+                                    <p:set>
+                                      <p:cBhvr>
+                                        <p:cTn id="22" dur="1" fill="hold">
+                                          <p:stCondLst>
+                                            <p:cond delay="0"/>
+                                          </p:stCondLst>
+                                        </p:cTn>
+                                        <p:tgtEl>
+                                          <p:spTgt spid="10"/>
+                                        </p:tgtEl>
+                                        <p:attrNameLst>
+                                          <p:attrName>style.visibility</p:attrName>
+                                        </p:attrNameLst>
+                                      </p:cBhvr>
+                                      <p:to>
+                                        <p:strVal val="visible"/>
+                                      </p:to>
+                                    </p:set>
+                                    <p:animEffect transition="in" filter="blinds(horizontal)">
+                                      <p:cBhvr>
+                                        <p:cTn id="23" dur="500"/>
+                                        <p:tgtEl>
+                                          <p:spTgt spid="10"/>
+                                        </p:tgtEl>
+                                      </p:cBhvr>
+                                    </p:animEffect>
+                                  </p:childTnLst>
+                                </p:cTn>
+                              </p:par>
+                              <p:par>
+                                <p:cTn id="24" presetID="3" presetClass="entr" presetSubtype="10" fill="hold" grpId="0" nodeType="withEffect">
+                                  <p:stCondLst>
+                                    <p:cond delay="0"/>
+                                  </p:stCondLst>
+                                  <p:childTnLst>
+                                    <p:set>
+                                      <p:cBhvr>
+                                        <p:cTn id="25" dur="1" fill="hold">
+                                          <p:stCondLst>
+                                            <p:cond delay="0"/>
+                                          </p:stCondLst>
+                                        </p:cTn>
+                                        <p:tgtEl>
+                                          <p:spTgt spid="11"/>
+                                        </p:tgtEl>
+                                        <p:attrNameLst>
+                                          <p:attrName>style.visibility</p:attrName>
+                                        </p:attrNameLst>
+                                      </p:cBhvr>
+                                      <p:to>
+                                        <p:strVal val="visible"/>
+                                      </p:to>
+                                    </p:set>
+                                    <p:animEffect transition="in" filter="blinds(horizontal)">
+                                      <p:cBhvr>
+                                        <p:cTn id="26" dur="500"/>
+                                        <p:tgtEl>
+                                          <p:spTgt spid="11"/>
+                                        </p:tgtEl>
+                                      </p:cBhvr>
+                                    </p:animEffect>
+                                  </p:childTnLst>
+                                </p:cTn>
+                              </p:par>
+                            </p:childTnLst>
+                          </p:cTn>
+                        </p:par>
+                      </p:childTnLst>
+                    </p:cTn>
+                  </p:par>
+                  <p:par>
+                    <p:cTn id="27" fill="hold">
+                      <p:stCondLst>
+                        <p:cond delay="indefinite"/>
+                      </p:stCondLst>
+                      <p:childTnLst>
+                        <p:par>
+                          <p:cTn id="28" fill="hold">
+                            <p:stCondLst>
+                              <p:cond delay="0"/>
+                            </p:stCondLst>
+                            <p:childTnLst>
+                              <p:par>
+                                <p:cTn id="29" presetID="4" presetClass="entr" presetSubtype="16" fill="hold" grpId="0" nodeType="clickEffect">
+                                  <p:stCondLst>
+                                    <p:cond delay="0"/>
+                                  </p:stCondLst>
+                                  <p:childTnLst>
+                                    <p:set>
+                                      <p:cBhvr>
+                                        <p:cTn id="30" dur="1" fill="hold">
+                                          <p:stCondLst>
+                                            <p:cond delay="0"/>
+                                          </p:stCondLst>
+                                        </p:cTn>
+                                        <p:tgtEl>
+                                          <p:spTgt spid="15"/>
+                                        </p:tgtEl>
+                                        <p:attrNameLst>
+                                          <p:attrName>style.visibility</p:attrName>
+                                        </p:attrNameLst>
+                                      </p:cBhvr>
+                                      <p:to>
+                                        <p:strVal val="visible"/>
+                                      </p:to>
+                                    </p:set>
+                                    <p:animEffect transition="in" filter="box(in)">
+                                      <p:cBhvr>
+                                        <p:cTn id="31" dur="500"/>
+                                        <p:tgtEl>
+                                          <p:spTgt spid="15"/>
+                                        </p:tgtEl>
+                                      </p:cBhvr>
+                                    </p:animEffect>
+                                  </p:childTnLst>
+                                </p:cTn>
+                              </p:par>
+                              <p:par>
+                                <p:cTn id="32" presetID="4" presetClass="entr" presetSubtype="16" fill="hold" grpId="0" nodeType="withEffect">
+                                  <p:stCondLst>
+                                    <p:cond delay="0"/>
+                                  </p:stCondLst>
+                                  <p:childTnLst>
+                                    <p:set>
+                                      <p:cBhvr>
+                                        <p:cTn id="33" dur="1" fill="hold">
+                                          <p:stCondLst>
+                                            <p:cond delay="0"/>
+                                          </p:stCondLst>
+                                        </p:cTn>
+                                        <p:tgtEl>
+                                          <p:spTgt spid="9"/>
+                                        </p:tgtEl>
+                                        <p:attrNameLst>
+                                          <p:attrName>style.visibility</p:attrName>
+                                        </p:attrNameLst>
+                                      </p:cBhvr>
+                                      <p:to>
+                                        <p:strVal val="visible"/>
+                                      </p:to>
+                                    </p:set>
+                                    <p:animEffect transition="in" filter="box(in)">
+                                      <p:cBhvr>
+                                        <p:cTn id="34" dur="500"/>
+                                        <p:tgtEl>
+                                          <p:spTgt spid="9"/>
+                                        </p:tgtEl>
+                                      </p:cBhvr>
+                                    </p:animEffect>
+                                  </p:childTnLst>
+                                </p:cTn>
+                              </p:par>
+                              <p:par>
+                                <p:cTn id="35" presetID="4" presetClass="entr" presetSubtype="16" fill="hold" grpId="0" nodeType="withEffect">
+                                  <p:stCondLst>
+                                    <p:cond delay="0"/>
+                                  </p:stCondLst>
+                                  <p:childTnLst>
+                                    <p:set>
+                                      <p:cBhvr>
+                                        <p:cTn id="36" dur="1" fill="hold">
+                                          <p:stCondLst>
+                                            <p:cond delay="0"/>
+                                          </p:stCondLst>
+                                        </p:cTn>
+                                        <p:tgtEl>
+                                          <p:spTgt spid="6"/>
+                                        </p:tgtEl>
+                                        <p:attrNameLst>
+                                          <p:attrName>style.visibility</p:attrName>
+                                        </p:attrNameLst>
+                                      </p:cBhvr>
+                                      <p:to>
+                                        <p:strVal val="visible"/>
+                                      </p:to>
+                                    </p:set>
+                                    <p:animEffect transition="in" filter="box(in)">
+                                      <p:cBhvr>
+                                        <p:cTn id="37" dur="500"/>
+                                        <p:tgtEl>
+                                          <p:spTgt spid="6"/>
+                                        </p:tgtEl>
+                                      </p:cBhvr>
+                                    </p:animEffect>
+                                  </p:childTnLst>
+                                </p:cTn>
+                              </p:par>
+                            </p:childTnLst>
+                          </p:cTn>
+                        </p:par>
+                      </p:childTnLst>
+                    </p:cTn>
+                  </p:par>
+                  <p:par>
+                    <p:cTn id="38" fill="hold">
+                      <p:stCondLst>
+                        <p:cond delay="indefinite"/>
+                      </p:stCondLst>
+                      <p:childTnLst>
+                        <p:par>
+                          <p:cTn id="39" fill="hold">
+                            <p:stCondLst>
+                              <p:cond delay="0"/>
+                            </p:stCondLst>
+                            <p:childTnLst>
+                              <p:par>
+                                <p:cTn id="40" presetID="4" presetClass="entr" presetSubtype="16" fill="hold" grpId="0" nodeType="clickEffect">
+                                  <p:stCondLst>
+                                    <p:cond delay="0"/>
+                                  </p:stCondLst>
+                                  <p:childTnLst>
+                                    <p:set>
+                                      <p:cBhvr>
+                                        <p:cTn id="41" dur="1" fill="hold">
+                                          <p:stCondLst>
+                                            <p:cond delay="0"/>
+                                          </p:stCondLst>
+                                        </p:cTn>
+                                        <p:tgtEl>
+                                          <p:spTgt spid="13"/>
+                                        </p:tgtEl>
+                                        <p:attrNameLst>
+                                          <p:attrName>style.visibility</p:attrName>
+                                        </p:attrNameLst>
+                                      </p:cBhvr>
+                                      <p:to>
+                                        <p:strVal val="visible"/>
+                                      </p:to>
+                                    </p:set>
+                                    <p:animEffect transition="in" filter="box(in)">
+                                      <p:cBhvr>
+                                        <p:cTn id="42" dur="500"/>
+                                        <p:tgtEl>
+                                          <p:spTgt spid="13"/>
+                                        </p:tgtEl>
+                                      </p:cBhvr>
+                                    </p:animEffect>
+                                  </p:childTnLst>
+                                </p:cTn>
+                              </p:par>
+                              <p:par>
+                                <p:cTn id="43" presetID="4" presetClass="entr" presetSubtype="16" fill="hold" grpId="0" nodeType="withEffect">
+                                  <p:stCondLst>
+                                    <p:cond delay="0"/>
+                                  </p:stCondLst>
+                                  <p:childTnLst>
+                                    <p:set>
+                                      <p:cBhvr>
+                                        <p:cTn id="44" dur="1" fill="hold">
+                                          <p:stCondLst>
+                                            <p:cond delay="0"/>
+                                          </p:stCondLst>
+                                        </p:cTn>
+                                        <p:tgtEl>
+                                          <p:spTgt spid="16"/>
+                                        </p:tgtEl>
+                                        <p:attrNameLst>
+                                          <p:attrName>style.visibility</p:attrName>
+                                        </p:attrNameLst>
+                                      </p:cBhvr>
+                                      <p:to>
+                                        <p:strVal val="visible"/>
+                                      </p:to>
+                                    </p:set>
+                                    <p:animEffect transition="in" filter="box(in)">
+                                      <p:cBhvr>
+                                        <p:cTn id="45" dur="500"/>
+                                        <p:tgtEl>
+                                          <p:spTgt spid="16"/>
+                                        </p:tgtEl>
+                                      </p:cBhvr>
+                                    </p:animEffect>
+                                  </p:childTnLst>
+                                </p:cTn>
+                              </p:par>
+                              <p:par>
+                                <p:cTn id="46" presetID="4" presetClass="entr" presetSubtype="16" fill="hold" grpId="0" nodeType="withEffect">
+                                  <p:stCondLst>
+                                    <p:cond delay="0"/>
+                                  </p:stCondLst>
+                                  <p:childTnLst>
+                                    <p:set>
+                                      <p:cBhvr>
+                                        <p:cTn id="47" dur="1" fill="hold">
+                                          <p:stCondLst>
+                                            <p:cond delay="0"/>
+                                          </p:stCondLst>
+                                        </p:cTn>
+                                        <p:tgtEl>
+                                          <p:spTgt spid="7"/>
+                                        </p:tgtEl>
+                                        <p:attrNameLst>
+                                          <p:attrName>style.visibility</p:attrName>
+                                        </p:attrNameLst>
+                                      </p:cBhvr>
+                                      <p:to>
+                                        <p:strVal val="visible"/>
+                                      </p:to>
+                                    </p:set>
+                                    <p:animEffect transition="in" filter="box(in)">
+                                      <p:cBhvr>
+                                        <p:cTn id="48" dur="500"/>
+                                        <p:tgtEl>
+                                          <p:spTgt spid="7"/>
+                                        </p:tgtEl>
+                                      </p:cBhvr>
+                                    </p:animEffect>
+                                  </p:childTnLst>
+                                </p:cTn>
+                              </p:par>
+                            </p:childTnLst>
+                          </p:cTn>
+                        </p:par>
+                      </p:childTnLst>
+                    </p:cTn>
+                  </p:par>
+                </p:childTnLst>
+              </p:cTn>
+              <p:prevCondLst>
+                <p:cond evt="onPrev" delay="0">
+                  <p:tgtEl>
+                    <p:sldTgt/>
+                  </p:tgtEl>
+                </p:cond>
+              </p:prevCondLst>
+              <p:nextCondLst>
+                <p:cond evt="onNext" delay="0">
+                  <p:tgtEl>
+                    <p:sldTgt/>
+                  </p:tgtEl>
+                </p:cond>
+              </p:nextCondLst>
+            </p:seq>
+          </p:childTnLst>
+        </p:cTn>
+      </p:par>
+    </p:tnLst>
+    <p:bldLst>
+      <p:bldP spid="4" grpId="0" animBg="1"/>
+      <p:bldP spid="5" grpId="0" animBg="1"/>
+      <p:bldP spid="6" grpId="0" animBg="1"/>
+      <p:bldP spid="7" grpId="0" animBg="1"/>
+      <p:bldP spid="8" grpId="0" animBg="1"/>
+      <p:bldP spid="9" grpId="0" animBg="1"/>
+      <p:bldP spid="10" grpId="0" animBg="1"/>
+      <p:bldP spid="11" grpId="0" animBg="1"/>
+      <p:bldP spid="13" grpId="0" animBg="1"/>
+      <p:bldP spid="14" grpId="0"/>
+      <p:bldP spid="15" grpId="0"/>
+      <p:bldP spid="16" grpId="0"/>
+    </p:bldLst>
+  </p:timing>
 </p:sld>
 </file>
 
